--- a/Reference/Court Zone.pptx
+++ b/Reference/Court Zone.pptx
@@ -105,6 +105,11 @@
       </a:defRPr>
     </a:lvl9pPr>
   </p:defaultTextStyle>
+  <p:extLst>
+    <p:ext uri="{EFAFB233-063F-42B5-8137-9DF3F51BA10A}">
+      <p15:sldGuideLst xmlns:p15="http://schemas.microsoft.com/office/powerpoint/2012/main"/>
+    </p:ext>
+  </p:extLst>
 </p:presentation>
 </file>
 
@@ -255,7 +260,7 @@
           <a:p>
             <a:fld id="{72A57AF5-C400-4F09-B46B-298CE2AA590F}" type="datetimeFigureOut">
               <a:rPr lang="en-US" smtClean="0"/>
-              <a:t>9/15/2021</a:t>
+              <a:t>9/21/2021</a:t>
             </a:fld>
             <a:endParaRPr lang="en-US"/>
           </a:p>
@@ -453,7 +458,7 @@
           <a:p>
             <a:fld id="{72A57AF5-C400-4F09-B46B-298CE2AA590F}" type="datetimeFigureOut">
               <a:rPr lang="en-US" smtClean="0"/>
-              <a:t>9/15/2021</a:t>
+              <a:t>9/21/2021</a:t>
             </a:fld>
             <a:endParaRPr lang="en-US"/>
           </a:p>
@@ -661,7 +666,7 @@
           <a:p>
             <a:fld id="{72A57AF5-C400-4F09-B46B-298CE2AA590F}" type="datetimeFigureOut">
               <a:rPr lang="en-US" smtClean="0"/>
-              <a:t>9/15/2021</a:t>
+              <a:t>9/21/2021</a:t>
             </a:fld>
             <a:endParaRPr lang="en-US"/>
           </a:p>
@@ -859,7 +864,7 @@
           <a:p>
             <a:fld id="{72A57AF5-C400-4F09-B46B-298CE2AA590F}" type="datetimeFigureOut">
               <a:rPr lang="en-US" smtClean="0"/>
-              <a:t>9/15/2021</a:t>
+              <a:t>9/21/2021</a:t>
             </a:fld>
             <a:endParaRPr lang="en-US"/>
           </a:p>
@@ -1134,7 +1139,7 @@
           <a:p>
             <a:fld id="{72A57AF5-C400-4F09-B46B-298CE2AA590F}" type="datetimeFigureOut">
               <a:rPr lang="en-US" smtClean="0"/>
-              <a:t>9/15/2021</a:t>
+              <a:t>9/21/2021</a:t>
             </a:fld>
             <a:endParaRPr lang="en-US"/>
           </a:p>
@@ -1399,7 +1404,7 @@
           <a:p>
             <a:fld id="{72A57AF5-C400-4F09-B46B-298CE2AA590F}" type="datetimeFigureOut">
               <a:rPr lang="en-US" smtClean="0"/>
-              <a:t>9/15/2021</a:t>
+              <a:t>9/21/2021</a:t>
             </a:fld>
             <a:endParaRPr lang="en-US"/>
           </a:p>
@@ -1811,7 +1816,7 @@
           <a:p>
             <a:fld id="{72A57AF5-C400-4F09-B46B-298CE2AA590F}" type="datetimeFigureOut">
               <a:rPr lang="en-US" smtClean="0"/>
-              <a:t>9/15/2021</a:t>
+              <a:t>9/21/2021</a:t>
             </a:fld>
             <a:endParaRPr lang="en-US"/>
           </a:p>
@@ -1952,7 +1957,7 @@
           <a:p>
             <a:fld id="{72A57AF5-C400-4F09-B46B-298CE2AA590F}" type="datetimeFigureOut">
               <a:rPr lang="en-US" smtClean="0"/>
-              <a:t>9/15/2021</a:t>
+              <a:t>9/21/2021</a:t>
             </a:fld>
             <a:endParaRPr lang="en-US"/>
           </a:p>
@@ -2065,7 +2070,7 @@
           <a:p>
             <a:fld id="{72A57AF5-C400-4F09-B46B-298CE2AA590F}" type="datetimeFigureOut">
               <a:rPr lang="en-US" smtClean="0"/>
-              <a:t>9/15/2021</a:t>
+              <a:t>9/21/2021</a:t>
             </a:fld>
             <a:endParaRPr lang="en-US"/>
           </a:p>
@@ -2376,7 +2381,7 @@
           <a:p>
             <a:fld id="{72A57AF5-C400-4F09-B46B-298CE2AA590F}" type="datetimeFigureOut">
               <a:rPr lang="en-US" smtClean="0"/>
-              <a:t>9/15/2021</a:t>
+              <a:t>9/21/2021</a:t>
             </a:fld>
             <a:endParaRPr lang="en-US"/>
           </a:p>
@@ -2664,7 +2669,7 @@
           <a:p>
             <a:fld id="{72A57AF5-C400-4F09-B46B-298CE2AA590F}" type="datetimeFigureOut">
               <a:rPr lang="en-US" smtClean="0"/>
-              <a:t>9/15/2021</a:t>
+              <a:t>9/21/2021</a:t>
             </a:fld>
             <a:endParaRPr lang="en-US"/>
           </a:p>
@@ -2905,7 +2910,7 @@
           <a:p>
             <a:fld id="{72A57AF5-C400-4F09-B46B-298CE2AA590F}" type="datetimeFigureOut">
               <a:rPr lang="en-US" smtClean="0"/>
-              <a:t>9/15/2021</a:t>
+              <a:t>9/21/2021</a:t>
             </a:fld>
             <a:endParaRPr lang="en-US"/>
           </a:p>
@@ -4595,1017 +4600,6 @@
       </p:sp>
       <p:sp>
         <p:nvSpPr>
-          <p:cNvPr id="12" name="Freeform: Shape 11">
-            <a:extLst>
-              <a:ext uri="{FF2B5EF4-FFF2-40B4-BE49-F238E27FC236}">
-                <a16:creationId xmlns:a16="http://schemas.microsoft.com/office/drawing/2014/main" id="{1A553E42-F9D0-4D93-9DDD-DFC2005F64C4}"/>
-              </a:ext>
-            </a:extLst>
-          </p:cNvPr>
-          <p:cNvSpPr/>
-          <p:nvPr/>
-        </p:nvSpPr>
-        <p:spPr>
-          <a:xfrm>
-            <a:off x="4537494" y="3027870"/>
-            <a:ext cx="3140015" cy="1423359"/>
-          </a:xfrm>
-          <a:custGeom>
-            <a:avLst/>
-            <a:gdLst>
-              <a:gd name="connsiteX0" fmla="*/ 560717 w 3140015"/>
-              <a:gd name="connsiteY0" fmla="*/ 69012 h 1449238"/>
-              <a:gd name="connsiteX1" fmla="*/ 0 w 3140015"/>
-              <a:gd name="connsiteY1" fmla="*/ 923027 h 1449238"/>
-              <a:gd name="connsiteX2" fmla="*/ 1570008 w 3140015"/>
-              <a:gd name="connsiteY2" fmla="*/ 1449238 h 1449238"/>
-              <a:gd name="connsiteX3" fmla="*/ 3140015 w 3140015"/>
-              <a:gd name="connsiteY3" fmla="*/ 974785 h 1449238"/>
-              <a:gd name="connsiteX4" fmla="*/ 2510287 w 3140015"/>
-              <a:gd name="connsiteY4" fmla="*/ 0 h 1449238"/>
-              <a:gd name="connsiteX5" fmla="*/ 1561381 w 3140015"/>
-              <a:gd name="connsiteY5" fmla="*/ 241540 h 1449238"/>
-              <a:gd name="connsiteX6" fmla="*/ 646981 w 3140015"/>
-              <a:gd name="connsiteY6" fmla="*/ 60385 h 1449238"/>
-              <a:gd name="connsiteX7" fmla="*/ 560717 w 3140015"/>
-              <a:gd name="connsiteY7" fmla="*/ 69012 h 1449238"/>
-              <a:gd name="connsiteX0" fmla="*/ 560717 w 3140015"/>
-              <a:gd name="connsiteY0" fmla="*/ 69012 h 1449238"/>
-              <a:gd name="connsiteX1" fmla="*/ 0 w 3140015"/>
-              <a:gd name="connsiteY1" fmla="*/ 923027 h 1449238"/>
-              <a:gd name="connsiteX2" fmla="*/ 1570008 w 3140015"/>
-              <a:gd name="connsiteY2" fmla="*/ 1449238 h 1449238"/>
-              <a:gd name="connsiteX3" fmla="*/ 3140015 w 3140015"/>
-              <a:gd name="connsiteY3" fmla="*/ 974785 h 1449238"/>
-              <a:gd name="connsiteX4" fmla="*/ 2510287 w 3140015"/>
-              <a:gd name="connsiteY4" fmla="*/ 0 h 1449238"/>
-              <a:gd name="connsiteX5" fmla="*/ 1561381 w 3140015"/>
-              <a:gd name="connsiteY5" fmla="*/ 241540 h 1449238"/>
-              <a:gd name="connsiteX6" fmla="*/ 560717 w 3140015"/>
-              <a:gd name="connsiteY6" fmla="*/ 69012 h 1449238"/>
-              <a:gd name="connsiteX0" fmla="*/ 560717 w 3140015"/>
-              <a:gd name="connsiteY0" fmla="*/ 94737 h 1474963"/>
-              <a:gd name="connsiteX1" fmla="*/ 0 w 3140015"/>
-              <a:gd name="connsiteY1" fmla="*/ 948752 h 1474963"/>
-              <a:gd name="connsiteX2" fmla="*/ 1570008 w 3140015"/>
-              <a:gd name="connsiteY2" fmla="*/ 1474963 h 1474963"/>
-              <a:gd name="connsiteX3" fmla="*/ 3140015 w 3140015"/>
-              <a:gd name="connsiteY3" fmla="*/ 1000510 h 1474963"/>
-              <a:gd name="connsiteX4" fmla="*/ 2510287 w 3140015"/>
-              <a:gd name="connsiteY4" fmla="*/ 25725 h 1474963"/>
-              <a:gd name="connsiteX5" fmla="*/ 1561381 w 3140015"/>
-              <a:gd name="connsiteY5" fmla="*/ 267265 h 1474963"/>
-              <a:gd name="connsiteX6" fmla="*/ 560717 w 3140015"/>
-              <a:gd name="connsiteY6" fmla="*/ 94737 h 1474963"/>
-              <a:gd name="connsiteX0" fmla="*/ 560717 w 3140015"/>
-              <a:gd name="connsiteY0" fmla="*/ 94737 h 1475187"/>
-              <a:gd name="connsiteX1" fmla="*/ 0 w 3140015"/>
-              <a:gd name="connsiteY1" fmla="*/ 948752 h 1475187"/>
-              <a:gd name="connsiteX2" fmla="*/ 1570008 w 3140015"/>
-              <a:gd name="connsiteY2" fmla="*/ 1474963 h 1475187"/>
-              <a:gd name="connsiteX3" fmla="*/ 3140015 w 3140015"/>
-              <a:gd name="connsiteY3" fmla="*/ 1000510 h 1475187"/>
-              <a:gd name="connsiteX4" fmla="*/ 2510287 w 3140015"/>
-              <a:gd name="connsiteY4" fmla="*/ 25725 h 1475187"/>
-              <a:gd name="connsiteX5" fmla="*/ 1561381 w 3140015"/>
-              <a:gd name="connsiteY5" fmla="*/ 267265 h 1475187"/>
-              <a:gd name="connsiteX6" fmla="*/ 560717 w 3140015"/>
-              <a:gd name="connsiteY6" fmla="*/ 94737 h 1475187"/>
-              <a:gd name="connsiteX0" fmla="*/ 560717 w 3140015"/>
-              <a:gd name="connsiteY0" fmla="*/ 94737 h 1475187"/>
-              <a:gd name="connsiteX1" fmla="*/ 0 w 3140015"/>
-              <a:gd name="connsiteY1" fmla="*/ 948752 h 1475187"/>
-              <a:gd name="connsiteX2" fmla="*/ 1570008 w 3140015"/>
-              <a:gd name="connsiteY2" fmla="*/ 1474963 h 1475187"/>
-              <a:gd name="connsiteX3" fmla="*/ 3140015 w 3140015"/>
-              <a:gd name="connsiteY3" fmla="*/ 1000510 h 1475187"/>
-              <a:gd name="connsiteX4" fmla="*/ 2510287 w 3140015"/>
-              <a:gd name="connsiteY4" fmla="*/ 25725 h 1475187"/>
-              <a:gd name="connsiteX5" fmla="*/ 1561381 w 3140015"/>
-              <a:gd name="connsiteY5" fmla="*/ 267265 h 1475187"/>
-              <a:gd name="connsiteX6" fmla="*/ 560717 w 3140015"/>
-              <a:gd name="connsiteY6" fmla="*/ 94737 h 1475187"/>
-              <a:gd name="connsiteX0" fmla="*/ 560717 w 3140015"/>
-              <a:gd name="connsiteY0" fmla="*/ 94737 h 1475645"/>
-              <a:gd name="connsiteX1" fmla="*/ 0 w 3140015"/>
-              <a:gd name="connsiteY1" fmla="*/ 948752 h 1475645"/>
-              <a:gd name="connsiteX2" fmla="*/ 1570008 w 3140015"/>
-              <a:gd name="connsiteY2" fmla="*/ 1474963 h 1475645"/>
-              <a:gd name="connsiteX3" fmla="*/ 3140015 w 3140015"/>
-              <a:gd name="connsiteY3" fmla="*/ 1000510 h 1475645"/>
-              <a:gd name="connsiteX4" fmla="*/ 2510287 w 3140015"/>
-              <a:gd name="connsiteY4" fmla="*/ 25725 h 1475645"/>
-              <a:gd name="connsiteX5" fmla="*/ 1561381 w 3140015"/>
-              <a:gd name="connsiteY5" fmla="*/ 267265 h 1475645"/>
-              <a:gd name="connsiteX6" fmla="*/ 560717 w 3140015"/>
-              <a:gd name="connsiteY6" fmla="*/ 94737 h 1475645"/>
-              <a:gd name="connsiteX0" fmla="*/ 560717 w 3140015"/>
-              <a:gd name="connsiteY0" fmla="*/ 94737 h 1474963"/>
-              <a:gd name="connsiteX1" fmla="*/ 0 w 3140015"/>
-              <a:gd name="connsiteY1" fmla="*/ 948752 h 1474963"/>
-              <a:gd name="connsiteX2" fmla="*/ 1570008 w 3140015"/>
-              <a:gd name="connsiteY2" fmla="*/ 1474963 h 1474963"/>
-              <a:gd name="connsiteX3" fmla="*/ 3140015 w 3140015"/>
-              <a:gd name="connsiteY3" fmla="*/ 1000510 h 1474963"/>
-              <a:gd name="connsiteX4" fmla="*/ 2510287 w 3140015"/>
-              <a:gd name="connsiteY4" fmla="*/ 25725 h 1474963"/>
-              <a:gd name="connsiteX5" fmla="*/ 1561381 w 3140015"/>
-              <a:gd name="connsiteY5" fmla="*/ 267265 h 1474963"/>
-              <a:gd name="connsiteX6" fmla="*/ 560717 w 3140015"/>
-              <a:gd name="connsiteY6" fmla="*/ 94737 h 1474963"/>
-              <a:gd name="connsiteX0" fmla="*/ 560717 w 3140015"/>
-              <a:gd name="connsiteY0" fmla="*/ 94737 h 1474963"/>
-              <a:gd name="connsiteX1" fmla="*/ 0 w 3140015"/>
-              <a:gd name="connsiteY1" fmla="*/ 948752 h 1474963"/>
-              <a:gd name="connsiteX2" fmla="*/ 1570008 w 3140015"/>
-              <a:gd name="connsiteY2" fmla="*/ 1474963 h 1474963"/>
-              <a:gd name="connsiteX3" fmla="*/ 3140015 w 3140015"/>
-              <a:gd name="connsiteY3" fmla="*/ 1000510 h 1474963"/>
-              <a:gd name="connsiteX4" fmla="*/ 2510287 w 3140015"/>
-              <a:gd name="connsiteY4" fmla="*/ 25725 h 1474963"/>
-              <a:gd name="connsiteX5" fmla="*/ 1561381 w 3140015"/>
-              <a:gd name="connsiteY5" fmla="*/ 267265 h 1474963"/>
-              <a:gd name="connsiteX6" fmla="*/ 560717 w 3140015"/>
-              <a:gd name="connsiteY6" fmla="*/ 94737 h 1474963"/>
-              <a:gd name="connsiteX0" fmla="*/ 560717 w 3140015"/>
-              <a:gd name="connsiteY0" fmla="*/ 94737 h 1474963"/>
-              <a:gd name="connsiteX1" fmla="*/ 0 w 3140015"/>
-              <a:gd name="connsiteY1" fmla="*/ 948752 h 1474963"/>
-              <a:gd name="connsiteX2" fmla="*/ 1570008 w 3140015"/>
-              <a:gd name="connsiteY2" fmla="*/ 1474963 h 1474963"/>
-              <a:gd name="connsiteX3" fmla="*/ 3140015 w 3140015"/>
-              <a:gd name="connsiteY3" fmla="*/ 1000510 h 1474963"/>
-              <a:gd name="connsiteX4" fmla="*/ 2510287 w 3140015"/>
-              <a:gd name="connsiteY4" fmla="*/ 25725 h 1474963"/>
-              <a:gd name="connsiteX5" fmla="*/ 1561381 w 3140015"/>
-              <a:gd name="connsiteY5" fmla="*/ 267265 h 1474963"/>
-              <a:gd name="connsiteX6" fmla="*/ 560717 w 3140015"/>
-              <a:gd name="connsiteY6" fmla="*/ 94737 h 1474963"/>
-              <a:gd name="connsiteX0" fmla="*/ 560717 w 3140015"/>
-              <a:gd name="connsiteY0" fmla="*/ 94737 h 1449084"/>
-              <a:gd name="connsiteX1" fmla="*/ 0 w 3140015"/>
-              <a:gd name="connsiteY1" fmla="*/ 948752 h 1449084"/>
-              <a:gd name="connsiteX2" fmla="*/ 1552755 w 3140015"/>
-              <a:gd name="connsiteY2" fmla="*/ 1449084 h 1449084"/>
-              <a:gd name="connsiteX3" fmla="*/ 3140015 w 3140015"/>
-              <a:gd name="connsiteY3" fmla="*/ 1000510 h 1449084"/>
-              <a:gd name="connsiteX4" fmla="*/ 2510287 w 3140015"/>
-              <a:gd name="connsiteY4" fmla="*/ 25725 h 1449084"/>
-              <a:gd name="connsiteX5" fmla="*/ 1561381 w 3140015"/>
-              <a:gd name="connsiteY5" fmla="*/ 267265 h 1449084"/>
-              <a:gd name="connsiteX6" fmla="*/ 560717 w 3140015"/>
-              <a:gd name="connsiteY6" fmla="*/ 94737 h 1449084"/>
-              <a:gd name="connsiteX0" fmla="*/ 560717 w 3140015"/>
-              <a:gd name="connsiteY0" fmla="*/ 69012 h 1423359"/>
-              <a:gd name="connsiteX1" fmla="*/ 0 w 3140015"/>
-              <a:gd name="connsiteY1" fmla="*/ 923027 h 1423359"/>
-              <a:gd name="connsiteX2" fmla="*/ 1552755 w 3140015"/>
-              <a:gd name="connsiteY2" fmla="*/ 1423359 h 1423359"/>
-              <a:gd name="connsiteX3" fmla="*/ 3140015 w 3140015"/>
-              <a:gd name="connsiteY3" fmla="*/ 974785 h 1423359"/>
-              <a:gd name="connsiteX4" fmla="*/ 2510287 w 3140015"/>
-              <a:gd name="connsiteY4" fmla="*/ 0 h 1423359"/>
-              <a:gd name="connsiteX5" fmla="*/ 1561381 w 3140015"/>
-              <a:gd name="connsiteY5" fmla="*/ 241540 h 1423359"/>
-              <a:gd name="connsiteX6" fmla="*/ 560717 w 3140015"/>
-              <a:gd name="connsiteY6" fmla="*/ 69012 h 1423359"/>
-              <a:gd name="connsiteX0" fmla="*/ 560717 w 3140015"/>
-              <a:gd name="connsiteY0" fmla="*/ 69012 h 1423359"/>
-              <a:gd name="connsiteX1" fmla="*/ 0 w 3140015"/>
-              <a:gd name="connsiteY1" fmla="*/ 923027 h 1423359"/>
-              <a:gd name="connsiteX2" fmla="*/ 1552755 w 3140015"/>
-              <a:gd name="connsiteY2" fmla="*/ 1423359 h 1423359"/>
-              <a:gd name="connsiteX3" fmla="*/ 3140015 w 3140015"/>
-              <a:gd name="connsiteY3" fmla="*/ 974785 h 1423359"/>
-              <a:gd name="connsiteX4" fmla="*/ 2510287 w 3140015"/>
-              <a:gd name="connsiteY4" fmla="*/ 0 h 1423359"/>
-              <a:gd name="connsiteX5" fmla="*/ 1561381 w 3140015"/>
-              <a:gd name="connsiteY5" fmla="*/ 241540 h 1423359"/>
-              <a:gd name="connsiteX6" fmla="*/ 560717 w 3140015"/>
-              <a:gd name="connsiteY6" fmla="*/ 69012 h 1423359"/>
-              <a:gd name="connsiteX0" fmla="*/ 560717 w 3140015"/>
-              <a:gd name="connsiteY0" fmla="*/ 69012 h 1423359"/>
-              <a:gd name="connsiteX1" fmla="*/ 0 w 3140015"/>
-              <a:gd name="connsiteY1" fmla="*/ 923027 h 1423359"/>
-              <a:gd name="connsiteX2" fmla="*/ 1552755 w 3140015"/>
-              <a:gd name="connsiteY2" fmla="*/ 1423359 h 1423359"/>
-              <a:gd name="connsiteX3" fmla="*/ 3140015 w 3140015"/>
-              <a:gd name="connsiteY3" fmla="*/ 974785 h 1423359"/>
-              <a:gd name="connsiteX4" fmla="*/ 2510287 w 3140015"/>
-              <a:gd name="connsiteY4" fmla="*/ 0 h 1423359"/>
-              <a:gd name="connsiteX5" fmla="*/ 1561381 w 3140015"/>
-              <a:gd name="connsiteY5" fmla="*/ 241540 h 1423359"/>
-              <a:gd name="connsiteX6" fmla="*/ 560717 w 3140015"/>
-              <a:gd name="connsiteY6" fmla="*/ 69012 h 1423359"/>
-              <a:gd name="connsiteX0" fmla="*/ 560717 w 3140015"/>
-              <a:gd name="connsiteY0" fmla="*/ 69012 h 1423359"/>
-              <a:gd name="connsiteX1" fmla="*/ 0 w 3140015"/>
-              <a:gd name="connsiteY1" fmla="*/ 923027 h 1423359"/>
-              <a:gd name="connsiteX2" fmla="*/ 1552755 w 3140015"/>
-              <a:gd name="connsiteY2" fmla="*/ 1423359 h 1423359"/>
-              <a:gd name="connsiteX3" fmla="*/ 3140015 w 3140015"/>
-              <a:gd name="connsiteY3" fmla="*/ 974785 h 1423359"/>
-              <a:gd name="connsiteX4" fmla="*/ 2510287 w 3140015"/>
-              <a:gd name="connsiteY4" fmla="*/ 0 h 1423359"/>
-              <a:gd name="connsiteX5" fmla="*/ 1561381 w 3140015"/>
-              <a:gd name="connsiteY5" fmla="*/ 241540 h 1423359"/>
-              <a:gd name="connsiteX6" fmla="*/ 560717 w 3140015"/>
-              <a:gd name="connsiteY6" fmla="*/ 69012 h 1423359"/>
-              <a:gd name="connsiteX0" fmla="*/ 560717 w 3140015"/>
-              <a:gd name="connsiteY0" fmla="*/ 69012 h 1423359"/>
-              <a:gd name="connsiteX1" fmla="*/ 0 w 3140015"/>
-              <a:gd name="connsiteY1" fmla="*/ 923027 h 1423359"/>
-              <a:gd name="connsiteX2" fmla="*/ 1552755 w 3140015"/>
-              <a:gd name="connsiteY2" fmla="*/ 1423359 h 1423359"/>
-              <a:gd name="connsiteX3" fmla="*/ 3140015 w 3140015"/>
-              <a:gd name="connsiteY3" fmla="*/ 974785 h 1423359"/>
-              <a:gd name="connsiteX4" fmla="*/ 2510287 w 3140015"/>
-              <a:gd name="connsiteY4" fmla="*/ 0 h 1423359"/>
-              <a:gd name="connsiteX5" fmla="*/ 1561381 w 3140015"/>
-              <a:gd name="connsiteY5" fmla="*/ 241540 h 1423359"/>
-              <a:gd name="connsiteX6" fmla="*/ 560717 w 3140015"/>
-              <a:gd name="connsiteY6" fmla="*/ 69012 h 1423359"/>
-              <a:gd name="connsiteX0" fmla="*/ 560717 w 3140015"/>
-              <a:gd name="connsiteY0" fmla="*/ 69012 h 1423359"/>
-              <a:gd name="connsiteX1" fmla="*/ 0 w 3140015"/>
-              <a:gd name="connsiteY1" fmla="*/ 923027 h 1423359"/>
-              <a:gd name="connsiteX2" fmla="*/ 1552755 w 3140015"/>
-              <a:gd name="connsiteY2" fmla="*/ 1423359 h 1423359"/>
-              <a:gd name="connsiteX3" fmla="*/ 3140015 w 3140015"/>
-              <a:gd name="connsiteY3" fmla="*/ 974785 h 1423359"/>
-              <a:gd name="connsiteX4" fmla="*/ 2510287 w 3140015"/>
-              <a:gd name="connsiteY4" fmla="*/ 0 h 1423359"/>
-              <a:gd name="connsiteX5" fmla="*/ 1561381 w 3140015"/>
-              <a:gd name="connsiteY5" fmla="*/ 241540 h 1423359"/>
-              <a:gd name="connsiteX6" fmla="*/ 560717 w 3140015"/>
-              <a:gd name="connsiteY6" fmla="*/ 69012 h 1423359"/>
-              <a:gd name="connsiteX0" fmla="*/ 560717 w 3140015"/>
-              <a:gd name="connsiteY0" fmla="*/ 69012 h 1423359"/>
-              <a:gd name="connsiteX1" fmla="*/ 0 w 3140015"/>
-              <a:gd name="connsiteY1" fmla="*/ 923027 h 1423359"/>
-              <a:gd name="connsiteX2" fmla="*/ 1552755 w 3140015"/>
-              <a:gd name="connsiteY2" fmla="*/ 1423359 h 1423359"/>
-              <a:gd name="connsiteX3" fmla="*/ 3140015 w 3140015"/>
-              <a:gd name="connsiteY3" fmla="*/ 974785 h 1423359"/>
-              <a:gd name="connsiteX4" fmla="*/ 2510287 w 3140015"/>
-              <a:gd name="connsiteY4" fmla="*/ 0 h 1423359"/>
-              <a:gd name="connsiteX5" fmla="*/ 1561381 w 3140015"/>
-              <a:gd name="connsiteY5" fmla="*/ 276046 h 1423359"/>
-              <a:gd name="connsiteX6" fmla="*/ 560717 w 3140015"/>
-              <a:gd name="connsiteY6" fmla="*/ 69012 h 1423359"/>
-              <a:gd name="connsiteX0" fmla="*/ 560717 w 3140015"/>
-              <a:gd name="connsiteY0" fmla="*/ 69012 h 1423359"/>
-              <a:gd name="connsiteX1" fmla="*/ 0 w 3140015"/>
-              <a:gd name="connsiteY1" fmla="*/ 923027 h 1423359"/>
-              <a:gd name="connsiteX2" fmla="*/ 1552755 w 3140015"/>
-              <a:gd name="connsiteY2" fmla="*/ 1423359 h 1423359"/>
-              <a:gd name="connsiteX3" fmla="*/ 3140015 w 3140015"/>
-              <a:gd name="connsiteY3" fmla="*/ 974785 h 1423359"/>
-              <a:gd name="connsiteX4" fmla="*/ 2510287 w 3140015"/>
-              <a:gd name="connsiteY4" fmla="*/ 0 h 1423359"/>
-              <a:gd name="connsiteX5" fmla="*/ 1570007 w 3140015"/>
-              <a:gd name="connsiteY5" fmla="*/ 345057 h 1423359"/>
-              <a:gd name="connsiteX6" fmla="*/ 560717 w 3140015"/>
-              <a:gd name="connsiteY6" fmla="*/ 69012 h 1423359"/>
-              <a:gd name="connsiteX0" fmla="*/ 577970 w 3140015"/>
-              <a:gd name="connsiteY0" fmla="*/ 43132 h 1423359"/>
-              <a:gd name="connsiteX1" fmla="*/ 0 w 3140015"/>
-              <a:gd name="connsiteY1" fmla="*/ 923027 h 1423359"/>
-              <a:gd name="connsiteX2" fmla="*/ 1552755 w 3140015"/>
-              <a:gd name="connsiteY2" fmla="*/ 1423359 h 1423359"/>
-              <a:gd name="connsiteX3" fmla="*/ 3140015 w 3140015"/>
-              <a:gd name="connsiteY3" fmla="*/ 974785 h 1423359"/>
-              <a:gd name="connsiteX4" fmla="*/ 2510287 w 3140015"/>
-              <a:gd name="connsiteY4" fmla="*/ 0 h 1423359"/>
-              <a:gd name="connsiteX5" fmla="*/ 1570007 w 3140015"/>
-              <a:gd name="connsiteY5" fmla="*/ 345057 h 1423359"/>
-              <a:gd name="connsiteX6" fmla="*/ 577970 w 3140015"/>
-              <a:gd name="connsiteY6" fmla="*/ 43132 h 1423359"/>
-              <a:gd name="connsiteX0" fmla="*/ 629729 w 3140015"/>
-              <a:gd name="connsiteY0" fmla="*/ 8627 h 1423359"/>
-              <a:gd name="connsiteX1" fmla="*/ 0 w 3140015"/>
-              <a:gd name="connsiteY1" fmla="*/ 923027 h 1423359"/>
-              <a:gd name="connsiteX2" fmla="*/ 1552755 w 3140015"/>
-              <a:gd name="connsiteY2" fmla="*/ 1423359 h 1423359"/>
-              <a:gd name="connsiteX3" fmla="*/ 3140015 w 3140015"/>
-              <a:gd name="connsiteY3" fmla="*/ 974785 h 1423359"/>
-              <a:gd name="connsiteX4" fmla="*/ 2510287 w 3140015"/>
-              <a:gd name="connsiteY4" fmla="*/ 0 h 1423359"/>
-              <a:gd name="connsiteX5" fmla="*/ 1570007 w 3140015"/>
-              <a:gd name="connsiteY5" fmla="*/ 345057 h 1423359"/>
-              <a:gd name="connsiteX6" fmla="*/ 629729 w 3140015"/>
-              <a:gd name="connsiteY6" fmla="*/ 8627 h 1423359"/>
-              <a:gd name="connsiteX0" fmla="*/ 629729 w 3140015"/>
-              <a:gd name="connsiteY0" fmla="*/ 8627 h 1423359"/>
-              <a:gd name="connsiteX1" fmla="*/ 0 w 3140015"/>
-              <a:gd name="connsiteY1" fmla="*/ 923027 h 1423359"/>
-              <a:gd name="connsiteX2" fmla="*/ 1552755 w 3140015"/>
-              <a:gd name="connsiteY2" fmla="*/ 1423359 h 1423359"/>
-              <a:gd name="connsiteX3" fmla="*/ 3140015 w 3140015"/>
-              <a:gd name="connsiteY3" fmla="*/ 974785 h 1423359"/>
-              <a:gd name="connsiteX4" fmla="*/ 2510287 w 3140015"/>
-              <a:gd name="connsiteY4" fmla="*/ 0 h 1423359"/>
-              <a:gd name="connsiteX5" fmla="*/ 1570007 w 3140015"/>
-              <a:gd name="connsiteY5" fmla="*/ 293298 h 1423359"/>
-              <a:gd name="connsiteX6" fmla="*/ 629729 w 3140015"/>
-              <a:gd name="connsiteY6" fmla="*/ 8627 h 1423359"/>
-            </a:gdLst>
-            <a:ahLst/>
-            <a:cxnLst>
-              <a:cxn ang="0">
-                <a:pos x="connsiteX0" y="connsiteY0"/>
-              </a:cxn>
-              <a:cxn ang="0">
-                <a:pos x="connsiteX1" y="connsiteY1"/>
-              </a:cxn>
-              <a:cxn ang="0">
-                <a:pos x="connsiteX2" y="connsiteY2"/>
-              </a:cxn>
-              <a:cxn ang="0">
-                <a:pos x="connsiteX3" y="connsiteY3"/>
-              </a:cxn>
-              <a:cxn ang="0">
-                <a:pos x="connsiteX4" y="connsiteY4"/>
-              </a:cxn>
-              <a:cxn ang="0">
-                <a:pos x="connsiteX5" y="connsiteY5"/>
-              </a:cxn>
-              <a:cxn ang="0">
-                <a:pos x="connsiteX6" y="connsiteY6"/>
-              </a:cxn>
-            </a:cxnLst>
-            <a:rect l="l" t="t" r="r" b="b"/>
-            <a:pathLst>
-              <a:path w="3140015" h="1423359">
-                <a:moveTo>
-                  <a:pt x="629729" y="8627"/>
-                </a:moveTo>
-                <a:lnTo>
-                  <a:pt x="0" y="923027"/>
-                </a:lnTo>
-                <a:cubicBezTo>
-                  <a:pt x="237227" y="1153065"/>
-                  <a:pt x="925902" y="1423360"/>
-                  <a:pt x="1552755" y="1423359"/>
-                </a:cubicBezTo>
-                <a:cubicBezTo>
-                  <a:pt x="2179608" y="1423358"/>
-                  <a:pt x="2888412" y="1164566"/>
-                  <a:pt x="3140015" y="974785"/>
-                </a:cubicBezTo>
-                <a:lnTo>
-                  <a:pt x="2510287" y="0"/>
-                </a:lnTo>
-                <a:cubicBezTo>
-                  <a:pt x="2273061" y="196970"/>
-                  <a:pt x="1883433" y="291860"/>
-                  <a:pt x="1570007" y="293298"/>
-                </a:cubicBezTo>
-                <a:cubicBezTo>
-                  <a:pt x="1256581" y="294736"/>
-                  <a:pt x="950344" y="231477"/>
-                  <a:pt x="629729" y="8627"/>
-                </a:cubicBezTo>
-                <a:close/>
-              </a:path>
-            </a:pathLst>
-          </a:custGeom>
-          <a:solidFill>
-            <a:srgbClr val="27E1B5">
-              <a:alpha val="50196"/>
-            </a:srgbClr>
-          </a:solidFill>
-          <a:ln w="28575">
-            <a:solidFill>
-              <a:srgbClr val="FF0000"/>
-            </a:solidFill>
-          </a:ln>
-        </p:spPr>
-        <p:style>
-          <a:lnRef idx="2">
-            <a:schemeClr val="accent1">
-              <a:shade val="50000"/>
-            </a:schemeClr>
-          </a:lnRef>
-          <a:fillRef idx="1">
-            <a:schemeClr val="accent1"/>
-          </a:fillRef>
-          <a:effectRef idx="0">
-            <a:schemeClr val="accent1"/>
-          </a:effectRef>
-          <a:fontRef idx="minor">
-            <a:schemeClr val="lt1"/>
-          </a:fontRef>
-        </p:style>
-        <p:txBody>
-          <a:bodyPr rtlCol="0" anchor="ctr"/>
-          <a:lstStyle/>
-          <a:p>
-            <a:pPr algn="ctr"/>
-            <a:endParaRPr lang="en-US"/>
-          </a:p>
-        </p:txBody>
-      </p:sp>
-      <p:sp>
-        <p:nvSpPr>
-          <p:cNvPr id="13" name="Freeform: Shape 12">
-            <a:extLst>
-              <a:ext uri="{FF2B5EF4-FFF2-40B4-BE49-F238E27FC236}">
-                <a16:creationId xmlns:a16="http://schemas.microsoft.com/office/drawing/2014/main" id="{E0158861-810A-4ECF-8B8B-FD5019D0C56D}"/>
-              </a:ext>
-            </a:extLst>
-          </p:cNvPr>
-          <p:cNvSpPr/>
-          <p:nvPr/>
-        </p:nvSpPr>
-        <p:spPr>
-          <a:xfrm>
-            <a:off x="7065033" y="2035833"/>
-            <a:ext cx="1802921" cy="1932318"/>
-          </a:xfrm>
-          <a:custGeom>
-            <a:avLst/>
-            <a:gdLst>
-              <a:gd name="connsiteX0" fmla="*/ 0 w 1785668"/>
-              <a:gd name="connsiteY0" fmla="*/ 923027 h 1915065"/>
-              <a:gd name="connsiteX1" fmla="*/ 595222 w 1785668"/>
-              <a:gd name="connsiteY1" fmla="*/ 1915065 h 1915065"/>
-              <a:gd name="connsiteX2" fmla="*/ 1337094 w 1785668"/>
-              <a:gd name="connsiteY2" fmla="*/ 1190446 h 1915065"/>
-              <a:gd name="connsiteX3" fmla="*/ 1785668 w 1785668"/>
-              <a:gd name="connsiteY3" fmla="*/ 396816 h 1915065"/>
-              <a:gd name="connsiteX4" fmla="*/ 974785 w 1785668"/>
-              <a:gd name="connsiteY4" fmla="*/ 0 h 1915065"/>
-              <a:gd name="connsiteX5" fmla="*/ 595222 w 1785668"/>
-              <a:gd name="connsiteY5" fmla="*/ 534838 h 1915065"/>
-              <a:gd name="connsiteX6" fmla="*/ 0 w 1785668"/>
-              <a:gd name="connsiteY6" fmla="*/ 923027 h 1915065"/>
-              <a:gd name="connsiteX0" fmla="*/ 0 w 1802921"/>
-              <a:gd name="connsiteY0" fmla="*/ 931653 h 1915065"/>
-              <a:gd name="connsiteX1" fmla="*/ 612475 w 1802921"/>
-              <a:gd name="connsiteY1" fmla="*/ 1915065 h 1915065"/>
-              <a:gd name="connsiteX2" fmla="*/ 1354347 w 1802921"/>
-              <a:gd name="connsiteY2" fmla="*/ 1190446 h 1915065"/>
-              <a:gd name="connsiteX3" fmla="*/ 1802921 w 1802921"/>
-              <a:gd name="connsiteY3" fmla="*/ 396816 h 1915065"/>
-              <a:gd name="connsiteX4" fmla="*/ 992038 w 1802921"/>
-              <a:gd name="connsiteY4" fmla="*/ 0 h 1915065"/>
-              <a:gd name="connsiteX5" fmla="*/ 612475 w 1802921"/>
-              <a:gd name="connsiteY5" fmla="*/ 534838 h 1915065"/>
-              <a:gd name="connsiteX6" fmla="*/ 0 w 1802921"/>
-              <a:gd name="connsiteY6" fmla="*/ 931653 h 1915065"/>
-              <a:gd name="connsiteX0" fmla="*/ 0 w 1802921"/>
-              <a:gd name="connsiteY0" fmla="*/ 931653 h 1880559"/>
-              <a:gd name="connsiteX1" fmla="*/ 612475 w 1802921"/>
-              <a:gd name="connsiteY1" fmla="*/ 1880559 h 1880559"/>
-              <a:gd name="connsiteX2" fmla="*/ 1354347 w 1802921"/>
-              <a:gd name="connsiteY2" fmla="*/ 1190446 h 1880559"/>
-              <a:gd name="connsiteX3" fmla="*/ 1802921 w 1802921"/>
-              <a:gd name="connsiteY3" fmla="*/ 396816 h 1880559"/>
-              <a:gd name="connsiteX4" fmla="*/ 992038 w 1802921"/>
-              <a:gd name="connsiteY4" fmla="*/ 0 h 1880559"/>
-              <a:gd name="connsiteX5" fmla="*/ 612475 w 1802921"/>
-              <a:gd name="connsiteY5" fmla="*/ 534838 h 1880559"/>
-              <a:gd name="connsiteX6" fmla="*/ 0 w 1802921"/>
-              <a:gd name="connsiteY6" fmla="*/ 931653 h 1880559"/>
-              <a:gd name="connsiteX0" fmla="*/ 0 w 1810577"/>
-              <a:gd name="connsiteY0" fmla="*/ 931653 h 1883250"/>
-              <a:gd name="connsiteX1" fmla="*/ 612475 w 1810577"/>
-              <a:gd name="connsiteY1" fmla="*/ 1880559 h 1883250"/>
-              <a:gd name="connsiteX2" fmla="*/ 1354347 w 1810577"/>
-              <a:gd name="connsiteY2" fmla="*/ 1190446 h 1883250"/>
-              <a:gd name="connsiteX3" fmla="*/ 1802921 w 1810577"/>
-              <a:gd name="connsiteY3" fmla="*/ 396816 h 1883250"/>
-              <a:gd name="connsiteX4" fmla="*/ 992038 w 1810577"/>
-              <a:gd name="connsiteY4" fmla="*/ 0 h 1883250"/>
-              <a:gd name="connsiteX5" fmla="*/ 612475 w 1810577"/>
-              <a:gd name="connsiteY5" fmla="*/ 534838 h 1883250"/>
-              <a:gd name="connsiteX6" fmla="*/ 0 w 1810577"/>
-              <a:gd name="connsiteY6" fmla="*/ 931653 h 1883250"/>
-              <a:gd name="connsiteX0" fmla="*/ 0 w 1810577"/>
-              <a:gd name="connsiteY0" fmla="*/ 931653 h 1880559"/>
-              <a:gd name="connsiteX1" fmla="*/ 612475 w 1810577"/>
-              <a:gd name="connsiteY1" fmla="*/ 1880559 h 1880559"/>
-              <a:gd name="connsiteX2" fmla="*/ 1354347 w 1810577"/>
-              <a:gd name="connsiteY2" fmla="*/ 1190446 h 1880559"/>
-              <a:gd name="connsiteX3" fmla="*/ 1802921 w 1810577"/>
-              <a:gd name="connsiteY3" fmla="*/ 396816 h 1880559"/>
-              <a:gd name="connsiteX4" fmla="*/ 992038 w 1810577"/>
-              <a:gd name="connsiteY4" fmla="*/ 0 h 1880559"/>
-              <a:gd name="connsiteX5" fmla="*/ 612475 w 1810577"/>
-              <a:gd name="connsiteY5" fmla="*/ 534838 h 1880559"/>
-              <a:gd name="connsiteX6" fmla="*/ 0 w 1810577"/>
-              <a:gd name="connsiteY6" fmla="*/ 931653 h 1880559"/>
-              <a:gd name="connsiteX0" fmla="*/ 0 w 1802921"/>
-              <a:gd name="connsiteY0" fmla="*/ 931653 h 1880559"/>
-              <a:gd name="connsiteX1" fmla="*/ 612475 w 1802921"/>
-              <a:gd name="connsiteY1" fmla="*/ 1880559 h 1880559"/>
-              <a:gd name="connsiteX2" fmla="*/ 1354347 w 1802921"/>
-              <a:gd name="connsiteY2" fmla="*/ 1190446 h 1880559"/>
-              <a:gd name="connsiteX3" fmla="*/ 1802921 w 1802921"/>
-              <a:gd name="connsiteY3" fmla="*/ 396816 h 1880559"/>
-              <a:gd name="connsiteX4" fmla="*/ 992038 w 1802921"/>
-              <a:gd name="connsiteY4" fmla="*/ 0 h 1880559"/>
-              <a:gd name="connsiteX5" fmla="*/ 612475 w 1802921"/>
-              <a:gd name="connsiteY5" fmla="*/ 534838 h 1880559"/>
-              <a:gd name="connsiteX6" fmla="*/ 0 w 1802921"/>
-              <a:gd name="connsiteY6" fmla="*/ 931653 h 1880559"/>
-              <a:gd name="connsiteX0" fmla="*/ 0 w 1802921"/>
-              <a:gd name="connsiteY0" fmla="*/ 931653 h 1880559"/>
-              <a:gd name="connsiteX1" fmla="*/ 612475 w 1802921"/>
-              <a:gd name="connsiteY1" fmla="*/ 1880559 h 1880559"/>
-              <a:gd name="connsiteX2" fmla="*/ 1354347 w 1802921"/>
-              <a:gd name="connsiteY2" fmla="*/ 1190446 h 1880559"/>
-              <a:gd name="connsiteX3" fmla="*/ 1802921 w 1802921"/>
-              <a:gd name="connsiteY3" fmla="*/ 396816 h 1880559"/>
-              <a:gd name="connsiteX4" fmla="*/ 992038 w 1802921"/>
-              <a:gd name="connsiteY4" fmla="*/ 0 h 1880559"/>
-              <a:gd name="connsiteX5" fmla="*/ 612475 w 1802921"/>
-              <a:gd name="connsiteY5" fmla="*/ 534838 h 1880559"/>
-              <a:gd name="connsiteX6" fmla="*/ 0 w 1802921"/>
-              <a:gd name="connsiteY6" fmla="*/ 931653 h 1880559"/>
-              <a:gd name="connsiteX0" fmla="*/ 0 w 1802921"/>
-              <a:gd name="connsiteY0" fmla="*/ 931653 h 1880559"/>
-              <a:gd name="connsiteX1" fmla="*/ 612475 w 1802921"/>
-              <a:gd name="connsiteY1" fmla="*/ 1880559 h 1880559"/>
-              <a:gd name="connsiteX2" fmla="*/ 1354347 w 1802921"/>
-              <a:gd name="connsiteY2" fmla="*/ 1190446 h 1880559"/>
-              <a:gd name="connsiteX3" fmla="*/ 1802921 w 1802921"/>
-              <a:gd name="connsiteY3" fmla="*/ 396816 h 1880559"/>
-              <a:gd name="connsiteX4" fmla="*/ 992038 w 1802921"/>
-              <a:gd name="connsiteY4" fmla="*/ 0 h 1880559"/>
-              <a:gd name="connsiteX5" fmla="*/ 612475 w 1802921"/>
-              <a:gd name="connsiteY5" fmla="*/ 534838 h 1880559"/>
-              <a:gd name="connsiteX6" fmla="*/ 0 w 1802921"/>
-              <a:gd name="connsiteY6" fmla="*/ 931653 h 1880559"/>
-              <a:gd name="connsiteX0" fmla="*/ 0 w 1802921"/>
-              <a:gd name="connsiteY0" fmla="*/ 931653 h 1880559"/>
-              <a:gd name="connsiteX1" fmla="*/ 612475 w 1802921"/>
-              <a:gd name="connsiteY1" fmla="*/ 1880559 h 1880559"/>
-              <a:gd name="connsiteX2" fmla="*/ 1354347 w 1802921"/>
-              <a:gd name="connsiteY2" fmla="*/ 1190446 h 1880559"/>
-              <a:gd name="connsiteX3" fmla="*/ 1802921 w 1802921"/>
-              <a:gd name="connsiteY3" fmla="*/ 396816 h 1880559"/>
-              <a:gd name="connsiteX4" fmla="*/ 992038 w 1802921"/>
-              <a:gd name="connsiteY4" fmla="*/ 0 h 1880559"/>
-              <a:gd name="connsiteX5" fmla="*/ 612475 w 1802921"/>
-              <a:gd name="connsiteY5" fmla="*/ 534838 h 1880559"/>
-              <a:gd name="connsiteX6" fmla="*/ 0 w 1802921"/>
-              <a:gd name="connsiteY6" fmla="*/ 931653 h 1880559"/>
-              <a:gd name="connsiteX0" fmla="*/ 0 w 1802921"/>
-              <a:gd name="connsiteY0" fmla="*/ 931653 h 1880559"/>
-              <a:gd name="connsiteX1" fmla="*/ 612475 w 1802921"/>
-              <a:gd name="connsiteY1" fmla="*/ 1880559 h 1880559"/>
-              <a:gd name="connsiteX2" fmla="*/ 1354347 w 1802921"/>
-              <a:gd name="connsiteY2" fmla="*/ 1190446 h 1880559"/>
-              <a:gd name="connsiteX3" fmla="*/ 1802921 w 1802921"/>
-              <a:gd name="connsiteY3" fmla="*/ 396816 h 1880559"/>
-              <a:gd name="connsiteX4" fmla="*/ 992038 w 1802921"/>
-              <a:gd name="connsiteY4" fmla="*/ 0 h 1880559"/>
-              <a:gd name="connsiteX5" fmla="*/ 612475 w 1802921"/>
-              <a:gd name="connsiteY5" fmla="*/ 534838 h 1880559"/>
-              <a:gd name="connsiteX6" fmla="*/ 0 w 1802921"/>
-              <a:gd name="connsiteY6" fmla="*/ 931653 h 1880559"/>
-              <a:gd name="connsiteX0" fmla="*/ 0 w 1802921"/>
-              <a:gd name="connsiteY0" fmla="*/ 931653 h 1880559"/>
-              <a:gd name="connsiteX1" fmla="*/ 612475 w 1802921"/>
-              <a:gd name="connsiteY1" fmla="*/ 1880559 h 1880559"/>
-              <a:gd name="connsiteX2" fmla="*/ 1354347 w 1802921"/>
-              <a:gd name="connsiteY2" fmla="*/ 1190446 h 1880559"/>
-              <a:gd name="connsiteX3" fmla="*/ 1802921 w 1802921"/>
-              <a:gd name="connsiteY3" fmla="*/ 396816 h 1880559"/>
-              <a:gd name="connsiteX4" fmla="*/ 992038 w 1802921"/>
-              <a:gd name="connsiteY4" fmla="*/ 0 h 1880559"/>
-              <a:gd name="connsiteX5" fmla="*/ 612475 w 1802921"/>
-              <a:gd name="connsiteY5" fmla="*/ 534838 h 1880559"/>
-              <a:gd name="connsiteX6" fmla="*/ 0 w 1802921"/>
-              <a:gd name="connsiteY6" fmla="*/ 931653 h 1880559"/>
-              <a:gd name="connsiteX0" fmla="*/ 0 w 1802921"/>
-              <a:gd name="connsiteY0" fmla="*/ 983412 h 1932318"/>
-              <a:gd name="connsiteX1" fmla="*/ 612475 w 1802921"/>
-              <a:gd name="connsiteY1" fmla="*/ 1932318 h 1932318"/>
-              <a:gd name="connsiteX2" fmla="*/ 1354347 w 1802921"/>
-              <a:gd name="connsiteY2" fmla="*/ 1242205 h 1932318"/>
-              <a:gd name="connsiteX3" fmla="*/ 1802921 w 1802921"/>
-              <a:gd name="connsiteY3" fmla="*/ 448575 h 1932318"/>
-              <a:gd name="connsiteX4" fmla="*/ 923027 w 1802921"/>
-              <a:gd name="connsiteY4" fmla="*/ 0 h 1932318"/>
-              <a:gd name="connsiteX5" fmla="*/ 612475 w 1802921"/>
-              <a:gd name="connsiteY5" fmla="*/ 586597 h 1932318"/>
-              <a:gd name="connsiteX6" fmla="*/ 0 w 1802921"/>
-              <a:gd name="connsiteY6" fmla="*/ 983412 h 1932318"/>
-              <a:gd name="connsiteX0" fmla="*/ 0 w 1802921"/>
-              <a:gd name="connsiteY0" fmla="*/ 983412 h 1932318"/>
-              <a:gd name="connsiteX1" fmla="*/ 612475 w 1802921"/>
-              <a:gd name="connsiteY1" fmla="*/ 1932318 h 1932318"/>
-              <a:gd name="connsiteX2" fmla="*/ 1354347 w 1802921"/>
-              <a:gd name="connsiteY2" fmla="*/ 1242205 h 1932318"/>
-              <a:gd name="connsiteX3" fmla="*/ 1802921 w 1802921"/>
-              <a:gd name="connsiteY3" fmla="*/ 448575 h 1932318"/>
-              <a:gd name="connsiteX4" fmla="*/ 923027 w 1802921"/>
-              <a:gd name="connsiteY4" fmla="*/ 0 h 1932318"/>
-              <a:gd name="connsiteX5" fmla="*/ 612475 w 1802921"/>
-              <a:gd name="connsiteY5" fmla="*/ 569345 h 1932318"/>
-              <a:gd name="connsiteX6" fmla="*/ 0 w 1802921"/>
-              <a:gd name="connsiteY6" fmla="*/ 983412 h 1932318"/>
-            </a:gdLst>
-            <a:ahLst/>
-            <a:cxnLst>
-              <a:cxn ang="0">
-                <a:pos x="connsiteX0" y="connsiteY0"/>
-              </a:cxn>
-              <a:cxn ang="0">
-                <a:pos x="connsiteX1" y="connsiteY1"/>
-              </a:cxn>
-              <a:cxn ang="0">
-                <a:pos x="connsiteX2" y="connsiteY2"/>
-              </a:cxn>
-              <a:cxn ang="0">
-                <a:pos x="connsiteX3" y="connsiteY3"/>
-              </a:cxn>
-              <a:cxn ang="0">
-                <a:pos x="connsiteX4" y="connsiteY4"/>
-              </a:cxn>
-              <a:cxn ang="0">
-                <a:pos x="connsiteX5" y="connsiteY5"/>
-              </a:cxn>
-              <a:cxn ang="0">
-                <a:pos x="connsiteX6" y="connsiteY6"/>
-              </a:cxn>
-            </a:cxnLst>
-            <a:rect l="l" t="t" r="r" b="b"/>
-            <a:pathLst>
-              <a:path w="1802921" h="1932318">
-                <a:moveTo>
-                  <a:pt x="0" y="983412"/>
-                </a:moveTo>
-                <a:lnTo>
-                  <a:pt x="612475" y="1932318"/>
-                </a:lnTo>
-                <a:cubicBezTo>
-                  <a:pt x="889958" y="1777043"/>
-                  <a:pt x="1155939" y="1489495"/>
-                  <a:pt x="1354347" y="1242205"/>
-                </a:cubicBezTo>
-                <a:cubicBezTo>
-                  <a:pt x="1552755" y="994915"/>
-                  <a:pt x="1708030" y="690116"/>
-                  <a:pt x="1802921" y="448575"/>
-                </a:cubicBezTo>
-                <a:lnTo>
-                  <a:pt x="923027" y="0"/>
-                </a:lnTo>
-                <a:cubicBezTo>
-                  <a:pt x="871269" y="143773"/>
-                  <a:pt x="766313" y="405443"/>
-                  <a:pt x="612475" y="569345"/>
-                </a:cubicBezTo>
-                <a:cubicBezTo>
-                  <a:pt x="458637" y="733247"/>
-                  <a:pt x="232914" y="845389"/>
-                  <a:pt x="0" y="983412"/>
-                </a:cubicBezTo>
-                <a:close/>
-              </a:path>
-            </a:pathLst>
-          </a:custGeom>
-          <a:solidFill>
-            <a:srgbClr val="D4CC34">
-              <a:alpha val="50196"/>
-            </a:srgbClr>
-          </a:solidFill>
-          <a:ln w="28575">
-            <a:solidFill>
-              <a:srgbClr val="FF0000"/>
-            </a:solidFill>
-          </a:ln>
-        </p:spPr>
-        <p:style>
-          <a:lnRef idx="2">
-            <a:schemeClr val="accent1">
-              <a:shade val="50000"/>
-            </a:schemeClr>
-          </a:lnRef>
-          <a:fillRef idx="1">
-            <a:schemeClr val="accent1"/>
-          </a:fillRef>
-          <a:effectRef idx="0">
-            <a:schemeClr val="accent1"/>
-          </a:effectRef>
-          <a:fontRef idx="minor">
-            <a:schemeClr val="lt1"/>
-          </a:fontRef>
-        </p:style>
-        <p:txBody>
-          <a:bodyPr rtlCol="0" anchor="ctr"/>
-          <a:lstStyle/>
-          <a:p>
-            <a:pPr algn="ctr"/>
-            <a:endParaRPr lang="en-US"/>
-          </a:p>
-        </p:txBody>
-      </p:sp>
-      <p:sp>
-        <p:nvSpPr>
-          <p:cNvPr id="14" name="Freeform: Shape 13">
-            <a:extLst>
-              <a:ext uri="{FF2B5EF4-FFF2-40B4-BE49-F238E27FC236}">
-                <a16:creationId xmlns:a16="http://schemas.microsoft.com/office/drawing/2014/main" id="{212FB687-DB16-42F8-AE63-DFC2DDFEDCAA}"/>
-              </a:ext>
-            </a:extLst>
-          </p:cNvPr>
-          <p:cNvSpPr/>
-          <p:nvPr/>
-        </p:nvSpPr>
-        <p:spPr>
-          <a:xfrm flipH="1">
-            <a:off x="3334520" y="2035833"/>
-            <a:ext cx="1802921" cy="1932318"/>
-          </a:xfrm>
-          <a:custGeom>
-            <a:avLst/>
-            <a:gdLst>
-              <a:gd name="connsiteX0" fmla="*/ 0 w 1785668"/>
-              <a:gd name="connsiteY0" fmla="*/ 923027 h 1915065"/>
-              <a:gd name="connsiteX1" fmla="*/ 595222 w 1785668"/>
-              <a:gd name="connsiteY1" fmla="*/ 1915065 h 1915065"/>
-              <a:gd name="connsiteX2" fmla="*/ 1337094 w 1785668"/>
-              <a:gd name="connsiteY2" fmla="*/ 1190446 h 1915065"/>
-              <a:gd name="connsiteX3" fmla="*/ 1785668 w 1785668"/>
-              <a:gd name="connsiteY3" fmla="*/ 396816 h 1915065"/>
-              <a:gd name="connsiteX4" fmla="*/ 974785 w 1785668"/>
-              <a:gd name="connsiteY4" fmla="*/ 0 h 1915065"/>
-              <a:gd name="connsiteX5" fmla="*/ 595222 w 1785668"/>
-              <a:gd name="connsiteY5" fmla="*/ 534838 h 1915065"/>
-              <a:gd name="connsiteX6" fmla="*/ 0 w 1785668"/>
-              <a:gd name="connsiteY6" fmla="*/ 923027 h 1915065"/>
-              <a:gd name="connsiteX0" fmla="*/ 0 w 1802921"/>
-              <a:gd name="connsiteY0" fmla="*/ 931653 h 1915065"/>
-              <a:gd name="connsiteX1" fmla="*/ 612475 w 1802921"/>
-              <a:gd name="connsiteY1" fmla="*/ 1915065 h 1915065"/>
-              <a:gd name="connsiteX2" fmla="*/ 1354347 w 1802921"/>
-              <a:gd name="connsiteY2" fmla="*/ 1190446 h 1915065"/>
-              <a:gd name="connsiteX3" fmla="*/ 1802921 w 1802921"/>
-              <a:gd name="connsiteY3" fmla="*/ 396816 h 1915065"/>
-              <a:gd name="connsiteX4" fmla="*/ 992038 w 1802921"/>
-              <a:gd name="connsiteY4" fmla="*/ 0 h 1915065"/>
-              <a:gd name="connsiteX5" fmla="*/ 612475 w 1802921"/>
-              <a:gd name="connsiteY5" fmla="*/ 534838 h 1915065"/>
-              <a:gd name="connsiteX6" fmla="*/ 0 w 1802921"/>
-              <a:gd name="connsiteY6" fmla="*/ 931653 h 1915065"/>
-              <a:gd name="connsiteX0" fmla="*/ 0 w 1802921"/>
-              <a:gd name="connsiteY0" fmla="*/ 931653 h 1880559"/>
-              <a:gd name="connsiteX1" fmla="*/ 612475 w 1802921"/>
-              <a:gd name="connsiteY1" fmla="*/ 1880559 h 1880559"/>
-              <a:gd name="connsiteX2" fmla="*/ 1354347 w 1802921"/>
-              <a:gd name="connsiteY2" fmla="*/ 1190446 h 1880559"/>
-              <a:gd name="connsiteX3" fmla="*/ 1802921 w 1802921"/>
-              <a:gd name="connsiteY3" fmla="*/ 396816 h 1880559"/>
-              <a:gd name="connsiteX4" fmla="*/ 992038 w 1802921"/>
-              <a:gd name="connsiteY4" fmla="*/ 0 h 1880559"/>
-              <a:gd name="connsiteX5" fmla="*/ 612475 w 1802921"/>
-              <a:gd name="connsiteY5" fmla="*/ 534838 h 1880559"/>
-              <a:gd name="connsiteX6" fmla="*/ 0 w 1802921"/>
-              <a:gd name="connsiteY6" fmla="*/ 931653 h 1880559"/>
-              <a:gd name="connsiteX0" fmla="*/ 0 w 1810577"/>
-              <a:gd name="connsiteY0" fmla="*/ 931653 h 1883250"/>
-              <a:gd name="connsiteX1" fmla="*/ 612475 w 1810577"/>
-              <a:gd name="connsiteY1" fmla="*/ 1880559 h 1883250"/>
-              <a:gd name="connsiteX2" fmla="*/ 1354347 w 1810577"/>
-              <a:gd name="connsiteY2" fmla="*/ 1190446 h 1883250"/>
-              <a:gd name="connsiteX3" fmla="*/ 1802921 w 1810577"/>
-              <a:gd name="connsiteY3" fmla="*/ 396816 h 1883250"/>
-              <a:gd name="connsiteX4" fmla="*/ 992038 w 1810577"/>
-              <a:gd name="connsiteY4" fmla="*/ 0 h 1883250"/>
-              <a:gd name="connsiteX5" fmla="*/ 612475 w 1810577"/>
-              <a:gd name="connsiteY5" fmla="*/ 534838 h 1883250"/>
-              <a:gd name="connsiteX6" fmla="*/ 0 w 1810577"/>
-              <a:gd name="connsiteY6" fmla="*/ 931653 h 1883250"/>
-              <a:gd name="connsiteX0" fmla="*/ 0 w 1810577"/>
-              <a:gd name="connsiteY0" fmla="*/ 931653 h 1880559"/>
-              <a:gd name="connsiteX1" fmla="*/ 612475 w 1810577"/>
-              <a:gd name="connsiteY1" fmla="*/ 1880559 h 1880559"/>
-              <a:gd name="connsiteX2" fmla="*/ 1354347 w 1810577"/>
-              <a:gd name="connsiteY2" fmla="*/ 1190446 h 1880559"/>
-              <a:gd name="connsiteX3" fmla="*/ 1802921 w 1810577"/>
-              <a:gd name="connsiteY3" fmla="*/ 396816 h 1880559"/>
-              <a:gd name="connsiteX4" fmla="*/ 992038 w 1810577"/>
-              <a:gd name="connsiteY4" fmla="*/ 0 h 1880559"/>
-              <a:gd name="connsiteX5" fmla="*/ 612475 w 1810577"/>
-              <a:gd name="connsiteY5" fmla="*/ 534838 h 1880559"/>
-              <a:gd name="connsiteX6" fmla="*/ 0 w 1810577"/>
-              <a:gd name="connsiteY6" fmla="*/ 931653 h 1880559"/>
-              <a:gd name="connsiteX0" fmla="*/ 0 w 1802921"/>
-              <a:gd name="connsiteY0" fmla="*/ 931653 h 1880559"/>
-              <a:gd name="connsiteX1" fmla="*/ 612475 w 1802921"/>
-              <a:gd name="connsiteY1" fmla="*/ 1880559 h 1880559"/>
-              <a:gd name="connsiteX2" fmla="*/ 1354347 w 1802921"/>
-              <a:gd name="connsiteY2" fmla="*/ 1190446 h 1880559"/>
-              <a:gd name="connsiteX3" fmla="*/ 1802921 w 1802921"/>
-              <a:gd name="connsiteY3" fmla="*/ 396816 h 1880559"/>
-              <a:gd name="connsiteX4" fmla="*/ 992038 w 1802921"/>
-              <a:gd name="connsiteY4" fmla="*/ 0 h 1880559"/>
-              <a:gd name="connsiteX5" fmla="*/ 612475 w 1802921"/>
-              <a:gd name="connsiteY5" fmla="*/ 534838 h 1880559"/>
-              <a:gd name="connsiteX6" fmla="*/ 0 w 1802921"/>
-              <a:gd name="connsiteY6" fmla="*/ 931653 h 1880559"/>
-              <a:gd name="connsiteX0" fmla="*/ 0 w 1802921"/>
-              <a:gd name="connsiteY0" fmla="*/ 931653 h 1880559"/>
-              <a:gd name="connsiteX1" fmla="*/ 612475 w 1802921"/>
-              <a:gd name="connsiteY1" fmla="*/ 1880559 h 1880559"/>
-              <a:gd name="connsiteX2" fmla="*/ 1354347 w 1802921"/>
-              <a:gd name="connsiteY2" fmla="*/ 1190446 h 1880559"/>
-              <a:gd name="connsiteX3" fmla="*/ 1802921 w 1802921"/>
-              <a:gd name="connsiteY3" fmla="*/ 396816 h 1880559"/>
-              <a:gd name="connsiteX4" fmla="*/ 992038 w 1802921"/>
-              <a:gd name="connsiteY4" fmla="*/ 0 h 1880559"/>
-              <a:gd name="connsiteX5" fmla="*/ 612475 w 1802921"/>
-              <a:gd name="connsiteY5" fmla="*/ 534838 h 1880559"/>
-              <a:gd name="connsiteX6" fmla="*/ 0 w 1802921"/>
-              <a:gd name="connsiteY6" fmla="*/ 931653 h 1880559"/>
-              <a:gd name="connsiteX0" fmla="*/ 0 w 1802921"/>
-              <a:gd name="connsiteY0" fmla="*/ 931653 h 1880559"/>
-              <a:gd name="connsiteX1" fmla="*/ 612475 w 1802921"/>
-              <a:gd name="connsiteY1" fmla="*/ 1880559 h 1880559"/>
-              <a:gd name="connsiteX2" fmla="*/ 1354347 w 1802921"/>
-              <a:gd name="connsiteY2" fmla="*/ 1190446 h 1880559"/>
-              <a:gd name="connsiteX3" fmla="*/ 1802921 w 1802921"/>
-              <a:gd name="connsiteY3" fmla="*/ 396816 h 1880559"/>
-              <a:gd name="connsiteX4" fmla="*/ 992038 w 1802921"/>
-              <a:gd name="connsiteY4" fmla="*/ 0 h 1880559"/>
-              <a:gd name="connsiteX5" fmla="*/ 612475 w 1802921"/>
-              <a:gd name="connsiteY5" fmla="*/ 534838 h 1880559"/>
-              <a:gd name="connsiteX6" fmla="*/ 0 w 1802921"/>
-              <a:gd name="connsiteY6" fmla="*/ 931653 h 1880559"/>
-              <a:gd name="connsiteX0" fmla="*/ 0 w 1802921"/>
-              <a:gd name="connsiteY0" fmla="*/ 931653 h 1880559"/>
-              <a:gd name="connsiteX1" fmla="*/ 612475 w 1802921"/>
-              <a:gd name="connsiteY1" fmla="*/ 1880559 h 1880559"/>
-              <a:gd name="connsiteX2" fmla="*/ 1354347 w 1802921"/>
-              <a:gd name="connsiteY2" fmla="*/ 1190446 h 1880559"/>
-              <a:gd name="connsiteX3" fmla="*/ 1802921 w 1802921"/>
-              <a:gd name="connsiteY3" fmla="*/ 396816 h 1880559"/>
-              <a:gd name="connsiteX4" fmla="*/ 992038 w 1802921"/>
-              <a:gd name="connsiteY4" fmla="*/ 0 h 1880559"/>
-              <a:gd name="connsiteX5" fmla="*/ 612475 w 1802921"/>
-              <a:gd name="connsiteY5" fmla="*/ 534838 h 1880559"/>
-              <a:gd name="connsiteX6" fmla="*/ 0 w 1802921"/>
-              <a:gd name="connsiteY6" fmla="*/ 931653 h 1880559"/>
-              <a:gd name="connsiteX0" fmla="*/ 0 w 1802921"/>
-              <a:gd name="connsiteY0" fmla="*/ 931653 h 1880559"/>
-              <a:gd name="connsiteX1" fmla="*/ 612475 w 1802921"/>
-              <a:gd name="connsiteY1" fmla="*/ 1880559 h 1880559"/>
-              <a:gd name="connsiteX2" fmla="*/ 1354347 w 1802921"/>
-              <a:gd name="connsiteY2" fmla="*/ 1190446 h 1880559"/>
-              <a:gd name="connsiteX3" fmla="*/ 1802921 w 1802921"/>
-              <a:gd name="connsiteY3" fmla="*/ 396816 h 1880559"/>
-              <a:gd name="connsiteX4" fmla="*/ 992038 w 1802921"/>
-              <a:gd name="connsiteY4" fmla="*/ 0 h 1880559"/>
-              <a:gd name="connsiteX5" fmla="*/ 612475 w 1802921"/>
-              <a:gd name="connsiteY5" fmla="*/ 534838 h 1880559"/>
-              <a:gd name="connsiteX6" fmla="*/ 0 w 1802921"/>
-              <a:gd name="connsiteY6" fmla="*/ 931653 h 1880559"/>
-              <a:gd name="connsiteX0" fmla="*/ 0 w 1802921"/>
-              <a:gd name="connsiteY0" fmla="*/ 931653 h 1880559"/>
-              <a:gd name="connsiteX1" fmla="*/ 612475 w 1802921"/>
-              <a:gd name="connsiteY1" fmla="*/ 1880559 h 1880559"/>
-              <a:gd name="connsiteX2" fmla="*/ 1354347 w 1802921"/>
-              <a:gd name="connsiteY2" fmla="*/ 1190446 h 1880559"/>
-              <a:gd name="connsiteX3" fmla="*/ 1802921 w 1802921"/>
-              <a:gd name="connsiteY3" fmla="*/ 396816 h 1880559"/>
-              <a:gd name="connsiteX4" fmla="*/ 992038 w 1802921"/>
-              <a:gd name="connsiteY4" fmla="*/ 0 h 1880559"/>
-              <a:gd name="connsiteX5" fmla="*/ 612475 w 1802921"/>
-              <a:gd name="connsiteY5" fmla="*/ 534838 h 1880559"/>
-              <a:gd name="connsiteX6" fmla="*/ 0 w 1802921"/>
-              <a:gd name="connsiteY6" fmla="*/ 931653 h 1880559"/>
-              <a:gd name="connsiteX0" fmla="*/ 0 w 1802921"/>
-              <a:gd name="connsiteY0" fmla="*/ 983412 h 1932318"/>
-              <a:gd name="connsiteX1" fmla="*/ 612475 w 1802921"/>
-              <a:gd name="connsiteY1" fmla="*/ 1932318 h 1932318"/>
-              <a:gd name="connsiteX2" fmla="*/ 1354347 w 1802921"/>
-              <a:gd name="connsiteY2" fmla="*/ 1242205 h 1932318"/>
-              <a:gd name="connsiteX3" fmla="*/ 1802921 w 1802921"/>
-              <a:gd name="connsiteY3" fmla="*/ 448575 h 1932318"/>
-              <a:gd name="connsiteX4" fmla="*/ 923027 w 1802921"/>
-              <a:gd name="connsiteY4" fmla="*/ 0 h 1932318"/>
-              <a:gd name="connsiteX5" fmla="*/ 612475 w 1802921"/>
-              <a:gd name="connsiteY5" fmla="*/ 586597 h 1932318"/>
-              <a:gd name="connsiteX6" fmla="*/ 0 w 1802921"/>
-              <a:gd name="connsiteY6" fmla="*/ 983412 h 1932318"/>
-              <a:gd name="connsiteX0" fmla="*/ 0 w 1802921"/>
-              <a:gd name="connsiteY0" fmla="*/ 983412 h 1932318"/>
-              <a:gd name="connsiteX1" fmla="*/ 612475 w 1802921"/>
-              <a:gd name="connsiteY1" fmla="*/ 1932318 h 1932318"/>
-              <a:gd name="connsiteX2" fmla="*/ 1354347 w 1802921"/>
-              <a:gd name="connsiteY2" fmla="*/ 1242205 h 1932318"/>
-              <a:gd name="connsiteX3" fmla="*/ 1802921 w 1802921"/>
-              <a:gd name="connsiteY3" fmla="*/ 448575 h 1932318"/>
-              <a:gd name="connsiteX4" fmla="*/ 923027 w 1802921"/>
-              <a:gd name="connsiteY4" fmla="*/ 0 h 1932318"/>
-              <a:gd name="connsiteX5" fmla="*/ 612475 w 1802921"/>
-              <a:gd name="connsiteY5" fmla="*/ 569345 h 1932318"/>
-              <a:gd name="connsiteX6" fmla="*/ 0 w 1802921"/>
-              <a:gd name="connsiteY6" fmla="*/ 983412 h 1932318"/>
-            </a:gdLst>
-            <a:ahLst/>
-            <a:cxnLst>
-              <a:cxn ang="0">
-                <a:pos x="connsiteX0" y="connsiteY0"/>
-              </a:cxn>
-              <a:cxn ang="0">
-                <a:pos x="connsiteX1" y="connsiteY1"/>
-              </a:cxn>
-              <a:cxn ang="0">
-                <a:pos x="connsiteX2" y="connsiteY2"/>
-              </a:cxn>
-              <a:cxn ang="0">
-                <a:pos x="connsiteX3" y="connsiteY3"/>
-              </a:cxn>
-              <a:cxn ang="0">
-                <a:pos x="connsiteX4" y="connsiteY4"/>
-              </a:cxn>
-              <a:cxn ang="0">
-                <a:pos x="connsiteX5" y="connsiteY5"/>
-              </a:cxn>
-              <a:cxn ang="0">
-                <a:pos x="connsiteX6" y="connsiteY6"/>
-              </a:cxn>
-            </a:cxnLst>
-            <a:rect l="l" t="t" r="r" b="b"/>
-            <a:pathLst>
-              <a:path w="1802921" h="1932318">
-                <a:moveTo>
-                  <a:pt x="0" y="983412"/>
-                </a:moveTo>
-                <a:lnTo>
-                  <a:pt x="612475" y="1932318"/>
-                </a:lnTo>
-                <a:cubicBezTo>
-                  <a:pt x="889958" y="1777043"/>
-                  <a:pt x="1155939" y="1489495"/>
-                  <a:pt x="1354347" y="1242205"/>
-                </a:cubicBezTo>
-                <a:cubicBezTo>
-                  <a:pt x="1552755" y="994915"/>
-                  <a:pt x="1708030" y="690116"/>
-                  <a:pt x="1802921" y="448575"/>
-                </a:cubicBezTo>
-                <a:lnTo>
-                  <a:pt x="923027" y="0"/>
-                </a:lnTo>
-                <a:cubicBezTo>
-                  <a:pt x="871269" y="143773"/>
-                  <a:pt x="766313" y="405443"/>
-                  <a:pt x="612475" y="569345"/>
-                </a:cubicBezTo>
-                <a:cubicBezTo>
-                  <a:pt x="458637" y="733247"/>
-                  <a:pt x="232914" y="845389"/>
-                  <a:pt x="0" y="983412"/>
-                </a:cubicBezTo>
-                <a:close/>
-              </a:path>
-            </a:pathLst>
-          </a:custGeom>
-          <a:solidFill>
-            <a:srgbClr val="D4CC34">
-              <a:alpha val="50196"/>
-            </a:srgbClr>
-          </a:solidFill>
-          <a:ln w="28575">
-            <a:solidFill>
-              <a:srgbClr val="FF0000"/>
-            </a:solidFill>
-          </a:ln>
-        </p:spPr>
-        <p:style>
-          <a:lnRef idx="2">
-            <a:schemeClr val="accent1">
-              <a:shade val="50000"/>
-            </a:schemeClr>
-          </a:lnRef>
-          <a:fillRef idx="1">
-            <a:schemeClr val="accent1"/>
-          </a:fillRef>
-          <a:effectRef idx="0">
-            <a:schemeClr val="accent1"/>
-          </a:effectRef>
-          <a:fontRef idx="minor">
-            <a:schemeClr val="lt1"/>
-          </a:fontRef>
-        </p:style>
-        <p:txBody>
-          <a:bodyPr rtlCol="0" anchor="ctr"/>
-          <a:lstStyle/>
-          <a:p>
-            <a:pPr algn="ctr"/>
-            <a:endParaRPr lang="en-US"/>
-          </a:p>
-        </p:txBody>
-      </p:sp>
-      <p:sp>
-        <p:nvSpPr>
           <p:cNvPr id="15" name="Freeform: Shape 14">
             <a:extLst>
               <a:ext uri="{FF2B5EF4-FFF2-40B4-BE49-F238E27FC236}">
@@ -5618,8 +4612,8 @@
         </p:nvSpPr>
         <p:spPr>
           <a:xfrm>
-            <a:off x="7996686" y="543462"/>
-            <a:ext cx="1097694" cy="1940943"/>
+            <a:off x="6786839" y="543463"/>
+            <a:ext cx="2306422" cy="2622430"/>
           </a:xfrm>
           <a:custGeom>
             <a:avLst/>
@@ -6128,6 +5122,230 @@
               <a:gd name="connsiteY5" fmla="*/ 715993 h 1940943"/>
               <a:gd name="connsiteX6" fmla="*/ 0 w 1097694"/>
               <a:gd name="connsiteY6" fmla="*/ 1483743 h 1940943"/>
+              <a:gd name="connsiteX0" fmla="*/ 0 w 1098873"/>
+              <a:gd name="connsiteY0" fmla="*/ 1483743 h 2622430"/>
+              <a:gd name="connsiteX1" fmla="*/ 834335 w 1098873"/>
+              <a:gd name="connsiteY1" fmla="*/ 2622430 h 2622430"/>
+              <a:gd name="connsiteX2" fmla="*/ 1052422 w 1098873"/>
+              <a:gd name="connsiteY2" fmla="*/ 1009291 h 2622430"/>
+              <a:gd name="connsiteX3" fmla="*/ 1086929 w 1098873"/>
+              <a:gd name="connsiteY3" fmla="*/ 0 h 2622430"/>
+              <a:gd name="connsiteX4" fmla="*/ 215661 w 1098873"/>
+              <a:gd name="connsiteY4" fmla="*/ 17251 h 2622430"/>
+              <a:gd name="connsiteX5" fmla="*/ 215661 w 1098873"/>
+              <a:gd name="connsiteY5" fmla="*/ 715993 h 2622430"/>
+              <a:gd name="connsiteX6" fmla="*/ 0 w 1098873"/>
+              <a:gd name="connsiteY6" fmla="*/ 1483743 h 2622430"/>
+              <a:gd name="connsiteX0" fmla="*/ 0 w 1097162"/>
+              <a:gd name="connsiteY0" fmla="*/ 1483743 h 2622430"/>
+              <a:gd name="connsiteX1" fmla="*/ 834335 w 1097162"/>
+              <a:gd name="connsiteY1" fmla="*/ 2622430 h 2622430"/>
+              <a:gd name="connsiteX2" fmla="*/ 1044215 w 1097162"/>
+              <a:gd name="connsiteY2" fmla="*/ 1475117 h 2622430"/>
+              <a:gd name="connsiteX3" fmla="*/ 1086929 w 1097162"/>
+              <a:gd name="connsiteY3" fmla="*/ 0 h 2622430"/>
+              <a:gd name="connsiteX4" fmla="*/ 215661 w 1097162"/>
+              <a:gd name="connsiteY4" fmla="*/ 17251 h 2622430"/>
+              <a:gd name="connsiteX5" fmla="*/ 215661 w 1097162"/>
+              <a:gd name="connsiteY5" fmla="*/ 715993 h 2622430"/>
+              <a:gd name="connsiteX6" fmla="*/ 0 w 1097162"/>
+              <a:gd name="connsiteY6" fmla="*/ 1483743 h 2622430"/>
+              <a:gd name="connsiteX0" fmla="*/ 0 w 1097162"/>
+              <a:gd name="connsiteY0" fmla="*/ 1483743 h 2622430"/>
+              <a:gd name="connsiteX1" fmla="*/ 834335 w 1097162"/>
+              <a:gd name="connsiteY1" fmla="*/ 2622430 h 2622430"/>
+              <a:gd name="connsiteX2" fmla="*/ 1044215 w 1097162"/>
+              <a:gd name="connsiteY2" fmla="*/ 1475117 h 2622430"/>
+              <a:gd name="connsiteX3" fmla="*/ 1086929 w 1097162"/>
+              <a:gd name="connsiteY3" fmla="*/ 0 h 2622430"/>
+              <a:gd name="connsiteX4" fmla="*/ 215661 w 1097162"/>
+              <a:gd name="connsiteY4" fmla="*/ 17251 h 2622430"/>
+              <a:gd name="connsiteX5" fmla="*/ 191040 w 1097162"/>
+              <a:gd name="connsiteY5" fmla="*/ 836762 h 2622430"/>
+              <a:gd name="connsiteX6" fmla="*/ 0 w 1097162"/>
+              <a:gd name="connsiteY6" fmla="*/ 1483743 h 2622430"/>
+              <a:gd name="connsiteX0" fmla="*/ 0 w 1097162"/>
+              <a:gd name="connsiteY0" fmla="*/ 1483743 h 2622430"/>
+              <a:gd name="connsiteX1" fmla="*/ 834335 w 1097162"/>
+              <a:gd name="connsiteY1" fmla="*/ 2622430 h 2622430"/>
+              <a:gd name="connsiteX2" fmla="*/ 1044215 w 1097162"/>
+              <a:gd name="connsiteY2" fmla="*/ 1475117 h 2622430"/>
+              <a:gd name="connsiteX3" fmla="*/ 1086929 w 1097162"/>
+              <a:gd name="connsiteY3" fmla="*/ 0 h 2622430"/>
+              <a:gd name="connsiteX4" fmla="*/ 215661 w 1097162"/>
+              <a:gd name="connsiteY4" fmla="*/ 17251 h 2622430"/>
+              <a:gd name="connsiteX5" fmla="*/ 191040 w 1097162"/>
+              <a:gd name="connsiteY5" fmla="*/ 836762 h 2622430"/>
+              <a:gd name="connsiteX6" fmla="*/ 0 w 1097162"/>
+              <a:gd name="connsiteY6" fmla="*/ 1483743 h 2622430"/>
+              <a:gd name="connsiteX0" fmla="*/ 0 w 1097162"/>
+              <a:gd name="connsiteY0" fmla="*/ 1483743 h 2622430"/>
+              <a:gd name="connsiteX1" fmla="*/ 834335 w 1097162"/>
+              <a:gd name="connsiteY1" fmla="*/ 2622430 h 2622430"/>
+              <a:gd name="connsiteX2" fmla="*/ 1044215 w 1097162"/>
+              <a:gd name="connsiteY2" fmla="*/ 1475117 h 2622430"/>
+              <a:gd name="connsiteX3" fmla="*/ 1086929 w 1097162"/>
+              <a:gd name="connsiteY3" fmla="*/ 0 h 2622430"/>
+              <a:gd name="connsiteX4" fmla="*/ 215661 w 1097162"/>
+              <a:gd name="connsiteY4" fmla="*/ 17251 h 2622430"/>
+              <a:gd name="connsiteX5" fmla="*/ 191040 w 1097162"/>
+              <a:gd name="connsiteY5" fmla="*/ 836762 h 2622430"/>
+              <a:gd name="connsiteX6" fmla="*/ 0 w 1097162"/>
+              <a:gd name="connsiteY6" fmla="*/ 1483743 h 2622430"/>
+              <a:gd name="connsiteX0" fmla="*/ 0 w 1097162"/>
+              <a:gd name="connsiteY0" fmla="*/ 1483743 h 2622430"/>
+              <a:gd name="connsiteX1" fmla="*/ 834335 w 1097162"/>
+              <a:gd name="connsiteY1" fmla="*/ 2622430 h 2622430"/>
+              <a:gd name="connsiteX2" fmla="*/ 1044215 w 1097162"/>
+              <a:gd name="connsiteY2" fmla="*/ 1475117 h 2622430"/>
+              <a:gd name="connsiteX3" fmla="*/ 1086929 w 1097162"/>
+              <a:gd name="connsiteY3" fmla="*/ 0 h 2622430"/>
+              <a:gd name="connsiteX4" fmla="*/ 215661 w 1097162"/>
+              <a:gd name="connsiteY4" fmla="*/ 17251 h 2622430"/>
+              <a:gd name="connsiteX5" fmla="*/ 191040 w 1097162"/>
+              <a:gd name="connsiteY5" fmla="*/ 836762 h 2622430"/>
+              <a:gd name="connsiteX6" fmla="*/ 0 w 1097162"/>
+              <a:gd name="connsiteY6" fmla="*/ 1483743 h 2622430"/>
+              <a:gd name="connsiteX0" fmla="*/ 0 w 1097162"/>
+              <a:gd name="connsiteY0" fmla="*/ 1483743 h 2622430"/>
+              <a:gd name="connsiteX1" fmla="*/ 834335 w 1097162"/>
+              <a:gd name="connsiteY1" fmla="*/ 2622430 h 2622430"/>
+              <a:gd name="connsiteX2" fmla="*/ 1044215 w 1097162"/>
+              <a:gd name="connsiteY2" fmla="*/ 1475117 h 2622430"/>
+              <a:gd name="connsiteX3" fmla="*/ 1086929 w 1097162"/>
+              <a:gd name="connsiteY3" fmla="*/ 0 h 2622430"/>
+              <a:gd name="connsiteX4" fmla="*/ 215661 w 1097162"/>
+              <a:gd name="connsiteY4" fmla="*/ 17251 h 2622430"/>
+              <a:gd name="connsiteX5" fmla="*/ 191040 w 1097162"/>
+              <a:gd name="connsiteY5" fmla="*/ 836762 h 2622430"/>
+              <a:gd name="connsiteX6" fmla="*/ 0 w 1097162"/>
+              <a:gd name="connsiteY6" fmla="*/ 1483743 h 2622430"/>
+              <a:gd name="connsiteX0" fmla="*/ 0 w 1097162"/>
+              <a:gd name="connsiteY0" fmla="*/ 1483743 h 2622430"/>
+              <a:gd name="connsiteX1" fmla="*/ 834335 w 1097162"/>
+              <a:gd name="connsiteY1" fmla="*/ 2622430 h 2622430"/>
+              <a:gd name="connsiteX2" fmla="*/ 1044215 w 1097162"/>
+              <a:gd name="connsiteY2" fmla="*/ 1475117 h 2622430"/>
+              <a:gd name="connsiteX3" fmla="*/ 1086929 w 1097162"/>
+              <a:gd name="connsiteY3" fmla="*/ 0 h 2622430"/>
+              <a:gd name="connsiteX4" fmla="*/ 215661 w 1097162"/>
+              <a:gd name="connsiteY4" fmla="*/ 17251 h 2622430"/>
+              <a:gd name="connsiteX5" fmla="*/ 191040 w 1097162"/>
+              <a:gd name="connsiteY5" fmla="*/ 836762 h 2622430"/>
+              <a:gd name="connsiteX6" fmla="*/ 0 w 1097162"/>
+              <a:gd name="connsiteY6" fmla="*/ 1483743 h 2622430"/>
+              <a:gd name="connsiteX0" fmla="*/ 0 w 1084851"/>
+              <a:gd name="connsiteY0" fmla="*/ 1466491 h 2622430"/>
+              <a:gd name="connsiteX1" fmla="*/ 822024 w 1084851"/>
+              <a:gd name="connsiteY1" fmla="*/ 2622430 h 2622430"/>
+              <a:gd name="connsiteX2" fmla="*/ 1031904 w 1084851"/>
+              <a:gd name="connsiteY2" fmla="*/ 1475117 h 2622430"/>
+              <a:gd name="connsiteX3" fmla="*/ 1074618 w 1084851"/>
+              <a:gd name="connsiteY3" fmla="*/ 0 h 2622430"/>
+              <a:gd name="connsiteX4" fmla="*/ 203350 w 1084851"/>
+              <a:gd name="connsiteY4" fmla="*/ 17251 h 2622430"/>
+              <a:gd name="connsiteX5" fmla="*/ 178729 w 1084851"/>
+              <a:gd name="connsiteY5" fmla="*/ 836762 h 2622430"/>
+              <a:gd name="connsiteX6" fmla="*/ 0 w 1084851"/>
+              <a:gd name="connsiteY6" fmla="*/ 1466491 h 2622430"/>
+              <a:gd name="connsiteX0" fmla="*/ 0 w 1084851"/>
+              <a:gd name="connsiteY0" fmla="*/ 1466491 h 2622430"/>
+              <a:gd name="connsiteX1" fmla="*/ 822024 w 1084851"/>
+              <a:gd name="connsiteY1" fmla="*/ 2622430 h 2622430"/>
+              <a:gd name="connsiteX2" fmla="*/ 1031904 w 1084851"/>
+              <a:gd name="connsiteY2" fmla="*/ 1475117 h 2622430"/>
+              <a:gd name="connsiteX3" fmla="*/ 1074618 w 1084851"/>
+              <a:gd name="connsiteY3" fmla="*/ 0 h 2622430"/>
+              <a:gd name="connsiteX4" fmla="*/ 203350 w 1084851"/>
+              <a:gd name="connsiteY4" fmla="*/ 17251 h 2622430"/>
+              <a:gd name="connsiteX5" fmla="*/ 178729 w 1084851"/>
+              <a:gd name="connsiteY5" fmla="*/ 836762 h 2622430"/>
+              <a:gd name="connsiteX6" fmla="*/ 0 w 1084851"/>
+              <a:gd name="connsiteY6" fmla="*/ 1466491 h 2622430"/>
+              <a:gd name="connsiteX0" fmla="*/ 0 w 1084851"/>
+              <a:gd name="connsiteY0" fmla="*/ 1466491 h 2622430"/>
+              <a:gd name="connsiteX1" fmla="*/ 822024 w 1084851"/>
+              <a:gd name="connsiteY1" fmla="*/ 2622430 h 2622430"/>
+              <a:gd name="connsiteX2" fmla="*/ 1031904 w 1084851"/>
+              <a:gd name="connsiteY2" fmla="*/ 1475117 h 2622430"/>
+              <a:gd name="connsiteX3" fmla="*/ 1074618 w 1084851"/>
+              <a:gd name="connsiteY3" fmla="*/ 0 h 2622430"/>
+              <a:gd name="connsiteX4" fmla="*/ 203350 w 1084851"/>
+              <a:gd name="connsiteY4" fmla="*/ 17251 h 2622430"/>
+              <a:gd name="connsiteX5" fmla="*/ 178729 w 1084851"/>
+              <a:gd name="connsiteY5" fmla="*/ 836762 h 2622430"/>
+              <a:gd name="connsiteX6" fmla="*/ 0 w 1084851"/>
+              <a:gd name="connsiteY6" fmla="*/ 1466491 h 2622430"/>
+              <a:gd name="connsiteX0" fmla="*/ 0 w 1084851"/>
+              <a:gd name="connsiteY0" fmla="*/ 1466491 h 2622430"/>
+              <a:gd name="connsiteX1" fmla="*/ 822024 w 1084851"/>
+              <a:gd name="connsiteY1" fmla="*/ 2622430 h 2622430"/>
+              <a:gd name="connsiteX2" fmla="*/ 1031904 w 1084851"/>
+              <a:gd name="connsiteY2" fmla="*/ 1475117 h 2622430"/>
+              <a:gd name="connsiteX3" fmla="*/ 1074618 w 1084851"/>
+              <a:gd name="connsiteY3" fmla="*/ 0 h 2622430"/>
+              <a:gd name="connsiteX4" fmla="*/ 203350 w 1084851"/>
+              <a:gd name="connsiteY4" fmla="*/ 17251 h 2622430"/>
+              <a:gd name="connsiteX5" fmla="*/ 178729 w 1084851"/>
+              <a:gd name="connsiteY5" fmla="*/ 836762 h 2622430"/>
+              <a:gd name="connsiteX6" fmla="*/ 0 w 1084851"/>
+              <a:gd name="connsiteY6" fmla="*/ 1466491 h 2622430"/>
+              <a:gd name="connsiteX0" fmla="*/ 0 w 1084851"/>
+              <a:gd name="connsiteY0" fmla="*/ 1466491 h 2622430"/>
+              <a:gd name="connsiteX1" fmla="*/ 822024 w 1084851"/>
+              <a:gd name="connsiteY1" fmla="*/ 2622430 h 2622430"/>
+              <a:gd name="connsiteX2" fmla="*/ 1031904 w 1084851"/>
+              <a:gd name="connsiteY2" fmla="*/ 1475117 h 2622430"/>
+              <a:gd name="connsiteX3" fmla="*/ 1074618 w 1084851"/>
+              <a:gd name="connsiteY3" fmla="*/ 0 h 2622430"/>
+              <a:gd name="connsiteX4" fmla="*/ 203350 w 1084851"/>
+              <a:gd name="connsiteY4" fmla="*/ 17251 h 2622430"/>
+              <a:gd name="connsiteX5" fmla="*/ 178729 w 1084851"/>
+              <a:gd name="connsiteY5" fmla="*/ 836762 h 2622430"/>
+              <a:gd name="connsiteX6" fmla="*/ 0 w 1084851"/>
+              <a:gd name="connsiteY6" fmla="*/ 1466491 h 2622430"/>
+              <a:gd name="connsiteX0" fmla="*/ 0 w 1084851"/>
+              <a:gd name="connsiteY0" fmla="*/ 1466491 h 2622430"/>
+              <a:gd name="connsiteX1" fmla="*/ 822024 w 1084851"/>
+              <a:gd name="connsiteY1" fmla="*/ 2622430 h 2622430"/>
+              <a:gd name="connsiteX2" fmla="*/ 1031904 w 1084851"/>
+              <a:gd name="connsiteY2" fmla="*/ 1475117 h 2622430"/>
+              <a:gd name="connsiteX3" fmla="*/ 1074618 w 1084851"/>
+              <a:gd name="connsiteY3" fmla="*/ 0 h 2622430"/>
+              <a:gd name="connsiteX4" fmla="*/ 203350 w 1084851"/>
+              <a:gd name="connsiteY4" fmla="*/ 17251 h 2622430"/>
+              <a:gd name="connsiteX5" fmla="*/ 178729 w 1084851"/>
+              <a:gd name="connsiteY5" fmla="*/ 836762 h 2622430"/>
+              <a:gd name="connsiteX6" fmla="*/ 0 w 1084851"/>
+              <a:gd name="connsiteY6" fmla="*/ 1466491 h 2622430"/>
+              <a:gd name="connsiteX0" fmla="*/ 0 w 1097162"/>
+              <a:gd name="connsiteY0" fmla="*/ 1449239 h 2622430"/>
+              <a:gd name="connsiteX1" fmla="*/ 834335 w 1097162"/>
+              <a:gd name="connsiteY1" fmla="*/ 2622430 h 2622430"/>
+              <a:gd name="connsiteX2" fmla="*/ 1044215 w 1097162"/>
+              <a:gd name="connsiteY2" fmla="*/ 1475117 h 2622430"/>
+              <a:gd name="connsiteX3" fmla="*/ 1086929 w 1097162"/>
+              <a:gd name="connsiteY3" fmla="*/ 0 h 2622430"/>
+              <a:gd name="connsiteX4" fmla="*/ 215661 w 1097162"/>
+              <a:gd name="connsiteY4" fmla="*/ 17251 h 2622430"/>
+              <a:gd name="connsiteX5" fmla="*/ 191040 w 1097162"/>
+              <a:gd name="connsiteY5" fmla="*/ 836762 h 2622430"/>
+              <a:gd name="connsiteX6" fmla="*/ 0 w 1097162"/>
+              <a:gd name="connsiteY6" fmla="*/ 1449239 h 2622430"/>
+              <a:gd name="connsiteX0" fmla="*/ 0 w 1097162"/>
+              <a:gd name="connsiteY0" fmla="*/ 1449239 h 2622430"/>
+              <a:gd name="connsiteX1" fmla="*/ 834335 w 1097162"/>
+              <a:gd name="connsiteY1" fmla="*/ 2622430 h 2622430"/>
+              <a:gd name="connsiteX2" fmla="*/ 1044215 w 1097162"/>
+              <a:gd name="connsiteY2" fmla="*/ 1475117 h 2622430"/>
+              <a:gd name="connsiteX3" fmla="*/ 1086929 w 1097162"/>
+              <a:gd name="connsiteY3" fmla="*/ 0 h 2622430"/>
+              <a:gd name="connsiteX4" fmla="*/ 215661 w 1097162"/>
+              <a:gd name="connsiteY4" fmla="*/ 17251 h 2622430"/>
+              <a:gd name="connsiteX5" fmla="*/ 191040 w 1097162"/>
+              <a:gd name="connsiteY5" fmla="*/ 836762 h 2622430"/>
+              <a:gd name="connsiteX6" fmla="*/ 0 w 1097162"/>
+              <a:gd name="connsiteY6" fmla="*/ 1449239 h 2622430"/>
             </a:gdLst>
             <a:ahLst/>
             <a:cxnLst>
@@ -6155,20 +5373,22 @@
             </a:cxnLst>
             <a:rect l="l" t="t" r="r" b="b"/>
             <a:pathLst>
-              <a:path w="1097694" h="1940943">
+              <a:path w="1097162" h="2622430">
                 <a:moveTo>
-                  <a:pt x="0" y="1483743"/>
+                  <a:pt x="0" y="1449239"/>
                 </a:moveTo>
-                <a:lnTo>
-                  <a:pt x="871267" y="1940943"/>
-                </a:lnTo>
                 <a:cubicBezTo>
-                  <a:pt x="1010727" y="1337094"/>
-                  <a:pt x="1016478" y="1341408"/>
-                  <a:pt x="1052422" y="1009291"/>
+                  <a:pt x="253489" y="1843179"/>
+                  <a:pt x="543913" y="2237117"/>
+                  <a:pt x="834335" y="2622430"/>
                 </a:cubicBezTo>
                 <a:cubicBezTo>
-                  <a:pt x="1088366" y="677174"/>
+                  <a:pt x="977899" y="2035834"/>
+                  <a:pt x="1002116" y="1912189"/>
+                  <a:pt x="1044215" y="1475117"/>
+                </a:cubicBezTo>
+                <a:cubicBezTo>
+                  <a:pt x="1086314" y="1038045"/>
                   <a:pt x="1112808" y="224288"/>
                   <a:pt x="1086929" y="0"/>
                 </a:cubicBezTo>
@@ -6176,14 +5396,14 @@
                   <a:pt x="215661" y="17251"/>
                 </a:lnTo>
                 <a:cubicBezTo>
-                  <a:pt x="241541" y="247288"/>
-                  <a:pt x="251605" y="471578"/>
-                  <a:pt x="215661" y="715993"/>
+                  <a:pt x="212816" y="247288"/>
+                  <a:pt x="226983" y="598097"/>
+                  <a:pt x="191040" y="836762"/>
                 </a:cubicBezTo>
                 <a:cubicBezTo>
-                  <a:pt x="179718" y="960408"/>
-                  <a:pt x="198408" y="1009290"/>
-                  <a:pt x="0" y="1483743"/>
+                  <a:pt x="155097" y="1075427"/>
+                  <a:pt x="198408" y="974786"/>
+                  <a:pt x="0" y="1449239"/>
                 </a:cubicBezTo>
                 <a:close/>
               </a:path>
@@ -6221,628 +5441,7 @@
           <a:lstStyle/>
           <a:p>
             <a:pPr algn="ctr"/>
-            <a:endParaRPr lang="en-US"/>
-          </a:p>
-        </p:txBody>
-      </p:sp>
-      <p:sp>
-        <p:nvSpPr>
-          <p:cNvPr id="16" name="Freeform: Shape 15">
-            <a:extLst>
-              <a:ext uri="{FF2B5EF4-FFF2-40B4-BE49-F238E27FC236}">
-                <a16:creationId xmlns:a16="http://schemas.microsoft.com/office/drawing/2014/main" id="{08BAFF66-214E-4BD5-85B8-826796FD4DF6}"/>
-              </a:ext>
-            </a:extLst>
-          </p:cNvPr>
-          <p:cNvSpPr/>
-          <p:nvPr/>
-        </p:nvSpPr>
-        <p:spPr>
-          <a:xfrm flipH="1">
-            <a:off x="3118973" y="552089"/>
-            <a:ext cx="1097694" cy="1940943"/>
-          </a:xfrm>
-          <a:custGeom>
-            <a:avLst/>
-            <a:gdLst>
-              <a:gd name="connsiteX0" fmla="*/ 0 w 1785668"/>
-              <a:gd name="connsiteY0" fmla="*/ 923027 h 1915065"/>
-              <a:gd name="connsiteX1" fmla="*/ 595222 w 1785668"/>
-              <a:gd name="connsiteY1" fmla="*/ 1915065 h 1915065"/>
-              <a:gd name="connsiteX2" fmla="*/ 1337094 w 1785668"/>
-              <a:gd name="connsiteY2" fmla="*/ 1190446 h 1915065"/>
-              <a:gd name="connsiteX3" fmla="*/ 1785668 w 1785668"/>
-              <a:gd name="connsiteY3" fmla="*/ 396816 h 1915065"/>
-              <a:gd name="connsiteX4" fmla="*/ 974785 w 1785668"/>
-              <a:gd name="connsiteY4" fmla="*/ 0 h 1915065"/>
-              <a:gd name="connsiteX5" fmla="*/ 595222 w 1785668"/>
-              <a:gd name="connsiteY5" fmla="*/ 534838 h 1915065"/>
-              <a:gd name="connsiteX6" fmla="*/ 0 w 1785668"/>
-              <a:gd name="connsiteY6" fmla="*/ 923027 h 1915065"/>
-              <a:gd name="connsiteX0" fmla="*/ 0 w 1802921"/>
-              <a:gd name="connsiteY0" fmla="*/ 931653 h 1915065"/>
-              <a:gd name="connsiteX1" fmla="*/ 612475 w 1802921"/>
-              <a:gd name="connsiteY1" fmla="*/ 1915065 h 1915065"/>
-              <a:gd name="connsiteX2" fmla="*/ 1354347 w 1802921"/>
-              <a:gd name="connsiteY2" fmla="*/ 1190446 h 1915065"/>
-              <a:gd name="connsiteX3" fmla="*/ 1802921 w 1802921"/>
-              <a:gd name="connsiteY3" fmla="*/ 396816 h 1915065"/>
-              <a:gd name="connsiteX4" fmla="*/ 992038 w 1802921"/>
-              <a:gd name="connsiteY4" fmla="*/ 0 h 1915065"/>
-              <a:gd name="connsiteX5" fmla="*/ 612475 w 1802921"/>
-              <a:gd name="connsiteY5" fmla="*/ 534838 h 1915065"/>
-              <a:gd name="connsiteX6" fmla="*/ 0 w 1802921"/>
-              <a:gd name="connsiteY6" fmla="*/ 931653 h 1915065"/>
-              <a:gd name="connsiteX0" fmla="*/ 0 w 1802921"/>
-              <a:gd name="connsiteY0" fmla="*/ 931653 h 1880559"/>
-              <a:gd name="connsiteX1" fmla="*/ 612475 w 1802921"/>
-              <a:gd name="connsiteY1" fmla="*/ 1880559 h 1880559"/>
-              <a:gd name="connsiteX2" fmla="*/ 1354347 w 1802921"/>
-              <a:gd name="connsiteY2" fmla="*/ 1190446 h 1880559"/>
-              <a:gd name="connsiteX3" fmla="*/ 1802921 w 1802921"/>
-              <a:gd name="connsiteY3" fmla="*/ 396816 h 1880559"/>
-              <a:gd name="connsiteX4" fmla="*/ 992038 w 1802921"/>
-              <a:gd name="connsiteY4" fmla="*/ 0 h 1880559"/>
-              <a:gd name="connsiteX5" fmla="*/ 612475 w 1802921"/>
-              <a:gd name="connsiteY5" fmla="*/ 534838 h 1880559"/>
-              <a:gd name="connsiteX6" fmla="*/ 0 w 1802921"/>
-              <a:gd name="connsiteY6" fmla="*/ 931653 h 1880559"/>
-              <a:gd name="connsiteX0" fmla="*/ 0 w 1810577"/>
-              <a:gd name="connsiteY0" fmla="*/ 931653 h 1883250"/>
-              <a:gd name="connsiteX1" fmla="*/ 612475 w 1810577"/>
-              <a:gd name="connsiteY1" fmla="*/ 1880559 h 1883250"/>
-              <a:gd name="connsiteX2" fmla="*/ 1354347 w 1810577"/>
-              <a:gd name="connsiteY2" fmla="*/ 1190446 h 1883250"/>
-              <a:gd name="connsiteX3" fmla="*/ 1802921 w 1810577"/>
-              <a:gd name="connsiteY3" fmla="*/ 396816 h 1883250"/>
-              <a:gd name="connsiteX4" fmla="*/ 992038 w 1810577"/>
-              <a:gd name="connsiteY4" fmla="*/ 0 h 1883250"/>
-              <a:gd name="connsiteX5" fmla="*/ 612475 w 1810577"/>
-              <a:gd name="connsiteY5" fmla="*/ 534838 h 1883250"/>
-              <a:gd name="connsiteX6" fmla="*/ 0 w 1810577"/>
-              <a:gd name="connsiteY6" fmla="*/ 931653 h 1883250"/>
-              <a:gd name="connsiteX0" fmla="*/ 0 w 1810577"/>
-              <a:gd name="connsiteY0" fmla="*/ 931653 h 1880559"/>
-              <a:gd name="connsiteX1" fmla="*/ 612475 w 1810577"/>
-              <a:gd name="connsiteY1" fmla="*/ 1880559 h 1880559"/>
-              <a:gd name="connsiteX2" fmla="*/ 1354347 w 1810577"/>
-              <a:gd name="connsiteY2" fmla="*/ 1190446 h 1880559"/>
-              <a:gd name="connsiteX3" fmla="*/ 1802921 w 1810577"/>
-              <a:gd name="connsiteY3" fmla="*/ 396816 h 1880559"/>
-              <a:gd name="connsiteX4" fmla="*/ 992038 w 1810577"/>
-              <a:gd name="connsiteY4" fmla="*/ 0 h 1880559"/>
-              <a:gd name="connsiteX5" fmla="*/ 612475 w 1810577"/>
-              <a:gd name="connsiteY5" fmla="*/ 534838 h 1880559"/>
-              <a:gd name="connsiteX6" fmla="*/ 0 w 1810577"/>
-              <a:gd name="connsiteY6" fmla="*/ 931653 h 1880559"/>
-              <a:gd name="connsiteX0" fmla="*/ 0 w 1802921"/>
-              <a:gd name="connsiteY0" fmla="*/ 931653 h 1880559"/>
-              <a:gd name="connsiteX1" fmla="*/ 612475 w 1802921"/>
-              <a:gd name="connsiteY1" fmla="*/ 1880559 h 1880559"/>
-              <a:gd name="connsiteX2" fmla="*/ 1354347 w 1802921"/>
-              <a:gd name="connsiteY2" fmla="*/ 1190446 h 1880559"/>
-              <a:gd name="connsiteX3" fmla="*/ 1802921 w 1802921"/>
-              <a:gd name="connsiteY3" fmla="*/ 396816 h 1880559"/>
-              <a:gd name="connsiteX4" fmla="*/ 992038 w 1802921"/>
-              <a:gd name="connsiteY4" fmla="*/ 0 h 1880559"/>
-              <a:gd name="connsiteX5" fmla="*/ 612475 w 1802921"/>
-              <a:gd name="connsiteY5" fmla="*/ 534838 h 1880559"/>
-              <a:gd name="connsiteX6" fmla="*/ 0 w 1802921"/>
-              <a:gd name="connsiteY6" fmla="*/ 931653 h 1880559"/>
-              <a:gd name="connsiteX0" fmla="*/ 0 w 1802921"/>
-              <a:gd name="connsiteY0" fmla="*/ 931653 h 1880559"/>
-              <a:gd name="connsiteX1" fmla="*/ 612475 w 1802921"/>
-              <a:gd name="connsiteY1" fmla="*/ 1880559 h 1880559"/>
-              <a:gd name="connsiteX2" fmla="*/ 1354347 w 1802921"/>
-              <a:gd name="connsiteY2" fmla="*/ 1190446 h 1880559"/>
-              <a:gd name="connsiteX3" fmla="*/ 1802921 w 1802921"/>
-              <a:gd name="connsiteY3" fmla="*/ 396816 h 1880559"/>
-              <a:gd name="connsiteX4" fmla="*/ 992038 w 1802921"/>
-              <a:gd name="connsiteY4" fmla="*/ 0 h 1880559"/>
-              <a:gd name="connsiteX5" fmla="*/ 612475 w 1802921"/>
-              <a:gd name="connsiteY5" fmla="*/ 534838 h 1880559"/>
-              <a:gd name="connsiteX6" fmla="*/ 0 w 1802921"/>
-              <a:gd name="connsiteY6" fmla="*/ 931653 h 1880559"/>
-              <a:gd name="connsiteX0" fmla="*/ 0 w 1802921"/>
-              <a:gd name="connsiteY0" fmla="*/ 931653 h 1880559"/>
-              <a:gd name="connsiteX1" fmla="*/ 612475 w 1802921"/>
-              <a:gd name="connsiteY1" fmla="*/ 1880559 h 1880559"/>
-              <a:gd name="connsiteX2" fmla="*/ 1354347 w 1802921"/>
-              <a:gd name="connsiteY2" fmla="*/ 1190446 h 1880559"/>
-              <a:gd name="connsiteX3" fmla="*/ 1802921 w 1802921"/>
-              <a:gd name="connsiteY3" fmla="*/ 396816 h 1880559"/>
-              <a:gd name="connsiteX4" fmla="*/ 992038 w 1802921"/>
-              <a:gd name="connsiteY4" fmla="*/ 0 h 1880559"/>
-              <a:gd name="connsiteX5" fmla="*/ 612475 w 1802921"/>
-              <a:gd name="connsiteY5" fmla="*/ 534838 h 1880559"/>
-              <a:gd name="connsiteX6" fmla="*/ 0 w 1802921"/>
-              <a:gd name="connsiteY6" fmla="*/ 931653 h 1880559"/>
-              <a:gd name="connsiteX0" fmla="*/ 0 w 1802921"/>
-              <a:gd name="connsiteY0" fmla="*/ 931653 h 1880559"/>
-              <a:gd name="connsiteX1" fmla="*/ 612475 w 1802921"/>
-              <a:gd name="connsiteY1" fmla="*/ 1880559 h 1880559"/>
-              <a:gd name="connsiteX2" fmla="*/ 1354347 w 1802921"/>
-              <a:gd name="connsiteY2" fmla="*/ 1190446 h 1880559"/>
-              <a:gd name="connsiteX3" fmla="*/ 1802921 w 1802921"/>
-              <a:gd name="connsiteY3" fmla="*/ 396816 h 1880559"/>
-              <a:gd name="connsiteX4" fmla="*/ 992038 w 1802921"/>
-              <a:gd name="connsiteY4" fmla="*/ 0 h 1880559"/>
-              <a:gd name="connsiteX5" fmla="*/ 612475 w 1802921"/>
-              <a:gd name="connsiteY5" fmla="*/ 534838 h 1880559"/>
-              <a:gd name="connsiteX6" fmla="*/ 0 w 1802921"/>
-              <a:gd name="connsiteY6" fmla="*/ 931653 h 1880559"/>
-              <a:gd name="connsiteX0" fmla="*/ 0 w 1802921"/>
-              <a:gd name="connsiteY0" fmla="*/ 931653 h 1880559"/>
-              <a:gd name="connsiteX1" fmla="*/ 612475 w 1802921"/>
-              <a:gd name="connsiteY1" fmla="*/ 1880559 h 1880559"/>
-              <a:gd name="connsiteX2" fmla="*/ 1354347 w 1802921"/>
-              <a:gd name="connsiteY2" fmla="*/ 1190446 h 1880559"/>
-              <a:gd name="connsiteX3" fmla="*/ 1802921 w 1802921"/>
-              <a:gd name="connsiteY3" fmla="*/ 396816 h 1880559"/>
-              <a:gd name="connsiteX4" fmla="*/ 992038 w 1802921"/>
-              <a:gd name="connsiteY4" fmla="*/ 0 h 1880559"/>
-              <a:gd name="connsiteX5" fmla="*/ 612475 w 1802921"/>
-              <a:gd name="connsiteY5" fmla="*/ 534838 h 1880559"/>
-              <a:gd name="connsiteX6" fmla="*/ 0 w 1802921"/>
-              <a:gd name="connsiteY6" fmla="*/ 931653 h 1880559"/>
-              <a:gd name="connsiteX0" fmla="*/ 0 w 1802921"/>
-              <a:gd name="connsiteY0" fmla="*/ 931653 h 1880559"/>
-              <a:gd name="connsiteX1" fmla="*/ 612475 w 1802921"/>
-              <a:gd name="connsiteY1" fmla="*/ 1880559 h 1880559"/>
-              <a:gd name="connsiteX2" fmla="*/ 1354347 w 1802921"/>
-              <a:gd name="connsiteY2" fmla="*/ 1190446 h 1880559"/>
-              <a:gd name="connsiteX3" fmla="*/ 1802921 w 1802921"/>
-              <a:gd name="connsiteY3" fmla="*/ 396816 h 1880559"/>
-              <a:gd name="connsiteX4" fmla="*/ 992038 w 1802921"/>
-              <a:gd name="connsiteY4" fmla="*/ 0 h 1880559"/>
-              <a:gd name="connsiteX5" fmla="*/ 612475 w 1802921"/>
-              <a:gd name="connsiteY5" fmla="*/ 534838 h 1880559"/>
-              <a:gd name="connsiteX6" fmla="*/ 0 w 1802921"/>
-              <a:gd name="connsiteY6" fmla="*/ 931653 h 1880559"/>
-              <a:gd name="connsiteX0" fmla="*/ 0 w 1802921"/>
-              <a:gd name="connsiteY0" fmla="*/ 983412 h 1932318"/>
-              <a:gd name="connsiteX1" fmla="*/ 612475 w 1802921"/>
-              <a:gd name="connsiteY1" fmla="*/ 1932318 h 1932318"/>
-              <a:gd name="connsiteX2" fmla="*/ 1354347 w 1802921"/>
-              <a:gd name="connsiteY2" fmla="*/ 1242205 h 1932318"/>
-              <a:gd name="connsiteX3" fmla="*/ 1802921 w 1802921"/>
-              <a:gd name="connsiteY3" fmla="*/ 448575 h 1932318"/>
-              <a:gd name="connsiteX4" fmla="*/ 923027 w 1802921"/>
-              <a:gd name="connsiteY4" fmla="*/ 0 h 1932318"/>
-              <a:gd name="connsiteX5" fmla="*/ 612475 w 1802921"/>
-              <a:gd name="connsiteY5" fmla="*/ 586597 h 1932318"/>
-              <a:gd name="connsiteX6" fmla="*/ 0 w 1802921"/>
-              <a:gd name="connsiteY6" fmla="*/ 983412 h 1932318"/>
-              <a:gd name="connsiteX0" fmla="*/ 0 w 1802921"/>
-              <a:gd name="connsiteY0" fmla="*/ 983412 h 1932318"/>
-              <a:gd name="connsiteX1" fmla="*/ 612475 w 1802921"/>
-              <a:gd name="connsiteY1" fmla="*/ 1932318 h 1932318"/>
-              <a:gd name="connsiteX2" fmla="*/ 1354347 w 1802921"/>
-              <a:gd name="connsiteY2" fmla="*/ 1242205 h 1932318"/>
-              <a:gd name="connsiteX3" fmla="*/ 1802921 w 1802921"/>
-              <a:gd name="connsiteY3" fmla="*/ 448575 h 1932318"/>
-              <a:gd name="connsiteX4" fmla="*/ 923027 w 1802921"/>
-              <a:gd name="connsiteY4" fmla="*/ 0 h 1932318"/>
-              <a:gd name="connsiteX5" fmla="*/ 612475 w 1802921"/>
-              <a:gd name="connsiteY5" fmla="*/ 569345 h 1932318"/>
-              <a:gd name="connsiteX6" fmla="*/ 0 w 1802921"/>
-              <a:gd name="connsiteY6" fmla="*/ 983412 h 1932318"/>
-              <a:gd name="connsiteX0" fmla="*/ 0 w 1802921"/>
-              <a:gd name="connsiteY0" fmla="*/ 983412 h 2389518"/>
-              <a:gd name="connsiteX1" fmla="*/ 1561380 w 1802921"/>
-              <a:gd name="connsiteY1" fmla="*/ 2389518 h 2389518"/>
-              <a:gd name="connsiteX2" fmla="*/ 1354347 w 1802921"/>
-              <a:gd name="connsiteY2" fmla="*/ 1242205 h 2389518"/>
-              <a:gd name="connsiteX3" fmla="*/ 1802921 w 1802921"/>
-              <a:gd name="connsiteY3" fmla="*/ 448575 h 2389518"/>
-              <a:gd name="connsiteX4" fmla="*/ 923027 w 1802921"/>
-              <a:gd name="connsiteY4" fmla="*/ 0 h 2389518"/>
-              <a:gd name="connsiteX5" fmla="*/ 612475 w 1802921"/>
-              <a:gd name="connsiteY5" fmla="*/ 569345 h 2389518"/>
-              <a:gd name="connsiteX6" fmla="*/ 0 w 1802921"/>
-              <a:gd name="connsiteY6" fmla="*/ 983412 h 2389518"/>
-              <a:gd name="connsiteX0" fmla="*/ 0 w 1827103"/>
-              <a:gd name="connsiteY0" fmla="*/ 983412 h 2389518"/>
-              <a:gd name="connsiteX1" fmla="*/ 1561380 w 1827103"/>
-              <a:gd name="connsiteY1" fmla="*/ 2389518 h 2389518"/>
-              <a:gd name="connsiteX2" fmla="*/ 1820173 w 1827103"/>
-              <a:gd name="connsiteY2" fmla="*/ 1250832 h 2389518"/>
-              <a:gd name="connsiteX3" fmla="*/ 1802921 w 1827103"/>
-              <a:gd name="connsiteY3" fmla="*/ 448575 h 2389518"/>
-              <a:gd name="connsiteX4" fmla="*/ 923027 w 1827103"/>
-              <a:gd name="connsiteY4" fmla="*/ 0 h 2389518"/>
-              <a:gd name="connsiteX5" fmla="*/ 612475 w 1827103"/>
-              <a:gd name="connsiteY5" fmla="*/ 569345 h 2389518"/>
-              <a:gd name="connsiteX6" fmla="*/ 0 w 1827103"/>
-              <a:gd name="connsiteY6" fmla="*/ 983412 h 2389518"/>
-              <a:gd name="connsiteX0" fmla="*/ 0 w 1824816"/>
-              <a:gd name="connsiteY0" fmla="*/ 983412 h 2389518"/>
-              <a:gd name="connsiteX1" fmla="*/ 1561380 w 1824816"/>
-              <a:gd name="connsiteY1" fmla="*/ 2389518 h 2389518"/>
-              <a:gd name="connsiteX2" fmla="*/ 1820173 w 1824816"/>
-              <a:gd name="connsiteY2" fmla="*/ 1250832 h 2389518"/>
-              <a:gd name="connsiteX3" fmla="*/ 1802921 w 1824816"/>
-              <a:gd name="connsiteY3" fmla="*/ 448575 h 2389518"/>
-              <a:gd name="connsiteX4" fmla="*/ 923027 w 1824816"/>
-              <a:gd name="connsiteY4" fmla="*/ 0 h 2389518"/>
-              <a:gd name="connsiteX5" fmla="*/ 612475 w 1824816"/>
-              <a:gd name="connsiteY5" fmla="*/ 569345 h 2389518"/>
-              <a:gd name="connsiteX6" fmla="*/ 0 w 1824816"/>
-              <a:gd name="connsiteY6" fmla="*/ 983412 h 2389518"/>
-              <a:gd name="connsiteX0" fmla="*/ 0 w 1835527"/>
-              <a:gd name="connsiteY0" fmla="*/ 983412 h 2389518"/>
-              <a:gd name="connsiteX1" fmla="*/ 1561380 w 1835527"/>
-              <a:gd name="connsiteY1" fmla="*/ 2389518 h 2389518"/>
-              <a:gd name="connsiteX2" fmla="*/ 1820173 w 1835527"/>
-              <a:gd name="connsiteY2" fmla="*/ 1250832 h 2389518"/>
-              <a:gd name="connsiteX3" fmla="*/ 1802921 w 1835527"/>
-              <a:gd name="connsiteY3" fmla="*/ 448575 h 2389518"/>
-              <a:gd name="connsiteX4" fmla="*/ 923027 w 1835527"/>
-              <a:gd name="connsiteY4" fmla="*/ 0 h 2389518"/>
-              <a:gd name="connsiteX5" fmla="*/ 612475 w 1835527"/>
-              <a:gd name="connsiteY5" fmla="*/ 569345 h 2389518"/>
-              <a:gd name="connsiteX6" fmla="*/ 0 w 1835527"/>
-              <a:gd name="connsiteY6" fmla="*/ 983412 h 2389518"/>
-              <a:gd name="connsiteX0" fmla="*/ 0 w 1835527"/>
-              <a:gd name="connsiteY0" fmla="*/ 569345 h 1975451"/>
-              <a:gd name="connsiteX1" fmla="*/ 1561380 w 1835527"/>
-              <a:gd name="connsiteY1" fmla="*/ 1975451 h 1975451"/>
-              <a:gd name="connsiteX2" fmla="*/ 1820173 w 1835527"/>
-              <a:gd name="connsiteY2" fmla="*/ 836765 h 1975451"/>
-              <a:gd name="connsiteX3" fmla="*/ 1802921 w 1835527"/>
-              <a:gd name="connsiteY3" fmla="*/ 34508 h 1975451"/>
-              <a:gd name="connsiteX4" fmla="*/ 923027 w 1835527"/>
-              <a:gd name="connsiteY4" fmla="*/ 0 h 1975451"/>
-              <a:gd name="connsiteX5" fmla="*/ 612475 w 1835527"/>
-              <a:gd name="connsiteY5" fmla="*/ 155278 h 1975451"/>
-              <a:gd name="connsiteX6" fmla="*/ 0 w 1835527"/>
-              <a:gd name="connsiteY6" fmla="*/ 569345 h 1975451"/>
-              <a:gd name="connsiteX0" fmla="*/ 89040 w 1225828"/>
-              <a:gd name="connsiteY0" fmla="*/ 1518251 h 1975451"/>
-              <a:gd name="connsiteX1" fmla="*/ 951681 w 1225828"/>
-              <a:gd name="connsiteY1" fmla="*/ 1975451 h 1975451"/>
-              <a:gd name="connsiteX2" fmla="*/ 1210474 w 1225828"/>
-              <a:gd name="connsiteY2" fmla="*/ 836765 h 1975451"/>
-              <a:gd name="connsiteX3" fmla="*/ 1193222 w 1225828"/>
-              <a:gd name="connsiteY3" fmla="*/ 34508 h 1975451"/>
-              <a:gd name="connsiteX4" fmla="*/ 313328 w 1225828"/>
-              <a:gd name="connsiteY4" fmla="*/ 0 h 1975451"/>
-              <a:gd name="connsiteX5" fmla="*/ 2776 w 1225828"/>
-              <a:gd name="connsiteY5" fmla="*/ 155278 h 1975451"/>
-              <a:gd name="connsiteX6" fmla="*/ 89040 w 1225828"/>
-              <a:gd name="connsiteY6" fmla="*/ 1518251 h 1975451"/>
-              <a:gd name="connsiteX0" fmla="*/ 0 w 1136788"/>
-              <a:gd name="connsiteY0" fmla="*/ 1518251 h 1975451"/>
-              <a:gd name="connsiteX1" fmla="*/ 862641 w 1136788"/>
-              <a:gd name="connsiteY1" fmla="*/ 1975451 h 1975451"/>
-              <a:gd name="connsiteX2" fmla="*/ 1121434 w 1136788"/>
-              <a:gd name="connsiteY2" fmla="*/ 836765 h 1975451"/>
-              <a:gd name="connsiteX3" fmla="*/ 1104182 w 1136788"/>
-              <a:gd name="connsiteY3" fmla="*/ 34508 h 1975451"/>
-              <a:gd name="connsiteX4" fmla="*/ 224288 w 1136788"/>
-              <a:gd name="connsiteY4" fmla="*/ 0 h 1975451"/>
-              <a:gd name="connsiteX5" fmla="*/ 232914 w 1136788"/>
-              <a:gd name="connsiteY5" fmla="*/ 750501 h 1975451"/>
-              <a:gd name="connsiteX6" fmla="*/ 0 w 1136788"/>
-              <a:gd name="connsiteY6" fmla="*/ 1518251 h 1975451"/>
-              <a:gd name="connsiteX0" fmla="*/ 0 w 1136788"/>
-              <a:gd name="connsiteY0" fmla="*/ 1518251 h 1975451"/>
-              <a:gd name="connsiteX1" fmla="*/ 862641 w 1136788"/>
-              <a:gd name="connsiteY1" fmla="*/ 1975451 h 1975451"/>
-              <a:gd name="connsiteX2" fmla="*/ 1121434 w 1136788"/>
-              <a:gd name="connsiteY2" fmla="*/ 836765 h 1975451"/>
-              <a:gd name="connsiteX3" fmla="*/ 1104182 w 1136788"/>
-              <a:gd name="connsiteY3" fmla="*/ 34508 h 1975451"/>
-              <a:gd name="connsiteX4" fmla="*/ 224288 w 1136788"/>
-              <a:gd name="connsiteY4" fmla="*/ 0 h 1975451"/>
-              <a:gd name="connsiteX5" fmla="*/ 232914 w 1136788"/>
-              <a:gd name="connsiteY5" fmla="*/ 750501 h 1975451"/>
-              <a:gd name="connsiteX6" fmla="*/ 0 w 1136788"/>
-              <a:gd name="connsiteY6" fmla="*/ 1518251 h 1975451"/>
-              <a:gd name="connsiteX0" fmla="*/ 0 w 1136788"/>
-              <a:gd name="connsiteY0" fmla="*/ 1518251 h 1975451"/>
-              <a:gd name="connsiteX1" fmla="*/ 862641 w 1136788"/>
-              <a:gd name="connsiteY1" fmla="*/ 1975451 h 1975451"/>
-              <a:gd name="connsiteX2" fmla="*/ 1121434 w 1136788"/>
-              <a:gd name="connsiteY2" fmla="*/ 836765 h 1975451"/>
-              <a:gd name="connsiteX3" fmla="*/ 1104182 w 1136788"/>
-              <a:gd name="connsiteY3" fmla="*/ 34508 h 1975451"/>
-              <a:gd name="connsiteX4" fmla="*/ 224288 w 1136788"/>
-              <a:gd name="connsiteY4" fmla="*/ 0 h 1975451"/>
-              <a:gd name="connsiteX5" fmla="*/ 232914 w 1136788"/>
-              <a:gd name="connsiteY5" fmla="*/ 750501 h 1975451"/>
-              <a:gd name="connsiteX6" fmla="*/ 0 w 1136788"/>
-              <a:gd name="connsiteY6" fmla="*/ 1518251 h 1975451"/>
-              <a:gd name="connsiteX0" fmla="*/ 0 w 1136788"/>
-              <a:gd name="connsiteY0" fmla="*/ 1518251 h 1975451"/>
-              <a:gd name="connsiteX1" fmla="*/ 862641 w 1136788"/>
-              <a:gd name="connsiteY1" fmla="*/ 1975451 h 1975451"/>
-              <a:gd name="connsiteX2" fmla="*/ 1121434 w 1136788"/>
-              <a:gd name="connsiteY2" fmla="*/ 836765 h 1975451"/>
-              <a:gd name="connsiteX3" fmla="*/ 1104182 w 1136788"/>
-              <a:gd name="connsiteY3" fmla="*/ 34508 h 1975451"/>
-              <a:gd name="connsiteX4" fmla="*/ 224288 w 1136788"/>
-              <a:gd name="connsiteY4" fmla="*/ 0 h 1975451"/>
-              <a:gd name="connsiteX5" fmla="*/ 232914 w 1136788"/>
-              <a:gd name="connsiteY5" fmla="*/ 750501 h 1975451"/>
-              <a:gd name="connsiteX6" fmla="*/ 0 w 1136788"/>
-              <a:gd name="connsiteY6" fmla="*/ 1518251 h 1975451"/>
-              <a:gd name="connsiteX0" fmla="*/ 0 w 1119535"/>
-              <a:gd name="connsiteY0" fmla="*/ 1518251 h 1975451"/>
-              <a:gd name="connsiteX1" fmla="*/ 845388 w 1119535"/>
-              <a:gd name="connsiteY1" fmla="*/ 1975451 h 1975451"/>
-              <a:gd name="connsiteX2" fmla="*/ 1104181 w 1119535"/>
-              <a:gd name="connsiteY2" fmla="*/ 836765 h 1975451"/>
-              <a:gd name="connsiteX3" fmla="*/ 1086929 w 1119535"/>
-              <a:gd name="connsiteY3" fmla="*/ 34508 h 1975451"/>
-              <a:gd name="connsiteX4" fmla="*/ 207035 w 1119535"/>
-              <a:gd name="connsiteY4" fmla="*/ 0 h 1975451"/>
-              <a:gd name="connsiteX5" fmla="*/ 215661 w 1119535"/>
-              <a:gd name="connsiteY5" fmla="*/ 750501 h 1975451"/>
-              <a:gd name="connsiteX6" fmla="*/ 0 w 1119535"/>
-              <a:gd name="connsiteY6" fmla="*/ 1518251 h 1975451"/>
-              <a:gd name="connsiteX0" fmla="*/ 0 w 1119535"/>
-              <a:gd name="connsiteY0" fmla="*/ 1518251 h 1975451"/>
-              <a:gd name="connsiteX1" fmla="*/ 845388 w 1119535"/>
-              <a:gd name="connsiteY1" fmla="*/ 1975451 h 1975451"/>
-              <a:gd name="connsiteX2" fmla="*/ 1104181 w 1119535"/>
-              <a:gd name="connsiteY2" fmla="*/ 836765 h 1975451"/>
-              <a:gd name="connsiteX3" fmla="*/ 1086929 w 1119535"/>
-              <a:gd name="connsiteY3" fmla="*/ 34508 h 1975451"/>
-              <a:gd name="connsiteX4" fmla="*/ 207035 w 1119535"/>
-              <a:gd name="connsiteY4" fmla="*/ 0 h 1975451"/>
-              <a:gd name="connsiteX5" fmla="*/ 215661 w 1119535"/>
-              <a:gd name="connsiteY5" fmla="*/ 750501 h 1975451"/>
-              <a:gd name="connsiteX6" fmla="*/ 0 w 1119535"/>
-              <a:gd name="connsiteY6" fmla="*/ 1518251 h 1975451"/>
-              <a:gd name="connsiteX0" fmla="*/ 0 w 1119535"/>
-              <a:gd name="connsiteY0" fmla="*/ 1518251 h 1975451"/>
-              <a:gd name="connsiteX1" fmla="*/ 845388 w 1119535"/>
-              <a:gd name="connsiteY1" fmla="*/ 1975451 h 1975451"/>
-              <a:gd name="connsiteX2" fmla="*/ 1104181 w 1119535"/>
-              <a:gd name="connsiteY2" fmla="*/ 836765 h 1975451"/>
-              <a:gd name="connsiteX3" fmla="*/ 1086929 w 1119535"/>
-              <a:gd name="connsiteY3" fmla="*/ 34508 h 1975451"/>
-              <a:gd name="connsiteX4" fmla="*/ 207035 w 1119535"/>
-              <a:gd name="connsiteY4" fmla="*/ 0 h 1975451"/>
-              <a:gd name="connsiteX5" fmla="*/ 215661 w 1119535"/>
-              <a:gd name="connsiteY5" fmla="*/ 750501 h 1975451"/>
-              <a:gd name="connsiteX6" fmla="*/ 0 w 1119535"/>
-              <a:gd name="connsiteY6" fmla="*/ 1518251 h 1975451"/>
-              <a:gd name="connsiteX0" fmla="*/ 0 w 1119535"/>
-              <a:gd name="connsiteY0" fmla="*/ 1483743 h 1940943"/>
-              <a:gd name="connsiteX1" fmla="*/ 845388 w 1119535"/>
-              <a:gd name="connsiteY1" fmla="*/ 1940943 h 1940943"/>
-              <a:gd name="connsiteX2" fmla="*/ 1104181 w 1119535"/>
-              <a:gd name="connsiteY2" fmla="*/ 802257 h 1940943"/>
-              <a:gd name="connsiteX3" fmla="*/ 1086929 w 1119535"/>
-              <a:gd name="connsiteY3" fmla="*/ 0 h 1940943"/>
-              <a:gd name="connsiteX4" fmla="*/ 215661 w 1119535"/>
-              <a:gd name="connsiteY4" fmla="*/ 17251 h 1940943"/>
-              <a:gd name="connsiteX5" fmla="*/ 215661 w 1119535"/>
-              <a:gd name="connsiteY5" fmla="*/ 715993 h 1940943"/>
-              <a:gd name="connsiteX6" fmla="*/ 0 w 1119535"/>
-              <a:gd name="connsiteY6" fmla="*/ 1483743 h 1940943"/>
-              <a:gd name="connsiteX0" fmla="*/ 0 w 1119535"/>
-              <a:gd name="connsiteY0" fmla="*/ 1483743 h 1940943"/>
-              <a:gd name="connsiteX1" fmla="*/ 845388 w 1119535"/>
-              <a:gd name="connsiteY1" fmla="*/ 1940943 h 1940943"/>
-              <a:gd name="connsiteX2" fmla="*/ 1104181 w 1119535"/>
-              <a:gd name="connsiteY2" fmla="*/ 802257 h 1940943"/>
-              <a:gd name="connsiteX3" fmla="*/ 1086929 w 1119535"/>
-              <a:gd name="connsiteY3" fmla="*/ 0 h 1940943"/>
-              <a:gd name="connsiteX4" fmla="*/ 215661 w 1119535"/>
-              <a:gd name="connsiteY4" fmla="*/ 17251 h 1940943"/>
-              <a:gd name="connsiteX5" fmla="*/ 215661 w 1119535"/>
-              <a:gd name="connsiteY5" fmla="*/ 715993 h 1940943"/>
-              <a:gd name="connsiteX6" fmla="*/ 0 w 1119535"/>
-              <a:gd name="connsiteY6" fmla="*/ 1483743 h 1940943"/>
-              <a:gd name="connsiteX0" fmla="*/ 0 w 1119535"/>
-              <a:gd name="connsiteY0" fmla="*/ 1483743 h 1940943"/>
-              <a:gd name="connsiteX1" fmla="*/ 845388 w 1119535"/>
-              <a:gd name="connsiteY1" fmla="*/ 1940943 h 1940943"/>
-              <a:gd name="connsiteX2" fmla="*/ 1104181 w 1119535"/>
-              <a:gd name="connsiteY2" fmla="*/ 802257 h 1940943"/>
-              <a:gd name="connsiteX3" fmla="*/ 1086929 w 1119535"/>
-              <a:gd name="connsiteY3" fmla="*/ 0 h 1940943"/>
-              <a:gd name="connsiteX4" fmla="*/ 215661 w 1119535"/>
-              <a:gd name="connsiteY4" fmla="*/ 17251 h 1940943"/>
-              <a:gd name="connsiteX5" fmla="*/ 215661 w 1119535"/>
-              <a:gd name="connsiteY5" fmla="*/ 715993 h 1940943"/>
-              <a:gd name="connsiteX6" fmla="*/ 0 w 1119535"/>
-              <a:gd name="connsiteY6" fmla="*/ 1483743 h 1940943"/>
-              <a:gd name="connsiteX0" fmla="*/ 0 w 1094524"/>
-              <a:gd name="connsiteY0" fmla="*/ 1483743 h 1940943"/>
-              <a:gd name="connsiteX1" fmla="*/ 845388 w 1094524"/>
-              <a:gd name="connsiteY1" fmla="*/ 1940943 h 1940943"/>
-              <a:gd name="connsiteX2" fmla="*/ 1035169 w 1094524"/>
-              <a:gd name="connsiteY2" fmla="*/ 923027 h 1940943"/>
-              <a:gd name="connsiteX3" fmla="*/ 1086929 w 1094524"/>
-              <a:gd name="connsiteY3" fmla="*/ 0 h 1940943"/>
-              <a:gd name="connsiteX4" fmla="*/ 215661 w 1094524"/>
-              <a:gd name="connsiteY4" fmla="*/ 17251 h 1940943"/>
-              <a:gd name="connsiteX5" fmla="*/ 215661 w 1094524"/>
-              <a:gd name="connsiteY5" fmla="*/ 715993 h 1940943"/>
-              <a:gd name="connsiteX6" fmla="*/ 0 w 1094524"/>
-              <a:gd name="connsiteY6" fmla="*/ 1483743 h 1940943"/>
-              <a:gd name="connsiteX0" fmla="*/ 0 w 1104396"/>
-              <a:gd name="connsiteY0" fmla="*/ 1483743 h 1940943"/>
-              <a:gd name="connsiteX1" fmla="*/ 845388 w 1104396"/>
-              <a:gd name="connsiteY1" fmla="*/ 1940943 h 1940943"/>
-              <a:gd name="connsiteX2" fmla="*/ 1078301 w 1104396"/>
-              <a:gd name="connsiteY2" fmla="*/ 1043797 h 1940943"/>
-              <a:gd name="connsiteX3" fmla="*/ 1086929 w 1104396"/>
-              <a:gd name="connsiteY3" fmla="*/ 0 h 1940943"/>
-              <a:gd name="connsiteX4" fmla="*/ 215661 w 1104396"/>
-              <a:gd name="connsiteY4" fmla="*/ 17251 h 1940943"/>
-              <a:gd name="connsiteX5" fmla="*/ 215661 w 1104396"/>
-              <a:gd name="connsiteY5" fmla="*/ 715993 h 1940943"/>
-              <a:gd name="connsiteX6" fmla="*/ 0 w 1104396"/>
-              <a:gd name="connsiteY6" fmla="*/ 1483743 h 1940943"/>
-              <a:gd name="connsiteX0" fmla="*/ 0 w 1099412"/>
-              <a:gd name="connsiteY0" fmla="*/ 1483743 h 1940943"/>
-              <a:gd name="connsiteX1" fmla="*/ 845388 w 1099412"/>
-              <a:gd name="connsiteY1" fmla="*/ 1940943 h 1940943"/>
-              <a:gd name="connsiteX2" fmla="*/ 1078301 w 1099412"/>
-              <a:gd name="connsiteY2" fmla="*/ 1043797 h 1940943"/>
-              <a:gd name="connsiteX3" fmla="*/ 1086929 w 1099412"/>
-              <a:gd name="connsiteY3" fmla="*/ 0 h 1940943"/>
-              <a:gd name="connsiteX4" fmla="*/ 215661 w 1099412"/>
-              <a:gd name="connsiteY4" fmla="*/ 17251 h 1940943"/>
-              <a:gd name="connsiteX5" fmla="*/ 215661 w 1099412"/>
-              <a:gd name="connsiteY5" fmla="*/ 715993 h 1940943"/>
-              <a:gd name="connsiteX6" fmla="*/ 0 w 1099412"/>
-              <a:gd name="connsiteY6" fmla="*/ 1483743 h 1940943"/>
-              <a:gd name="connsiteX0" fmla="*/ 0 w 1099412"/>
-              <a:gd name="connsiteY0" fmla="*/ 1483743 h 1940943"/>
-              <a:gd name="connsiteX1" fmla="*/ 845388 w 1099412"/>
-              <a:gd name="connsiteY1" fmla="*/ 1940943 h 1940943"/>
-              <a:gd name="connsiteX2" fmla="*/ 1078301 w 1099412"/>
-              <a:gd name="connsiteY2" fmla="*/ 1043797 h 1940943"/>
-              <a:gd name="connsiteX3" fmla="*/ 1086929 w 1099412"/>
-              <a:gd name="connsiteY3" fmla="*/ 0 h 1940943"/>
-              <a:gd name="connsiteX4" fmla="*/ 215661 w 1099412"/>
-              <a:gd name="connsiteY4" fmla="*/ 17251 h 1940943"/>
-              <a:gd name="connsiteX5" fmla="*/ 215661 w 1099412"/>
-              <a:gd name="connsiteY5" fmla="*/ 715993 h 1940943"/>
-              <a:gd name="connsiteX6" fmla="*/ 0 w 1099412"/>
-              <a:gd name="connsiteY6" fmla="*/ 1483743 h 1940943"/>
-              <a:gd name="connsiteX0" fmla="*/ 0 w 1105877"/>
-              <a:gd name="connsiteY0" fmla="*/ 1483743 h 1940943"/>
-              <a:gd name="connsiteX1" fmla="*/ 871267 w 1105877"/>
-              <a:gd name="connsiteY1" fmla="*/ 1940943 h 1940943"/>
-              <a:gd name="connsiteX2" fmla="*/ 1078301 w 1105877"/>
-              <a:gd name="connsiteY2" fmla="*/ 1043797 h 1940943"/>
-              <a:gd name="connsiteX3" fmla="*/ 1086929 w 1105877"/>
-              <a:gd name="connsiteY3" fmla="*/ 0 h 1940943"/>
-              <a:gd name="connsiteX4" fmla="*/ 215661 w 1105877"/>
-              <a:gd name="connsiteY4" fmla="*/ 17251 h 1940943"/>
-              <a:gd name="connsiteX5" fmla="*/ 215661 w 1105877"/>
-              <a:gd name="connsiteY5" fmla="*/ 715993 h 1940943"/>
-              <a:gd name="connsiteX6" fmla="*/ 0 w 1105877"/>
-              <a:gd name="connsiteY6" fmla="*/ 1483743 h 1940943"/>
-              <a:gd name="connsiteX0" fmla="*/ 0 w 1097694"/>
-              <a:gd name="connsiteY0" fmla="*/ 1483743 h 1940943"/>
-              <a:gd name="connsiteX1" fmla="*/ 871267 w 1097694"/>
-              <a:gd name="connsiteY1" fmla="*/ 1940943 h 1940943"/>
-              <a:gd name="connsiteX2" fmla="*/ 1052422 w 1097694"/>
-              <a:gd name="connsiteY2" fmla="*/ 1009291 h 1940943"/>
-              <a:gd name="connsiteX3" fmla="*/ 1086929 w 1097694"/>
-              <a:gd name="connsiteY3" fmla="*/ 0 h 1940943"/>
-              <a:gd name="connsiteX4" fmla="*/ 215661 w 1097694"/>
-              <a:gd name="connsiteY4" fmla="*/ 17251 h 1940943"/>
-              <a:gd name="connsiteX5" fmla="*/ 215661 w 1097694"/>
-              <a:gd name="connsiteY5" fmla="*/ 715993 h 1940943"/>
-              <a:gd name="connsiteX6" fmla="*/ 0 w 1097694"/>
-              <a:gd name="connsiteY6" fmla="*/ 1483743 h 1940943"/>
-              <a:gd name="connsiteX0" fmla="*/ 0 w 1097694"/>
-              <a:gd name="connsiteY0" fmla="*/ 1483743 h 1940943"/>
-              <a:gd name="connsiteX1" fmla="*/ 871267 w 1097694"/>
-              <a:gd name="connsiteY1" fmla="*/ 1940943 h 1940943"/>
-              <a:gd name="connsiteX2" fmla="*/ 1052422 w 1097694"/>
-              <a:gd name="connsiteY2" fmla="*/ 1009291 h 1940943"/>
-              <a:gd name="connsiteX3" fmla="*/ 1086929 w 1097694"/>
-              <a:gd name="connsiteY3" fmla="*/ 0 h 1940943"/>
-              <a:gd name="connsiteX4" fmla="*/ 215661 w 1097694"/>
-              <a:gd name="connsiteY4" fmla="*/ 17251 h 1940943"/>
-              <a:gd name="connsiteX5" fmla="*/ 215661 w 1097694"/>
-              <a:gd name="connsiteY5" fmla="*/ 715993 h 1940943"/>
-              <a:gd name="connsiteX6" fmla="*/ 0 w 1097694"/>
-              <a:gd name="connsiteY6" fmla="*/ 1483743 h 1940943"/>
-            </a:gdLst>
-            <a:ahLst/>
-            <a:cxnLst>
-              <a:cxn ang="0">
-                <a:pos x="connsiteX0" y="connsiteY0"/>
-              </a:cxn>
-              <a:cxn ang="0">
-                <a:pos x="connsiteX1" y="connsiteY1"/>
-              </a:cxn>
-              <a:cxn ang="0">
-                <a:pos x="connsiteX2" y="connsiteY2"/>
-              </a:cxn>
-              <a:cxn ang="0">
-                <a:pos x="connsiteX3" y="connsiteY3"/>
-              </a:cxn>
-              <a:cxn ang="0">
-                <a:pos x="connsiteX4" y="connsiteY4"/>
-              </a:cxn>
-              <a:cxn ang="0">
-                <a:pos x="connsiteX5" y="connsiteY5"/>
-              </a:cxn>
-              <a:cxn ang="0">
-                <a:pos x="connsiteX6" y="connsiteY6"/>
-              </a:cxn>
-            </a:cxnLst>
-            <a:rect l="l" t="t" r="r" b="b"/>
-            <a:pathLst>
-              <a:path w="1097694" h="1940943">
-                <a:moveTo>
-                  <a:pt x="0" y="1483743"/>
-                </a:moveTo>
-                <a:lnTo>
-                  <a:pt x="871267" y="1940943"/>
-                </a:lnTo>
-                <a:cubicBezTo>
-                  <a:pt x="1010727" y="1337094"/>
-                  <a:pt x="1016478" y="1341408"/>
-                  <a:pt x="1052422" y="1009291"/>
-                </a:cubicBezTo>
-                <a:cubicBezTo>
-                  <a:pt x="1088366" y="677174"/>
-                  <a:pt x="1112808" y="224288"/>
-                  <a:pt x="1086929" y="0"/>
-                </a:cubicBezTo>
-                <a:lnTo>
-                  <a:pt x="215661" y="17251"/>
-                </a:lnTo>
-                <a:cubicBezTo>
-                  <a:pt x="241541" y="247288"/>
-                  <a:pt x="251605" y="471578"/>
-                  <a:pt x="215661" y="715993"/>
-                </a:cubicBezTo>
-                <a:cubicBezTo>
-                  <a:pt x="179718" y="960408"/>
-                  <a:pt x="198408" y="1009290"/>
-                  <a:pt x="0" y="1483743"/>
-                </a:cubicBezTo>
-                <a:close/>
-              </a:path>
-            </a:pathLst>
-          </a:custGeom>
-          <a:solidFill>
-            <a:srgbClr val="FF6600">
-              <a:alpha val="49804"/>
-            </a:srgbClr>
-          </a:solidFill>
-          <a:ln w="28575">
-            <a:solidFill>
-              <a:srgbClr val="FF0000"/>
-            </a:solidFill>
-          </a:ln>
-        </p:spPr>
-        <p:style>
-          <a:lnRef idx="2">
-            <a:schemeClr val="accent1">
-              <a:shade val="50000"/>
-            </a:schemeClr>
-          </a:lnRef>
-          <a:fillRef idx="1">
-            <a:schemeClr val="accent1"/>
-          </a:fillRef>
-          <a:effectRef idx="0">
-            <a:schemeClr val="accent1"/>
-          </a:effectRef>
-          <a:fontRef idx="minor">
-            <a:schemeClr val="lt1"/>
-          </a:fontRef>
-        </p:style>
-        <p:txBody>
-          <a:bodyPr rtlCol="0" anchor="ctr"/>
-          <a:lstStyle/>
-          <a:p>
-            <a:pPr algn="ctr"/>
-            <a:endParaRPr lang="en-US"/>
+            <a:endParaRPr lang="en-US" dirty="0"/>
           </a:p>
         </p:txBody>
       </p:sp>
@@ -6860,8 +5459,8 @@
         </p:nvSpPr>
         <p:spPr>
           <a:xfrm>
-            <a:off x="5011424" y="543464"/>
-            <a:ext cx="2138892" cy="1656312"/>
+            <a:off x="4908108" y="560717"/>
+            <a:ext cx="2307541" cy="1699501"/>
           </a:xfrm>
           <a:custGeom>
             <a:avLst/>
@@ -7622,6 +6221,90 @@
               <a:gd name="connsiteY4" fmla="*/ 0 h 1656312"/>
               <a:gd name="connsiteX5" fmla="*/ 9017 w 2184909"/>
               <a:gd name="connsiteY5" fmla="*/ 17253 h 1656312"/>
+              <a:gd name="connsiteX0" fmla="*/ 9017 w 2250954"/>
+              <a:gd name="connsiteY0" fmla="*/ 0 h 1639059"/>
+              <a:gd name="connsiteX1" fmla="*/ 110685 w 2250954"/>
+              <a:gd name="connsiteY1" fmla="*/ 1026544 h 1639059"/>
+              <a:gd name="connsiteX2" fmla="*/ 1099470 w 2250954"/>
+              <a:gd name="connsiteY2" fmla="*/ 1639019 h 1639059"/>
+              <a:gd name="connsiteX3" fmla="*/ 2061079 w 2250954"/>
+              <a:gd name="connsiteY3" fmla="*/ 1000665 h 1639059"/>
+              <a:gd name="connsiteX4" fmla="*/ 2250868 w 2250954"/>
+              <a:gd name="connsiteY4" fmla="*/ 0 h 1639059"/>
+              <a:gd name="connsiteX5" fmla="*/ 9017 w 2250954"/>
+              <a:gd name="connsiteY5" fmla="*/ 0 h 1639059"/>
+              <a:gd name="connsiteX0" fmla="*/ 0 w 2356493"/>
+              <a:gd name="connsiteY0" fmla="*/ 0 h 1639059"/>
+              <a:gd name="connsiteX1" fmla="*/ 216224 w 2356493"/>
+              <a:gd name="connsiteY1" fmla="*/ 1026544 h 1639059"/>
+              <a:gd name="connsiteX2" fmla="*/ 1205009 w 2356493"/>
+              <a:gd name="connsiteY2" fmla="*/ 1639019 h 1639059"/>
+              <a:gd name="connsiteX3" fmla="*/ 2166618 w 2356493"/>
+              <a:gd name="connsiteY3" fmla="*/ 1000665 h 1639059"/>
+              <a:gd name="connsiteX4" fmla="*/ 2356407 w 2356493"/>
+              <a:gd name="connsiteY4" fmla="*/ 0 h 1639059"/>
+              <a:gd name="connsiteX5" fmla="*/ 0 w 2356493"/>
+              <a:gd name="connsiteY5" fmla="*/ 0 h 1639059"/>
+              <a:gd name="connsiteX0" fmla="*/ 0 w 2356493"/>
+              <a:gd name="connsiteY0" fmla="*/ 0 h 1642215"/>
+              <a:gd name="connsiteX1" fmla="*/ 198600 w 2356493"/>
+              <a:gd name="connsiteY1" fmla="*/ 1190446 h 1642215"/>
+              <a:gd name="connsiteX2" fmla="*/ 1205009 w 2356493"/>
+              <a:gd name="connsiteY2" fmla="*/ 1639019 h 1642215"/>
+              <a:gd name="connsiteX3" fmla="*/ 2166618 w 2356493"/>
+              <a:gd name="connsiteY3" fmla="*/ 1000665 h 1642215"/>
+              <a:gd name="connsiteX4" fmla="*/ 2356407 w 2356493"/>
+              <a:gd name="connsiteY4" fmla="*/ 0 h 1642215"/>
+              <a:gd name="connsiteX5" fmla="*/ 0 w 2356493"/>
+              <a:gd name="connsiteY5" fmla="*/ 0 h 1642215"/>
+              <a:gd name="connsiteX0" fmla="*/ 0 w 2356493"/>
+              <a:gd name="connsiteY0" fmla="*/ 0 h 1639309"/>
+              <a:gd name="connsiteX1" fmla="*/ 198600 w 2356493"/>
+              <a:gd name="connsiteY1" fmla="*/ 1190446 h 1639309"/>
+              <a:gd name="connsiteX2" fmla="*/ 1205009 w 2356493"/>
+              <a:gd name="connsiteY2" fmla="*/ 1639019 h 1639309"/>
+              <a:gd name="connsiteX3" fmla="*/ 2166618 w 2356493"/>
+              <a:gd name="connsiteY3" fmla="*/ 1138688 h 1639309"/>
+              <a:gd name="connsiteX4" fmla="*/ 2356407 w 2356493"/>
+              <a:gd name="connsiteY4" fmla="*/ 0 h 1639309"/>
+              <a:gd name="connsiteX5" fmla="*/ 0 w 2356493"/>
+              <a:gd name="connsiteY5" fmla="*/ 0 h 1639309"/>
+              <a:gd name="connsiteX0" fmla="*/ 0 w 2356493"/>
+              <a:gd name="connsiteY0" fmla="*/ 0 h 1699634"/>
+              <a:gd name="connsiteX1" fmla="*/ 198600 w 2356493"/>
+              <a:gd name="connsiteY1" fmla="*/ 1190446 h 1699634"/>
+              <a:gd name="connsiteX2" fmla="*/ 1187385 w 2356493"/>
+              <a:gd name="connsiteY2" fmla="*/ 1699404 h 1699634"/>
+              <a:gd name="connsiteX3" fmla="*/ 2166618 w 2356493"/>
+              <a:gd name="connsiteY3" fmla="*/ 1138688 h 1699634"/>
+              <a:gd name="connsiteX4" fmla="*/ 2356407 w 2356493"/>
+              <a:gd name="connsiteY4" fmla="*/ 0 h 1699634"/>
+              <a:gd name="connsiteX5" fmla="*/ 0 w 2356493"/>
+              <a:gd name="connsiteY5" fmla="*/ 0 h 1699634"/>
+              <a:gd name="connsiteX0" fmla="*/ 0 w 2357187"/>
+              <a:gd name="connsiteY0" fmla="*/ 0 h 1699634"/>
+              <a:gd name="connsiteX1" fmla="*/ 198600 w 2357187"/>
+              <a:gd name="connsiteY1" fmla="*/ 1190446 h 1699634"/>
+              <a:gd name="connsiteX2" fmla="*/ 1187385 w 2357187"/>
+              <a:gd name="connsiteY2" fmla="*/ 1699404 h 1699634"/>
+              <a:gd name="connsiteX3" fmla="*/ 2193054 w 2357187"/>
+              <a:gd name="connsiteY3" fmla="*/ 1138688 h 1699634"/>
+              <a:gd name="connsiteX4" fmla="*/ 2356407 w 2357187"/>
+              <a:gd name="connsiteY4" fmla="*/ 0 h 1699634"/>
+              <a:gd name="connsiteX5" fmla="*/ 0 w 2357187"/>
+              <a:gd name="connsiteY5" fmla="*/ 0 h 1699634"/>
+              <a:gd name="connsiteX0" fmla="*/ 0 w 2357187"/>
+              <a:gd name="connsiteY0" fmla="*/ 0 h 1699501"/>
+              <a:gd name="connsiteX1" fmla="*/ 233848 w 2357187"/>
+              <a:gd name="connsiteY1" fmla="*/ 1173193 h 1699501"/>
+              <a:gd name="connsiteX2" fmla="*/ 1187385 w 2357187"/>
+              <a:gd name="connsiteY2" fmla="*/ 1699404 h 1699501"/>
+              <a:gd name="connsiteX3" fmla="*/ 2193054 w 2357187"/>
+              <a:gd name="connsiteY3" fmla="*/ 1138688 h 1699501"/>
+              <a:gd name="connsiteX4" fmla="*/ 2356407 w 2357187"/>
+              <a:gd name="connsiteY4" fmla="*/ 0 h 1699501"/>
+              <a:gd name="connsiteX5" fmla="*/ 0 w 2357187"/>
+              <a:gd name="connsiteY5" fmla="*/ 0 h 1699501"/>
             </a:gdLst>
             <a:ahLst/>
             <a:cxnLst>
@@ -7646,34 +6329,34 @@
             </a:cxnLst>
             <a:rect l="l" t="t" r="r" b="b"/>
             <a:pathLst>
-              <a:path w="2184909" h="1656312">
+              <a:path w="2357187" h="1699501">
                 <a:moveTo>
-                  <a:pt x="9017" y="17253"/>
+                  <a:pt x="0" y="0"/>
                 </a:moveTo>
                 <a:cubicBezTo>
-                  <a:pt x="31158" y="414068"/>
-                  <a:pt x="-71057" y="770627"/>
-                  <a:pt x="110685" y="1043797"/>
+                  <a:pt x="22141" y="396815"/>
+                  <a:pt x="35951" y="889959"/>
+                  <a:pt x="233848" y="1173193"/>
                 </a:cubicBezTo>
                 <a:cubicBezTo>
-                  <a:pt x="292427" y="1316967"/>
-                  <a:pt x="774404" y="1660585"/>
-                  <a:pt x="1099470" y="1656272"/>
+                  <a:pt x="431745" y="1456427"/>
+                  <a:pt x="860851" y="1705155"/>
+                  <a:pt x="1187385" y="1699404"/>
                 </a:cubicBezTo>
                 <a:cubicBezTo>
-                  <a:pt x="1424536" y="1651959"/>
-                  <a:pt x="1882397" y="1293963"/>
-                  <a:pt x="2061079" y="1017918"/>
+                  <a:pt x="1513919" y="1693653"/>
+                  <a:pt x="2014372" y="1414733"/>
+                  <a:pt x="2193054" y="1138688"/>
                 </a:cubicBezTo>
                 <a:cubicBezTo>
-                  <a:pt x="2239761" y="741873"/>
-                  <a:pt x="2172918" y="385314"/>
-                  <a:pt x="2171560" y="0"/>
+                  <a:pt x="2371736" y="862643"/>
+                  <a:pt x="2357765" y="385314"/>
+                  <a:pt x="2356407" y="0"/>
                 </a:cubicBezTo>
                 <a:cubicBezTo>
-                  <a:pt x="1795771" y="11502"/>
-                  <a:pt x="427398" y="27317"/>
-                  <a:pt x="9017" y="17253"/>
+                  <a:pt x="1980618" y="11502"/>
+                  <a:pt x="418381" y="10064"/>
+                  <a:pt x="0" y="0"/>
                 </a:cubicBezTo>
                 <a:close/>
               </a:path>
@@ -7717,10 +6400,10 @@
       </p:sp>
       <p:sp>
         <p:nvSpPr>
-          <p:cNvPr id="18" name="Freeform: Shape 17">
+          <p:cNvPr id="21" name="Freeform: Shape 20">
             <a:extLst>
               <a:ext uri="{FF2B5EF4-FFF2-40B4-BE49-F238E27FC236}">
-                <a16:creationId xmlns:a16="http://schemas.microsoft.com/office/drawing/2014/main" id="{81C36A78-B00D-44D5-8333-3CB5B1CF970D}"/>
+                <a16:creationId xmlns:a16="http://schemas.microsoft.com/office/drawing/2014/main" id="{4CF3FE4B-90F3-41A1-9314-278A68D6E5AD}"/>
               </a:ext>
             </a:extLst>
           </p:cNvPr>
@@ -7728,730 +6411,9 @@
           <p:nvPr/>
         </p:nvSpPr>
         <p:spPr>
-          <a:xfrm>
-            <a:off x="4525993" y="1595885"/>
-            <a:ext cx="3157267" cy="1716827"/>
-          </a:xfrm>
-          <a:custGeom>
-            <a:avLst/>
-            <a:gdLst>
-              <a:gd name="connsiteX0" fmla="*/ 560717 w 3140015"/>
-              <a:gd name="connsiteY0" fmla="*/ 69012 h 1449238"/>
-              <a:gd name="connsiteX1" fmla="*/ 0 w 3140015"/>
-              <a:gd name="connsiteY1" fmla="*/ 923027 h 1449238"/>
-              <a:gd name="connsiteX2" fmla="*/ 1570008 w 3140015"/>
-              <a:gd name="connsiteY2" fmla="*/ 1449238 h 1449238"/>
-              <a:gd name="connsiteX3" fmla="*/ 3140015 w 3140015"/>
-              <a:gd name="connsiteY3" fmla="*/ 974785 h 1449238"/>
-              <a:gd name="connsiteX4" fmla="*/ 2510287 w 3140015"/>
-              <a:gd name="connsiteY4" fmla="*/ 0 h 1449238"/>
-              <a:gd name="connsiteX5" fmla="*/ 1561381 w 3140015"/>
-              <a:gd name="connsiteY5" fmla="*/ 241540 h 1449238"/>
-              <a:gd name="connsiteX6" fmla="*/ 646981 w 3140015"/>
-              <a:gd name="connsiteY6" fmla="*/ 60385 h 1449238"/>
-              <a:gd name="connsiteX7" fmla="*/ 560717 w 3140015"/>
-              <a:gd name="connsiteY7" fmla="*/ 69012 h 1449238"/>
-              <a:gd name="connsiteX0" fmla="*/ 560717 w 3140015"/>
-              <a:gd name="connsiteY0" fmla="*/ 69012 h 1449238"/>
-              <a:gd name="connsiteX1" fmla="*/ 0 w 3140015"/>
-              <a:gd name="connsiteY1" fmla="*/ 923027 h 1449238"/>
-              <a:gd name="connsiteX2" fmla="*/ 1570008 w 3140015"/>
-              <a:gd name="connsiteY2" fmla="*/ 1449238 h 1449238"/>
-              <a:gd name="connsiteX3" fmla="*/ 3140015 w 3140015"/>
-              <a:gd name="connsiteY3" fmla="*/ 974785 h 1449238"/>
-              <a:gd name="connsiteX4" fmla="*/ 2510287 w 3140015"/>
-              <a:gd name="connsiteY4" fmla="*/ 0 h 1449238"/>
-              <a:gd name="connsiteX5" fmla="*/ 1561381 w 3140015"/>
-              <a:gd name="connsiteY5" fmla="*/ 241540 h 1449238"/>
-              <a:gd name="connsiteX6" fmla="*/ 560717 w 3140015"/>
-              <a:gd name="connsiteY6" fmla="*/ 69012 h 1449238"/>
-              <a:gd name="connsiteX0" fmla="*/ 560717 w 3140015"/>
-              <a:gd name="connsiteY0" fmla="*/ 94737 h 1474963"/>
-              <a:gd name="connsiteX1" fmla="*/ 0 w 3140015"/>
-              <a:gd name="connsiteY1" fmla="*/ 948752 h 1474963"/>
-              <a:gd name="connsiteX2" fmla="*/ 1570008 w 3140015"/>
-              <a:gd name="connsiteY2" fmla="*/ 1474963 h 1474963"/>
-              <a:gd name="connsiteX3" fmla="*/ 3140015 w 3140015"/>
-              <a:gd name="connsiteY3" fmla="*/ 1000510 h 1474963"/>
-              <a:gd name="connsiteX4" fmla="*/ 2510287 w 3140015"/>
-              <a:gd name="connsiteY4" fmla="*/ 25725 h 1474963"/>
-              <a:gd name="connsiteX5" fmla="*/ 1561381 w 3140015"/>
-              <a:gd name="connsiteY5" fmla="*/ 267265 h 1474963"/>
-              <a:gd name="connsiteX6" fmla="*/ 560717 w 3140015"/>
-              <a:gd name="connsiteY6" fmla="*/ 94737 h 1474963"/>
-              <a:gd name="connsiteX0" fmla="*/ 560717 w 3140015"/>
-              <a:gd name="connsiteY0" fmla="*/ 94737 h 1475187"/>
-              <a:gd name="connsiteX1" fmla="*/ 0 w 3140015"/>
-              <a:gd name="connsiteY1" fmla="*/ 948752 h 1475187"/>
-              <a:gd name="connsiteX2" fmla="*/ 1570008 w 3140015"/>
-              <a:gd name="connsiteY2" fmla="*/ 1474963 h 1475187"/>
-              <a:gd name="connsiteX3" fmla="*/ 3140015 w 3140015"/>
-              <a:gd name="connsiteY3" fmla="*/ 1000510 h 1475187"/>
-              <a:gd name="connsiteX4" fmla="*/ 2510287 w 3140015"/>
-              <a:gd name="connsiteY4" fmla="*/ 25725 h 1475187"/>
-              <a:gd name="connsiteX5" fmla="*/ 1561381 w 3140015"/>
-              <a:gd name="connsiteY5" fmla="*/ 267265 h 1475187"/>
-              <a:gd name="connsiteX6" fmla="*/ 560717 w 3140015"/>
-              <a:gd name="connsiteY6" fmla="*/ 94737 h 1475187"/>
-              <a:gd name="connsiteX0" fmla="*/ 560717 w 3140015"/>
-              <a:gd name="connsiteY0" fmla="*/ 94737 h 1475187"/>
-              <a:gd name="connsiteX1" fmla="*/ 0 w 3140015"/>
-              <a:gd name="connsiteY1" fmla="*/ 948752 h 1475187"/>
-              <a:gd name="connsiteX2" fmla="*/ 1570008 w 3140015"/>
-              <a:gd name="connsiteY2" fmla="*/ 1474963 h 1475187"/>
-              <a:gd name="connsiteX3" fmla="*/ 3140015 w 3140015"/>
-              <a:gd name="connsiteY3" fmla="*/ 1000510 h 1475187"/>
-              <a:gd name="connsiteX4" fmla="*/ 2510287 w 3140015"/>
-              <a:gd name="connsiteY4" fmla="*/ 25725 h 1475187"/>
-              <a:gd name="connsiteX5" fmla="*/ 1561381 w 3140015"/>
-              <a:gd name="connsiteY5" fmla="*/ 267265 h 1475187"/>
-              <a:gd name="connsiteX6" fmla="*/ 560717 w 3140015"/>
-              <a:gd name="connsiteY6" fmla="*/ 94737 h 1475187"/>
-              <a:gd name="connsiteX0" fmla="*/ 560717 w 3140015"/>
-              <a:gd name="connsiteY0" fmla="*/ 94737 h 1475645"/>
-              <a:gd name="connsiteX1" fmla="*/ 0 w 3140015"/>
-              <a:gd name="connsiteY1" fmla="*/ 948752 h 1475645"/>
-              <a:gd name="connsiteX2" fmla="*/ 1570008 w 3140015"/>
-              <a:gd name="connsiteY2" fmla="*/ 1474963 h 1475645"/>
-              <a:gd name="connsiteX3" fmla="*/ 3140015 w 3140015"/>
-              <a:gd name="connsiteY3" fmla="*/ 1000510 h 1475645"/>
-              <a:gd name="connsiteX4" fmla="*/ 2510287 w 3140015"/>
-              <a:gd name="connsiteY4" fmla="*/ 25725 h 1475645"/>
-              <a:gd name="connsiteX5" fmla="*/ 1561381 w 3140015"/>
-              <a:gd name="connsiteY5" fmla="*/ 267265 h 1475645"/>
-              <a:gd name="connsiteX6" fmla="*/ 560717 w 3140015"/>
-              <a:gd name="connsiteY6" fmla="*/ 94737 h 1475645"/>
-              <a:gd name="connsiteX0" fmla="*/ 560717 w 3140015"/>
-              <a:gd name="connsiteY0" fmla="*/ 94737 h 1474963"/>
-              <a:gd name="connsiteX1" fmla="*/ 0 w 3140015"/>
-              <a:gd name="connsiteY1" fmla="*/ 948752 h 1474963"/>
-              <a:gd name="connsiteX2" fmla="*/ 1570008 w 3140015"/>
-              <a:gd name="connsiteY2" fmla="*/ 1474963 h 1474963"/>
-              <a:gd name="connsiteX3" fmla="*/ 3140015 w 3140015"/>
-              <a:gd name="connsiteY3" fmla="*/ 1000510 h 1474963"/>
-              <a:gd name="connsiteX4" fmla="*/ 2510287 w 3140015"/>
-              <a:gd name="connsiteY4" fmla="*/ 25725 h 1474963"/>
-              <a:gd name="connsiteX5" fmla="*/ 1561381 w 3140015"/>
-              <a:gd name="connsiteY5" fmla="*/ 267265 h 1474963"/>
-              <a:gd name="connsiteX6" fmla="*/ 560717 w 3140015"/>
-              <a:gd name="connsiteY6" fmla="*/ 94737 h 1474963"/>
-              <a:gd name="connsiteX0" fmla="*/ 560717 w 3140015"/>
-              <a:gd name="connsiteY0" fmla="*/ 94737 h 1474963"/>
-              <a:gd name="connsiteX1" fmla="*/ 0 w 3140015"/>
-              <a:gd name="connsiteY1" fmla="*/ 948752 h 1474963"/>
-              <a:gd name="connsiteX2" fmla="*/ 1570008 w 3140015"/>
-              <a:gd name="connsiteY2" fmla="*/ 1474963 h 1474963"/>
-              <a:gd name="connsiteX3" fmla="*/ 3140015 w 3140015"/>
-              <a:gd name="connsiteY3" fmla="*/ 1000510 h 1474963"/>
-              <a:gd name="connsiteX4" fmla="*/ 2510287 w 3140015"/>
-              <a:gd name="connsiteY4" fmla="*/ 25725 h 1474963"/>
-              <a:gd name="connsiteX5" fmla="*/ 1561381 w 3140015"/>
-              <a:gd name="connsiteY5" fmla="*/ 267265 h 1474963"/>
-              <a:gd name="connsiteX6" fmla="*/ 560717 w 3140015"/>
-              <a:gd name="connsiteY6" fmla="*/ 94737 h 1474963"/>
-              <a:gd name="connsiteX0" fmla="*/ 560717 w 3140015"/>
-              <a:gd name="connsiteY0" fmla="*/ 94737 h 1474963"/>
-              <a:gd name="connsiteX1" fmla="*/ 0 w 3140015"/>
-              <a:gd name="connsiteY1" fmla="*/ 948752 h 1474963"/>
-              <a:gd name="connsiteX2" fmla="*/ 1570008 w 3140015"/>
-              <a:gd name="connsiteY2" fmla="*/ 1474963 h 1474963"/>
-              <a:gd name="connsiteX3" fmla="*/ 3140015 w 3140015"/>
-              <a:gd name="connsiteY3" fmla="*/ 1000510 h 1474963"/>
-              <a:gd name="connsiteX4" fmla="*/ 2510287 w 3140015"/>
-              <a:gd name="connsiteY4" fmla="*/ 25725 h 1474963"/>
-              <a:gd name="connsiteX5" fmla="*/ 1561381 w 3140015"/>
-              <a:gd name="connsiteY5" fmla="*/ 267265 h 1474963"/>
-              <a:gd name="connsiteX6" fmla="*/ 560717 w 3140015"/>
-              <a:gd name="connsiteY6" fmla="*/ 94737 h 1474963"/>
-              <a:gd name="connsiteX0" fmla="*/ 560717 w 3140015"/>
-              <a:gd name="connsiteY0" fmla="*/ 94737 h 1449084"/>
-              <a:gd name="connsiteX1" fmla="*/ 0 w 3140015"/>
-              <a:gd name="connsiteY1" fmla="*/ 948752 h 1449084"/>
-              <a:gd name="connsiteX2" fmla="*/ 1552755 w 3140015"/>
-              <a:gd name="connsiteY2" fmla="*/ 1449084 h 1449084"/>
-              <a:gd name="connsiteX3" fmla="*/ 3140015 w 3140015"/>
-              <a:gd name="connsiteY3" fmla="*/ 1000510 h 1449084"/>
-              <a:gd name="connsiteX4" fmla="*/ 2510287 w 3140015"/>
-              <a:gd name="connsiteY4" fmla="*/ 25725 h 1449084"/>
-              <a:gd name="connsiteX5" fmla="*/ 1561381 w 3140015"/>
-              <a:gd name="connsiteY5" fmla="*/ 267265 h 1449084"/>
-              <a:gd name="connsiteX6" fmla="*/ 560717 w 3140015"/>
-              <a:gd name="connsiteY6" fmla="*/ 94737 h 1449084"/>
-              <a:gd name="connsiteX0" fmla="*/ 560717 w 3140015"/>
-              <a:gd name="connsiteY0" fmla="*/ 69012 h 1423359"/>
-              <a:gd name="connsiteX1" fmla="*/ 0 w 3140015"/>
-              <a:gd name="connsiteY1" fmla="*/ 923027 h 1423359"/>
-              <a:gd name="connsiteX2" fmla="*/ 1552755 w 3140015"/>
-              <a:gd name="connsiteY2" fmla="*/ 1423359 h 1423359"/>
-              <a:gd name="connsiteX3" fmla="*/ 3140015 w 3140015"/>
-              <a:gd name="connsiteY3" fmla="*/ 974785 h 1423359"/>
-              <a:gd name="connsiteX4" fmla="*/ 2510287 w 3140015"/>
-              <a:gd name="connsiteY4" fmla="*/ 0 h 1423359"/>
-              <a:gd name="connsiteX5" fmla="*/ 1561381 w 3140015"/>
-              <a:gd name="connsiteY5" fmla="*/ 241540 h 1423359"/>
-              <a:gd name="connsiteX6" fmla="*/ 560717 w 3140015"/>
-              <a:gd name="connsiteY6" fmla="*/ 69012 h 1423359"/>
-              <a:gd name="connsiteX0" fmla="*/ 560717 w 3140015"/>
-              <a:gd name="connsiteY0" fmla="*/ 69012 h 1423359"/>
-              <a:gd name="connsiteX1" fmla="*/ 0 w 3140015"/>
-              <a:gd name="connsiteY1" fmla="*/ 923027 h 1423359"/>
-              <a:gd name="connsiteX2" fmla="*/ 1552755 w 3140015"/>
-              <a:gd name="connsiteY2" fmla="*/ 1423359 h 1423359"/>
-              <a:gd name="connsiteX3" fmla="*/ 3140015 w 3140015"/>
-              <a:gd name="connsiteY3" fmla="*/ 974785 h 1423359"/>
-              <a:gd name="connsiteX4" fmla="*/ 2510287 w 3140015"/>
-              <a:gd name="connsiteY4" fmla="*/ 0 h 1423359"/>
-              <a:gd name="connsiteX5" fmla="*/ 1561381 w 3140015"/>
-              <a:gd name="connsiteY5" fmla="*/ 241540 h 1423359"/>
-              <a:gd name="connsiteX6" fmla="*/ 560717 w 3140015"/>
-              <a:gd name="connsiteY6" fmla="*/ 69012 h 1423359"/>
-              <a:gd name="connsiteX0" fmla="*/ 560717 w 3140015"/>
-              <a:gd name="connsiteY0" fmla="*/ 69012 h 1423359"/>
-              <a:gd name="connsiteX1" fmla="*/ 0 w 3140015"/>
-              <a:gd name="connsiteY1" fmla="*/ 923027 h 1423359"/>
-              <a:gd name="connsiteX2" fmla="*/ 1552755 w 3140015"/>
-              <a:gd name="connsiteY2" fmla="*/ 1423359 h 1423359"/>
-              <a:gd name="connsiteX3" fmla="*/ 3140015 w 3140015"/>
-              <a:gd name="connsiteY3" fmla="*/ 974785 h 1423359"/>
-              <a:gd name="connsiteX4" fmla="*/ 2510287 w 3140015"/>
-              <a:gd name="connsiteY4" fmla="*/ 0 h 1423359"/>
-              <a:gd name="connsiteX5" fmla="*/ 1561381 w 3140015"/>
-              <a:gd name="connsiteY5" fmla="*/ 241540 h 1423359"/>
-              <a:gd name="connsiteX6" fmla="*/ 560717 w 3140015"/>
-              <a:gd name="connsiteY6" fmla="*/ 69012 h 1423359"/>
-              <a:gd name="connsiteX0" fmla="*/ 560717 w 3140015"/>
-              <a:gd name="connsiteY0" fmla="*/ 69012 h 1423359"/>
-              <a:gd name="connsiteX1" fmla="*/ 0 w 3140015"/>
-              <a:gd name="connsiteY1" fmla="*/ 923027 h 1423359"/>
-              <a:gd name="connsiteX2" fmla="*/ 1552755 w 3140015"/>
-              <a:gd name="connsiteY2" fmla="*/ 1423359 h 1423359"/>
-              <a:gd name="connsiteX3" fmla="*/ 3140015 w 3140015"/>
-              <a:gd name="connsiteY3" fmla="*/ 974785 h 1423359"/>
-              <a:gd name="connsiteX4" fmla="*/ 2510287 w 3140015"/>
-              <a:gd name="connsiteY4" fmla="*/ 0 h 1423359"/>
-              <a:gd name="connsiteX5" fmla="*/ 1561381 w 3140015"/>
-              <a:gd name="connsiteY5" fmla="*/ 241540 h 1423359"/>
-              <a:gd name="connsiteX6" fmla="*/ 560717 w 3140015"/>
-              <a:gd name="connsiteY6" fmla="*/ 69012 h 1423359"/>
-              <a:gd name="connsiteX0" fmla="*/ 560717 w 3140015"/>
-              <a:gd name="connsiteY0" fmla="*/ 69012 h 1423359"/>
-              <a:gd name="connsiteX1" fmla="*/ 0 w 3140015"/>
-              <a:gd name="connsiteY1" fmla="*/ 923027 h 1423359"/>
-              <a:gd name="connsiteX2" fmla="*/ 1552755 w 3140015"/>
-              <a:gd name="connsiteY2" fmla="*/ 1423359 h 1423359"/>
-              <a:gd name="connsiteX3" fmla="*/ 3140015 w 3140015"/>
-              <a:gd name="connsiteY3" fmla="*/ 974785 h 1423359"/>
-              <a:gd name="connsiteX4" fmla="*/ 2510287 w 3140015"/>
-              <a:gd name="connsiteY4" fmla="*/ 0 h 1423359"/>
-              <a:gd name="connsiteX5" fmla="*/ 1561381 w 3140015"/>
-              <a:gd name="connsiteY5" fmla="*/ 241540 h 1423359"/>
-              <a:gd name="connsiteX6" fmla="*/ 560717 w 3140015"/>
-              <a:gd name="connsiteY6" fmla="*/ 69012 h 1423359"/>
-              <a:gd name="connsiteX0" fmla="*/ 560717 w 3140015"/>
-              <a:gd name="connsiteY0" fmla="*/ 69012 h 1423359"/>
-              <a:gd name="connsiteX1" fmla="*/ 0 w 3140015"/>
-              <a:gd name="connsiteY1" fmla="*/ 923027 h 1423359"/>
-              <a:gd name="connsiteX2" fmla="*/ 1552755 w 3140015"/>
-              <a:gd name="connsiteY2" fmla="*/ 1423359 h 1423359"/>
-              <a:gd name="connsiteX3" fmla="*/ 3140015 w 3140015"/>
-              <a:gd name="connsiteY3" fmla="*/ 974785 h 1423359"/>
-              <a:gd name="connsiteX4" fmla="*/ 2510287 w 3140015"/>
-              <a:gd name="connsiteY4" fmla="*/ 0 h 1423359"/>
-              <a:gd name="connsiteX5" fmla="*/ 1561381 w 3140015"/>
-              <a:gd name="connsiteY5" fmla="*/ 241540 h 1423359"/>
-              <a:gd name="connsiteX6" fmla="*/ 560717 w 3140015"/>
-              <a:gd name="connsiteY6" fmla="*/ 69012 h 1423359"/>
-              <a:gd name="connsiteX0" fmla="*/ 560717 w 3140015"/>
-              <a:gd name="connsiteY0" fmla="*/ 69012 h 1423359"/>
-              <a:gd name="connsiteX1" fmla="*/ 0 w 3140015"/>
-              <a:gd name="connsiteY1" fmla="*/ 923027 h 1423359"/>
-              <a:gd name="connsiteX2" fmla="*/ 1552755 w 3140015"/>
-              <a:gd name="connsiteY2" fmla="*/ 1423359 h 1423359"/>
-              <a:gd name="connsiteX3" fmla="*/ 3140015 w 3140015"/>
-              <a:gd name="connsiteY3" fmla="*/ 974785 h 1423359"/>
-              <a:gd name="connsiteX4" fmla="*/ 2510287 w 3140015"/>
-              <a:gd name="connsiteY4" fmla="*/ 0 h 1423359"/>
-              <a:gd name="connsiteX5" fmla="*/ 1561381 w 3140015"/>
-              <a:gd name="connsiteY5" fmla="*/ 276046 h 1423359"/>
-              <a:gd name="connsiteX6" fmla="*/ 560717 w 3140015"/>
-              <a:gd name="connsiteY6" fmla="*/ 69012 h 1423359"/>
-              <a:gd name="connsiteX0" fmla="*/ 560717 w 3140015"/>
-              <a:gd name="connsiteY0" fmla="*/ 69012 h 1423359"/>
-              <a:gd name="connsiteX1" fmla="*/ 0 w 3140015"/>
-              <a:gd name="connsiteY1" fmla="*/ 923027 h 1423359"/>
-              <a:gd name="connsiteX2" fmla="*/ 1552755 w 3140015"/>
-              <a:gd name="connsiteY2" fmla="*/ 1423359 h 1423359"/>
-              <a:gd name="connsiteX3" fmla="*/ 3140015 w 3140015"/>
-              <a:gd name="connsiteY3" fmla="*/ 974785 h 1423359"/>
-              <a:gd name="connsiteX4" fmla="*/ 2510287 w 3140015"/>
-              <a:gd name="connsiteY4" fmla="*/ 0 h 1423359"/>
-              <a:gd name="connsiteX5" fmla="*/ 1570007 w 3140015"/>
-              <a:gd name="connsiteY5" fmla="*/ 345057 h 1423359"/>
-              <a:gd name="connsiteX6" fmla="*/ 560717 w 3140015"/>
-              <a:gd name="connsiteY6" fmla="*/ 69012 h 1423359"/>
-              <a:gd name="connsiteX0" fmla="*/ 577970 w 3140015"/>
-              <a:gd name="connsiteY0" fmla="*/ 43132 h 1423359"/>
-              <a:gd name="connsiteX1" fmla="*/ 0 w 3140015"/>
-              <a:gd name="connsiteY1" fmla="*/ 923027 h 1423359"/>
-              <a:gd name="connsiteX2" fmla="*/ 1552755 w 3140015"/>
-              <a:gd name="connsiteY2" fmla="*/ 1423359 h 1423359"/>
-              <a:gd name="connsiteX3" fmla="*/ 3140015 w 3140015"/>
-              <a:gd name="connsiteY3" fmla="*/ 974785 h 1423359"/>
-              <a:gd name="connsiteX4" fmla="*/ 2510287 w 3140015"/>
-              <a:gd name="connsiteY4" fmla="*/ 0 h 1423359"/>
-              <a:gd name="connsiteX5" fmla="*/ 1570007 w 3140015"/>
-              <a:gd name="connsiteY5" fmla="*/ 345057 h 1423359"/>
-              <a:gd name="connsiteX6" fmla="*/ 577970 w 3140015"/>
-              <a:gd name="connsiteY6" fmla="*/ 43132 h 1423359"/>
-              <a:gd name="connsiteX0" fmla="*/ 629729 w 3140015"/>
-              <a:gd name="connsiteY0" fmla="*/ 8627 h 1423359"/>
-              <a:gd name="connsiteX1" fmla="*/ 0 w 3140015"/>
-              <a:gd name="connsiteY1" fmla="*/ 923027 h 1423359"/>
-              <a:gd name="connsiteX2" fmla="*/ 1552755 w 3140015"/>
-              <a:gd name="connsiteY2" fmla="*/ 1423359 h 1423359"/>
-              <a:gd name="connsiteX3" fmla="*/ 3140015 w 3140015"/>
-              <a:gd name="connsiteY3" fmla="*/ 974785 h 1423359"/>
-              <a:gd name="connsiteX4" fmla="*/ 2510287 w 3140015"/>
-              <a:gd name="connsiteY4" fmla="*/ 0 h 1423359"/>
-              <a:gd name="connsiteX5" fmla="*/ 1570007 w 3140015"/>
-              <a:gd name="connsiteY5" fmla="*/ 345057 h 1423359"/>
-              <a:gd name="connsiteX6" fmla="*/ 629729 w 3140015"/>
-              <a:gd name="connsiteY6" fmla="*/ 8627 h 1423359"/>
-              <a:gd name="connsiteX0" fmla="*/ 629729 w 3140015"/>
-              <a:gd name="connsiteY0" fmla="*/ 8627 h 1423359"/>
-              <a:gd name="connsiteX1" fmla="*/ 0 w 3140015"/>
-              <a:gd name="connsiteY1" fmla="*/ 923027 h 1423359"/>
-              <a:gd name="connsiteX2" fmla="*/ 1552755 w 3140015"/>
-              <a:gd name="connsiteY2" fmla="*/ 1423359 h 1423359"/>
-              <a:gd name="connsiteX3" fmla="*/ 3140015 w 3140015"/>
-              <a:gd name="connsiteY3" fmla="*/ 974785 h 1423359"/>
-              <a:gd name="connsiteX4" fmla="*/ 2510287 w 3140015"/>
-              <a:gd name="connsiteY4" fmla="*/ 0 h 1423359"/>
-              <a:gd name="connsiteX5" fmla="*/ 1570007 w 3140015"/>
-              <a:gd name="connsiteY5" fmla="*/ 293298 h 1423359"/>
-              <a:gd name="connsiteX6" fmla="*/ 629729 w 3140015"/>
-              <a:gd name="connsiteY6" fmla="*/ 8627 h 1423359"/>
-              <a:gd name="connsiteX0" fmla="*/ 629729 w 3140015"/>
-              <a:gd name="connsiteY0" fmla="*/ 34506 h 1449238"/>
-              <a:gd name="connsiteX1" fmla="*/ 0 w 3140015"/>
-              <a:gd name="connsiteY1" fmla="*/ 948906 h 1449238"/>
-              <a:gd name="connsiteX2" fmla="*/ 1552755 w 3140015"/>
-              <a:gd name="connsiteY2" fmla="*/ 1449238 h 1449238"/>
-              <a:gd name="connsiteX3" fmla="*/ 3140015 w 3140015"/>
-              <a:gd name="connsiteY3" fmla="*/ 1000664 h 1449238"/>
-              <a:gd name="connsiteX4" fmla="*/ 2510287 w 3140015"/>
-              <a:gd name="connsiteY4" fmla="*/ 0 h 1449238"/>
-              <a:gd name="connsiteX5" fmla="*/ 1570007 w 3140015"/>
-              <a:gd name="connsiteY5" fmla="*/ 319177 h 1449238"/>
-              <a:gd name="connsiteX6" fmla="*/ 629729 w 3140015"/>
-              <a:gd name="connsiteY6" fmla="*/ 34506 h 1449238"/>
-              <a:gd name="connsiteX0" fmla="*/ 629729 w 3140015"/>
-              <a:gd name="connsiteY0" fmla="*/ 34506 h 1449238"/>
-              <a:gd name="connsiteX1" fmla="*/ 0 w 3140015"/>
-              <a:gd name="connsiteY1" fmla="*/ 948906 h 1449238"/>
-              <a:gd name="connsiteX2" fmla="*/ 1552755 w 3140015"/>
-              <a:gd name="connsiteY2" fmla="*/ 1449238 h 1449238"/>
-              <a:gd name="connsiteX3" fmla="*/ 3140015 w 3140015"/>
-              <a:gd name="connsiteY3" fmla="*/ 1000664 h 1449238"/>
-              <a:gd name="connsiteX4" fmla="*/ 2510287 w 3140015"/>
-              <a:gd name="connsiteY4" fmla="*/ 0 h 1449238"/>
-              <a:gd name="connsiteX5" fmla="*/ 1544128 w 3140015"/>
-              <a:gd name="connsiteY5" fmla="*/ 491706 h 1449238"/>
-              <a:gd name="connsiteX6" fmla="*/ 629729 w 3140015"/>
-              <a:gd name="connsiteY6" fmla="*/ 34506 h 1449238"/>
-              <a:gd name="connsiteX0" fmla="*/ 629729 w 3140015"/>
-              <a:gd name="connsiteY0" fmla="*/ 34506 h 1449238"/>
-              <a:gd name="connsiteX1" fmla="*/ 0 w 3140015"/>
-              <a:gd name="connsiteY1" fmla="*/ 948906 h 1449238"/>
-              <a:gd name="connsiteX2" fmla="*/ 1552755 w 3140015"/>
-              <a:gd name="connsiteY2" fmla="*/ 1449238 h 1449238"/>
-              <a:gd name="connsiteX3" fmla="*/ 3140015 w 3140015"/>
-              <a:gd name="connsiteY3" fmla="*/ 1000664 h 1449238"/>
-              <a:gd name="connsiteX4" fmla="*/ 2510287 w 3140015"/>
-              <a:gd name="connsiteY4" fmla="*/ 0 h 1449238"/>
-              <a:gd name="connsiteX5" fmla="*/ 1544128 w 3140015"/>
-              <a:gd name="connsiteY5" fmla="*/ 491706 h 1449238"/>
-              <a:gd name="connsiteX6" fmla="*/ 629729 w 3140015"/>
-              <a:gd name="connsiteY6" fmla="*/ 34506 h 1449238"/>
-              <a:gd name="connsiteX0" fmla="*/ 629729 w 3140015"/>
-              <a:gd name="connsiteY0" fmla="*/ 34506 h 1449238"/>
-              <a:gd name="connsiteX1" fmla="*/ 0 w 3140015"/>
-              <a:gd name="connsiteY1" fmla="*/ 948906 h 1449238"/>
-              <a:gd name="connsiteX2" fmla="*/ 1552755 w 3140015"/>
-              <a:gd name="connsiteY2" fmla="*/ 1449238 h 1449238"/>
-              <a:gd name="connsiteX3" fmla="*/ 3140015 w 3140015"/>
-              <a:gd name="connsiteY3" fmla="*/ 1000664 h 1449238"/>
-              <a:gd name="connsiteX4" fmla="*/ 2510287 w 3140015"/>
-              <a:gd name="connsiteY4" fmla="*/ 0 h 1449238"/>
-              <a:gd name="connsiteX5" fmla="*/ 1544128 w 3140015"/>
-              <a:gd name="connsiteY5" fmla="*/ 491706 h 1449238"/>
-              <a:gd name="connsiteX6" fmla="*/ 629729 w 3140015"/>
-              <a:gd name="connsiteY6" fmla="*/ 34506 h 1449238"/>
-              <a:gd name="connsiteX0" fmla="*/ 629729 w 3140015"/>
-              <a:gd name="connsiteY0" fmla="*/ 112144 h 1526876"/>
-              <a:gd name="connsiteX1" fmla="*/ 0 w 3140015"/>
-              <a:gd name="connsiteY1" fmla="*/ 1026544 h 1526876"/>
-              <a:gd name="connsiteX2" fmla="*/ 1552755 w 3140015"/>
-              <a:gd name="connsiteY2" fmla="*/ 1526876 h 1526876"/>
-              <a:gd name="connsiteX3" fmla="*/ 3140015 w 3140015"/>
-              <a:gd name="connsiteY3" fmla="*/ 1078302 h 1526876"/>
-              <a:gd name="connsiteX4" fmla="*/ 2510287 w 3140015"/>
-              <a:gd name="connsiteY4" fmla="*/ 0 h 1526876"/>
-              <a:gd name="connsiteX5" fmla="*/ 1544128 w 3140015"/>
-              <a:gd name="connsiteY5" fmla="*/ 569344 h 1526876"/>
-              <a:gd name="connsiteX6" fmla="*/ 629729 w 3140015"/>
-              <a:gd name="connsiteY6" fmla="*/ 112144 h 1526876"/>
-              <a:gd name="connsiteX0" fmla="*/ 629729 w 3140015"/>
-              <a:gd name="connsiteY0" fmla="*/ 103517 h 1526876"/>
-              <a:gd name="connsiteX1" fmla="*/ 0 w 3140015"/>
-              <a:gd name="connsiteY1" fmla="*/ 1026544 h 1526876"/>
-              <a:gd name="connsiteX2" fmla="*/ 1552755 w 3140015"/>
-              <a:gd name="connsiteY2" fmla="*/ 1526876 h 1526876"/>
-              <a:gd name="connsiteX3" fmla="*/ 3140015 w 3140015"/>
-              <a:gd name="connsiteY3" fmla="*/ 1078302 h 1526876"/>
-              <a:gd name="connsiteX4" fmla="*/ 2510287 w 3140015"/>
-              <a:gd name="connsiteY4" fmla="*/ 0 h 1526876"/>
-              <a:gd name="connsiteX5" fmla="*/ 1544128 w 3140015"/>
-              <a:gd name="connsiteY5" fmla="*/ 569344 h 1526876"/>
-              <a:gd name="connsiteX6" fmla="*/ 629729 w 3140015"/>
-              <a:gd name="connsiteY6" fmla="*/ 103517 h 1526876"/>
-              <a:gd name="connsiteX0" fmla="*/ 612476 w 3140015"/>
-              <a:gd name="connsiteY0" fmla="*/ 69011 h 1526876"/>
-              <a:gd name="connsiteX1" fmla="*/ 0 w 3140015"/>
-              <a:gd name="connsiteY1" fmla="*/ 1026544 h 1526876"/>
-              <a:gd name="connsiteX2" fmla="*/ 1552755 w 3140015"/>
-              <a:gd name="connsiteY2" fmla="*/ 1526876 h 1526876"/>
-              <a:gd name="connsiteX3" fmla="*/ 3140015 w 3140015"/>
-              <a:gd name="connsiteY3" fmla="*/ 1078302 h 1526876"/>
-              <a:gd name="connsiteX4" fmla="*/ 2510287 w 3140015"/>
-              <a:gd name="connsiteY4" fmla="*/ 0 h 1526876"/>
-              <a:gd name="connsiteX5" fmla="*/ 1544128 w 3140015"/>
-              <a:gd name="connsiteY5" fmla="*/ 569344 h 1526876"/>
-              <a:gd name="connsiteX6" fmla="*/ 612476 w 3140015"/>
-              <a:gd name="connsiteY6" fmla="*/ 69011 h 1526876"/>
-              <a:gd name="connsiteX0" fmla="*/ 612476 w 3140015"/>
-              <a:gd name="connsiteY0" fmla="*/ 69011 h 1526876"/>
-              <a:gd name="connsiteX1" fmla="*/ 0 w 3140015"/>
-              <a:gd name="connsiteY1" fmla="*/ 1026544 h 1526876"/>
-              <a:gd name="connsiteX2" fmla="*/ 1552755 w 3140015"/>
-              <a:gd name="connsiteY2" fmla="*/ 1526876 h 1526876"/>
-              <a:gd name="connsiteX3" fmla="*/ 3140015 w 3140015"/>
-              <a:gd name="connsiteY3" fmla="*/ 1078302 h 1526876"/>
-              <a:gd name="connsiteX4" fmla="*/ 2510287 w 3140015"/>
-              <a:gd name="connsiteY4" fmla="*/ 0 h 1526876"/>
-              <a:gd name="connsiteX5" fmla="*/ 1544128 w 3140015"/>
-              <a:gd name="connsiteY5" fmla="*/ 569344 h 1526876"/>
-              <a:gd name="connsiteX6" fmla="*/ 612476 w 3140015"/>
-              <a:gd name="connsiteY6" fmla="*/ 69011 h 1526876"/>
-              <a:gd name="connsiteX0" fmla="*/ 612476 w 3140015"/>
-              <a:gd name="connsiteY0" fmla="*/ 69011 h 1673525"/>
-              <a:gd name="connsiteX1" fmla="*/ 0 w 3140015"/>
-              <a:gd name="connsiteY1" fmla="*/ 1026544 h 1673525"/>
-              <a:gd name="connsiteX2" fmla="*/ 1526876 w 3140015"/>
-              <a:gd name="connsiteY2" fmla="*/ 1673525 h 1673525"/>
-              <a:gd name="connsiteX3" fmla="*/ 3140015 w 3140015"/>
-              <a:gd name="connsiteY3" fmla="*/ 1078302 h 1673525"/>
-              <a:gd name="connsiteX4" fmla="*/ 2510287 w 3140015"/>
-              <a:gd name="connsiteY4" fmla="*/ 0 h 1673525"/>
-              <a:gd name="connsiteX5" fmla="*/ 1544128 w 3140015"/>
-              <a:gd name="connsiteY5" fmla="*/ 569344 h 1673525"/>
-              <a:gd name="connsiteX6" fmla="*/ 612476 w 3140015"/>
-              <a:gd name="connsiteY6" fmla="*/ 69011 h 1673525"/>
-              <a:gd name="connsiteX0" fmla="*/ 612476 w 3157267"/>
-              <a:gd name="connsiteY0" fmla="*/ 69011 h 1673539"/>
-              <a:gd name="connsiteX1" fmla="*/ 0 w 3157267"/>
-              <a:gd name="connsiteY1" fmla="*/ 1026544 h 1673539"/>
-              <a:gd name="connsiteX2" fmla="*/ 1526876 w 3157267"/>
-              <a:gd name="connsiteY2" fmla="*/ 1673525 h 1673539"/>
-              <a:gd name="connsiteX3" fmla="*/ 3157267 w 3157267"/>
-              <a:gd name="connsiteY3" fmla="*/ 1009291 h 1673539"/>
-              <a:gd name="connsiteX4" fmla="*/ 2510287 w 3157267"/>
-              <a:gd name="connsiteY4" fmla="*/ 0 h 1673539"/>
-              <a:gd name="connsiteX5" fmla="*/ 1544128 w 3157267"/>
-              <a:gd name="connsiteY5" fmla="*/ 569344 h 1673539"/>
-              <a:gd name="connsiteX6" fmla="*/ 612476 w 3157267"/>
-              <a:gd name="connsiteY6" fmla="*/ 69011 h 1673539"/>
-              <a:gd name="connsiteX0" fmla="*/ 612476 w 3157267"/>
-              <a:gd name="connsiteY0" fmla="*/ 69011 h 1673576"/>
-              <a:gd name="connsiteX1" fmla="*/ 0 w 3157267"/>
-              <a:gd name="connsiteY1" fmla="*/ 974786 h 1673576"/>
-              <a:gd name="connsiteX2" fmla="*/ 1526876 w 3157267"/>
-              <a:gd name="connsiteY2" fmla="*/ 1673525 h 1673576"/>
-              <a:gd name="connsiteX3" fmla="*/ 3157267 w 3157267"/>
-              <a:gd name="connsiteY3" fmla="*/ 1009291 h 1673576"/>
-              <a:gd name="connsiteX4" fmla="*/ 2510287 w 3157267"/>
-              <a:gd name="connsiteY4" fmla="*/ 0 h 1673576"/>
-              <a:gd name="connsiteX5" fmla="*/ 1544128 w 3157267"/>
-              <a:gd name="connsiteY5" fmla="*/ 569344 h 1673576"/>
-              <a:gd name="connsiteX6" fmla="*/ 612476 w 3157267"/>
-              <a:gd name="connsiteY6" fmla="*/ 69011 h 1673576"/>
-              <a:gd name="connsiteX0" fmla="*/ 612476 w 3157267"/>
-              <a:gd name="connsiteY0" fmla="*/ 69011 h 1716704"/>
-              <a:gd name="connsiteX1" fmla="*/ 0 w 3157267"/>
-              <a:gd name="connsiteY1" fmla="*/ 974786 h 1716704"/>
-              <a:gd name="connsiteX2" fmla="*/ 1552756 w 3157267"/>
-              <a:gd name="connsiteY2" fmla="*/ 1716657 h 1716704"/>
-              <a:gd name="connsiteX3" fmla="*/ 3157267 w 3157267"/>
-              <a:gd name="connsiteY3" fmla="*/ 1009291 h 1716704"/>
-              <a:gd name="connsiteX4" fmla="*/ 2510287 w 3157267"/>
-              <a:gd name="connsiteY4" fmla="*/ 0 h 1716704"/>
-              <a:gd name="connsiteX5" fmla="*/ 1544128 w 3157267"/>
-              <a:gd name="connsiteY5" fmla="*/ 569344 h 1716704"/>
-              <a:gd name="connsiteX6" fmla="*/ 612476 w 3157267"/>
-              <a:gd name="connsiteY6" fmla="*/ 69011 h 1716704"/>
-              <a:gd name="connsiteX0" fmla="*/ 612476 w 3157267"/>
-              <a:gd name="connsiteY0" fmla="*/ 69011 h 1717760"/>
-              <a:gd name="connsiteX1" fmla="*/ 0 w 3157267"/>
-              <a:gd name="connsiteY1" fmla="*/ 974786 h 1717760"/>
-              <a:gd name="connsiteX2" fmla="*/ 1552756 w 3157267"/>
-              <a:gd name="connsiteY2" fmla="*/ 1716657 h 1717760"/>
-              <a:gd name="connsiteX3" fmla="*/ 3157267 w 3157267"/>
-              <a:gd name="connsiteY3" fmla="*/ 1009291 h 1717760"/>
-              <a:gd name="connsiteX4" fmla="*/ 2510287 w 3157267"/>
-              <a:gd name="connsiteY4" fmla="*/ 0 h 1717760"/>
-              <a:gd name="connsiteX5" fmla="*/ 1544128 w 3157267"/>
-              <a:gd name="connsiteY5" fmla="*/ 569344 h 1717760"/>
-              <a:gd name="connsiteX6" fmla="*/ 612476 w 3157267"/>
-              <a:gd name="connsiteY6" fmla="*/ 69011 h 1717760"/>
-              <a:gd name="connsiteX0" fmla="*/ 612476 w 3157267"/>
-              <a:gd name="connsiteY0" fmla="*/ 69011 h 1716704"/>
-              <a:gd name="connsiteX1" fmla="*/ 0 w 3157267"/>
-              <a:gd name="connsiteY1" fmla="*/ 974786 h 1716704"/>
-              <a:gd name="connsiteX2" fmla="*/ 1552756 w 3157267"/>
-              <a:gd name="connsiteY2" fmla="*/ 1716657 h 1716704"/>
-              <a:gd name="connsiteX3" fmla="*/ 3157267 w 3157267"/>
-              <a:gd name="connsiteY3" fmla="*/ 1009291 h 1716704"/>
-              <a:gd name="connsiteX4" fmla="*/ 2510287 w 3157267"/>
-              <a:gd name="connsiteY4" fmla="*/ 0 h 1716704"/>
-              <a:gd name="connsiteX5" fmla="*/ 1544128 w 3157267"/>
-              <a:gd name="connsiteY5" fmla="*/ 569344 h 1716704"/>
-              <a:gd name="connsiteX6" fmla="*/ 612476 w 3157267"/>
-              <a:gd name="connsiteY6" fmla="*/ 69011 h 1716704"/>
-              <a:gd name="connsiteX0" fmla="*/ 612476 w 3157267"/>
-              <a:gd name="connsiteY0" fmla="*/ 69011 h 1716659"/>
-              <a:gd name="connsiteX1" fmla="*/ 0 w 3157267"/>
-              <a:gd name="connsiteY1" fmla="*/ 974786 h 1716659"/>
-              <a:gd name="connsiteX2" fmla="*/ 1552756 w 3157267"/>
-              <a:gd name="connsiteY2" fmla="*/ 1716657 h 1716659"/>
-              <a:gd name="connsiteX3" fmla="*/ 3157267 w 3157267"/>
-              <a:gd name="connsiteY3" fmla="*/ 983412 h 1716659"/>
-              <a:gd name="connsiteX4" fmla="*/ 2510287 w 3157267"/>
-              <a:gd name="connsiteY4" fmla="*/ 0 h 1716659"/>
-              <a:gd name="connsiteX5" fmla="*/ 1544128 w 3157267"/>
-              <a:gd name="connsiteY5" fmla="*/ 569344 h 1716659"/>
-              <a:gd name="connsiteX6" fmla="*/ 612476 w 3157267"/>
-              <a:gd name="connsiteY6" fmla="*/ 69011 h 1716659"/>
-              <a:gd name="connsiteX0" fmla="*/ 612476 w 3157267"/>
-              <a:gd name="connsiteY0" fmla="*/ 69011 h 1716659"/>
-              <a:gd name="connsiteX1" fmla="*/ 0 w 3157267"/>
-              <a:gd name="connsiteY1" fmla="*/ 974786 h 1716659"/>
-              <a:gd name="connsiteX2" fmla="*/ 1552756 w 3157267"/>
-              <a:gd name="connsiteY2" fmla="*/ 1716657 h 1716659"/>
-              <a:gd name="connsiteX3" fmla="*/ 3157267 w 3157267"/>
-              <a:gd name="connsiteY3" fmla="*/ 983412 h 1716659"/>
-              <a:gd name="connsiteX4" fmla="*/ 2510287 w 3157267"/>
-              <a:gd name="connsiteY4" fmla="*/ 0 h 1716659"/>
-              <a:gd name="connsiteX5" fmla="*/ 1544128 w 3157267"/>
-              <a:gd name="connsiteY5" fmla="*/ 569344 h 1716659"/>
-              <a:gd name="connsiteX6" fmla="*/ 612476 w 3157267"/>
-              <a:gd name="connsiteY6" fmla="*/ 69011 h 1716659"/>
-              <a:gd name="connsiteX0" fmla="*/ 612476 w 3157267"/>
-              <a:gd name="connsiteY0" fmla="*/ 69011 h 1716769"/>
-              <a:gd name="connsiteX1" fmla="*/ 0 w 3157267"/>
-              <a:gd name="connsiteY1" fmla="*/ 974786 h 1716769"/>
-              <a:gd name="connsiteX2" fmla="*/ 1552756 w 3157267"/>
-              <a:gd name="connsiteY2" fmla="*/ 1716657 h 1716769"/>
-              <a:gd name="connsiteX3" fmla="*/ 3157267 w 3157267"/>
-              <a:gd name="connsiteY3" fmla="*/ 1026544 h 1716769"/>
-              <a:gd name="connsiteX4" fmla="*/ 2510287 w 3157267"/>
-              <a:gd name="connsiteY4" fmla="*/ 0 h 1716769"/>
-              <a:gd name="connsiteX5" fmla="*/ 1544128 w 3157267"/>
-              <a:gd name="connsiteY5" fmla="*/ 569344 h 1716769"/>
-              <a:gd name="connsiteX6" fmla="*/ 612476 w 3157267"/>
-              <a:gd name="connsiteY6" fmla="*/ 69011 h 1716769"/>
-              <a:gd name="connsiteX0" fmla="*/ 612476 w 3157267"/>
-              <a:gd name="connsiteY0" fmla="*/ 69011 h 1716773"/>
-              <a:gd name="connsiteX1" fmla="*/ 0 w 3157267"/>
-              <a:gd name="connsiteY1" fmla="*/ 974786 h 1716773"/>
-              <a:gd name="connsiteX2" fmla="*/ 1552756 w 3157267"/>
-              <a:gd name="connsiteY2" fmla="*/ 1716657 h 1716773"/>
-              <a:gd name="connsiteX3" fmla="*/ 3157267 w 3157267"/>
-              <a:gd name="connsiteY3" fmla="*/ 1026544 h 1716773"/>
-              <a:gd name="connsiteX4" fmla="*/ 2510287 w 3157267"/>
-              <a:gd name="connsiteY4" fmla="*/ 0 h 1716773"/>
-              <a:gd name="connsiteX5" fmla="*/ 1544128 w 3157267"/>
-              <a:gd name="connsiteY5" fmla="*/ 569344 h 1716773"/>
-              <a:gd name="connsiteX6" fmla="*/ 612476 w 3157267"/>
-              <a:gd name="connsiteY6" fmla="*/ 69011 h 1716773"/>
-              <a:gd name="connsiteX0" fmla="*/ 612476 w 3157267"/>
-              <a:gd name="connsiteY0" fmla="*/ 69011 h 1716773"/>
-              <a:gd name="connsiteX1" fmla="*/ 0 w 3157267"/>
-              <a:gd name="connsiteY1" fmla="*/ 974786 h 1716773"/>
-              <a:gd name="connsiteX2" fmla="*/ 1552756 w 3157267"/>
-              <a:gd name="connsiteY2" fmla="*/ 1716657 h 1716773"/>
-              <a:gd name="connsiteX3" fmla="*/ 3157267 w 3157267"/>
-              <a:gd name="connsiteY3" fmla="*/ 1026544 h 1716773"/>
-              <a:gd name="connsiteX4" fmla="*/ 2510287 w 3157267"/>
-              <a:gd name="connsiteY4" fmla="*/ 0 h 1716773"/>
-              <a:gd name="connsiteX5" fmla="*/ 1544128 w 3157267"/>
-              <a:gd name="connsiteY5" fmla="*/ 569344 h 1716773"/>
-              <a:gd name="connsiteX6" fmla="*/ 612476 w 3157267"/>
-              <a:gd name="connsiteY6" fmla="*/ 69011 h 1716773"/>
-              <a:gd name="connsiteX0" fmla="*/ 612476 w 3157267"/>
-              <a:gd name="connsiteY0" fmla="*/ 69011 h 1716827"/>
-              <a:gd name="connsiteX1" fmla="*/ 0 w 3157267"/>
-              <a:gd name="connsiteY1" fmla="*/ 974786 h 1716827"/>
-              <a:gd name="connsiteX2" fmla="*/ 1552756 w 3157267"/>
-              <a:gd name="connsiteY2" fmla="*/ 1716657 h 1716827"/>
-              <a:gd name="connsiteX3" fmla="*/ 3157267 w 3157267"/>
-              <a:gd name="connsiteY3" fmla="*/ 1026544 h 1716827"/>
-              <a:gd name="connsiteX4" fmla="*/ 2510287 w 3157267"/>
-              <a:gd name="connsiteY4" fmla="*/ 0 h 1716827"/>
-              <a:gd name="connsiteX5" fmla="*/ 1544128 w 3157267"/>
-              <a:gd name="connsiteY5" fmla="*/ 569344 h 1716827"/>
-              <a:gd name="connsiteX6" fmla="*/ 612476 w 3157267"/>
-              <a:gd name="connsiteY6" fmla="*/ 69011 h 1716827"/>
-              <a:gd name="connsiteX0" fmla="*/ 612476 w 3157267"/>
-              <a:gd name="connsiteY0" fmla="*/ 69011 h 1716827"/>
-              <a:gd name="connsiteX1" fmla="*/ 0 w 3157267"/>
-              <a:gd name="connsiteY1" fmla="*/ 974786 h 1716827"/>
-              <a:gd name="connsiteX2" fmla="*/ 1552756 w 3157267"/>
-              <a:gd name="connsiteY2" fmla="*/ 1716657 h 1716827"/>
-              <a:gd name="connsiteX3" fmla="*/ 3157267 w 3157267"/>
-              <a:gd name="connsiteY3" fmla="*/ 1026544 h 1716827"/>
-              <a:gd name="connsiteX4" fmla="*/ 2510287 w 3157267"/>
-              <a:gd name="connsiteY4" fmla="*/ 0 h 1716827"/>
-              <a:gd name="connsiteX5" fmla="*/ 1544128 w 3157267"/>
-              <a:gd name="connsiteY5" fmla="*/ 569344 h 1716827"/>
-              <a:gd name="connsiteX6" fmla="*/ 612476 w 3157267"/>
-              <a:gd name="connsiteY6" fmla="*/ 69011 h 1716827"/>
-              <a:gd name="connsiteX0" fmla="*/ 612476 w 3157267"/>
-              <a:gd name="connsiteY0" fmla="*/ 69011 h 1716827"/>
-              <a:gd name="connsiteX1" fmla="*/ 0 w 3157267"/>
-              <a:gd name="connsiteY1" fmla="*/ 974786 h 1716827"/>
-              <a:gd name="connsiteX2" fmla="*/ 1552756 w 3157267"/>
-              <a:gd name="connsiteY2" fmla="*/ 1716657 h 1716827"/>
-              <a:gd name="connsiteX3" fmla="*/ 3157267 w 3157267"/>
-              <a:gd name="connsiteY3" fmla="*/ 1026544 h 1716827"/>
-              <a:gd name="connsiteX4" fmla="*/ 2510287 w 3157267"/>
-              <a:gd name="connsiteY4" fmla="*/ 0 h 1716827"/>
-              <a:gd name="connsiteX5" fmla="*/ 1544128 w 3157267"/>
-              <a:gd name="connsiteY5" fmla="*/ 612476 h 1716827"/>
-              <a:gd name="connsiteX6" fmla="*/ 612476 w 3157267"/>
-              <a:gd name="connsiteY6" fmla="*/ 69011 h 1716827"/>
-            </a:gdLst>
-            <a:ahLst/>
-            <a:cxnLst>
-              <a:cxn ang="0">
-                <a:pos x="connsiteX0" y="connsiteY0"/>
-              </a:cxn>
-              <a:cxn ang="0">
-                <a:pos x="connsiteX1" y="connsiteY1"/>
-              </a:cxn>
-              <a:cxn ang="0">
-                <a:pos x="connsiteX2" y="connsiteY2"/>
-              </a:cxn>
-              <a:cxn ang="0">
-                <a:pos x="connsiteX3" y="connsiteY3"/>
-              </a:cxn>
-              <a:cxn ang="0">
-                <a:pos x="connsiteX4" y="connsiteY4"/>
-              </a:cxn>
-              <a:cxn ang="0">
-                <a:pos x="connsiteX5" y="connsiteY5"/>
-              </a:cxn>
-              <a:cxn ang="0">
-                <a:pos x="connsiteX6" y="connsiteY6"/>
-              </a:cxn>
-            </a:cxnLst>
-            <a:rect l="l" t="t" r="r" b="b"/>
-            <a:pathLst>
-              <a:path w="3157267" h="1716827">
-                <a:moveTo>
-                  <a:pt x="612476" y="69011"/>
-                </a:moveTo>
-                <a:lnTo>
-                  <a:pt x="0" y="974786"/>
-                </a:lnTo>
-                <a:cubicBezTo>
-                  <a:pt x="504645" y="1403231"/>
-                  <a:pt x="1026545" y="1708031"/>
-                  <a:pt x="1552756" y="1716657"/>
-                </a:cubicBezTo>
-                <a:cubicBezTo>
-                  <a:pt x="2078967" y="1725283"/>
-                  <a:pt x="2655498" y="1406106"/>
-                  <a:pt x="3157267" y="1026544"/>
-                </a:cubicBezTo>
-                <a:lnTo>
-                  <a:pt x="2510287" y="0"/>
-                </a:lnTo>
-                <a:cubicBezTo>
-                  <a:pt x="2324819" y="205597"/>
-                  <a:pt x="1920815" y="618227"/>
-                  <a:pt x="1544128" y="612476"/>
-                </a:cubicBezTo>
-                <a:cubicBezTo>
-                  <a:pt x="1167441" y="606725"/>
-                  <a:pt x="872706" y="360872"/>
-                  <a:pt x="612476" y="69011"/>
-                </a:cubicBezTo>
-                <a:close/>
-              </a:path>
-            </a:pathLst>
-          </a:custGeom>
-          <a:solidFill>
-            <a:srgbClr val="FF6600">
-              <a:alpha val="50196"/>
-            </a:srgbClr>
-          </a:solidFill>
-          <a:ln w="28575">
-            <a:solidFill>
-              <a:srgbClr val="FF0000"/>
-            </a:solidFill>
-          </a:ln>
-        </p:spPr>
-        <p:style>
-          <a:lnRef idx="2">
-            <a:schemeClr val="accent1">
-              <a:shade val="50000"/>
-            </a:schemeClr>
-          </a:lnRef>
-          <a:fillRef idx="1">
-            <a:schemeClr val="accent1"/>
-          </a:fillRef>
-          <a:effectRef idx="0">
-            <a:schemeClr val="accent1"/>
-          </a:effectRef>
-          <a:fontRef idx="minor">
-            <a:schemeClr val="lt1"/>
-          </a:fontRef>
-        </p:style>
-        <p:txBody>
-          <a:bodyPr rtlCol="0" anchor="ctr"/>
-          <a:lstStyle/>
-          <a:p>
-            <a:pPr algn="ctr"/>
-            <a:endParaRPr lang="en-US"/>
-          </a:p>
-        </p:txBody>
-      </p:sp>
-      <p:sp>
-        <p:nvSpPr>
-          <p:cNvPr id="19" name="Freeform: Shape 18">
-            <a:extLst>
-              <a:ext uri="{FF2B5EF4-FFF2-40B4-BE49-F238E27FC236}">
-                <a16:creationId xmlns:a16="http://schemas.microsoft.com/office/drawing/2014/main" id="{072D378E-8370-43DC-9AAF-63622C123C4F}"/>
-              </a:ext>
-            </a:extLst>
-          </p:cNvPr>
-          <p:cNvSpPr/>
-          <p:nvPr/>
-        </p:nvSpPr>
-        <p:spPr>
-          <a:xfrm>
-            <a:off x="7062895" y="521981"/>
-            <a:ext cx="1182480" cy="2061713"/>
+          <a:xfrm flipH="1">
+            <a:off x="3078297" y="543463"/>
+            <a:ext cx="2306422" cy="2622430"/>
           </a:xfrm>
           <a:custGeom>
             <a:avLst/>
@@ -8960,202 +6922,230 @@
               <a:gd name="connsiteY5" fmla="*/ 715993 h 1940943"/>
               <a:gd name="connsiteX6" fmla="*/ 0 w 1097694"/>
               <a:gd name="connsiteY6" fmla="*/ 1483743 h 1940943"/>
-              <a:gd name="connsiteX0" fmla="*/ 0 w 1097694"/>
-              <a:gd name="connsiteY0" fmla="*/ 1483743 h 1940943"/>
-              <a:gd name="connsiteX1" fmla="*/ 871267 w 1097694"/>
-              <a:gd name="connsiteY1" fmla="*/ 1940943 h 1940943"/>
-              <a:gd name="connsiteX2" fmla="*/ 1052422 w 1097694"/>
-              <a:gd name="connsiteY2" fmla="*/ 1009291 h 1940943"/>
-              <a:gd name="connsiteX3" fmla="*/ 1086929 w 1097694"/>
-              <a:gd name="connsiteY3" fmla="*/ 0 h 1940943"/>
-              <a:gd name="connsiteX4" fmla="*/ 215661 w 1097694"/>
-              <a:gd name="connsiteY4" fmla="*/ 17251 h 1940943"/>
-              <a:gd name="connsiteX5" fmla="*/ 256348 w 1097694"/>
-              <a:gd name="connsiteY5" fmla="*/ 526212 h 1940943"/>
-              <a:gd name="connsiteX6" fmla="*/ 0 w 1097694"/>
-              <a:gd name="connsiteY6" fmla="*/ 1483743 h 1940943"/>
-              <a:gd name="connsiteX0" fmla="*/ 0 w 1097694"/>
-              <a:gd name="connsiteY0" fmla="*/ 1483743 h 1940943"/>
-              <a:gd name="connsiteX1" fmla="*/ 871267 w 1097694"/>
-              <a:gd name="connsiteY1" fmla="*/ 1940943 h 1940943"/>
-              <a:gd name="connsiteX2" fmla="*/ 1052422 w 1097694"/>
-              <a:gd name="connsiteY2" fmla="*/ 1009291 h 1940943"/>
-              <a:gd name="connsiteX3" fmla="*/ 1086929 w 1097694"/>
-              <a:gd name="connsiteY3" fmla="*/ 0 h 1940943"/>
-              <a:gd name="connsiteX4" fmla="*/ 215661 w 1097694"/>
-              <a:gd name="connsiteY4" fmla="*/ 17251 h 1940943"/>
-              <a:gd name="connsiteX5" fmla="*/ 256348 w 1097694"/>
-              <a:gd name="connsiteY5" fmla="*/ 526212 h 1940943"/>
-              <a:gd name="connsiteX6" fmla="*/ 0 w 1097694"/>
-              <a:gd name="connsiteY6" fmla="*/ 1483743 h 1940943"/>
-              <a:gd name="connsiteX0" fmla="*/ 0 w 1097694"/>
-              <a:gd name="connsiteY0" fmla="*/ 1483743 h 1940943"/>
-              <a:gd name="connsiteX1" fmla="*/ 871267 w 1097694"/>
-              <a:gd name="connsiteY1" fmla="*/ 1940943 h 1940943"/>
-              <a:gd name="connsiteX2" fmla="*/ 1052422 w 1097694"/>
-              <a:gd name="connsiteY2" fmla="*/ 1009291 h 1940943"/>
-              <a:gd name="connsiteX3" fmla="*/ 1086929 w 1097694"/>
-              <a:gd name="connsiteY3" fmla="*/ 0 h 1940943"/>
-              <a:gd name="connsiteX4" fmla="*/ 229224 w 1097694"/>
-              <a:gd name="connsiteY4" fmla="*/ 17251 h 1940943"/>
-              <a:gd name="connsiteX5" fmla="*/ 256348 w 1097694"/>
-              <a:gd name="connsiteY5" fmla="*/ 526212 h 1940943"/>
-              <a:gd name="connsiteX6" fmla="*/ 0 w 1097694"/>
-              <a:gd name="connsiteY6" fmla="*/ 1483743 h 1940943"/>
-              <a:gd name="connsiteX0" fmla="*/ 0 w 1097694"/>
-              <a:gd name="connsiteY0" fmla="*/ 1483743 h 1940943"/>
-              <a:gd name="connsiteX1" fmla="*/ 871267 w 1097694"/>
-              <a:gd name="connsiteY1" fmla="*/ 1940943 h 1940943"/>
-              <a:gd name="connsiteX2" fmla="*/ 1052422 w 1097694"/>
-              <a:gd name="connsiteY2" fmla="*/ 1009291 h 1940943"/>
-              <a:gd name="connsiteX3" fmla="*/ 1086929 w 1097694"/>
-              <a:gd name="connsiteY3" fmla="*/ 0 h 1940943"/>
-              <a:gd name="connsiteX4" fmla="*/ 229224 w 1097694"/>
-              <a:gd name="connsiteY4" fmla="*/ 17251 h 1940943"/>
-              <a:gd name="connsiteX5" fmla="*/ 256348 w 1097694"/>
-              <a:gd name="connsiteY5" fmla="*/ 526212 h 1940943"/>
-              <a:gd name="connsiteX6" fmla="*/ 0 w 1097694"/>
-              <a:gd name="connsiteY6" fmla="*/ 1483743 h 1940943"/>
-              <a:gd name="connsiteX0" fmla="*/ 0 w 1097694"/>
-              <a:gd name="connsiteY0" fmla="*/ 1483743 h 1940943"/>
-              <a:gd name="connsiteX1" fmla="*/ 871267 w 1097694"/>
-              <a:gd name="connsiteY1" fmla="*/ 1940943 h 1940943"/>
-              <a:gd name="connsiteX2" fmla="*/ 1052422 w 1097694"/>
-              <a:gd name="connsiteY2" fmla="*/ 1009291 h 1940943"/>
-              <a:gd name="connsiteX3" fmla="*/ 1086929 w 1097694"/>
-              <a:gd name="connsiteY3" fmla="*/ 0 h 1940943"/>
-              <a:gd name="connsiteX4" fmla="*/ 229224 w 1097694"/>
-              <a:gd name="connsiteY4" fmla="*/ 17251 h 1940943"/>
-              <a:gd name="connsiteX5" fmla="*/ 256348 w 1097694"/>
-              <a:gd name="connsiteY5" fmla="*/ 526212 h 1940943"/>
-              <a:gd name="connsiteX6" fmla="*/ 0 w 1097694"/>
-              <a:gd name="connsiteY6" fmla="*/ 1483743 h 1940943"/>
-              <a:gd name="connsiteX0" fmla="*/ 0 w 941727"/>
-              <a:gd name="connsiteY0" fmla="*/ 1061049 h 1940943"/>
-              <a:gd name="connsiteX1" fmla="*/ 715300 w 941727"/>
-              <a:gd name="connsiteY1" fmla="*/ 1940943 h 1940943"/>
-              <a:gd name="connsiteX2" fmla="*/ 896455 w 941727"/>
-              <a:gd name="connsiteY2" fmla="*/ 1009291 h 1940943"/>
-              <a:gd name="connsiteX3" fmla="*/ 930962 w 941727"/>
-              <a:gd name="connsiteY3" fmla="*/ 0 h 1940943"/>
-              <a:gd name="connsiteX4" fmla="*/ 73257 w 941727"/>
-              <a:gd name="connsiteY4" fmla="*/ 17251 h 1940943"/>
-              <a:gd name="connsiteX5" fmla="*/ 100381 w 941727"/>
-              <a:gd name="connsiteY5" fmla="*/ 526212 h 1940943"/>
-              <a:gd name="connsiteX6" fmla="*/ 0 w 941727"/>
-              <a:gd name="connsiteY6" fmla="*/ 1061049 h 1940943"/>
-              <a:gd name="connsiteX0" fmla="*/ 0 w 941727"/>
-              <a:gd name="connsiteY0" fmla="*/ 1061049 h 1940943"/>
-              <a:gd name="connsiteX1" fmla="*/ 715300 w 941727"/>
-              <a:gd name="connsiteY1" fmla="*/ 1940943 h 1940943"/>
-              <a:gd name="connsiteX2" fmla="*/ 896455 w 941727"/>
-              <a:gd name="connsiteY2" fmla="*/ 1009291 h 1940943"/>
-              <a:gd name="connsiteX3" fmla="*/ 930962 w 941727"/>
-              <a:gd name="connsiteY3" fmla="*/ 0 h 1940943"/>
-              <a:gd name="connsiteX4" fmla="*/ 73257 w 941727"/>
-              <a:gd name="connsiteY4" fmla="*/ 17251 h 1940943"/>
-              <a:gd name="connsiteX5" fmla="*/ 100381 w 941727"/>
-              <a:gd name="connsiteY5" fmla="*/ 526212 h 1940943"/>
-              <a:gd name="connsiteX6" fmla="*/ 0 w 941727"/>
-              <a:gd name="connsiteY6" fmla="*/ 1061049 h 1940943"/>
-              <a:gd name="connsiteX0" fmla="*/ 0 w 941727"/>
-              <a:gd name="connsiteY0" fmla="*/ 1061049 h 1940943"/>
-              <a:gd name="connsiteX1" fmla="*/ 715300 w 941727"/>
-              <a:gd name="connsiteY1" fmla="*/ 1940943 h 1940943"/>
-              <a:gd name="connsiteX2" fmla="*/ 896455 w 941727"/>
-              <a:gd name="connsiteY2" fmla="*/ 1009291 h 1940943"/>
-              <a:gd name="connsiteX3" fmla="*/ 930962 w 941727"/>
-              <a:gd name="connsiteY3" fmla="*/ 0 h 1940943"/>
-              <a:gd name="connsiteX4" fmla="*/ 73257 w 941727"/>
-              <a:gd name="connsiteY4" fmla="*/ 17251 h 1940943"/>
-              <a:gd name="connsiteX5" fmla="*/ 100381 w 941727"/>
-              <a:gd name="connsiteY5" fmla="*/ 526212 h 1940943"/>
-              <a:gd name="connsiteX6" fmla="*/ 0 w 941727"/>
-              <a:gd name="connsiteY6" fmla="*/ 1061049 h 1940943"/>
-              <a:gd name="connsiteX0" fmla="*/ 0 w 949882"/>
-              <a:gd name="connsiteY0" fmla="*/ 1061049 h 2061713"/>
-              <a:gd name="connsiteX1" fmla="*/ 518647 w 949882"/>
-              <a:gd name="connsiteY1" fmla="*/ 2061713 h 2061713"/>
-              <a:gd name="connsiteX2" fmla="*/ 896455 w 949882"/>
-              <a:gd name="connsiteY2" fmla="*/ 1009291 h 2061713"/>
-              <a:gd name="connsiteX3" fmla="*/ 930962 w 949882"/>
-              <a:gd name="connsiteY3" fmla="*/ 0 h 2061713"/>
-              <a:gd name="connsiteX4" fmla="*/ 73257 w 949882"/>
-              <a:gd name="connsiteY4" fmla="*/ 17251 h 2061713"/>
-              <a:gd name="connsiteX5" fmla="*/ 100381 w 949882"/>
-              <a:gd name="connsiteY5" fmla="*/ 526212 h 2061713"/>
-              <a:gd name="connsiteX6" fmla="*/ 0 w 949882"/>
-              <a:gd name="connsiteY6" fmla="*/ 1061049 h 2061713"/>
-              <a:gd name="connsiteX0" fmla="*/ 0 w 949882"/>
-              <a:gd name="connsiteY0" fmla="*/ 1061049 h 2061713"/>
-              <a:gd name="connsiteX1" fmla="*/ 518647 w 949882"/>
-              <a:gd name="connsiteY1" fmla="*/ 2061713 h 2061713"/>
-              <a:gd name="connsiteX2" fmla="*/ 896455 w 949882"/>
-              <a:gd name="connsiteY2" fmla="*/ 1009291 h 2061713"/>
-              <a:gd name="connsiteX3" fmla="*/ 930962 w 949882"/>
-              <a:gd name="connsiteY3" fmla="*/ 0 h 2061713"/>
-              <a:gd name="connsiteX4" fmla="*/ 73257 w 949882"/>
-              <a:gd name="connsiteY4" fmla="*/ 17251 h 2061713"/>
-              <a:gd name="connsiteX5" fmla="*/ 100381 w 949882"/>
-              <a:gd name="connsiteY5" fmla="*/ 526212 h 2061713"/>
-              <a:gd name="connsiteX6" fmla="*/ 0 w 949882"/>
-              <a:gd name="connsiteY6" fmla="*/ 1061049 h 2061713"/>
-              <a:gd name="connsiteX0" fmla="*/ 0 w 949882"/>
-              <a:gd name="connsiteY0" fmla="*/ 1061049 h 2061713"/>
-              <a:gd name="connsiteX1" fmla="*/ 518647 w 949882"/>
-              <a:gd name="connsiteY1" fmla="*/ 2061713 h 2061713"/>
-              <a:gd name="connsiteX2" fmla="*/ 896455 w 949882"/>
-              <a:gd name="connsiteY2" fmla="*/ 1009291 h 2061713"/>
-              <a:gd name="connsiteX3" fmla="*/ 930962 w 949882"/>
-              <a:gd name="connsiteY3" fmla="*/ 0 h 2061713"/>
-              <a:gd name="connsiteX4" fmla="*/ 73257 w 949882"/>
-              <a:gd name="connsiteY4" fmla="*/ 17251 h 2061713"/>
-              <a:gd name="connsiteX5" fmla="*/ 100381 w 949882"/>
-              <a:gd name="connsiteY5" fmla="*/ 526212 h 2061713"/>
-              <a:gd name="connsiteX6" fmla="*/ 0 w 949882"/>
-              <a:gd name="connsiteY6" fmla="*/ 1061049 h 2061713"/>
-              <a:gd name="connsiteX0" fmla="*/ 0 w 929539"/>
-              <a:gd name="connsiteY0" fmla="*/ 1061049 h 2061713"/>
-              <a:gd name="connsiteX1" fmla="*/ 498304 w 929539"/>
-              <a:gd name="connsiteY1" fmla="*/ 2061713 h 2061713"/>
-              <a:gd name="connsiteX2" fmla="*/ 876112 w 929539"/>
-              <a:gd name="connsiteY2" fmla="*/ 1009291 h 2061713"/>
-              <a:gd name="connsiteX3" fmla="*/ 910619 w 929539"/>
-              <a:gd name="connsiteY3" fmla="*/ 0 h 2061713"/>
-              <a:gd name="connsiteX4" fmla="*/ 52914 w 929539"/>
-              <a:gd name="connsiteY4" fmla="*/ 17251 h 2061713"/>
-              <a:gd name="connsiteX5" fmla="*/ 80038 w 929539"/>
-              <a:gd name="connsiteY5" fmla="*/ 526212 h 2061713"/>
-              <a:gd name="connsiteX6" fmla="*/ 0 w 929539"/>
-              <a:gd name="connsiteY6" fmla="*/ 1061049 h 2061713"/>
-              <a:gd name="connsiteX0" fmla="*/ 0 w 929539"/>
-              <a:gd name="connsiteY0" fmla="*/ 1061049 h 2061713"/>
-              <a:gd name="connsiteX1" fmla="*/ 498304 w 929539"/>
-              <a:gd name="connsiteY1" fmla="*/ 2061713 h 2061713"/>
-              <a:gd name="connsiteX2" fmla="*/ 876112 w 929539"/>
-              <a:gd name="connsiteY2" fmla="*/ 1009291 h 2061713"/>
-              <a:gd name="connsiteX3" fmla="*/ 910619 w 929539"/>
-              <a:gd name="connsiteY3" fmla="*/ 0 h 2061713"/>
-              <a:gd name="connsiteX4" fmla="*/ 52914 w 929539"/>
-              <a:gd name="connsiteY4" fmla="*/ 17251 h 2061713"/>
-              <a:gd name="connsiteX5" fmla="*/ 80038 w 929539"/>
-              <a:gd name="connsiteY5" fmla="*/ 526212 h 2061713"/>
-              <a:gd name="connsiteX6" fmla="*/ 0 w 929539"/>
-              <a:gd name="connsiteY6" fmla="*/ 1061049 h 2061713"/>
-              <a:gd name="connsiteX0" fmla="*/ 0 w 929539"/>
-              <a:gd name="connsiteY0" fmla="*/ 1061049 h 2061713"/>
-              <a:gd name="connsiteX1" fmla="*/ 498304 w 929539"/>
-              <a:gd name="connsiteY1" fmla="*/ 2061713 h 2061713"/>
-              <a:gd name="connsiteX2" fmla="*/ 876112 w 929539"/>
-              <a:gd name="connsiteY2" fmla="*/ 1009291 h 2061713"/>
-              <a:gd name="connsiteX3" fmla="*/ 910619 w 929539"/>
-              <a:gd name="connsiteY3" fmla="*/ 0 h 2061713"/>
-              <a:gd name="connsiteX4" fmla="*/ 52914 w 929539"/>
-              <a:gd name="connsiteY4" fmla="*/ 17251 h 2061713"/>
-              <a:gd name="connsiteX5" fmla="*/ 80038 w 929539"/>
-              <a:gd name="connsiteY5" fmla="*/ 526212 h 2061713"/>
-              <a:gd name="connsiteX6" fmla="*/ 0 w 929539"/>
-              <a:gd name="connsiteY6" fmla="*/ 1061049 h 2061713"/>
+              <a:gd name="connsiteX0" fmla="*/ 0 w 1098873"/>
+              <a:gd name="connsiteY0" fmla="*/ 1483743 h 2622430"/>
+              <a:gd name="connsiteX1" fmla="*/ 834335 w 1098873"/>
+              <a:gd name="connsiteY1" fmla="*/ 2622430 h 2622430"/>
+              <a:gd name="connsiteX2" fmla="*/ 1052422 w 1098873"/>
+              <a:gd name="connsiteY2" fmla="*/ 1009291 h 2622430"/>
+              <a:gd name="connsiteX3" fmla="*/ 1086929 w 1098873"/>
+              <a:gd name="connsiteY3" fmla="*/ 0 h 2622430"/>
+              <a:gd name="connsiteX4" fmla="*/ 215661 w 1098873"/>
+              <a:gd name="connsiteY4" fmla="*/ 17251 h 2622430"/>
+              <a:gd name="connsiteX5" fmla="*/ 215661 w 1098873"/>
+              <a:gd name="connsiteY5" fmla="*/ 715993 h 2622430"/>
+              <a:gd name="connsiteX6" fmla="*/ 0 w 1098873"/>
+              <a:gd name="connsiteY6" fmla="*/ 1483743 h 2622430"/>
+              <a:gd name="connsiteX0" fmla="*/ 0 w 1097162"/>
+              <a:gd name="connsiteY0" fmla="*/ 1483743 h 2622430"/>
+              <a:gd name="connsiteX1" fmla="*/ 834335 w 1097162"/>
+              <a:gd name="connsiteY1" fmla="*/ 2622430 h 2622430"/>
+              <a:gd name="connsiteX2" fmla="*/ 1044215 w 1097162"/>
+              <a:gd name="connsiteY2" fmla="*/ 1475117 h 2622430"/>
+              <a:gd name="connsiteX3" fmla="*/ 1086929 w 1097162"/>
+              <a:gd name="connsiteY3" fmla="*/ 0 h 2622430"/>
+              <a:gd name="connsiteX4" fmla="*/ 215661 w 1097162"/>
+              <a:gd name="connsiteY4" fmla="*/ 17251 h 2622430"/>
+              <a:gd name="connsiteX5" fmla="*/ 215661 w 1097162"/>
+              <a:gd name="connsiteY5" fmla="*/ 715993 h 2622430"/>
+              <a:gd name="connsiteX6" fmla="*/ 0 w 1097162"/>
+              <a:gd name="connsiteY6" fmla="*/ 1483743 h 2622430"/>
+              <a:gd name="connsiteX0" fmla="*/ 0 w 1097162"/>
+              <a:gd name="connsiteY0" fmla="*/ 1483743 h 2622430"/>
+              <a:gd name="connsiteX1" fmla="*/ 834335 w 1097162"/>
+              <a:gd name="connsiteY1" fmla="*/ 2622430 h 2622430"/>
+              <a:gd name="connsiteX2" fmla="*/ 1044215 w 1097162"/>
+              <a:gd name="connsiteY2" fmla="*/ 1475117 h 2622430"/>
+              <a:gd name="connsiteX3" fmla="*/ 1086929 w 1097162"/>
+              <a:gd name="connsiteY3" fmla="*/ 0 h 2622430"/>
+              <a:gd name="connsiteX4" fmla="*/ 215661 w 1097162"/>
+              <a:gd name="connsiteY4" fmla="*/ 17251 h 2622430"/>
+              <a:gd name="connsiteX5" fmla="*/ 191040 w 1097162"/>
+              <a:gd name="connsiteY5" fmla="*/ 836762 h 2622430"/>
+              <a:gd name="connsiteX6" fmla="*/ 0 w 1097162"/>
+              <a:gd name="connsiteY6" fmla="*/ 1483743 h 2622430"/>
+              <a:gd name="connsiteX0" fmla="*/ 0 w 1097162"/>
+              <a:gd name="connsiteY0" fmla="*/ 1483743 h 2622430"/>
+              <a:gd name="connsiteX1" fmla="*/ 834335 w 1097162"/>
+              <a:gd name="connsiteY1" fmla="*/ 2622430 h 2622430"/>
+              <a:gd name="connsiteX2" fmla="*/ 1044215 w 1097162"/>
+              <a:gd name="connsiteY2" fmla="*/ 1475117 h 2622430"/>
+              <a:gd name="connsiteX3" fmla="*/ 1086929 w 1097162"/>
+              <a:gd name="connsiteY3" fmla="*/ 0 h 2622430"/>
+              <a:gd name="connsiteX4" fmla="*/ 215661 w 1097162"/>
+              <a:gd name="connsiteY4" fmla="*/ 17251 h 2622430"/>
+              <a:gd name="connsiteX5" fmla="*/ 191040 w 1097162"/>
+              <a:gd name="connsiteY5" fmla="*/ 836762 h 2622430"/>
+              <a:gd name="connsiteX6" fmla="*/ 0 w 1097162"/>
+              <a:gd name="connsiteY6" fmla="*/ 1483743 h 2622430"/>
+              <a:gd name="connsiteX0" fmla="*/ 0 w 1097162"/>
+              <a:gd name="connsiteY0" fmla="*/ 1483743 h 2622430"/>
+              <a:gd name="connsiteX1" fmla="*/ 834335 w 1097162"/>
+              <a:gd name="connsiteY1" fmla="*/ 2622430 h 2622430"/>
+              <a:gd name="connsiteX2" fmla="*/ 1044215 w 1097162"/>
+              <a:gd name="connsiteY2" fmla="*/ 1475117 h 2622430"/>
+              <a:gd name="connsiteX3" fmla="*/ 1086929 w 1097162"/>
+              <a:gd name="connsiteY3" fmla="*/ 0 h 2622430"/>
+              <a:gd name="connsiteX4" fmla="*/ 215661 w 1097162"/>
+              <a:gd name="connsiteY4" fmla="*/ 17251 h 2622430"/>
+              <a:gd name="connsiteX5" fmla="*/ 191040 w 1097162"/>
+              <a:gd name="connsiteY5" fmla="*/ 836762 h 2622430"/>
+              <a:gd name="connsiteX6" fmla="*/ 0 w 1097162"/>
+              <a:gd name="connsiteY6" fmla="*/ 1483743 h 2622430"/>
+              <a:gd name="connsiteX0" fmla="*/ 0 w 1097162"/>
+              <a:gd name="connsiteY0" fmla="*/ 1483743 h 2622430"/>
+              <a:gd name="connsiteX1" fmla="*/ 834335 w 1097162"/>
+              <a:gd name="connsiteY1" fmla="*/ 2622430 h 2622430"/>
+              <a:gd name="connsiteX2" fmla="*/ 1044215 w 1097162"/>
+              <a:gd name="connsiteY2" fmla="*/ 1475117 h 2622430"/>
+              <a:gd name="connsiteX3" fmla="*/ 1086929 w 1097162"/>
+              <a:gd name="connsiteY3" fmla="*/ 0 h 2622430"/>
+              <a:gd name="connsiteX4" fmla="*/ 215661 w 1097162"/>
+              <a:gd name="connsiteY4" fmla="*/ 17251 h 2622430"/>
+              <a:gd name="connsiteX5" fmla="*/ 191040 w 1097162"/>
+              <a:gd name="connsiteY5" fmla="*/ 836762 h 2622430"/>
+              <a:gd name="connsiteX6" fmla="*/ 0 w 1097162"/>
+              <a:gd name="connsiteY6" fmla="*/ 1483743 h 2622430"/>
+              <a:gd name="connsiteX0" fmla="*/ 0 w 1097162"/>
+              <a:gd name="connsiteY0" fmla="*/ 1483743 h 2622430"/>
+              <a:gd name="connsiteX1" fmla="*/ 834335 w 1097162"/>
+              <a:gd name="connsiteY1" fmla="*/ 2622430 h 2622430"/>
+              <a:gd name="connsiteX2" fmla="*/ 1044215 w 1097162"/>
+              <a:gd name="connsiteY2" fmla="*/ 1475117 h 2622430"/>
+              <a:gd name="connsiteX3" fmla="*/ 1086929 w 1097162"/>
+              <a:gd name="connsiteY3" fmla="*/ 0 h 2622430"/>
+              <a:gd name="connsiteX4" fmla="*/ 215661 w 1097162"/>
+              <a:gd name="connsiteY4" fmla="*/ 17251 h 2622430"/>
+              <a:gd name="connsiteX5" fmla="*/ 191040 w 1097162"/>
+              <a:gd name="connsiteY5" fmla="*/ 836762 h 2622430"/>
+              <a:gd name="connsiteX6" fmla="*/ 0 w 1097162"/>
+              <a:gd name="connsiteY6" fmla="*/ 1483743 h 2622430"/>
+              <a:gd name="connsiteX0" fmla="*/ 0 w 1097162"/>
+              <a:gd name="connsiteY0" fmla="*/ 1483743 h 2622430"/>
+              <a:gd name="connsiteX1" fmla="*/ 834335 w 1097162"/>
+              <a:gd name="connsiteY1" fmla="*/ 2622430 h 2622430"/>
+              <a:gd name="connsiteX2" fmla="*/ 1044215 w 1097162"/>
+              <a:gd name="connsiteY2" fmla="*/ 1475117 h 2622430"/>
+              <a:gd name="connsiteX3" fmla="*/ 1086929 w 1097162"/>
+              <a:gd name="connsiteY3" fmla="*/ 0 h 2622430"/>
+              <a:gd name="connsiteX4" fmla="*/ 215661 w 1097162"/>
+              <a:gd name="connsiteY4" fmla="*/ 17251 h 2622430"/>
+              <a:gd name="connsiteX5" fmla="*/ 191040 w 1097162"/>
+              <a:gd name="connsiteY5" fmla="*/ 836762 h 2622430"/>
+              <a:gd name="connsiteX6" fmla="*/ 0 w 1097162"/>
+              <a:gd name="connsiteY6" fmla="*/ 1483743 h 2622430"/>
+              <a:gd name="connsiteX0" fmla="*/ 0 w 1084851"/>
+              <a:gd name="connsiteY0" fmla="*/ 1466491 h 2622430"/>
+              <a:gd name="connsiteX1" fmla="*/ 822024 w 1084851"/>
+              <a:gd name="connsiteY1" fmla="*/ 2622430 h 2622430"/>
+              <a:gd name="connsiteX2" fmla="*/ 1031904 w 1084851"/>
+              <a:gd name="connsiteY2" fmla="*/ 1475117 h 2622430"/>
+              <a:gd name="connsiteX3" fmla="*/ 1074618 w 1084851"/>
+              <a:gd name="connsiteY3" fmla="*/ 0 h 2622430"/>
+              <a:gd name="connsiteX4" fmla="*/ 203350 w 1084851"/>
+              <a:gd name="connsiteY4" fmla="*/ 17251 h 2622430"/>
+              <a:gd name="connsiteX5" fmla="*/ 178729 w 1084851"/>
+              <a:gd name="connsiteY5" fmla="*/ 836762 h 2622430"/>
+              <a:gd name="connsiteX6" fmla="*/ 0 w 1084851"/>
+              <a:gd name="connsiteY6" fmla="*/ 1466491 h 2622430"/>
+              <a:gd name="connsiteX0" fmla="*/ 0 w 1084851"/>
+              <a:gd name="connsiteY0" fmla="*/ 1466491 h 2622430"/>
+              <a:gd name="connsiteX1" fmla="*/ 822024 w 1084851"/>
+              <a:gd name="connsiteY1" fmla="*/ 2622430 h 2622430"/>
+              <a:gd name="connsiteX2" fmla="*/ 1031904 w 1084851"/>
+              <a:gd name="connsiteY2" fmla="*/ 1475117 h 2622430"/>
+              <a:gd name="connsiteX3" fmla="*/ 1074618 w 1084851"/>
+              <a:gd name="connsiteY3" fmla="*/ 0 h 2622430"/>
+              <a:gd name="connsiteX4" fmla="*/ 203350 w 1084851"/>
+              <a:gd name="connsiteY4" fmla="*/ 17251 h 2622430"/>
+              <a:gd name="connsiteX5" fmla="*/ 178729 w 1084851"/>
+              <a:gd name="connsiteY5" fmla="*/ 836762 h 2622430"/>
+              <a:gd name="connsiteX6" fmla="*/ 0 w 1084851"/>
+              <a:gd name="connsiteY6" fmla="*/ 1466491 h 2622430"/>
+              <a:gd name="connsiteX0" fmla="*/ 0 w 1084851"/>
+              <a:gd name="connsiteY0" fmla="*/ 1466491 h 2622430"/>
+              <a:gd name="connsiteX1" fmla="*/ 822024 w 1084851"/>
+              <a:gd name="connsiteY1" fmla="*/ 2622430 h 2622430"/>
+              <a:gd name="connsiteX2" fmla="*/ 1031904 w 1084851"/>
+              <a:gd name="connsiteY2" fmla="*/ 1475117 h 2622430"/>
+              <a:gd name="connsiteX3" fmla="*/ 1074618 w 1084851"/>
+              <a:gd name="connsiteY3" fmla="*/ 0 h 2622430"/>
+              <a:gd name="connsiteX4" fmla="*/ 203350 w 1084851"/>
+              <a:gd name="connsiteY4" fmla="*/ 17251 h 2622430"/>
+              <a:gd name="connsiteX5" fmla="*/ 178729 w 1084851"/>
+              <a:gd name="connsiteY5" fmla="*/ 836762 h 2622430"/>
+              <a:gd name="connsiteX6" fmla="*/ 0 w 1084851"/>
+              <a:gd name="connsiteY6" fmla="*/ 1466491 h 2622430"/>
+              <a:gd name="connsiteX0" fmla="*/ 0 w 1084851"/>
+              <a:gd name="connsiteY0" fmla="*/ 1466491 h 2622430"/>
+              <a:gd name="connsiteX1" fmla="*/ 822024 w 1084851"/>
+              <a:gd name="connsiteY1" fmla="*/ 2622430 h 2622430"/>
+              <a:gd name="connsiteX2" fmla="*/ 1031904 w 1084851"/>
+              <a:gd name="connsiteY2" fmla="*/ 1475117 h 2622430"/>
+              <a:gd name="connsiteX3" fmla="*/ 1074618 w 1084851"/>
+              <a:gd name="connsiteY3" fmla="*/ 0 h 2622430"/>
+              <a:gd name="connsiteX4" fmla="*/ 203350 w 1084851"/>
+              <a:gd name="connsiteY4" fmla="*/ 17251 h 2622430"/>
+              <a:gd name="connsiteX5" fmla="*/ 178729 w 1084851"/>
+              <a:gd name="connsiteY5" fmla="*/ 836762 h 2622430"/>
+              <a:gd name="connsiteX6" fmla="*/ 0 w 1084851"/>
+              <a:gd name="connsiteY6" fmla="*/ 1466491 h 2622430"/>
+              <a:gd name="connsiteX0" fmla="*/ 0 w 1084851"/>
+              <a:gd name="connsiteY0" fmla="*/ 1466491 h 2622430"/>
+              <a:gd name="connsiteX1" fmla="*/ 822024 w 1084851"/>
+              <a:gd name="connsiteY1" fmla="*/ 2622430 h 2622430"/>
+              <a:gd name="connsiteX2" fmla="*/ 1031904 w 1084851"/>
+              <a:gd name="connsiteY2" fmla="*/ 1475117 h 2622430"/>
+              <a:gd name="connsiteX3" fmla="*/ 1074618 w 1084851"/>
+              <a:gd name="connsiteY3" fmla="*/ 0 h 2622430"/>
+              <a:gd name="connsiteX4" fmla="*/ 203350 w 1084851"/>
+              <a:gd name="connsiteY4" fmla="*/ 17251 h 2622430"/>
+              <a:gd name="connsiteX5" fmla="*/ 178729 w 1084851"/>
+              <a:gd name="connsiteY5" fmla="*/ 836762 h 2622430"/>
+              <a:gd name="connsiteX6" fmla="*/ 0 w 1084851"/>
+              <a:gd name="connsiteY6" fmla="*/ 1466491 h 2622430"/>
+              <a:gd name="connsiteX0" fmla="*/ 0 w 1084851"/>
+              <a:gd name="connsiteY0" fmla="*/ 1466491 h 2622430"/>
+              <a:gd name="connsiteX1" fmla="*/ 822024 w 1084851"/>
+              <a:gd name="connsiteY1" fmla="*/ 2622430 h 2622430"/>
+              <a:gd name="connsiteX2" fmla="*/ 1031904 w 1084851"/>
+              <a:gd name="connsiteY2" fmla="*/ 1475117 h 2622430"/>
+              <a:gd name="connsiteX3" fmla="*/ 1074618 w 1084851"/>
+              <a:gd name="connsiteY3" fmla="*/ 0 h 2622430"/>
+              <a:gd name="connsiteX4" fmla="*/ 203350 w 1084851"/>
+              <a:gd name="connsiteY4" fmla="*/ 17251 h 2622430"/>
+              <a:gd name="connsiteX5" fmla="*/ 178729 w 1084851"/>
+              <a:gd name="connsiteY5" fmla="*/ 836762 h 2622430"/>
+              <a:gd name="connsiteX6" fmla="*/ 0 w 1084851"/>
+              <a:gd name="connsiteY6" fmla="*/ 1466491 h 2622430"/>
+              <a:gd name="connsiteX0" fmla="*/ 0 w 1097162"/>
+              <a:gd name="connsiteY0" fmla="*/ 1449239 h 2622430"/>
+              <a:gd name="connsiteX1" fmla="*/ 834335 w 1097162"/>
+              <a:gd name="connsiteY1" fmla="*/ 2622430 h 2622430"/>
+              <a:gd name="connsiteX2" fmla="*/ 1044215 w 1097162"/>
+              <a:gd name="connsiteY2" fmla="*/ 1475117 h 2622430"/>
+              <a:gd name="connsiteX3" fmla="*/ 1086929 w 1097162"/>
+              <a:gd name="connsiteY3" fmla="*/ 0 h 2622430"/>
+              <a:gd name="connsiteX4" fmla="*/ 215661 w 1097162"/>
+              <a:gd name="connsiteY4" fmla="*/ 17251 h 2622430"/>
+              <a:gd name="connsiteX5" fmla="*/ 191040 w 1097162"/>
+              <a:gd name="connsiteY5" fmla="*/ 836762 h 2622430"/>
+              <a:gd name="connsiteX6" fmla="*/ 0 w 1097162"/>
+              <a:gd name="connsiteY6" fmla="*/ 1449239 h 2622430"/>
+              <a:gd name="connsiteX0" fmla="*/ 0 w 1097162"/>
+              <a:gd name="connsiteY0" fmla="*/ 1449239 h 2622430"/>
+              <a:gd name="connsiteX1" fmla="*/ 834335 w 1097162"/>
+              <a:gd name="connsiteY1" fmla="*/ 2622430 h 2622430"/>
+              <a:gd name="connsiteX2" fmla="*/ 1044215 w 1097162"/>
+              <a:gd name="connsiteY2" fmla="*/ 1475117 h 2622430"/>
+              <a:gd name="connsiteX3" fmla="*/ 1086929 w 1097162"/>
+              <a:gd name="connsiteY3" fmla="*/ 0 h 2622430"/>
+              <a:gd name="connsiteX4" fmla="*/ 215661 w 1097162"/>
+              <a:gd name="connsiteY4" fmla="*/ 17251 h 2622430"/>
+              <a:gd name="connsiteX5" fmla="*/ 191040 w 1097162"/>
+              <a:gd name="connsiteY5" fmla="*/ 836762 h 2622430"/>
+              <a:gd name="connsiteX6" fmla="*/ 0 w 1097162"/>
+              <a:gd name="connsiteY6" fmla="*/ 1449239 h 2622430"/>
             </a:gdLst>
             <a:ahLst/>
             <a:cxnLst>
@@ -9183,44 +7173,44 @@
             </a:cxnLst>
             <a:rect l="l" t="t" r="r" b="b"/>
             <a:pathLst>
-              <a:path w="929539" h="2061713">
+              <a:path w="1097162" h="2622430">
                 <a:moveTo>
-                  <a:pt x="0" y="1061049"/>
+                  <a:pt x="0" y="1449239"/>
                 </a:moveTo>
                 <a:cubicBezTo>
-                  <a:pt x="197745" y="1440611"/>
-                  <a:pt x="314120" y="1699404"/>
-                  <a:pt x="498304" y="2061713"/>
+                  <a:pt x="253489" y="1843179"/>
+                  <a:pt x="543913" y="2237117"/>
+                  <a:pt x="834335" y="2622430"/>
                 </a:cubicBezTo>
                 <a:cubicBezTo>
-                  <a:pt x="773387" y="1492370"/>
-                  <a:pt x="807393" y="1352910"/>
-                  <a:pt x="876112" y="1009291"/>
+                  <a:pt x="977899" y="2035834"/>
+                  <a:pt x="1002116" y="1912189"/>
+                  <a:pt x="1044215" y="1475117"/>
                 </a:cubicBezTo>
                 <a:cubicBezTo>
-                  <a:pt x="944831" y="665672"/>
-                  <a:pt x="936498" y="224288"/>
-                  <a:pt x="910619" y="0"/>
+                  <a:pt x="1086314" y="1038045"/>
+                  <a:pt x="1112808" y="224288"/>
+                  <a:pt x="1086929" y="0"/>
                 </a:cubicBezTo>
                 <a:lnTo>
-                  <a:pt x="52914" y="17251"/>
+                  <a:pt x="215661" y="17251"/>
                 </a:lnTo>
                 <a:cubicBezTo>
-                  <a:pt x="92356" y="324926"/>
-                  <a:pt x="88857" y="352246"/>
-                  <a:pt x="80038" y="526212"/>
+                  <a:pt x="212816" y="247288"/>
+                  <a:pt x="226983" y="598097"/>
+                  <a:pt x="191040" y="836762"/>
                 </a:cubicBezTo>
                 <a:cubicBezTo>
-                  <a:pt x="71219" y="700178"/>
-                  <a:pt x="117034" y="405441"/>
-                  <a:pt x="0" y="1061049"/>
+                  <a:pt x="155097" y="1075427"/>
+                  <a:pt x="198408" y="974786"/>
+                  <a:pt x="0" y="1449239"/>
                 </a:cubicBezTo>
                 <a:close/>
               </a:path>
             </a:pathLst>
           </a:custGeom>
           <a:solidFill>
-            <a:srgbClr val="FF0000">
+            <a:srgbClr val="FF6600">
               <a:alpha val="49804"/>
             </a:srgbClr>
           </a:solidFill>
@@ -9251,16 +7241,16 @@
           <a:lstStyle/>
           <a:p>
             <a:pPr algn="ctr"/>
-            <a:endParaRPr lang="en-US"/>
+            <a:endParaRPr lang="en-US" dirty="0"/>
           </a:p>
         </p:txBody>
       </p:sp>
       <p:sp>
         <p:nvSpPr>
-          <p:cNvPr id="20" name="Freeform: Shape 19">
+          <p:cNvPr id="22" name="Freeform: Shape 21">
             <a:extLst>
               <a:ext uri="{FF2B5EF4-FFF2-40B4-BE49-F238E27FC236}">
-                <a16:creationId xmlns:a16="http://schemas.microsoft.com/office/drawing/2014/main" id="{4699E24C-0E9A-400F-B99B-AEC03B2D19D0}"/>
+                <a16:creationId xmlns:a16="http://schemas.microsoft.com/office/drawing/2014/main" id="{043D6A91-4A42-45DD-95D5-5ADC66A4A17D}"/>
               </a:ext>
             </a:extLst>
           </p:cNvPr>
@@ -9268,909 +7258,567 @@
           <p:nvPr/>
         </p:nvSpPr>
         <p:spPr>
-          <a:xfrm flipH="1">
-            <a:off x="3970870" y="543461"/>
-            <a:ext cx="1182480" cy="2018582"/>
+          <a:xfrm>
+            <a:off x="3631001" y="2001377"/>
+            <a:ext cx="2424024" cy="2451917"/>
           </a:xfrm>
           <a:custGeom>
             <a:avLst/>
             <a:gdLst>
-              <a:gd name="connsiteX0" fmla="*/ 0 w 1785668"/>
-              <a:gd name="connsiteY0" fmla="*/ 923027 h 1915065"/>
-              <a:gd name="connsiteX1" fmla="*/ 595222 w 1785668"/>
-              <a:gd name="connsiteY1" fmla="*/ 1915065 h 1915065"/>
-              <a:gd name="connsiteX2" fmla="*/ 1337094 w 1785668"/>
-              <a:gd name="connsiteY2" fmla="*/ 1190446 h 1915065"/>
-              <a:gd name="connsiteX3" fmla="*/ 1785668 w 1785668"/>
-              <a:gd name="connsiteY3" fmla="*/ 396816 h 1915065"/>
-              <a:gd name="connsiteX4" fmla="*/ 974785 w 1785668"/>
-              <a:gd name="connsiteY4" fmla="*/ 0 h 1915065"/>
-              <a:gd name="connsiteX5" fmla="*/ 595222 w 1785668"/>
-              <a:gd name="connsiteY5" fmla="*/ 534838 h 1915065"/>
-              <a:gd name="connsiteX6" fmla="*/ 0 w 1785668"/>
-              <a:gd name="connsiteY6" fmla="*/ 923027 h 1915065"/>
-              <a:gd name="connsiteX0" fmla="*/ 0 w 1802921"/>
-              <a:gd name="connsiteY0" fmla="*/ 931653 h 1915065"/>
-              <a:gd name="connsiteX1" fmla="*/ 612475 w 1802921"/>
-              <a:gd name="connsiteY1" fmla="*/ 1915065 h 1915065"/>
-              <a:gd name="connsiteX2" fmla="*/ 1354347 w 1802921"/>
-              <a:gd name="connsiteY2" fmla="*/ 1190446 h 1915065"/>
-              <a:gd name="connsiteX3" fmla="*/ 1802921 w 1802921"/>
-              <a:gd name="connsiteY3" fmla="*/ 396816 h 1915065"/>
-              <a:gd name="connsiteX4" fmla="*/ 992038 w 1802921"/>
-              <a:gd name="connsiteY4" fmla="*/ 0 h 1915065"/>
-              <a:gd name="connsiteX5" fmla="*/ 612475 w 1802921"/>
-              <a:gd name="connsiteY5" fmla="*/ 534838 h 1915065"/>
-              <a:gd name="connsiteX6" fmla="*/ 0 w 1802921"/>
-              <a:gd name="connsiteY6" fmla="*/ 931653 h 1915065"/>
-              <a:gd name="connsiteX0" fmla="*/ 0 w 1802921"/>
-              <a:gd name="connsiteY0" fmla="*/ 931653 h 1880559"/>
-              <a:gd name="connsiteX1" fmla="*/ 612475 w 1802921"/>
-              <a:gd name="connsiteY1" fmla="*/ 1880559 h 1880559"/>
-              <a:gd name="connsiteX2" fmla="*/ 1354347 w 1802921"/>
-              <a:gd name="connsiteY2" fmla="*/ 1190446 h 1880559"/>
-              <a:gd name="connsiteX3" fmla="*/ 1802921 w 1802921"/>
-              <a:gd name="connsiteY3" fmla="*/ 396816 h 1880559"/>
-              <a:gd name="connsiteX4" fmla="*/ 992038 w 1802921"/>
-              <a:gd name="connsiteY4" fmla="*/ 0 h 1880559"/>
-              <a:gd name="connsiteX5" fmla="*/ 612475 w 1802921"/>
-              <a:gd name="connsiteY5" fmla="*/ 534838 h 1880559"/>
-              <a:gd name="connsiteX6" fmla="*/ 0 w 1802921"/>
-              <a:gd name="connsiteY6" fmla="*/ 931653 h 1880559"/>
-              <a:gd name="connsiteX0" fmla="*/ 0 w 1810577"/>
-              <a:gd name="connsiteY0" fmla="*/ 931653 h 1883250"/>
-              <a:gd name="connsiteX1" fmla="*/ 612475 w 1810577"/>
-              <a:gd name="connsiteY1" fmla="*/ 1880559 h 1883250"/>
-              <a:gd name="connsiteX2" fmla="*/ 1354347 w 1810577"/>
-              <a:gd name="connsiteY2" fmla="*/ 1190446 h 1883250"/>
-              <a:gd name="connsiteX3" fmla="*/ 1802921 w 1810577"/>
-              <a:gd name="connsiteY3" fmla="*/ 396816 h 1883250"/>
-              <a:gd name="connsiteX4" fmla="*/ 992038 w 1810577"/>
-              <a:gd name="connsiteY4" fmla="*/ 0 h 1883250"/>
-              <a:gd name="connsiteX5" fmla="*/ 612475 w 1810577"/>
-              <a:gd name="connsiteY5" fmla="*/ 534838 h 1883250"/>
-              <a:gd name="connsiteX6" fmla="*/ 0 w 1810577"/>
-              <a:gd name="connsiteY6" fmla="*/ 931653 h 1883250"/>
-              <a:gd name="connsiteX0" fmla="*/ 0 w 1810577"/>
-              <a:gd name="connsiteY0" fmla="*/ 931653 h 1880559"/>
-              <a:gd name="connsiteX1" fmla="*/ 612475 w 1810577"/>
-              <a:gd name="connsiteY1" fmla="*/ 1880559 h 1880559"/>
-              <a:gd name="connsiteX2" fmla="*/ 1354347 w 1810577"/>
-              <a:gd name="connsiteY2" fmla="*/ 1190446 h 1880559"/>
-              <a:gd name="connsiteX3" fmla="*/ 1802921 w 1810577"/>
-              <a:gd name="connsiteY3" fmla="*/ 396816 h 1880559"/>
-              <a:gd name="connsiteX4" fmla="*/ 992038 w 1810577"/>
-              <a:gd name="connsiteY4" fmla="*/ 0 h 1880559"/>
-              <a:gd name="connsiteX5" fmla="*/ 612475 w 1810577"/>
-              <a:gd name="connsiteY5" fmla="*/ 534838 h 1880559"/>
-              <a:gd name="connsiteX6" fmla="*/ 0 w 1810577"/>
-              <a:gd name="connsiteY6" fmla="*/ 931653 h 1880559"/>
-              <a:gd name="connsiteX0" fmla="*/ 0 w 1802921"/>
-              <a:gd name="connsiteY0" fmla="*/ 931653 h 1880559"/>
-              <a:gd name="connsiteX1" fmla="*/ 612475 w 1802921"/>
-              <a:gd name="connsiteY1" fmla="*/ 1880559 h 1880559"/>
-              <a:gd name="connsiteX2" fmla="*/ 1354347 w 1802921"/>
-              <a:gd name="connsiteY2" fmla="*/ 1190446 h 1880559"/>
-              <a:gd name="connsiteX3" fmla="*/ 1802921 w 1802921"/>
-              <a:gd name="connsiteY3" fmla="*/ 396816 h 1880559"/>
-              <a:gd name="connsiteX4" fmla="*/ 992038 w 1802921"/>
-              <a:gd name="connsiteY4" fmla="*/ 0 h 1880559"/>
-              <a:gd name="connsiteX5" fmla="*/ 612475 w 1802921"/>
-              <a:gd name="connsiteY5" fmla="*/ 534838 h 1880559"/>
-              <a:gd name="connsiteX6" fmla="*/ 0 w 1802921"/>
-              <a:gd name="connsiteY6" fmla="*/ 931653 h 1880559"/>
-              <a:gd name="connsiteX0" fmla="*/ 0 w 1802921"/>
-              <a:gd name="connsiteY0" fmla="*/ 931653 h 1880559"/>
-              <a:gd name="connsiteX1" fmla="*/ 612475 w 1802921"/>
-              <a:gd name="connsiteY1" fmla="*/ 1880559 h 1880559"/>
-              <a:gd name="connsiteX2" fmla="*/ 1354347 w 1802921"/>
-              <a:gd name="connsiteY2" fmla="*/ 1190446 h 1880559"/>
-              <a:gd name="connsiteX3" fmla="*/ 1802921 w 1802921"/>
-              <a:gd name="connsiteY3" fmla="*/ 396816 h 1880559"/>
-              <a:gd name="connsiteX4" fmla="*/ 992038 w 1802921"/>
-              <a:gd name="connsiteY4" fmla="*/ 0 h 1880559"/>
-              <a:gd name="connsiteX5" fmla="*/ 612475 w 1802921"/>
-              <a:gd name="connsiteY5" fmla="*/ 534838 h 1880559"/>
-              <a:gd name="connsiteX6" fmla="*/ 0 w 1802921"/>
-              <a:gd name="connsiteY6" fmla="*/ 931653 h 1880559"/>
-              <a:gd name="connsiteX0" fmla="*/ 0 w 1802921"/>
-              <a:gd name="connsiteY0" fmla="*/ 931653 h 1880559"/>
-              <a:gd name="connsiteX1" fmla="*/ 612475 w 1802921"/>
-              <a:gd name="connsiteY1" fmla="*/ 1880559 h 1880559"/>
-              <a:gd name="connsiteX2" fmla="*/ 1354347 w 1802921"/>
-              <a:gd name="connsiteY2" fmla="*/ 1190446 h 1880559"/>
-              <a:gd name="connsiteX3" fmla="*/ 1802921 w 1802921"/>
-              <a:gd name="connsiteY3" fmla="*/ 396816 h 1880559"/>
-              <a:gd name="connsiteX4" fmla="*/ 992038 w 1802921"/>
-              <a:gd name="connsiteY4" fmla="*/ 0 h 1880559"/>
-              <a:gd name="connsiteX5" fmla="*/ 612475 w 1802921"/>
-              <a:gd name="connsiteY5" fmla="*/ 534838 h 1880559"/>
-              <a:gd name="connsiteX6" fmla="*/ 0 w 1802921"/>
-              <a:gd name="connsiteY6" fmla="*/ 931653 h 1880559"/>
-              <a:gd name="connsiteX0" fmla="*/ 0 w 1802921"/>
-              <a:gd name="connsiteY0" fmla="*/ 931653 h 1880559"/>
-              <a:gd name="connsiteX1" fmla="*/ 612475 w 1802921"/>
-              <a:gd name="connsiteY1" fmla="*/ 1880559 h 1880559"/>
-              <a:gd name="connsiteX2" fmla="*/ 1354347 w 1802921"/>
-              <a:gd name="connsiteY2" fmla="*/ 1190446 h 1880559"/>
-              <a:gd name="connsiteX3" fmla="*/ 1802921 w 1802921"/>
-              <a:gd name="connsiteY3" fmla="*/ 396816 h 1880559"/>
-              <a:gd name="connsiteX4" fmla="*/ 992038 w 1802921"/>
-              <a:gd name="connsiteY4" fmla="*/ 0 h 1880559"/>
-              <a:gd name="connsiteX5" fmla="*/ 612475 w 1802921"/>
-              <a:gd name="connsiteY5" fmla="*/ 534838 h 1880559"/>
-              <a:gd name="connsiteX6" fmla="*/ 0 w 1802921"/>
-              <a:gd name="connsiteY6" fmla="*/ 931653 h 1880559"/>
-              <a:gd name="connsiteX0" fmla="*/ 0 w 1802921"/>
-              <a:gd name="connsiteY0" fmla="*/ 931653 h 1880559"/>
-              <a:gd name="connsiteX1" fmla="*/ 612475 w 1802921"/>
-              <a:gd name="connsiteY1" fmla="*/ 1880559 h 1880559"/>
-              <a:gd name="connsiteX2" fmla="*/ 1354347 w 1802921"/>
-              <a:gd name="connsiteY2" fmla="*/ 1190446 h 1880559"/>
-              <a:gd name="connsiteX3" fmla="*/ 1802921 w 1802921"/>
-              <a:gd name="connsiteY3" fmla="*/ 396816 h 1880559"/>
-              <a:gd name="connsiteX4" fmla="*/ 992038 w 1802921"/>
-              <a:gd name="connsiteY4" fmla="*/ 0 h 1880559"/>
-              <a:gd name="connsiteX5" fmla="*/ 612475 w 1802921"/>
-              <a:gd name="connsiteY5" fmla="*/ 534838 h 1880559"/>
-              <a:gd name="connsiteX6" fmla="*/ 0 w 1802921"/>
-              <a:gd name="connsiteY6" fmla="*/ 931653 h 1880559"/>
-              <a:gd name="connsiteX0" fmla="*/ 0 w 1802921"/>
-              <a:gd name="connsiteY0" fmla="*/ 931653 h 1880559"/>
-              <a:gd name="connsiteX1" fmla="*/ 612475 w 1802921"/>
-              <a:gd name="connsiteY1" fmla="*/ 1880559 h 1880559"/>
-              <a:gd name="connsiteX2" fmla="*/ 1354347 w 1802921"/>
-              <a:gd name="connsiteY2" fmla="*/ 1190446 h 1880559"/>
-              <a:gd name="connsiteX3" fmla="*/ 1802921 w 1802921"/>
-              <a:gd name="connsiteY3" fmla="*/ 396816 h 1880559"/>
-              <a:gd name="connsiteX4" fmla="*/ 992038 w 1802921"/>
-              <a:gd name="connsiteY4" fmla="*/ 0 h 1880559"/>
-              <a:gd name="connsiteX5" fmla="*/ 612475 w 1802921"/>
-              <a:gd name="connsiteY5" fmla="*/ 534838 h 1880559"/>
-              <a:gd name="connsiteX6" fmla="*/ 0 w 1802921"/>
-              <a:gd name="connsiteY6" fmla="*/ 931653 h 1880559"/>
-              <a:gd name="connsiteX0" fmla="*/ 0 w 1802921"/>
-              <a:gd name="connsiteY0" fmla="*/ 983412 h 1932318"/>
-              <a:gd name="connsiteX1" fmla="*/ 612475 w 1802921"/>
-              <a:gd name="connsiteY1" fmla="*/ 1932318 h 1932318"/>
-              <a:gd name="connsiteX2" fmla="*/ 1354347 w 1802921"/>
-              <a:gd name="connsiteY2" fmla="*/ 1242205 h 1932318"/>
-              <a:gd name="connsiteX3" fmla="*/ 1802921 w 1802921"/>
-              <a:gd name="connsiteY3" fmla="*/ 448575 h 1932318"/>
-              <a:gd name="connsiteX4" fmla="*/ 923027 w 1802921"/>
-              <a:gd name="connsiteY4" fmla="*/ 0 h 1932318"/>
-              <a:gd name="connsiteX5" fmla="*/ 612475 w 1802921"/>
-              <a:gd name="connsiteY5" fmla="*/ 586597 h 1932318"/>
-              <a:gd name="connsiteX6" fmla="*/ 0 w 1802921"/>
-              <a:gd name="connsiteY6" fmla="*/ 983412 h 1932318"/>
-              <a:gd name="connsiteX0" fmla="*/ 0 w 1802921"/>
-              <a:gd name="connsiteY0" fmla="*/ 983412 h 1932318"/>
-              <a:gd name="connsiteX1" fmla="*/ 612475 w 1802921"/>
-              <a:gd name="connsiteY1" fmla="*/ 1932318 h 1932318"/>
-              <a:gd name="connsiteX2" fmla="*/ 1354347 w 1802921"/>
-              <a:gd name="connsiteY2" fmla="*/ 1242205 h 1932318"/>
-              <a:gd name="connsiteX3" fmla="*/ 1802921 w 1802921"/>
-              <a:gd name="connsiteY3" fmla="*/ 448575 h 1932318"/>
-              <a:gd name="connsiteX4" fmla="*/ 923027 w 1802921"/>
-              <a:gd name="connsiteY4" fmla="*/ 0 h 1932318"/>
-              <a:gd name="connsiteX5" fmla="*/ 612475 w 1802921"/>
-              <a:gd name="connsiteY5" fmla="*/ 569345 h 1932318"/>
-              <a:gd name="connsiteX6" fmla="*/ 0 w 1802921"/>
-              <a:gd name="connsiteY6" fmla="*/ 983412 h 1932318"/>
-              <a:gd name="connsiteX0" fmla="*/ 0 w 1802921"/>
-              <a:gd name="connsiteY0" fmla="*/ 983412 h 2389518"/>
-              <a:gd name="connsiteX1" fmla="*/ 1561380 w 1802921"/>
-              <a:gd name="connsiteY1" fmla="*/ 2389518 h 2389518"/>
-              <a:gd name="connsiteX2" fmla="*/ 1354347 w 1802921"/>
-              <a:gd name="connsiteY2" fmla="*/ 1242205 h 2389518"/>
-              <a:gd name="connsiteX3" fmla="*/ 1802921 w 1802921"/>
-              <a:gd name="connsiteY3" fmla="*/ 448575 h 2389518"/>
-              <a:gd name="connsiteX4" fmla="*/ 923027 w 1802921"/>
-              <a:gd name="connsiteY4" fmla="*/ 0 h 2389518"/>
-              <a:gd name="connsiteX5" fmla="*/ 612475 w 1802921"/>
-              <a:gd name="connsiteY5" fmla="*/ 569345 h 2389518"/>
-              <a:gd name="connsiteX6" fmla="*/ 0 w 1802921"/>
-              <a:gd name="connsiteY6" fmla="*/ 983412 h 2389518"/>
-              <a:gd name="connsiteX0" fmla="*/ 0 w 1827103"/>
-              <a:gd name="connsiteY0" fmla="*/ 983412 h 2389518"/>
-              <a:gd name="connsiteX1" fmla="*/ 1561380 w 1827103"/>
-              <a:gd name="connsiteY1" fmla="*/ 2389518 h 2389518"/>
-              <a:gd name="connsiteX2" fmla="*/ 1820173 w 1827103"/>
-              <a:gd name="connsiteY2" fmla="*/ 1250832 h 2389518"/>
-              <a:gd name="connsiteX3" fmla="*/ 1802921 w 1827103"/>
-              <a:gd name="connsiteY3" fmla="*/ 448575 h 2389518"/>
-              <a:gd name="connsiteX4" fmla="*/ 923027 w 1827103"/>
-              <a:gd name="connsiteY4" fmla="*/ 0 h 2389518"/>
-              <a:gd name="connsiteX5" fmla="*/ 612475 w 1827103"/>
-              <a:gd name="connsiteY5" fmla="*/ 569345 h 2389518"/>
-              <a:gd name="connsiteX6" fmla="*/ 0 w 1827103"/>
-              <a:gd name="connsiteY6" fmla="*/ 983412 h 2389518"/>
-              <a:gd name="connsiteX0" fmla="*/ 0 w 1824816"/>
-              <a:gd name="connsiteY0" fmla="*/ 983412 h 2389518"/>
-              <a:gd name="connsiteX1" fmla="*/ 1561380 w 1824816"/>
-              <a:gd name="connsiteY1" fmla="*/ 2389518 h 2389518"/>
-              <a:gd name="connsiteX2" fmla="*/ 1820173 w 1824816"/>
-              <a:gd name="connsiteY2" fmla="*/ 1250832 h 2389518"/>
-              <a:gd name="connsiteX3" fmla="*/ 1802921 w 1824816"/>
-              <a:gd name="connsiteY3" fmla="*/ 448575 h 2389518"/>
-              <a:gd name="connsiteX4" fmla="*/ 923027 w 1824816"/>
-              <a:gd name="connsiteY4" fmla="*/ 0 h 2389518"/>
-              <a:gd name="connsiteX5" fmla="*/ 612475 w 1824816"/>
-              <a:gd name="connsiteY5" fmla="*/ 569345 h 2389518"/>
-              <a:gd name="connsiteX6" fmla="*/ 0 w 1824816"/>
-              <a:gd name="connsiteY6" fmla="*/ 983412 h 2389518"/>
-              <a:gd name="connsiteX0" fmla="*/ 0 w 1835527"/>
-              <a:gd name="connsiteY0" fmla="*/ 983412 h 2389518"/>
-              <a:gd name="connsiteX1" fmla="*/ 1561380 w 1835527"/>
-              <a:gd name="connsiteY1" fmla="*/ 2389518 h 2389518"/>
-              <a:gd name="connsiteX2" fmla="*/ 1820173 w 1835527"/>
-              <a:gd name="connsiteY2" fmla="*/ 1250832 h 2389518"/>
-              <a:gd name="connsiteX3" fmla="*/ 1802921 w 1835527"/>
-              <a:gd name="connsiteY3" fmla="*/ 448575 h 2389518"/>
-              <a:gd name="connsiteX4" fmla="*/ 923027 w 1835527"/>
-              <a:gd name="connsiteY4" fmla="*/ 0 h 2389518"/>
-              <a:gd name="connsiteX5" fmla="*/ 612475 w 1835527"/>
-              <a:gd name="connsiteY5" fmla="*/ 569345 h 2389518"/>
-              <a:gd name="connsiteX6" fmla="*/ 0 w 1835527"/>
-              <a:gd name="connsiteY6" fmla="*/ 983412 h 2389518"/>
-              <a:gd name="connsiteX0" fmla="*/ 0 w 1835527"/>
-              <a:gd name="connsiteY0" fmla="*/ 569345 h 1975451"/>
-              <a:gd name="connsiteX1" fmla="*/ 1561380 w 1835527"/>
-              <a:gd name="connsiteY1" fmla="*/ 1975451 h 1975451"/>
-              <a:gd name="connsiteX2" fmla="*/ 1820173 w 1835527"/>
-              <a:gd name="connsiteY2" fmla="*/ 836765 h 1975451"/>
-              <a:gd name="connsiteX3" fmla="*/ 1802921 w 1835527"/>
-              <a:gd name="connsiteY3" fmla="*/ 34508 h 1975451"/>
-              <a:gd name="connsiteX4" fmla="*/ 923027 w 1835527"/>
-              <a:gd name="connsiteY4" fmla="*/ 0 h 1975451"/>
-              <a:gd name="connsiteX5" fmla="*/ 612475 w 1835527"/>
-              <a:gd name="connsiteY5" fmla="*/ 155278 h 1975451"/>
-              <a:gd name="connsiteX6" fmla="*/ 0 w 1835527"/>
-              <a:gd name="connsiteY6" fmla="*/ 569345 h 1975451"/>
-              <a:gd name="connsiteX0" fmla="*/ 89040 w 1225828"/>
-              <a:gd name="connsiteY0" fmla="*/ 1518251 h 1975451"/>
-              <a:gd name="connsiteX1" fmla="*/ 951681 w 1225828"/>
-              <a:gd name="connsiteY1" fmla="*/ 1975451 h 1975451"/>
-              <a:gd name="connsiteX2" fmla="*/ 1210474 w 1225828"/>
-              <a:gd name="connsiteY2" fmla="*/ 836765 h 1975451"/>
-              <a:gd name="connsiteX3" fmla="*/ 1193222 w 1225828"/>
-              <a:gd name="connsiteY3" fmla="*/ 34508 h 1975451"/>
-              <a:gd name="connsiteX4" fmla="*/ 313328 w 1225828"/>
-              <a:gd name="connsiteY4" fmla="*/ 0 h 1975451"/>
-              <a:gd name="connsiteX5" fmla="*/ 2776 w 1225828"/>
-              <a:gd name="connsiteY5" fmla="*/ 155278 h 1975451"/>
-              <a:gd name="connsiteX6" fmla="*/ 89040 w 1225828"/>
-              <a:gd name="connsiteY6" fmla="*/ 1518251 h 1975451"/>
-              <a:gd name="connsiteX0" fmla="*/ 0 w 1136788"/>
-              <a:gd name="connsiteY0" fmla="*/ 1518251 h 1975451"/>
-              <a:gd name="connsiteX1" fmla="*/ 862641 w 1136788"/>
-              <a:gd name="connsiteY1" fmla="*/ 1975451 h 1975451"/>
-              <a:gd name="connsiteX2" fmla="*/ 1121434 w 1136788"/>
-              <a:gd name="connsiteY2" fmla="*/ 836765 h 1975451"/>
-              <a:gd name="connsiteX3" fmla="*/ 1104182 w 1136788"/>
-              <a:gd name="connsiteY3" fmla="*/ 34508 h 1975451"/>
-              <a:gd name="connsiteX4" fmla="*/ 224288 w 1136788"/>
-              <a:gd name="connsiteY4" fmla="*/ 0 h 1975451"/>
-              <a:gd name="connsiteX5" fmla="*/ 232914 w 1136788"/>
-              <a:gd name="connsiteY5" fmla="*/ 750501 h 1975451"/>
-              <a:gd name="connsiteX6" fmla="*/ 0 w 1136788"/>
-              <a:gd name="connsiteY6" fmla="*/ 1518251 h 1975451"/>
-              <a:gd name="connsiteX0" fmla="*/ 0 w 1136788"/>
-              <a:gd name="connsiteY0" fmla="*/ 1518251 h 1975451"/>
-              <a:gd name="connsiteX1" fmla="*/ 862641 w 1136788"/>
-              <a:gd name="connsiteY1" fmla="*/ 1975451 h 1975451"/>
-              <a:gd name="connsiteX2" fmla="*/ 1121434 w 1136788"/>
-              <a:gd name="connsiteY2" fmla="*/ 836765 h 1975451"/>
-              <a:gd name="connsiteX3" fmla="*/ 1104182 w 1136788"/>
-              <a:gd name="connsiteY3" fmla="*/ 34508 h 1975451"/>
-              <a:gd name="connsiteX4" fmla="*/ 224288 w 1136788"/>
-              <a:gd name="connsiteY4" fmla="*/ 0 h 1975451"/>
-              <a:gd name="connsiteX5" fmla="*/ 232914 w 1136788"/>
-              <a:gd name="connsiteY5" fmla="*/ 750501 h 1975451"/>
-              <a:gd name="connsiteX6" fmla="*/ 0 w 1136788"/>
-              <a:gd name="connsiteY6" fmla="*/ 1518251 h 1975451"/>
-              <a:gd name="connsiteX0" fmla="*/ 0 w 1136788"/>
-              <a:gd name="connsiteY0" fmla="*/ 1518251 h 1975451"/>
-              <a:gd name="connsiteX1" fmla="*/ 862641 w 1136788"/>
-              <a:gd name="connsiteY1" fmla="*/ 1975451 h 1975451"/>
-              <a:gd name="connsiteX2" fmla="*/ 1121434 w 1136788"/>
-              <a:gd name="connsiteY2" fmla="*/ 836765 h 1975451"/>
-              <a:gd name="connsiteX3" fmla="*/ 1104182 w 1136788"/>
-              <a:gd name="connsiteY3" fmla="*/ 34508 h 1975451"/>
-              <a:gd name="connsiteX4" fmla="*/ 224288 w 1136788"/>
-              <a:gd name="connsiteY4" fmla="*/ 0 h 1975451"/>
-              <a:gd name="connsiteX5" fmla="*/ 232914 w 1136788"/>
-              <a:gd name="connsiteY5" fmla="*/ 750501 h 1975451"/>
-              <a:gd name="connsiteX6" fmla="*/ 0 w 1136788"/>
-              <a:gd name="connsiteY6" fmla="*/ 1518251 h 1975451"/>
-              <a:gd name="connsiteX0" fmla="*/ 0 w 1136788"/>
-              <a:gd name="connsiteY0" fmla="*/ 1518251 h 1975451"/>
-              <a:gd name="connsiteX1" fmla="*/ 862641 w 1136788"/>
-              <a:gd name="connsiteY1" fmla="*/ 1975451 h 1975451"/>
-              <a:gd name="connsiteX2" fmla="*/ 1121434 w 1136788"/>
-              <a:gd name="connsiteY2" fmla="*/ 836765 h 1975451"/>
-              <a:gd name="connsiteX3" fmla="*/ 1104182 w 1136788"/>
-              <a:gd name="connsiteY3" fmla="*/ 34508 h 1975451"/>
-              <a:gd name="connsiteX4" fmla="*/ 224288 w 1136788"/>
-              <a:gd name="connsiteY4" fmla="*/ 0 h 1975451"/>
-              <a:gd name="connsiteX5" fmla="*/ 232914 w 1136788"/>
-              <a:gd name="connsiteY5" fmla="*/ 750501 h 1975451"/>
-              <a:gd name="connsiteX6" fmla="*/ 0 w 1136788"/>
-              <a:gd name="connsiteY6" fmla="*/ 1518251 h 1975451"/>
-              <a:gd name="connsiteX0" fmla="*/ 0 w 1119535"/>
-              <a:gd name="connsiteY0" fmla="*/ 1518251 h 1975451"/>
-              <a:gd name="connsiteX1" fmla="*/ 845388 w 1119535"/>
-              <a:gd name="connsiteY1" fmla="*/ 1975451 h 1975451"/>
-              <a:gd name="connsiteX2" fmla="*/ 1104181 w 1119535"/>
-              <a:gd name="connsiteY2" fmla="*/ 836765 h 1975451"/>
-              <a:gd name="connsiteX3" fmla="*/ 1086929 w 1119535"/>
-              <a:gd name="connsiteY3" fmla="*/ 34508 h 1975451"/>
-              <a:gd name="connsiteX4" fmla="*/ 207035 w 1119535"/>
-              <a:gd name="connsiteY4" fmla="*/ 0 h 1975451"/>
-              <a:gd name="connsiteX5" fmla="*/ 215661 w 1119535"/>
-              <a:gd name="connsiteY5" fmla="*/ 750501 h 1975451"/>
-              <a:gd name="connsiteX6" fmla="*/ 0 w 1119535"/>
-              <a:gd name="connsiteY6" fmla="*/ 1518251 h 1975451"/>
-              <a:gd name="connsiteX0" fmla="*/ 0 w 1119535"/>
-              <a:gd name="connsiteY0" fmla="*/ 1518251 h 1975451"/>
-              <a:gd name="connsiteX1" fmla="*/ 845388 w 1119535"/>
-              <a:gd name="connsiteY1" fmla="*/ 1975451 h 1975451"/>
-              <a:gd name="connsiteX2" fmla="*/ 1104181 w 1119535"/>
-              <a:gd name="connsiteY2" fmla="*/ 836765 h 1975451"/>
-              <a:gd name="connsiteX3" fmla="*/ 1086929 w 1119535"/>
-              <a:gd name="connsiteY3" fmla="*/ 34508 h 1975451"/>
-              <a:gd name="connsiteX4" fmla="*/ 207035 w 1119535"/>
-              <a:gd name="connsiteY4" fmla="*/ 0 h 1975451"/>
-              <a:gd name="connsiteX5" fmla="*/ 215661 w 1119535"/>
-              <a:gd name="connsiteY5" fmla="*/ 750501 h 1975451"/>
-              <a:gd name="connsiteX6" fmla="*/ 0 w 1119535"/>
-              <a:gd name="connsiteY6" fmla="*/ 1518251 h 1975451"/>
-              <a:gd name="connsiteX0" fmla="*/ 0 w 1119535"/>
-              <a:gd name="connsiteY0" fmla="*/ 1518251 h 1975451"/>
-              <a:gd name="connsiteX1" fmla="*/ 845388 w 1119535"/>
-              <a:gd name="connsiteY1" fmla="*/ 1975451 h 1975451"/>
-              <a:gd name="connsiteX2" fmla="*/ 1104181 w 1119535"/>
-              <a:gd name="connsiteY2" fmla="*/ 836765 h 1975451"/>
-              <a:gd name="connsiteX3" fmla="*/ 1086929 w 1119535"/>
-              <a:gd name="connsiteY3" fmla="*/ 34508 h 1975451"/>
-              <a:gd name="connsiteX4" fmla="*/ 207035 w 1119535"/>
-              <a:gd name="connsiteY4" fmla="*/ 0 h 1975451"/>
-              <a:gd name="connsiteX5" fmla="*/ 215661 w 1119535"/>
-              <a:gd name="connsiteY5" fmla="*/ 750501 h 1975451"/>
-              <a:gd name="connsiteX6" fmla="*/ 0 w 1119535"/>
-              <a:gd name="connsiteY6" fmla="*/ 1518251 h 1975451"/>
-              <a:gd name="connsiteX0" fmla="*/ 0 w 1119535"/>
-              <a:gd name="connsiteY0" fmla="*/ 1483743 h 1940943"/>
-              <a:gd name="connsiteX1" fmla="*/ 845388 w 1119535"/>
-              <a:gd name="connsiteY1" fmla="*/ 1940943 h 1940943"/>
-              <a:gd name="connsiteX2" fmla="*/ 1104181 w 1119535"/>
-              <a:gd name="connsiteY2" fmla="*/ 802257 h 1940943"/>
-              <a:gd name="connsiteX3" fmla="*/ 1086929 w 1119535"/>
-              <a:gd name="connsiteY3" fmla="*/ 0 h 1940943"/>
-              <a:gd name="connsiteX4" fmla="*/ 215661 w 1119535"/>
-              <a:gd name="connsiteY4" fmla="*/ 17251 h 1940943"/>
-              <a:gd name="connsiteX5" fmla="*/ 215661 w 1119535"/>
-              <a:gd name="connsiteY5" fmla="*/ 715993 h 1940943"/>
-              <a:gd name="connsiteX6" fmla="*/ 0 w 1119535"/>
-              <a:gd name="connsiteY6" fmla="*/ 1483743 h 1940943"/>
-              <a:gd name="connsiteX0" fmla="*/ 0 w 1119535"/>
-              <a:gd name="connsiteY0" fmla="*/ 1483743 h 1940943"/>
-              <a:gd name="connsiteX1" fmla="*/ 845388 w 1119535"/>
-              <a:gd name="connsiteY1" fmla="*/ 1940943 h 1940943"/>
-              <a:gd name="connsiteX2" fmla="*/ 1104181 w 1119535"/>
-              <a:gd name="connsiteY2" fmla="*/ 802257 h 1940943"/>
-              <a:gd name="connsiteX3" fmla="*/ 1086929 w 1119535"/>
-              <a:gd name="connsiteY3" fmla="*/ 0 h 1940943"/>
-              <a:gd name="connsiteX4" fmla="*/ 215661 w 1119535"/>
-              <a:gd name="connsiteY4" fmla="*/ 17251 h 1940943"/>
-              <a:gd name="connsiteX5" fmla="*/ 215661 w 1119535"/>
-              <a:gd name="connsiteY5" fmla="*/ 715993 h 1940943"/>
-              <a:gd name="connsiteX6" fmla="*/ 0 w 1119535"/>
-              <a:gd name="connsiteY6" fmla="*/ 1483743 h 1940943"/>
-              <a:gd name="connsiteX0" fmla="*/ 0 w 1119535"/>
-              <a:gd name="connsiteY0" fmla="*/ 1483743 h 1940943"/>
-              <a:gd name="connsiteX1" fmla="*/ 845388 w 1119535"/>
-              <a:gd name="connsiteY1" fmla="*/ 1940943 h 1940943"/>
-              <a:gd name="connsiteX2" fmla="*/ 1104181 w 1119535"/>
-              <a:gd name="connsiteY2" fmla="*/ 802257 h 1940943"/>
-              <a:gd name="connsiteX3" fmla="*/ 1086929 w 1119535"/>
-              <a:gd name="connsiteY3" fmla="*/ 0 h 1940943"/>
-              <a:gd name="connsiteX4" fmla="*/ 215661 w 1119535"/>
-              <a:gd name="connsiteY4" fmla="*/ 17251 h 1940943"/>
-              <a:gd name="connsiteX5" fmla="*/ 215661 w 1119535"/>
-              <a:gd name="connsiteY5" fmla="*/ 715993 h 1940943"/>
-              <a:gd name="connsiteX6" fmla="*/ 0 w 1119535"/>
-              <a:gd name="connsiteY6" fmla="*/ 1483743 h 1940943"/>
-              <a:gd name="connsiteX0" fmla="*/ 0 w 1094524"/>
-              <a:gd name="connsiteY0" fmla="*/ 1483743 h 1940943"/>
-              <a:gd name="connsiteX1" fmla="*/ 845388 w 1094524"/>
-              <a:gd name="connsiteY1" fmla="*/ 1940943 h 1940943"/>
-              <a:gd name="connsiteX2" fmla="*/ 1035169 w 1094524"/>
-              <a:gd name="connsiteY2" fmla="*/ 923027 h 1940943"/>
-              <a:gd name="connsiteX3" fmla="*/ 1086929 w 1094524"/>
-              <a:gd name="connsiteY3" fmla="*/ 0 h 1940943"/>
-              <a:gd name="connsiteX4" fmla="*/ 215661 w 1094524"/>
-              <a:gd name="connsiteY4" fmla="*/ 17251 h 1940943"/>
-              <a:gd name="connsiteX5" fmla="*/ 215661 w 1094524"/>
-              <a:gd name="connsiteY5" fmla="*/ 715993 h 1940943"/>
-              <a:gd name="connsiteX6" fmla="*/ 0 w 1094524"/>
-              <a:gd name="connsiteY6" fmla="*/ 1483743 h 1940943"/>
-              <a:gd name="connsiteX0" fmla="*/ 0 w 1104396"/>
-              <a:gd name="connsiteY0" fmla="*/ 1483743 h 1940943"/>
-              <a:gd name="connsiteX1" fmla="*/ 845388 w 1104396"/>
-              <a:gd name="connsiteY1" fmla="*/ 1940943 h 1940943"/>
-              <a:gd name="connsiteX2" fmla="*/ 1078301 w 1104396"/>
-              <a:gd name="connsiteY2" fmla="*/ 1043797 h 1940943"/>
-              <a:gd name="connsiteX3" fmla="*/ 1086929 w 1104396"/>
-              <a:gd name="connsiteY3" fmla="*/ 0 h 1940943"/>
-              <a:gd name="connsiteX4" fmla="*/ 215661 w 1104396"/>
-              <a:gd name="connsiteY4" fmla="*/ 17251 h 1940943"/>
-              <a:gd name="connsiteX5" fmla="*/ 215661 w 1104396"/>
-              <a:gd name="connsiteY5" fmla="*/ 715993 h 1940943"/>
-              <a:gd name="connsiteX6" fmla="*/ 0 w 1104396"/>
-              <a:gd name="connsiteY6" fmla="*/ 1483743 h 1940943"/>
-              <a:gd name="connsiteX0" fmla="*/ 0 w 1099412"/>
-              <a:gd name="connsiteY0" fmla="*/ 1483743 h 1940943"/>
-              <a:gd name="connsiteX1" fmla="*/ 845388 w 1099412"/>
-              <a:gd name="connsiteY1" fmla="*/ 1940943 h 1940943"/>
-              <a:gd name="connsiteX2" fmla="*/ 1078301 w 1099412"/>
-              <a:gd name="connsiteY2" fmla="*/ 1043797 h 1940943"/>
-              <a:gd name="connsiteX3" fmla="*/ 1086929 w 1099412"/>
-              <a:gd name="connsiteY3" fmla="*/ 0 h 1940943"/>
-              <a:gd name="connsiteX4" fmla="*/ 215661 w 1099412"/>
-              <a:gd name="connsiteY4" fmla="*/ 17251 h 1940943"/>
-              <a:gd name="connsiteX5" fmla="*/ 215661 w 1099412"/>
-              <a:gd name="connsiteY5" fmla="*/ 715993 h 1940943"/>
-              <a:gd name="connsiteX6" fmla="*/ 0 w 1099412"/>
-              <a:gd name="connsiteY6" fmla="*/ 1483743 h 1940943"/>
-              <a:gd name="connsiteX0" fmla="*/ 0 w 1099412"/>
-              <a:gd name="connsiteY0" fmla="*/ 1483743 h 1940943"/>
-              <a:gd name="connsiteX1" fmla="*/ 845388 w 1099412"/>
-              <a:gd name="connsiteY1" fmla="*/ 1940943 h 1940943"/>
-              <a:gd name="connsiteX2" fmla="*/ 1078301 w 1099412"/>
-              <a:gd name="connsiteY2" fmla="*/ 1043797 h 1940943"/>
-              <a:gd name="connsiteX3" fmla="*/ 1086929 w 1099412"/>
-              <a:gd name="connsiteY3" fmla="*/ 0 h 1940943"/>
-              <a:gd name="connsiteX4" fmla="*/ 215661 w 1099412"/>
-              <a:gd name="connsiteY4" fmla="*/ 17251 h 1940943"/>
-              <a:gd name="connsiteX5" fmla="*/ 215661 w 1099412"/>
-              <a:gd name="connsiteY5" fmla="*/ 715993 h 1940943"/>
-              <a:gd name="connsiteX6" fmla="*/ 0 w 1099412"/>
-              <a:gd name="connsiteY6" fmla="*/ 1483743 h 1940943"/>
-              <a:gd name="connsiteX0" fmla="*/ 0 w 1105877"/>
-              <a:gd name="connsiteY0" fmla="*/ 1483743 h 1940943"/>
-              <a:gd name="connsiteX1" fmla="*/ 871267 w 1105877"/>
-              <a:gd name="connsiteY1" fmla="*/ 1940943 h 1940943"/>
-              <a:gd name="connsiteX2" fmla="*/ 1078301 w 1105877"/>
-              <a:gd name="connsiteY2" fmla="*/ 1043797 h 1940943"/>
-              <a:gd name="connsiteX3" fmla="*/ 1086929 w 1105877"/>
-              <a:gd name="connsiteY3" fmla="*/ 0 h 1940943"/>
-              <a:gd name="connsiteX4" fmla="*/ 215661 w 1105877"/>
-              <a:gd name="connsiteY4" fmla="*/ 17251 h 1940943"/>
-              <a:gd name="connsiteX5" fmla="*/ 215661 w 1105877"/>
-              <a:gd name="connsiteY5" fmla="*/ 715993 h 1940943"/>
-              <a:gd name="connsiteX6" fmla="*/ 0 w 1105877"/>
-              <a:gd name="connsiteY6" fmla="*/ 1483743 h 1940943"/>
-              <a:gd name="connsiteX0" fmla="*/ 0 w 1097694"/>
-              <a:gd name="connsiteY0" fmla="*/ 1483743 h 1940943"/>
-              <a:gd name="connsiteX1" fmla="*/ 871267 w 1097694"/>
-              <a:gd name="connsiteY1" fmla="*/ 1940943 h 1940943"/>
-              <a:gd name="connsiteX2" fmla="*/ 1052422 w 1097694"/>
-              <a:gd name="connsiteY2" fmla="*/ 1009291 h 1940943"/>
-              <a:gd name="connsiteX3" fmla="*/ 1086929 w 1097694"/>
-              <a:gd name="connsiteY3" fmla="*/ 0 h 1940943"/>
-              <a:gd name="connsiteX4" fmla="*/ 215661 w 1097694"/>
-              <a:gd name="connsiteY4" fmla="*/ 17251 h 1940943"/>
-              <a:gd name="connsiteX5" fmla="*/ 215661 w 1097694"/>
-              <a:gd name="connsiteY5" fmla="*/ 715993 h 1940943"/>
-              <a:gd name="connsiteX6" fmla="*/ 0 w 1097694"/>
-              <a:gd name="connsiteY6" fmla="*/ 1483743 h 1940943"/>
-              <a:gd name="connsiteX0" fmla="*/ 0 w 1097694"/>
-              <a:gd name="connsiteY0" fmla="*/ 1483743 h 1940943"/>
-              <a:gd name="connsiteX1" fmla="*/ 871267 w 1097694"/>
-              <a:gd name="connsiteY1" fmla="*/ 1940943 h 1940943"/>
-              <a:gd name="connsiteX2" fmla="*/ 1052422 w 1097694"/>
-              <a:gd name="connsiteY2" fmla="*/ 1009291 h 1940943"/>
-              <a:gd name="connsiteX3" fmla="*/ 1086929 w 1097694"/>
-              <a:gd name="connsiteY3" fmla="*/ 0 h 1940943"/>
-              <a:gd name="connsiteX4" fmla="*/ 215661 w 1097694"/>
-              <a:gd name="connsiteY4" fmla="*/ 17251 h 1940943"/>
-              <a:gd name="connsiteX5" fmla="*/ 215661 w 1097694"/>
-              <a:gd name="connsiteY5" fmla="*/ 715993 h 1940943"/>
-              <a:gd name="connsiteX6" fmla="*/ 0 w 1097694"/>
-              <a:gd name="connsiteY6" fmla="*/ 1483743 h 1940943"/>
-              <a:gd name="connsiteX0" fmla="*/ 0 w 1097694"/>
-              <a:gd name="connsiteY0" fmla="*/ 1483743 h 1940943"/>
-              <a:gd name="connsiteX1" fmla="*/ 871267 w 1097694"/>
-              <a:gd name="connsiteY1" fmla="*/ 1940943 h 1940943"/>
-              <a:gd name="connsiteX2" fmla="*/ 1052422 w 1097694"/>
-              <a:gd name="connsiteY2" fmla="*/ 1009291 h 1940943"/>
-              <a:gd name="connsiteX3" fmla="*/ 1086929 w 1097694"/>
-              <a:gd name="connsiteY3" fmla="*/ 0 h 1940943"/>
-              <a:gd name="connsiteX4" fmla="*/ 215661 w 1097694"/>
-              <a:gd name="connsiteY4" fmla="*/ 17251 h 1940943"/>
-              <a:gd name="connsiteX5" fmla="*/ 256348 w 1097694"/>
-              <a:gd name="connsiteY5" fmla="*/ 526212 h 1940943"/>
-              <a:gd name="connsiteX6" fmla="*/ 0 w 1097694"/>
-              <a:gd name="connsiteY6" fmla="*/ 1483743 h 1940943"/>
-              <a:gd name="connsiteX0" fmla="*/ 0 w 1097694"/>
-              <a:gd name="connsiteY0" fmla="*/ 1483743 h 1940943"/>
-              <a:gd name="connsiteX1" fmla="*/ 871267 w 1097694"/>
-              <a:gd name="connsiteY1" fmla="*/ 1940943 h 1940943"/>
-              <a:gd name="connsiteX2" fmla="*/ 1052422 w 1097694"/>
-              <a:gd name="connsiteY2" fmla="*/ 1009291 h 1940943"/>
-              <a:gd name="connsiteX3" fmla="*/ 1086929 w 1097694"/>
-              <a:gd name="connsiteY3" fmla="*/ 0 h 1940943"/>
-              <a:gd name="connsiteX4" fmla="*/ 215661 w 1097694"/>
-              <a:gd name="connsiteY4" fmla="*/ 17251 h 1940943"/>
-              <a:gd name="connsiteX5" fmla="*/ 256348 w 1097694"/>
-              <a:gd name="connsiteY5" fmla="*/ 526212 h 1940943"/>
-              <a:gd name="connsiteX6" fmla="*/ 0 w 1097694"/>
-              <a:gd name="connsiteY6" fmla="*/ 1483743 h 1940943"/>
-              <a:gd name="connsiteX0" fmla="*/ 0 w 1097694"/>
-              <a:gd name="connsiteY0" fmla="*/ 1483743 h 1940943"/>
-              <a:gd name="connsiteX1" fmla="*/ 871267 w 1097694"/>
-              <a:gd name="connsiteY1" fmla="*/ 1940943 h 1940943"/>
-              <a:gd name="connsiteX2" fmla="*/ 1052422 w 1097694"/>
-              <a:gd name="connsiteY2" fmla="*/ 1009291 h 1940943"/>
-              <a:gd name="connsiteX3" fmla="*/ 1086929 w 1097694"/>
-              <a:gd name="connsiteY3" fmla="*/ 0 h 1940943"/>
-              <a:gd name="connsiteX4" fmla="*/ 229224 w 1097694"/>
-              <a:gd name="connsiteY4" fmla="*/ 17251 h 1940943"/>
-              <a:gd name="connsiteX5" fmla="*/ 256348 w 1097694"/>
-              <a:gd name="connsiteY5" fmla="*/ 526212 h 1940943"/>
-              <a:gd name="connsiteX6" fmla="*/ 0 w 1097694"/>
-              <a:gd name="connsiteY6" fmla="*/ 1483743 h 1940943"/>
-              <a:gd name="connsiteX0" fmla="*/ 0 w 1097694"/>
-              <a:gd name="connsiteY0" fmla="*/ 1483743 h 1940943"/>
-              <a:gd name="connsiteX1" fmla="*/ 871267 w 1097694"/>
-              <a:gd name="connsiteY1" fmla="*/ 1940943 h 1940943"/>
-              <a:gd name="connsiteX2" fmla="*/ 1052422 w 1097694"/>
-              <a:gd name="connsiteY2" fmla="*/ 1009291 h 1940943"/>
-              <a:gd name="connsiteX3" fmla="*/ 1086929 w 1097694"/>
-              <a:gd name="connsiteY3" fmla="*/ 0 h 1940943"/>
-              <a:gd name="connsiteX4" fmla="*/ 229224 w 1097694"/>
-              <a:gd name="connsiteY4" fmla="*/ 17251 h 1940943"/>
-              <a:gd name="connsiteX5" fmla="*/ 256348 w 1097694"/>
-              <a:gd name="connsiteY5" fmla="*/ 526212 h 1940943"/>
-              <a:gd name="connsiteX6" fmla="*/ 0 w 1097694"/>
-              <a:gd name="connsiteY6" fmla="*/ 1483743 h 1940943"/>
-              <a:gd name="connsiteX0" fmla="*/ 0 w 1097694"/>
-              <a:gd name="connsiteY0" fmla="*/ 1483743 h 1940943"/>
-              <a:gd name="connsiteX1" fmla="*/ 871267 w 1097694"/>
-              <a:gd name="connsiteY1" fmla="*/ 1940943 h 1940943"/>
-              <a:gd name="connsiteX2" fmla="*/ 1052422 w 1097694"/>
-              <a:gd name="connsiteY2" fmla="*/ 1009291 h 1940943"/>
-              <a:gd name="connsiteX3" fmla="*/ 1086929 w 1097694"/>
-              <a:gd name="connsiteY3" fmla="*/ 0 h 1940943"/>
-              <a:gd name="connsiteX4" fmla="*/ 229224 w 1097694"/>
-              <a:gd name="connsiteY4" fmla="*/ 17251 h 1940943"/>
-              <a:gd name="connsiteX5" fmla="*/ 256348 w 1097694"/>
-              <a:gd name="connsiteY5" fmla="*/ 526212 h 1940943"/>
-              <a:gd name="connsiteX6" fmla="*/ 0 w 1097694"/>
-              <a:gd name="connsiteY6" fmla="*/ 1483743 h 1940943"/>
-              <a:gd name="connsiteX0" fmla="*/ 0 w 941727"/>
-              <a:gd name="connsiteY0" fmla="*/ 1061049 h 1940943"/>
-              <a:gd name="connsiteX1" fmla="*/ 715300 w 941727"/>
-              <a:gd name="connsiteY1" fmla="*/ 1940943 h 1940943"/>
-              <a:gd name="connsiteX2" fmla="*/ 896455 w 941727"/>
-              <a:gd name="connsiteY2" fmla="*/ 1009291 h 1940943"/>
-              <a:gd name="connsiteX3" fmla="*/ 930962 w 941727"/>
-              <a:gd name="connsiteY3" fmla="*/ 0 h 1940943"/>
-              <a:gd name="connsiteX4" fmla="*/ 73257 w 941727"/>
-              <a:gd name="connsiteY4" fmla="*/ 17251 h 1940943"/>
-              <a:gd name="connsiteX5" fmla="*/ 100381 w 941727"/>
-              <a:gd name="connsiteY5" fmla="*/ 526212 h 1940943"/>
-              <a:gd name="connsiteX6" fmla="*/ 0 w 941727"/>
-              <a:gd name="connsiteY6" fmla="*/ 1061049 h 1940943"/>
-              <a:gd name="connsiteX0" fmla="*/ 0 w 941727"/>
-              <a:gd name="connsiteY0" fmla="*/ 1061049 h 1940943"/>
-              <a:gd name="connsiteX1" fmla="*/ 715300 w 941727"/>
-              <a:gd name="connsiteY1" fmla="*/ 1940943 h 1940943"/>
-              <a:gd name="connsiteX2" fmla="*/ 896455 w 941727"/>
-              <a:gd name="connsiteY2" fmla="*/ 1009291 h 1940943"/>
-              <a:gd name="connsiteX3" fmla="*/ 930962 w 941727"/>
-              <a:gd name="connsiteY3" fmla="*/ 0 h 1940943"/>
-              <a:gd name="connsiteX4" fmla="*/ 73257 w 941727"/>
-              <a:gd name="connsiteY4" fmla="*/ 17251 h 1940943"/>
-              <a:gd name="connsiteX5" fmla="*/ 100381 w 941727"/>
-              <a:gd name="connsiteY5" fmla="*/ 526212 h 1940943"/>
-              <a:gd name="connsiteX6" fmla="*/ 0 w 941727"/>
-              <a:gd name="connsiteY6" fmla="*/ 1061049 h 1940943"/>
-              <a:gd name="connsiteX0" fmla="*/ 0 w 941727"/>
-              <a:gd name="connsiteY0" fmla="*/ 1061049 h 1940943"/>
-              <a:gd name="connsiteX1" fmla="*/ 715300 w 941727"/>
-              <a:gd name="connsiteY1" fmla="*/ 1940943 h 1940943"/>
-              <a:gd name="connsiteX2" fmla="*/ 896455 w 941727"/>
-              <a:gd name="connsiteY2" fmla="*/ 1009291 h 1940943"/>
-              <a:gd name="connsiteX3" fmla="*/ 930962 w 941727"/>
-              <a:gd name="connsiteY3" fmla="*/ 0 h 1940943"/>
-              <a:gd name="connsiteX4" fmla="*/ 73257 w 941727"/>
-              <a:gd name="connsiteY4" fmla="*/ 17251 h 1940943"/>
-              <a:gd name="connsiteX5" fmla="*/ 100381 w 941727"/>
-              <a:gd name="connsiteY5" fmla="*/ 526212 h 1940943"/>
-              <a:gd name="connsiteX6" fmla="*/ 0 w 941727"/>
-              <a:gd name="connsiteY6" fmla="*/ 1061049 h 1940943"/>
-              <a:gd name="connsiteX0" fmla="*/ 0 w 949882"/>
-              <a:gd name="connsiteY0" fmla="*/ 1061049 h 2061713"/>
-              <a:gd name="connsiteX1" fmla="*/ 518647 w 949882"/>
-              <a:gd name="connsiteY1" fmla="*/ 2061713 h 2061713"/>
-              <a:gd name="connsiteX2" fmla="*/ 896455 w 949882"/>
-              <a:gd name="connsiteY2" fmla="*/ 1009291 h 2061713"/>
-              <a:gd name="connsiteX3" fmla="*/ 930962 w 949882"/>
-              <a:gd name="connsiteY3" fmla="*/ 0 h 2061713"/>
-              <a:gd name="connsiteX4" fmla="*/ 73257 w 949882"/>
-              <a:gd name="connsiteY4" fmla="*/ 17251 h 2061713"/>
-              <a:gd name="connsiteX5" fmla="*/ 100381 w 949882"/>
-              <a:gd name="connsiteY5" fmla="*/ 526212 h 2061713"/>
-              <a:gd name="connsiteX6" fmla="*/ 0 w 949882"/>
-              <a:gd name="connsiteY6" fmla="*/ 1061049 h 2061713"/>
-              <a:gd name="connsiteX0" fmla="*/ 0 w 949882"/>
-              <a:gd name="connsiteY0" fmla="*/ 1061049 h 2061713"/>
-              <a:gd name="connsiteX1" fmla="*/ 518647 w 949882"/>
-              <a:gd name="connsiteY1" fmla="*/ 2061713 h 2061713"/>
-              <a:gd name="connsiteX2" fmla="*/ 896455 w 949882"/>
-              <a:gd name="connsiteY2" fmla="*/ 1009291 h 2061713"/>
-              <a:gd name="connsiteX3" fmla="*/ 930962 w 949882"/>
-              <a:gd name="connsiteY3" fmla="*/ 0 h 2061713"/>
-              <a:gd name="connsiteX4" fmla="*/ 73257 w 949882"/>
-              <a:gd name="connsiteY4" fmla="*/ 17251 h 2061713"/>
-              <a:gd name="connsiteX5" fmla="*/ 100381 w 949882"/>
-              <a:gd name="connsiteY5" fmla="*/ 526212 h 2061713"/>
-              <a:gd name="connsiteX6" fmla="*/ 0 w 949882"/>
-              <a:gd name="connsiteY6" fmla="*/ 1061049 h 2061713"/>
-              <a:gd name="connsiteX0" fmla="*/ 0 w 949882"/>
-              <a:gd name="connsiteY0" fmla="*/ 1061049 h 2061713"/>
-              <a:gd name="connsiteX1" fmla="*/ 518647 w 949882"/>
-              <a:gd name="connsiteY1" fmla="*/ 2061713 h 2061713"/>
-              <a:gd name="connsiteX2" fmla="*/ 896455 w 949882"/>
-              <a:gd name="connsiteY2" fmla="*/ 1009291 h 2061713"/>
-              <a:gd name="connsiteX3" fmla="*/ 930962 w 949882"/>
-              <a:gd name="connsiteY3" fmla="*/ 0 h 2061713"/>
-              <a:gd name="connsiteX4" fmla="*/ 73257 w 949882"/>
-              <a:gd name="connsiteY4" fmla="*/ 17251 h 2061713"/>
-              <a:gd name="connsiteX5" fmla="*/ 100381 w 949882"/>
-              <a:gd name="connsiteY5" fmla="*/ 526212 h 2061713"/>
-              <a:gd name="connsiteX6" fmla="*/ 0 w 949882"/>
-              <a:gd name="connsiteY6" fmla="*/ 1061049 h 2061713"/>
-              <a:gd name="connsiteX0" fmla="*/ 0 w 929539"/>
-              <a:gd name="connsiteY0" fmla="*/ 1061049 h 2061713"/>
-              <a:gd name="connsiteX1" fmla="*/ 498304 w 929539"/>
-              <a:gd name="connsiteY1" fmla="*/ 2061713 h 2061713"/>
-              <a:gd name="connsiteX2" fmla="*/ 876112 w 929539"/>
-              <a:gd name="connsiteY2" fmla="*/ 1009291 h 2061713"/>
-              <a:gd name="connsiteX3" fmla="*/ 910619 w 929539"/>
-              <a:gd name="connsiteY3" fmla="*/ 0 h 2061713"/>
-              <a:gd name="connsiteX4" fmla="*/ 52914 w 929539"/>
-              <a:gd name="connsiteY4" fmla="*/ 17251 h 2061713"/>
-              <a:gd name="connsiteX5" fmla="*/ 80038 w 929539"/>
-              <a:gd name="connsiteY5" fmla="*/ 526212 h 2061713"/>
-              <a:gd name="connsiteX6" fmla="*/ 0 w 929539"/>
-              <a:gd name="connsiteY6" fmla="*/ 1061049 h 2061713"/>
-              <a:gd name="connsiteX0" fmla="*/ 0 w 929539"/>
-              <a:gd name="connsiteY0" fmla="*/ 1061049 h 2061713"/>
-              <a:gd name="connsiteX1" fmla="*/ 498304 w 929539"/>
-              <a:gd name="connsiteY1" fmla="*/ 2061713 h 2061713"/>
-              <a:gd name="connsiteX2" fmla="*/ 876112 w 929539"/>
-              <a:gd name="connsiteY2" fmla="*/ 1009291 h 2061713"/>
-              <a:gd name="connsiteX3" fmla="*/ 910619 w 929539"/>
-              <a:gd name="connsiteY3" fmla="*/ 0 h 2061713"/>
-              <a:gd name="connsiteX4" fmla="*/ 52914 w 929539"/>
-              <a:gd name="connsiteY4" fmla="*/ 17251 h 2061713"/>
-              <a:gd name="connsiteX5" fmla="*/ 80038 w 929539"/>
-              <a:gd name="connsiteY5" fmla="*/ 526212 h 2061713"/>
-              <a:gd name="connsiteX6" fmla="*/ 0 w 929539"/>
-              <a:gd name="connsiteY6" fmla="*/ 1061049 h 2061713"/>
-              <a:gd name="connsiteX0" fmla="*/ 0 w 929539"/>
-              <a:gd name="connsiteY0" fmla="*/ 1061049 h 2061713"/>
-              <a:gd name="connsiteX1" fmla="*/ 498304 w 929539"/>
-              <a:gd name="connsiteY1" fmla="*/ 2061713 h 2061713"/>
-              <a:gd name="connsiteX2" fmla="*/ 876112 w 929539"/>
-              <a:gd name="connsiteY2" fmla="*/ 1009291 h 2061713"/>
-              <a:gd name="connsiteX3" fmla="*/ 910619 w 929539"/>
-              <a:gd name="connsiteY3" fmla="*/ 0 h 2061713"/>
-              <a:gd name="connsiteX4" fmla="*/ 52914 w 929539"/>
-              <a:gd name="connsiteY4" fmla="*/ 17251 h 2061713"/>
-              <a:gd name="connsiteX5" fmla="*/ 80038 w 929539"/>
-              <a:gd name="connsiteY5" fmla="*/ 526212 h 2061713"/>
-              <a:gd name="connsiteX6" fmla="*/ 0 w 929539"/>
-              <a:gd name="connsiteY6" fmla="*/ 1061049 h 2061713"/>
-              <a:gd name="connsiteX0" fmla="*/ 0 w 929539"/>
-              <a:gd name="connsiteY0" fmla="*/ 1069677 h 2070341"/>
-              <a:gd name="connsiteX1" fmla="*/ 498304 w 929539"/>
-              <a:gd name="connsiteY1" fmla="*/ 2070341 h 2070341"/>
-              <a:gd name="connsiteX2" fmla="*/ 876112 w 929539"/>
-              <a:gd name="connsiteY2" fmla="*/ 1017919 h 2070341"/>
-              <a:gd name="connsiteX3" fmla="*/ 910619 w 929539"/>
-              <a:gd name="connsiteY3" fmla="*/ 8628 h 2070341"/>
-              <a:gd name="connsiteX4" fmla="*/ 100382 w 929539"/>
-              <a:gd name="connsiteY4" fmla="*/ 0 h 2070341"/>
-              <a:gd name="connsiteX5" fmla="*/ 80038 w 929539"/>
-              <a:gd name="connsiteY5" fmla="*/ 534840 h 2070341"/>
-              <a:gd name="connsiteX6" fmla="*/ 0 w 929539"/>
-              <a:gd name="connsiteY6" fmla="*/ 1069677 h 2070341"/>
-              <a:gd name="connsiteX0" fmla="*/ 0 w 929539"/>
-              <a:gd name="connsiteY0" fmla="*/ 1069677 h 2070341"/>
-              <a:gd name="connsiteX1" fmla="*/ 498304 w 929539"/>
-              <a:gd name="connsiteY1" fmla="*/ 2070341 h 2070341"/>
-              <a:gd name="connsiteX2" fmla="*/ 876112 w 929539"/>
-              <a:gd name="connsiteY2" fmla="*/ 1017919 h 2070341"/>
-              <a:gd name="connsiteX3" fmla="*/ 910619 w 929539"/>
-              <a:gd name="connsiteY3" fmla="*/ 8628 h 2070341"/>
-              <a:gd name="connsiteX4" fmla="*/ 100382 w 929539"/>
-              <a:gd name="connsiteY4" fmla="*/ 0 h 2070341"/>
-              <a:gd name="connsiteX5" fmla="*/ 127507 w 929539"/>
-              <a:gd name="connsiteY5" fmla="*/ 612478 h 2070341"/>
-              <a:gd name="connsiteX6" fmla="*/ 0 w 929539"/>
-              <a:gd name="connsiteY6" fmla="*/ 1069677 h 2070341"/>
-              <a:gd name="connsiteX0" fmla="*/ 0 w 929539"/>
-              <a:gd name="connsiteY0" fmla="*/ 1069677 h 2070341"/>
-              <a:gd name="connsiteX1" fmla="*/ 498304 w 929539"/>
-              <a:gd name="connsiteY1" fmla="*/ 2070341 h 2070341"/>
-              <a:gd name="connsiteX2" fmla="*/ 876112 w 929539"/>
-              <a:gd name="connsiteY2" fmla="*/ 1017919 h 2070341"/>
-              <a:gd name="connsiteX3" fmla="*/ 910619 w 929539"/>
-              <a:gd name="connsiteY3" fmla="*/ 8628 h 2070341"/>
-              <a:gd name="connsiteX4" fmla="*/ 100382 w 929539"/>
-              <a:gd name="connsiteY4" fmla="*/ 0 h 2070341"/>
-              <a:gd name="connsiteX5" fmla="*/ 127507 w 929539"/>
-              <a:gd name="connsiteY5" fmla="*/ 612478 h 2070341"/>
-              <a:gd name="connsiteX6" fmla="*/ 0 w 929539"/>
-              <a:gd name="connsiteY6" fmla="*/ 1069677 h 2070341"/>
-              <a:gd name="connsiteX0" fmla="*/ 0 w 929539"/>
-              <a:gd name="connsiteY0" fmla="*/ 1069677 h 2070341"/>
-              <a:gd name="connsiteX1" fmla="*/ 498304 w 929539"/>
-              <a:gd name="connsiteY1" fmla="*/ 2070341 h 2070341"/>
-              <a:gd name="connsiteX2" fmla="*/ 876112 w 929539"/>
-              <a:gd name="connsiteY2" fmla="*/ 1017919 h 2070341"/>
-              <a:gd name="connsiteX3" fmla="*/ 910619 w 929539"/>
-              <a:gd name="connsiteY3" fmla="*/ 8628 h 2070341"/>
-              <a:gd name="connsiteX4" fmla="*/ 100382 w 929539"/>
-              <a:gd name="connsiteY4" fmla="*/ 0 h 2070341"/>
-              <a:gd name="connsiteX5" fmla="*/ 127507 w 929539"/>
-              <a:gd name="connsiteY5" fmla="*/ 612478 h 2070341"/>
-              <a:gd name="connsiteX6" fmla="*/ 0 w 929539"/>
-              <a:gd name="connsiteY6" fmla="*/ 1069677 h 2070341"/>
-              <a:gd name="connsiteX0" fmla="*/ 0 w 929539"/>
-              <a:gd name="connsiteY0" fmla="*/ 1069677 h 2070341"/>
-              <a:gd name="connsiteX1" fmla="*/ 498304 w 929539"/>
-              <a:gd name="connsiteY1" fmla="*/ 2070341 h 2070341"/>
-              <a:gd name="connsiteX2" fmla="*/ 876112 w 929539"/>
-              <a:gd name="connsiteY2" fmla="*/ 1017919 h 2070341"/>
-              <a:gd name="connsiteX3" fmla="*/ 910619 w 929539"/>
-              <a:gd name="connsiteY3" fmla="*/ 8628 h 2070341"/>
-              <a:gd name="connsiteX4" fmla="*/ 100382 w 929539"/>
-              <a:gd name="connsiteY4" fmla="*/ 0 h 2070341"/>
-              <a:gd name="connsiteX5" fmla="*/ 127507 w 929539"/>
-              <a:gd name="connsiteY5" fmla="*/ 612478 h 2070341"/>
-              <a:gd name="connsiteX6" fmla="*/ 0 w 929539"/>
-              <a:gd name="connsiteY6" fmla="*/ 1069677 h 2070341"/>
-              <a:gd name="connsiteX0" fmla="*/ 0 w 929539"/>
-              <a:gd name="connsiteY0" fmla="*/ 1069677 h 2070341"/>
-              <a:gd name="connsiteX1" fmla="*/ 498304 w 929539"/>
-              <a:gd name="connsiteY1" fmla="*/ 2070341 h 2070341"/>
-              <a:gd name="connsiteX2" fmla="*/ 876112 w 929539"/>
-              <a:gd name="connsiteY2" fmla="*/ 1017919 h 2070341"/>
-              <a:gd name="connsiteX3" fmla="*/ 910619 w 929539"/>
-              <a:gd name="connsiteY3" fmla="*/ 8628 h 2070341"/>
-              <a:gd name="connsiteX4" fmla="*/ 120725 w 929539"/>
-              <a:gd name="connsiteY4" fmla="*/ 0 h 2070341"/>
-              <a:gd name="connsiteX5" fmla="*/ 127507 w 929539"/>
-              <a:gd name="connsiteY5" fmla="*/ 612478 h 2070341"/>
-              <a:gd name="connsiteX6" fmla="*/ 0 w 929539"/>
-              <a:gd name="connsiteY6" fmla="*/ 1069677 h 2070341"/>
-              <a:gd name="connsiteX0" fmla="*/ 0 w 929539"/>
-              <a:gd name="connsiteY0" fmla="*/ 1069677 h 2070341"/>
-              <a:gd name="connsiteX1" fmla="*/ 498304 w 929539"/>
-              <a:gd name="connsiteY1" fmla="*/ 2070341 h 2070341"/>
-              <a:gd name="connsiteX2" fmla="*/ 876112 w 929539"/>
-              <a:gd name="connsiteY2" fmla="*/ 1017919 h 2070341"/>
-              <a:gd name="connsiteX3" fmla="*/ 910619 w 929539"/>
-              <a:gd name="connsiteY3" fmla="*/ 8628 h 2070341"/>
-              <a:gd name="connsiteX4" fmla="*/ 120725 w 929539"/>
-              <a:gd name="connsiteY4" fmla="*/ 0 h 2070341"/>
-              <a:gd name="connsiteX5" fmla="*/ 127507 w 929539"/>
-              <a:gd name="connsiteY5" fmla="*/ 612478 h 2070341"/>
-              <a:gd name="connsiteX6" fmla="*/ 0 w 929539"/>
-              <a:gd name="connsiteY6" fmla="*/ 1069677 h 2070341"/>
-              <a:gd name="connsiteX0" fmla="*/ 0 w 929539"/>
-              <a:gd name="connsiteY0" fmla="*/ 1069677 h 2070341"/>
-              <a:gd name="connsiteX1" fmla="*/ 498304 w 929539"/>
-              <a:gd name="connsiteY1" fmla="*/ 2070341 h 2070341"/>
-              <a:gd name="connsiteX2" fmla="*/ 876112 w 929539"/>
-              <a:gd name="connsiteY2" fmla="*/ 1017919 h 2070341"/>
-              <a:gd name="connsiteX3" fmla="*/ 910619 w 929539"/>
-              <a:gd name="connsiteY3" fmla="*/ 8628 h 2070341"/>
-              <a:gd name="connsiteX4" fmla="*/ 107163 w 929539"/>
-              <a:gd name="connsiteY4" fmla="*/ 0 h 2070341"/>
-              <a:gd name="connsiteX5" fmla="*/ 127507 w 929539"/>
-              <a:gd name="connsiteY5" fmla="*/ 612478 h 2070341"/>
-              <a:gd name="connsiteX6" fmla="*/ 0 w 929539"/>
-              <a:gd name="connsiteY6" fmla="*/ 1069677 h 2070341"/>
-              <a:gd name="connsiteX0" fmla="*/ 0 w 929539"/>
-              <a:gd name="connsiteY0" fmla="*/ 1069677 h 2070341"/>
-              <a:gd name="connsiteX1" fmla="*/ 498304 w 929539"/>
-              <a:gd name="connsiteY1" fmla="*/ 2070341 h 2070341"/>
-              <a:gd name="connsiteX2" fmla="*/ 876112 w 929539"/>
-              <a:gd name="connsiteY2" fmla="*/ 1017919 h 2070341"/>
-              <a:gd name="connsiteX3" fmla="*/ 910619 w 929539"/>
-              <a:gd name="connsiteY3" fmla="*/ 8628 h 2070341"/>
-              <a:gd name="connsiteX4" fmla="*/ 107163 w 929539"/>
-              <a:gd name="connsiteY4" fmla="*/ 0 h 2070341"/>
-              <a:gd name="connsiteX5" fmla="*/ 127507 w 929539"/>
-              <a:gd name="connsiteY5" fmla="*/ 612478 h 2070341"/>
-              <a:gd name="connsiteX6" fmla="*/ 0 w 929539"/>
-              <a:gd name="connsiteY6" fmla="*/ 1069677 h 2070341"/>
-              <a:gd name="connsiteX0" fmla="*/ 0 w 929539"/>
-              <a:gd name="connsiteY0" fmla="*/ 1069677 h 2070341"/>
-              <a:gd name="connsiteX1" fmla="*/ 498304 w 929539"/>
-              <a:gd name="connsiteY1" fmla="*/ 2070341 h 2070341"/>
-              <a:gd name="connsiteX2" fmla="*/ 876112 w 929539"/>
-              <a:gd name="connsiteY2" fmla="*/ 1017919 h 2070341"/>
-              <a:gd name="connsiteX3" fmla="*/ 910619 w 929539"/>
-              <a:gd name="connsiteY3" fmla="*/ 8628 h 2070341"/>
-              <a:gd name="connsiteX4" fmla="*/ 107163 w 929539"/>
-              <a:gd name="connsiteY4" fmla="*/ 0 h 2070341"/>
-              <a:gd name="connsiteX5" fmla="*/ 127507 w 929539"/>
-              <a:gd name="connsiteY5" fmla="*/ 612478 h 2070341"/>
-              <a:gd name="connsiteX6" fmla="*/ 0 w 929539"/>
-              <a:gd name="connsiteY6" fmla="*/ 1069677 h 2070341"/>
-              <a:gd name="connsiteX0" fmla="*/ 0 w 929539"/>
-              <a:gd name="connsiteY0" fmla="*/ 1069677 h 2070341"/>
-              <a:gd name="connsiteX1" fmla="*/ 498304 w 929539"/>
-              <a:gd name="connsiteY1" fmla="*/ 2070341 h 2070341"/>
-              <a:gd name="connsiteX2" fmla="*/ 876112 w 929539"/>
-              <a:gd name="connsiteY2" fmla="*/ 1017919 h 2070341"/>
-              <a:gd name="connsiteX3" fmla="*/ 910619 w 929539"/>
-              <a:gd name="connsiteY3" fmla="*/ 8628 h 2070341"/>
-              <a:gd name="connsiteX4" fmla="*/ 107163 w 929539"/>
-              <a:gd name="connsiteY4" fmla="*/ 0 h 2070341"/>
-              <a:gd name="connsiteX5" fmla="*/ 127507 w 929539"/>
-              <a:gd name="connsiteY5" fmla="*/ 569346 h 2070341"/>
-              <a:gd name="connsiteX6" fmla="*/ 0 w 929539"/>
-              <a:gd name="connsiteY6" fmla="*/ 1069677 h 2070341"/>
-              <a:gd name="connsiteX0" fmla="*/ 0 w 929539"/>
-              <a:gd name="connsiteY0" fmla="*/ 1069677 h 2070341"/>
-              <a:gd name="connsiteX1" fmla="*/ 498304 w 929539"/>
-              <a:gd name="connsiteY1" fmla="*/ 2070341 h 2070341"/>
-              <a:gd name="connsiteX2" fmla="*/ 876112 w 929539"/>
-              <a:gd name="connsiteY2" fmla="*/ 1017919 h 2070341"/>
-              <a:gd name="connsiteX3" fmla="*/ 910619 w 929539"/>
-              <a:gd name="connsiteY3" fmla="*/ 8628 h 2070341"/>
-              <a:gd name="connsiteX4" fmla="*/ 107163 w 929539"/>
-              <a:gd name="connsiteY4" fmla="*/ 0 h 2070341"/>
-              <a:gd name="connsiteX5" fmla="*/ 127507 w 929539"/>
-              <a:gd name="connsiteY5" fmla="*/ 646984 h 2070341"/>
-              <a:gd name="connsiteX6" fmla="*/ 0 w 929539"/>
-              <a:gd name="connsiteY6" fmla="*/ 1069677 h 2070341"/>
-              <a:gd name="connsiteX0" fmla="*/ 0 w 929539"/>
-              <a:gd name="connsiteY0" fmla="*/ 1069677 h 2070341"/>
-              <a:gd name="connsiteX1" fmla="*/ 498304 w 929539"/>
-              <a:gd name="connsiteY1" fmla="*/ 2070341 h 2070341"/>
-              <a:gd name="connsiteX2" fmla="*/ 876112 w 929539"/>
-              <a:gd name="connsiteY2" fmla="*/ 1017919 h 2070341"/>
-              <a:gd name="connsiteX3" fmla="*/ 910619 w 929539"/>
-              <a:gd name="connsiteY3" fmla="*/ 8628 h 2070341"/>
-              <a:gd name="connsiteX4" fmla="*/ 107163 w 929539"/>
-              <a:gd name="connsiteY4" fmla="*/ 0 h 2070341"/>
-              <a:gd name="connsiteX5" fmla="*/ 127507 w 929539"/>
-              <a:gd name="connsiteY5" fmla="*/ 646984 h 2070341"/>
-              <a:gd name="connsiteX6" fmla="*/ 0 w 929539"/>
-              <a:gd name="connsiteY6" fmla="*/ 1069677 h 2070341"/>
-              <a:gd name="connsiteX0" fmla="*/ 0 w 929539"/>
-              <a:gd name="connsiteY0" fmla="*/ 1069677 h 2018582"/>
-              <a:gd name="connsiteX1" fmla="*/ 498304 w 929539"/>
-              <a:gd name="connsiteY1" fmla="*/ 2018582 h 2018582"/>
-              <a:gd name="connsiteX2" fmla="*/ 876112 w 929539"/>
-              <a:gd name="connsiteY2" fmla="*/ 1017919 h 2018582"/>
-              <a:gd name="connsiteX3" fmla="*/ 910619 w 929539"/>
-              <a:gd name="connsiteY3" fmla="*/ 8628 h 2018582"/>
-              <a:gd name="connsiteX4" fmla="*/ 107163 w 929539"/>
-              <a:gd name="connsiteY4" fmla="*/ 0 h 2018582"/>
-              <a:gd name="connsiteX5" fmla="*/ 127507 w 929539"/>
-              <a:gd name="connsiteY5" fmla="*/ 646984 h 2018582"/>
-              <a:gd name="connsiteX6" fmla="*/ 0 w 929539"/>
-              <a:gd name="connsiteY6" fmla="*/ 1069677 h 2018582"/>
+              <a:gd name="connsiteX0" fmla="*/ 1302588 w 5227607"/>
+              <a:gd name="connsiteY0" fmla="*/ 0 h 2570672"/>
+              <a:gd name="connsiteX1" fmla="*/ 0 w 5227607"/>
+              <a:gd name="connsiteY1" fmla="*/ 2570672 h 2570672"/>
+              <a:gd name="connsiteX2" fmla="*/ 5227607 w 5227607"/>
+              <a:gd name="connsiteY2" fmla="*/ 2570672 h 2570672"/>
+              <a:gd name="connsiteX3" fmla="*/ 4442604 w 5227607"/>
+              <a:gd name="connsiteY3" fmla="*/ 17253 h 2570672"/>
+              <a:gd name="connsiteX4" fmla="*/ 2872596 w 5227607"/>
+              <a:gd name="connsiteY4" fmla="*/ 474453 h 2570672"/>
+              <a:gd name="connsiteX5" fmla="*/ 1302588 w 5227607"/>
+              <a:gd name="connsiteY5" fmla="*/ 0 h 2570672"/>
+              <a:gd name="connsiteX0" fmla="*/ 1302588 w 5227607"/>
+              <a:gd name="connsiteY0" fmla="*/ 86553 h 2657225"/>
+              <a:gd name="connsiteX1" fmla="*/ 0 w 5227607"/>
+              <a:gd name="connsiteY1" fmla="*/ 2657225 h 2657225"/>
+              <a:gd name="connsiteX2" fmla="*/ 5227607 w 5227607"/>
+              <a:gd name="connsiteY2" fmla="*/ 2657225 h 2657225"/>
+              <a:gd name="connsiteX3" fmla="*/ 4442604 w 5227607"/>
+              <a:gd name="connsiteY3" fmla="*/ 103806 h 2657225"/>
+              <a:gd name="connsiteX4" fmla="*/ 2872596 w 5227607"/>
+              <a:gd name="connsiteY4" fmla="*/ 561006 h 2657225"/>
+              <a:gd name="connsiteX5" fmla="*/ 1302588 w 5227607"/>
+              <a:gd name="connsiteY5" fmla="*/ 86553 h 2657225"/>
+              <a:gd name="connsiteX0" fmla="*/ 1302588 w 5227607"/>
+              <a:gd name="connsiteY0" fmla="*/ 86553 h 2657225"/>
+              <a:gd name="connsiteX1" fmla="*/ 0 w 5227607"/>
+              <a:gd name="connsiteY1" fmla="*/ 2657225 h 2657225"/>
+              <a:gd name="connsiteX2" fmla="*/ 5227607 w 5227607"/>
+              <a:gd name="connsiteY2" fmla="*/ 2657225 h 2657225"/>
+              <a:gd name="connsiteX3" fmla="*/ 4442604 w 5227607"/>
+              <a:gd name="connsiteY3" fmla="*/ 103806 h 2657225"/>
+              <a:gd name="connsiteX4" fmla="*/ 2872596 w 5227607"/>
+              <a:gd name="connsiteY4" fmla="*/ 561006 h 2657225"/>
+              <a:gd name="connsiteX5" fmla="*/ 1302588 w 5227607"/>
+              <a:gd name="connsiteY5" fmla="*/ 86553 h 2657225"/>
+              <a:gd name="connsiteX0" fmla="*/ 1302588 w 5227607"/>
+              <a:gd name="connsiteY0" fmla="*/ 0 h 2570672"/>
+              <a:gd name="connsiteX1" fmla="*/ 0 w 5227607"/>
+              <a:gd name="connsiteY1" fmla="*/ 2570672 h 2570672"/>
+              <a:gd name="connsiteX2" fmla="*/ 5227607 w 5227607"/>
+              <a:gd name="connsiteY2" fmla="*/ 2570672 h 2570672"/>
+              <a:gd name="connsiteX3" fmla="*/ 4442604 w 5227607"/>
+              <a:gd name="connsiteY3" fmla="*/ 17253 h 2570672"/>
+              <a:gd name="connsiteX4" fmla="*/ 2872596 w 5227607"/>
+              <a:gd name="connsiteY4" fmla="*/ 474453 h 2570672"/>
+              <a:gd name="connsiteX5" fmla="*/ 1302588 w 5227607"/>
+              <a:gd name="connsiteY5" fmla="*/ 0 h 2570672"/>
+              <a:gd name="connsiteX0" fmla="*/ 1302588 w 5339751"/>
+              <a:gd name="connsiteY0" fmla="*/ 0 h 2570672"/>
+              <a:gd name="connsiteX1" fmla="*/ 0 w 5339751"/>
+              <a:gd name="connsiteY1" fmla="*/ 2570672 h 2570672"/>
+              <a:gd name="connsiteX2" fmla="*/ 5339751 w 5339751"/>
+              <a:gd name="connsiteY2" fmla="*/ 2553419 h 2570672"/>
+              <a:gd name="connsiteX3" fmla="*/ 4442604 w 5339751"/>
+              <a:gd name="connsiteY3" fmla="*/ 17253 h 2570672"/>
+              <a:gd name="connsiteX4" fmla="*/ 2872596 w 5339751"/>
+              <a:gd name="connsiteY4" fmla="*/ 474453 h 2570672"/>
+              <a:gd name="connsiteX5" fmla="*/ 1302588 w 5339751"/>
+              <a:gd name="connsiteY5" fmla="*/ 0 h 2570672"/>
+              <a:gd name="connsiteX0" fmla="*/ 1302588 w 5564038"/>
+              <a:gd name="connsiteY0" fmla="*/ 0 h 2570672"/>
+              <a:gd name="connsiteX1" fmla="*/ 0 w 5564038"/>
+              <a:gd name="connsiteY1" fmla="*/ 2570672 h 2570672"/>
+              <a:gd name="connsiteX2" fmla="*/ 5564038 w 5564038"/>
+              <a:gd name="connsiteY2" fmla="*/ 2553419 h 2570672"/>
+              <a:gd name="connsiteX3" fmla="*/ 4442604 w 5564038"/>
+              <a:gd name="connsiteY3" fmla="*/ 17253 h 2570672"/>
+              <a:gd name="connsiteX4" fmla="*/ 2872596 w 5564038"/>
+              <a:gd name="connsiteY4" fmla="*/ 474453 h 2570672"/>
+              <a:gd name="connsiteX5" fmla="*/ 1302588 w 5564038"/>
+              <a:gd name="connsiteY5" fmla="*/ 0 h 2570672"/>
+              <a:gd name="connsiteX0" fmla="*/ 1664897 w 5564038"/>
+              <a:gd name="connsiteY0" fmla="*/ 172528 h 2553419"/>
+              <a:gd name="connsiteX1" fmla="*/ 0 w 5564038"/>
+              <a:gd name="connsiteY1" fmla="*/ 2553419 h 2553419"/>
+              <a:gd name="connsiteX2" fmla="*/ 5564038 w 5564038"/>
+              <a:gd name="connsiteY2" fmla="*/ 2536166 h 2553419"/>
+              <a:gd name="connsiteX3" fmla="*/ 4442604 w 5564038"/>
+              <a:gd name="connsiteY3" fmla="*/ 0 h 2553419"/>
+              <a:gd name="connsiteX4" fmla="*/ 2872596 w 5564038"/>
+              <a:gd name="connsiteY4" fmla="*/ 457200 h 2553419"/>
+              <a:gd name="connsiteX5" fmla="*/ 1664897 w 5564038"/>
+              <a:gd name="connsiteY5" fmla="*/ 172528 h 2553419"/>
+              <a:gd name="connsiteX0" fmla="*/ 1664897 w 5564038"/>
+              <a:gd name="connsiteY0" fmla="*/ 172528 h 2553419"/>
+              <a:gd name="connsiteX1" fmla="*/ 0 w 5564038"/>
+              <a:gd name="connsiteY1" fmla="*/ 2553419 h 2553419"/>
+              <a:gd name="connsiteX2" fmla="*/ 5564038 w 5564038"/>
+              <a:gd name="connsiteY2" fmla="*/ 2536166 h 2553419"/>
+              <a:gd name="connsiteX3" fmla="*/ 4442604 w 5564038"/>
+              <a:gd name="connsiteY3" fmla="*/ 0 h 2553419"/>
+              <a:gd name="connsiteX4" fmla="*/ 2872596 w 5564038"/>
+              <a:gd name="connsiteY4" fmla="*/ 457200 h 2553419"/>
+              <a:gd name="connsiteX5" fmla="*/ 1664897 w 5564038"/>
+              <a:gd name="connsiteY5" fmla="*/ 172528 h 2553419"/>
+              <a:gd name="connsiteX0" fmla="*/ 1664897 w 5564038"/>
+              <a:gd name="connsiteY0" fmla="*/ 17253 h 2398144"/>
+              <a:gd name="connsiteX1" fmla="*/ 0 w 5564038"/>
+              <a:gd name="connsiteY1" fmla="*/ 2398144 h 2398144"/>
+              <a:gd name="connsiteX2" fmla="*/ 5564038 w 5564038"/>
+              <a:gd name="connsiteY2" fmla="*/ 2380891 h 2398144"/>
+              <a:gd name="connsiteX3" fmla="*/ 4106174 w 5564038"/>
+              <a:gd name="connsiteY3" fmla="*/ 0 h 2398144"/>
+              <a:gd name="connsiteX4" fmla="*/ 2872596 w 5564038"/>
+              <a:gd name="connsiteY4" fmla="*/ 301925 h 2398144"/>
+              <a:gd name="connsiteX5" fmla="*/ 1664897 w 5564038"/>
+              <a:gd name="connsiteY5" fmla="*/ 17253 h 2398144"/>
+              <a:gd name="connsiteX0" fmla="*/ 1664897 w 5564038"/>
+              <a:gd name="connsiteY0" fmla="*/ 17253 h 2398144"/>
+              <a:gd name="connsiteX1" fmla="*/ 0 w 5564038"/>
+              <a:gd name="connsiteY1" fmla="*/ 2398144 h 2398144"/>
+              <a:gd name="connsiteX2" fmla="*/ 5564038 w 5564038"/>
+              <a:gd name="connsiteY2" fmla="*/ 2380891 h 2398144"/>
+              <a:gd name="connsiteX3" fmla="*/ 4106174 w 5564038"/>
+              <a:gd name="connsiteY3" fmla="*/ 0 h 2398144"/>
+              <a:gd name="connsiteX4" fmla="*/ 2872596 w 5564038"/>
+              <a:gd name="connsiteY4" fmla="*/ 301925 h 2398144"/>
+              <a:gd name="connsiteX5" fmla="*/ 1664897 w 5564038"/>
+              <a:gd name="connsiteY5" fmla="*/ 17253 h 2398144"/>
+              <a:gd name="connsiteX0" fmla="*/ 1621765 w 5564038"/>
+              <a:gd name="connsiteY0" fmla="*/ 0 h 2406770"/>
+              <a:gd name="connsiteX1" fmla="*/ 0 w 5564038"/>
+              <a:gd name="connsiteY1" fmla="*/ 2406770 h 2406770"/>
+              <a:gd name="connsiteX2" fmla="*/ 5564038 w 5564038"/>
+              <a:gd name="connsiteY2" fmla="*/ 2389517 h 2406770"/>
+              <a:gd name="connsiteX3" fmla="*/ 4106174 w 5564038"/>
+              <a:gd name="connsiteY3" fmla="*/ 8626 h 2406770"/>
+              <a:gd name="connsiteX4" fmla="*/ 2872596 w 5564038"/>
+              <a:gd name="connsiteY4" fmla="*/ 310551 h 2406770"/>
+              <a:gd name="connsiteX5" fmla="*/ 1621765 w 5564038"/>
+              <a:gd name="connsiteY5" fmla="*/ 0 h 2406770"/>
+              <a:gd name="connsiteX0" fmla="*/ 1475116 w 5417389"/>
+              <a:gd name="connsiteY0" fmla="*/ 0 h 2415397"/>
+              <a:gd name="connsiteX1" fmla="*/ 0 w 5417389"/>
+              <a:gd name="connsiteY1" fmla="*/ 2415397 h 2415397"/>
+              <a:gd name="connsiteX2" fmla="*/ 5417389 w 5417389"/>
+              <a:gd name="connsiteY2" fmla="*/ 2389517 h 2415397"/>
+              <a:gd name="connsiteX3" fmla="*/ 3959525 w 5417389"/>
+              <a:gd name="connsiteY3" fmla="*/ 8626 h 2415397"/>
+              <a:gd name="connsiteX4" fmla="*/ 2725947 w 5417389"/>
+              <a:gd name="connsiteY4" fmla="*/ 310551 h 2415397"/>
+              <a:gd name="connsiteX5" fmla="*/ 1475116 w 5417389"/>
+              <a:gd name="connsiteY5" fmla="*/ 0 h 2415397"/>
+              <a:gd name="connsiteX0" fmla="*/ 1475116 w 5417389"/>
+              <a:gd name="connsiteY0" fmla="*/ 8627 h 2424024"/>
+              <a:gd name="connsiteX1" fmla="*/ 0 w 5417389"/>
+              <a:gd name="connsiteY1" fmla="*/ 2424024 h 2424024"/>
+              <a:gd name="connsiteX2" fmla="*/ 5417389 w 5417389"/>
+              <a:gd name="connsiteY2" fmla="*/ 2398144 h 2424024"/>
+              <a:gd name="connsiteX3" fmla="*/ 4002657 w 5417389"/>
+              <a:gd name="connsiteY3" fmla="*/ 0 h 2424024"/>
+              <a:gd name="connsiteX4" fmla="*/ 2725947 w 5417389"/>
+              <a:gd name="connsiteY4" fmla="*/ 319178 h 2424024"/>
+              <a:gd name="connsiteX5" fmla="*/ 1475116 w 5417389"/>
+              <a:gd name="connsiteY5" fmla="*/ 8627 h 2424024"/>
+              <a:gd name="connsiteX0" fmla="*/ 1475116 w 5417389"/>
+              <a:gd name="connsiteY0" fmla="*/ 0 h 2415397"/>
+              <a:gd name="connsiteX1" fmla="*/ 0 w 5417389"/>
+              <a:gd name="connsiteY1" fmla="*/ 2415397 h 2415397"/>
+              <a:gd name="connsiteX2" fmla="*/ 5417389 w 5417389"/>
+              <a:gd name="connsiteY2" fmla="*/ 2389517 h 2415397"/>
+              <a:gd name="connsiteX3" fmla="*/ 3950898 w 5417389"/>
+              <a:gd name="connsiteY3" fmla="*/ 0 h 2415397"/>
+              <a:gd name="connsiteX4" fmla="*/ 2725947 w 5417389"/>
+              <a:gd name="connsiteY4" fmla="*/ 310551 h 2415397"/>
+              <a:gd name="connsiteX5" fmla="*/ 1475116 w 5417389"/>
+              <a:gd name="connsiteY5" fmla="*/ 0 h 2415397"/>
+              <a:gd name="connsiteX0" fmla="*/ 1475116 w 5434642"/>
+              <a:gd name="connsiteY0" fmla="*/ 0 h 2415397"/>
+              <a:gd name="connsiteX1" fmla="*/ 0 w 5434642"/>
+              <a:gd name="connsiteY1" fmla="*/ 2415397 h 2415397"/>
+              <a:gd name="connsiteX2" fmla="*/ 5434642 w 5434642"/>
+              <a:gd name="connsiteY2" fmla="*/ 2406770 h 2415397"/>
+              <a:gd name="connsiteX3" fmla="*/ 3950898 w 5434642"/>
+              <a:gd name="connsiteY3" fmla="*/ 0 h 2415397"/>
+              <a:gd name="connsiteX4" fmla="*/ 2725947 w 5434642"/>
+              <a:gd name="connsiteY4" fmla="*/ 310551 h 2415397"/>
+              <a:gd name="connsiteX5" fmla="*/ 1475116 w 5434642"/>
+              <a:gd name="connsiteY5" fmla="*/ 0 h 2415397"/>
+              <a:gd name="connsiteX0" fmla="*/ 1457863 w 5434642"/>
+              <a:gd name="connsiteY0" fmla="*/ 0 h 2432650"/>
+              <a:gd name="connsiteX1" fmla="*/ 0 w 5434642"/>
+              <a:gd name="connsiteY1" fmla="*/ 2432650 h 2432650"/>
+              <a:gd name="connsiteX2" fmla="*/ 5434642 w 5434642"/>
+              <a:gd name="connsiteY2" fmla="*/ 2424023 h 2432650"/>
+              <a:gd name="connsiteX3" fmla="*/ 3950898 w 5434642"/>
+              <a:gd name="connsiteY3" fmla="*/ 17253 h 2432650"/>
+              <a:gd name="connsiteX4" fmla="*/ 2725947 w 5434642"/>
+              <a:gd name="connsiteY4" fmla="*/ 327804 h 2432650"/>
+              <a:gd name="connsiteX5" fmla="*/ 1457863 w 5434642"/>
+              <a:gd name="connsiteY5" fmla="*/ 0 h 2432650"/>
+              <a:gd name="connsiteX0" fmla="*/ 1500995 w 5477774"/>
+              <a:gd name="connsiteY0" fmla="*/ 0 h 2424023"/>
+              <a:gd name="connsiteX1" fmla="*/ 0 w 5477774"/>
+              <a:gd name="connsiteY1" fmla="*/ 2415397 h 2424023"/>
+              <a:gd name="connsiteX2" fmla="*/ 5477774 w 5477774"/>
+              <a:gd name="connsiteY2" fmla="*/ 2424023 h 2424023"/>
+              <a:gd name="connsiteX3" fmla="*/ 3994030 w 5477774"/>
+              <a:gd name="connsiteY3" fmla="*/ 17253 h 2424023"/>
+              <a:gd name="connsiteX4" fmla="*/ 2769079 w 5477774"/>
+              <a:gd name="connsiteY4" fmla="*/ 327804 h 2424023"/>
+              <a:gd name="connsiteX5" fmla="*/ 1500995 w 5477774"/>
+              <a:gd name="connsiteY5" fmla="*/ 0 h 2424023"/>
+              <a:gd name="connsiteX0" fmla="*/ 1475115 w 5477774"/>
+              <a:gd name="connsiteY0" fmla="*/ 25879 h 2406770"/>
+              <a:gd name="connsiteX1" fmla="*/ 0 w 5477774"/>
+              <a:gd name="connsiteY1" fmla="*/ 2398144 h 2406770"/>
+              <a:gd name="connsiteX2" fmla="*/ 5477774 w 5477774"/>
+              <a:gd name="connsiteY2" fmla="*/ 2406770 h 2406770"/>
+              <a:gd name="connsiteX3" fmla="*/ 3994030 w 5477774"/>
+              <a:gd name="connsiteY3" fmla="*/ 0 h 2406770"/>
+              <a:gd name="connsiteX4" fmla="*/ 2769079 w 5477774"/>
+              <a:gd name="connsiteY4" fmla="*/ 310551 h 2406770"/>
+              <a:gd name="connsiteX5" fmla="*/ 1475115 w 5477774"/>
+              <a:gd name="connsiteY5" fmla="*/ 25879 h 2406770"/>
+              <a:gd name="connsiteX0" fmla="*/ 1475115 w 5477774"/>
+              <a:gd name="connsiteY0" fmla="*/ 25879 h 2406770"/>
+              <a:gd name="connsiteX1" fmla="*/ 0 w 5477774"/>
+              <a:gd name="connsiteY1" fmla="*/ 2398144 h 2406770"/>
+              <a:gd name="connsiteX2" fmla="*/ 5477774 w 5477774"/>
+              <a:gd name="connsiteY2" fmla="*/ 2406770 h 2406770"/>
+              <a:gd name="connsiteX3" fmla="*/ 3994030 w 5477774"/>
+              <a:gd name="connsiteY3" fmla="*/ 0 h 2406770"/>
+              <a:gd name="connsiteX4" fmla="*/ 2769079 w 5477774"/>
+              <a:gd name="connsiteY4" fmla="*/ 310551 h 2406770"/>
+              <a:gd name="connsiteX5" fmla="*/ 1475115 w 5477774"/>
+              <a:gd name="connsiteY5" fmla="*/ 25879 h 2406770"/>
+              <a:gd name="connsiteX0" fmla="*/ 1431983 w 5477774"/>
+              <a:gd name="connsiteY0" fmla="*/ 0 h 2406770"/>
+              <a:gd name="connsiteX1" fmla="*/ 0 w 5477774"/>
+              <a:gd name="connsiteY1" fmla="*/ 2398144 h 2406770"/>
+              <a:gd name="connsiteX2" fmla="*/ 5477774 w 5477774"/>
+              <a:gd name="connsiteY2" fmla="*/ 2406770 h 2406770"/>
+              <a:gd name="connsiteX3" fmla="*/ 3994030 w 5477774"/>
+              <a:gd name="connsiteY3" fmla="*/ 0 h 2406770"/>
+              <a:gd name="connsiteX4" fmla="*/ 2769079 w 5477774"/>
+              <a:gd name="connsiteY4" fmla="*/ 310551 h 2406770"/>
+              <a:gd name="connsiteX5" fmla="*/ 1431983 w 5477774"/>
+              <a:gd name="connsiteY5" fmla="*/ 0 h 2406770"/>
+              <a:gd name="connsiteX0" fmla="*/ 1483741 w 5477774"/>
+              <a:gd name="connsiteY0" fmla="*/ 0 h 2406770"/>
+              <a:gd name="connsiteX1" fmla="*/ 0 w 5477774"/>
+              <a:gd name="connsiteY1" fmla="*/ 2398144 h 2406770"/>
+              <a:gd name="connsiteX2" fmla="*/ 5477774 w 5477774"/>
+              <a:gd name="connsiteY2" fmla="*/ 2406770 h 2406770"/>
+              <a:gd name="connsiteX3" fmla="*/ 3994030 w 5477774"/>
+              <a:gd name="connsiteY3" fmla="*/ 0 h 2406770"/>
+              <a:gd name="connsiteX4" fmla="*/ 2769079 w 5477774"/>
+              <a:gd name="connsiteY4" fmla="*/ 310551 h 2406770"/>
+              <a:gd name="connsiteX5" fmla="*/ 1483741 w 5477774"/>
+              <a:gd name="connsiteY5" fmla="*/ 0 h 2406770"/>
+              <a:gd name="connsiteX0" fmla="*/ 1457862 w 5451895"/>
+              <a:gd name="connsiteY0" fmla="*/ 0 h 2415397"/>
+              <a:gd name="connsiteX1" fmla="*/ 0 w 5451895"/>
+              <a:gd name="connsiteY1" fmla="*/ 2415397 h 2415397"/>
+              <a:gd name="connsiteX2" fmla="*/ 5451895 w 5451895"/>
+              <a:gd name="connsiteY2" fmla="*/ 2406770 h 2415397"/>
+              <a:gd name="connsiteX3" fmla="*/ 3968151 w 5451895"/>
+              <a:gd name="connsiteY3" fmla="*/ 0 h 2415397"/>
+              <a:gd name="connsiteX4" fmla="*/ 2743200 w 5451895"/>
+              <a:gd name="connsiteY4" fmla="*/ 310551 h 2415397"/>
+              <a:gd name="connsiteX5" fmla="*/ 1457862 w 5451895"/>
+              <a:gd name="connsiteY5" fmla="*/ 0 h 2415397"/>
+              <a:gd name="connsiteX0" fmla="*/ 1475115 w 5469148"/>
+              <a:gd name="connsiteY0" fmla="*/ 0 h 2406770"/>
+              <a:gd name="connsiteX1" fmla="*/ 0 w 5469148"/>
+              <a:gd name="connsiteY1" fmla="*/ 2389518 h 2406770"/>
+              <a:gd name="connsiteX2" fmla="*/ 5469148 w 5469148"/>
+              <a:gd name="connsiteY2" fmla="*/ 2406770 h 2406770"/>
+              <a:gd name="connsiteX3" fmla="*/ 3985404 w 5469148"/>
+              <a:gd name="connsiteY3" fmla="*/ 0 h 2406770"/>
+              <a:gd name="connsiteX4" fmla="*/ 2760453 w 5469148"/>
+              <a:gd name="connsiteY4" fmla="*/ 310551 h 2406770"/>
+              <a:gd name="connsiteX5" fmla="*/ 1475115 w 5469148"/>
+              <a:gd name="connsiteY5" fmla="*/ 0 h 2406770"/>
+              <a:gd name="connsiteX0" fmla="*/ 1475115 w 5469148"/>
+              <a:gd name="connsiteY0" fmla="*/ 0 h 2415396"/>
+              <a:gd name="connsiteX1" fmla="*/ 0 w 5469148"/>
+              <a:gd name="connsiteY1" fmla="*/ 2398144 h 2415396"/>
+              <a:gd name="connsiteX2" fmla="*/ 5469148 w 5469148"/>
+              <a:gd name="connsiteY2" fmla="*/ 2415396 h 2415396"/>
+              <a:gd name="connsiteX3" fmla="*/ 3985404 w 5469148"/>
+              <a:gd name="connsiteY3" fmla="*/ 8626 h 2415396"/>
+              <a:gd name="connsiteX4" fmla="*/ 2760453 w 5469148"/>
+              <a:gd name="connsiteY4" fmla="*/ 319177 h 2415396"/>
+              <a:gd name="connsiteX5" fmla="*/ 1475115 w 5469148"/>
+              <a:gd name="connsiteY5" fmla="*/ 0 h 2415396"/>
+              <a:gd name="connsiteX0" fmla="*/ 1475115 w 5469148"/>
+              <a:gd name="connsiteY0" fmla="*/ 17253 h 2406770"/>
+              <a:gd name="connsiteX1" fmla="*/ 0 w 5469148"/>
+              <a:gd name="connsiteY1" fmla="*/ 2389518 h 2406770"/>
+              <a:gd name="connsiteX2" fmla="*/ 5469148 w 5469148"/>
+              <a:gd name="connsiteY2" fmla="*/ 2406770 h 2406770"/>
+              <a:gd name="connsiteX3" fmla="*/ 3985404 w 5469148"/>
+              <a:gd name="connsiteY3" fmla="*/ 0 h 2406770"/>
+              <a:gd name="connsiteX4" fmla="*/ 2760453 w 5469148"/>
+              <a:gd name="connsiteY4" fmla="*/ 310551 h 2406770"/>
+              <a:gd name="connsiteX5" fmla="*/ 1475115 w 5469148"/>
+              <a:gd name="connsiteY5" fmla="*/ 17253 h 2406770"/>
+              <a:gd name="connsiteX0" fmla="*/ 1475115 w 5469148"/>
+              <a:gd name="connsiteY0" fmla="*/ 17253 h 2406770"/>
+              <a:gd name="connsiteX1" fmla="*/ 0 w 5469148"/>
+              <a:gd name="connsiteY1" fmla="*/ 2389518 h 2406770"/>
+              <a:gd name="connsiteX2" fmla="*/ 5469148 w 5469148"/>
+              <a:gd name="connsiteY2" fmla="*/ 2406770 h 2406770"/>
+              <a:gd name="connsiteX3" fmla="*/ 3985404 w 5469148"/>
+              <a:gd name="connsiteY3" fmla="*/ 0 h 2406770"/>
+              <a:gd name="connsiteX4" fmla="*/ 2760453 w 5469148"/>
+              <a:gd name="connsiteY4" fmla="*/ 310551 h 2406770"/>
+              <a:gd name="connsiteX5" fmla="*/ 1475115 w 5469148"/>
+              <a:gd name="connsiteY5" fmla="*/ 17253 h 2406770"/>
+              <a:gd name="connsiteX0" fmla="*/ 1475115 w 5469148"/>
+              <a:gd name="connsiteY0" fmla="*/ 17253 h 2406770"/>
+              <a:gd name="connsiteX1" fmla="*/ 0 w 5469148"/>
+              <a:gd name="connsiteY1" fmla="*/ 2398145 h 2406770"/>
+              <a:gd name="connsiteX2" fmla="*/ 5469148 w 5469148"/>
+              <a:gd name="connsiteY2" fmla="*/ 2406770 h 2406770"/>
+              <a:gd name="connsiteX3" fmla="*/ 3985404 w 5469148"/>
+              <a:gd name="connsiteY3" fmla="*/ 0 h 2406770"/>
+              <a:gd name="connsiteX4" fmla="*/ 2760453 w 5469148"/>
+              <a:gd name="connsiteY4" fmla="*/ 310551 h 2406770"/>
+              <a:gd name="connsiteX5" fmla="*/ 1475115 w 5469148"/>
+              <a:gd name="connsiteY5" fmla="*/ 17253 h 2406770"/>
+              <a:gd name="connsiteX0" fmla="*/ 1768413 w 5762446"/>
+              <a:gd name="connsiteY0" fmla="*/ 17253 h 2406770"/>
+              <a:gd name="connsiteX1" fmla="*/ 0 w 5762446"/>
+              <a:gd name="connsiteY1" fmla="*/ 1164568 h 2406770"/>
+              <a:gd name="connsiteX2" fmla="*/ 5762446 w 5762446"/>
+              <a:gd name="connsiteY2" fmla="*/ 2406770 h 2406770"/>
+              <a:gd name="connsiteX3" fmla="*/ 4278702 w 5762446"/>
+              <a:gd name="connsiteY3" fmla="*/ 0 h 2406770"/>
+              <a:gd name="connsiteX4" fmla="*/ 3053751 w 5762446"/>
+              <a:gd name="connsiteY4" fmla="*/ 310551 h 2406770"/>
+              <a:gd name="connsiteX5" fmla="*/ 1768413 w 5762446"/>
+              <a:gd name="connsiteY5" fmla="*/ 17253 h 2406770"/>
+              <a:gd name="connsiteX0" fmla="*/ 1768413 w 4278702"/>
+              <a:gd name="connsiteY0" fmla="*/ 17253 h 2441276"/>
+              <a:gd name="connsiteX1" fmla="*/ 0 w 4278702"/>
+              <a:gd name="connsiteY1" fmla="*/ 1164568 h 2441276"/>
+              <a:gd name="connsiteX2" fmla="*/ 2424024 w 4278702"/>
+              <a:gd name="connsiteY2" fmla="*/ 2441276 h 2441276"/>
+              <a:gd name="connsiteX3" fmla="*/ 4278702 w 4278702"/>
+              <a:gd name="connsiteY3" fmla="*/ 0 h 2441276"/>
+              <a:gd name="connsiteX4" fmla="*/ 3053751 w 4278702"/>
+              <a:gd name="connsiteY4" fmla="*/ 310551 h 2441276"/>
+              <a:gd name="connsiteX5" fmla="*/ 1768413 w 4278702"/>
+              <a:gd name="connsiteY5" fmla="*/ 17253 h 2441276"/>
+              <a:gd name="connsiteX0" fmla="*/ 1768413 w 4278702"/>
+              <a:gd name="connsiteY0" fmla="*/ 17253 h 2441276"/>
+              <a:gd name="connsiteX1" fmla="*/ 0 w 4278702"/>
+              <a:gd name="connsiteY1" fmla="*/ 1164568 h 2441276"/>
+              <a:gd name="connsiteX2" fmla="*/ 2424024 w 4278702"/>
+              <a:gd name="connsiteY2" fmla="*/ 2441276 h 2441276"/>
+              <a:gd name="connsiteX3" fmla="*/ 4278702 w 4278702"/>
+              <a:gd name="connsiteY3" fmla="*/ 0 h 2441276"/>
+              <a:gd name="connsiteX4" fmla="*/ 2113472 w 4278702"/>
+              <a:gd name="connsiteY4" fmla="*/ 138023 h 2441276"/>
+              <a:gd name="connsiteX5" fmla="*/ 1768413 w 4278702"/>
+              <a:gd name="connsiteY5" fmla="*/ 17253 h 2441276"/>
+              <a:gd name="connsiteX0" fmla="*/ 1768413 w 2424024"/>
+              <a:gd name="connsiteY0" fmla="*/ 0 h 2424023"/>
+              <a:gd name="connsiteX1" fmla="*/ 0 w 2424024"/>
+              <a:gd name="connsiteY1" fmla="*/ 1147315 h 2424023"/>
+              <a:gd name="connsiteX2" fmla="*/ 2424024 w 2424024"/>
+              <a:gd name="connsiteY2" fmla="*/ 2424023 h 2424023"/>
+              <a:gd name="connsiteX3" fmla="*/ 2424023 w 2424024"/>
+              <a:gd name="connsiteY3" fmla="*/ 241540 h 2424023"/>
+              <a:gd name="connsiteX4" fmla="*/ 2113472 w 2424024"/>
+              <a:gd name="connsiteY4" fmla="*/ 120770 h 2424023"/>
+              <a:gd name="connsiteX5" fmla="*/ 1768413 w 2424024"/>
+              <a:gd name="connsiteY5" fmla="*/ 0 h 2424023"/>
+              <a:gd name="connsiteX0" fmla="*/ 1768413 w 2424024"/>
+              <a:gd name="connsiteY0" fmla="*/ 0 h 2424023"/>
+              <a:gd name="connsiteX1" fmla="*/ 0 w 2424024"/>
+              <a:gd name="connsiteY1" fmla="*/ 1147315 h 2424023"/>
+              <a:gd name="connsiteX2" fmla="*/ 2424024 w 2424024"/>
+              <a:gd name="connsiteY2" fmla="*/ 2424023 h 2424023"/>
+              <a:gd name="connsiteX3" fmla="*/ 2424023 w 2424024"/>
+              <a:gd name="connsiteY3" fmla="*/ 241540 h 2424023"/>
+              <a:gd name="connsiteX4" fmla="*/ 2044461 w 2424024"/>
+              <a:gd name="connsiteY4" fmla="*/ 163902 h 2424023"/>
+              <a:gd name="connsiteX5" fmla="*/ 1768413 w 2424024"/>
+              <a:gd name="connsiteY5" fmla="*/ 0 h 2424023"/>
+              <a:gd name="connsiteX0" fmla="*/ 1768413 w 2424024"/>
+              <a:gd name="connsiteY0" fmla="*/ 0 h 2424023"/>
+              <a:gd name="connsiteX1" fmla="*/ 0 w 2424024"/>
+              <a:gd name="connsiteY1" fmla="*/ 1147315 h 2424023"/>
+              <a:gd name="connsiteX2" fmla="*/ 2424024 w 2424024"/>
+              <a:gd name="connsiteY2" fmla="*/ 2424023 h 2424023"/>
+              <a:gd name="connsiteX3" fmla="*/ 2424023 w 2424024"/>
+              <a:gd name="connsiteY3" fmla="*/ 241540 h 2424023"/>
+              <a:gd name="connsiteX4" fmla="*/ 2044461 w 2424024"/>
+              <a:gd name="connsiteY4" fmla="*/ 163902 h 2424023"/>
+              <a:gd name="connsiteX5" fmla="*/ 1768413 w 2424024"/>
+              <a:gd name="connsiteY5" fmla="*/ 0 h 2424023"/>
+              <a:gd name="connsiteX0" fmla="*/ 1768413 w 2424024"/>
+              <a:gd name="connsiteY0" fmla="*/ 0 h 2424023"/>
+              <a:gd name="connsiteX1" fmla="*/ 0 w 2424024"/>
+              <a:gd name="connsiteY1" fmla="*/ 1147315 h 2424023"/>
+              <a:gd name="connsiteX2" fmla="*/ 2424024 w 2424024"/>
+              <a:gd name="connsiteY2" fmla="*/ 2424023 h 2424023"/>
+              <a:gd name="connsiteX3" fmla="*/ 2424023 w 2424024"/>
+              <a:gd name="connsiteY3" fmla="*/ 241540 h 2424023"/>
+              <a:gd name="connsiteX4" fmla="*/ 2044461 w 2424024"/>
+              <a:gd name="connsiteY4" fmla="*/ 163902 h 2424023"/>
+              <a:gd name="connsiteX5" fmla="*/ 1768413 w 2424024"/>
+              <a:gd name="connsiteY5" fmla="*/ 0 h 2424023"/>
+              <a:gd name="connsiteX0" fmla="*/ 1768413 w 2424024"/>
+              <a:gd name="connsiteY0" fmla="*/ 0 h 2424023"/>
+              <a:gd name="connsiteX1" fmla="*/ 0 w 2424024"/>
+              <a:gd name="connsiteY1" fmla="*/ 1147315 h 2424023"/>
+              <a:gd name="connsiteX2" fmla="*/ 2424024 w 2424024"/>
+              <a:gd name="connsiteY2" fmla="*/ 2424023 h 2424023"/>
+              <a:gd name="connsiteX3" fmla="*/ 2424023 w 2424024"/>
+              <a:gd name="connsiteY3" fmla="*/ 241540 h 2424023"/>
+              <a:gd name="connsiteX4" fmla="*/ 2044461 w 2424024"/>
+              <a:gd name="connsiteY4" fmla="*/ 172528 h 2424023"/>
+              <a:gd name="connsiteX5" fmla="*/ 1768413 w 2424024"/>
+              <a:gd name="connsiteY5" fmla="*/ 0 h 2424023"/>
+              <a:gd name="connsiteX0" fmla="*/ 1768413 w 2424024"/>
+              <a:gd name="connsiteY0" fmla="*/ 0 h 2424023"/>
+              <a:gd name="connsiteX1" fmla="*/ 0 w 2424024"/>
+              <a:gd name="connsiteY1" fmla="*/ 1147315 h 2424023"/>
+              <a:gd name="connsiteX2" fmla="*/ 2424024 w 2424024"/>
+              <a:gd name="connsiteY2" fmla="*/ 2424023 h 2424023"/>
+              <a:gd name="connsiteX3" fmla="*/ 2424023 w 2424024"/>
+              <a:gd name="connsiteY3" fmla="*/ 241540 h 2424023"/>
+              <a:gd name="connsiteX4" fmla="*/ 2044461 w 2424024"/>
+              <a:gd name="connsiteY4" fmla="*/ 172528 h 2424023"/>
+              <a:gd name="connsiteX5" fmla="*/ 1768413 w 2424024"/>
+              <a:gd name="connsiteY5" fmla="*/ 0 h 2424023"/>
+              <a:gd name="connsiteX0" fmla="*/ 1768413 w 2424024"/>
+              <a:gd name="connsiteY0" fmla="*/ 0 h 2424023"/>
+              <a:gd name="connsiteX1" fmla="*/ 0 w 2424024"/>
+              <a:gd name="connsiteY1" fmla="*/ 1147315 h 2424023"/>
+              <a:gd name="connsiteX2" fmla="*/ 2424024 w 2424024"/>
+              <a:gd name="connsiteY2" fmla="*/ 2424023 h 2424023"/>
+              <a:gd name="connsiteX3" fmla="*/ 2424023 w 2424024"/>
+              <a:gd name="connsiteY3" fmla="*/ 241540 h 2424023"/>
+              <a:gd name="connsiteX4" fmla="*/ 2044461 w 2424024"/>
+              <a:gd name="connsiteY4" fmla="*/ 146648 h 2424023"/>
+              <a:gd name="connsiteX5" fmla="*/ 1768413 w 2424024"/>
+              <a:gd name="connsiteY5" fmla="*/ 0 h 2424023"/>
+              <a:gd name="connsiteX0" fmla="*/ 1759786 w 2424024"/>
+              <a:gd name="connsiteY0" fmla="*/ 0 h 2449903"/>
+              <a:gd name="connsiteX1" fmla="*/ 0 w 2424024"/>
+              <a:gd name="connsiteY1" fmla="*/ 1173195 h 2449903"/>
+              <a:gd name="connsiteX2" fmla="*/ 2424024 w 2424024"/>
+              <a:gd name="connsiteY2" fmla="*/ 2449903 h 2449903"/>
+              <a:gd name="connsiteX3" fmla="*/ 2424023 w 2424024"/>
+              <a:gd name="connsiteY3" fmla="*/ 267420 h 2449903"/>
+              <a:gd name="connsiteX4" fmla="*/ 2044461 w 2424024"/>
+              <a:gd name="connsiteY4" fmla="*/ 172528 h 2449903"/>
+              <a:gd name="connsiteX5" fmla="*/ 1759786 w 2424024"/>
+              <a:gd name="connsiteY5" fmla="*/ 0 h 2449903"/>
+              <a:gd name="connsiteX0" fmla="*/ 1759786 w 2424024"/>
+              <a:gd name="connsiteY0" fmla="*/ 0 h 2449903"/>
+              <a:gd name="connsiteX1" fmla="*/ 0 w 2424024"/>
+              <a:gd name="connsiteY1" fmla="*/ 1173195 h 2449903"/>
+              <a:gd name="connsiteX2" fmla="*/ 1208418 w 2424024"/>
+              <a:gd name="connsiteY2" fmla="*/ 1802872 h 2449903"/>
+              <a:gd name="connsiteX3" fmla="*/ 2424024 w 2424024"/>
+              <a:gd name="connsiteY3" fmla="*/ 2449903 h 2449903"/>
+              <a:gd name="connsiteX4" fmla="*/ 2424023 w 2424024"/>
+              <a:gd name="connsiteY4" fmla="*/ 267420 h 2449903"/>
+              <a:gd name="connsiteX5" fmla="*/ 2044461 w 2424024"/>
+              <a:gd name="connsiteY5" fmla="*/ 172528 h 2449903"/>
+              <a:gd name="connsiteX6" fmla="*/ 1759786 w 2424024"/>
+              <a:gd name="connsiteY6" fmla="*/ 0 h 2449903"/>
+              <a:gd name="connsiteX0" fmla="*/ 1759786 w 2424024"/>
+              <a:gd name="connsiteY0" fmla="*/ 0 h 2449903"/>
+              <a:gd name="connsiteX1" fmla="*/ 0 w 2424024"/>
+              <a:gd name="connsiteY1" fmla="*/ 1173195 h 2449903"/>
+              <a:gd name="connsiteX2" fmla="*/ 1104901 w 2424024"/>
+              <a:gd name="connsiteY2" fmla="*/ 2104796 h 2449903"/>
+              <a:gd name="connsiteX3" fmla="*/ 2424024 w 2424024"/>
+              <a:gd name="connsiteY3" fmla="*/ 2449903 h 2449903"/>
+              <a:gd name="connsiteX4" fmla="*/ 2424023 w 2424024"/>
+              <a:gd name="connsiteY4" fmla="*/ 267420 h 2449903"/>
+              <a:gd name="connsiteX5" fmla="*/ 2044461 w 2424024"/>
+              <a:gd name="connsiteY5" fmla="*/ 172528 h 2449903"/>
+              <a:gd name="connsiteX6" fmla="*/ 1759786 w 2424024"/>
+              <a:gd name="connsiteY6" fmla="*/ 0 h 2449903"/>
+              <a:gd name="connsiteX0" fmla="*/ 1759786 w 2424024"/>
+              <a:gd name="connsiteY0" fmla="*/ 0 h 2449903"/>
+              <a:gd name="connsiteX1" fmla="*/ 0 w 2424024"/>
+              <a:gd name="connsiteY1" fmla="*/ 1173195 h 2449903"/>
+              <a:gd name="connsiteX2" fmla="*/ 1104901 w 2424024"/>
+              <a:gd name="connsiteY2" fmla="*/ 2104796 h 2449903"/>
+              <a:gd name="connsiteX3" fmla="*/ 2424024 w 2424024"/>
+              <a:gd name="connsiteY3" fmla="*/ 2449903 h 2449903"/>
+              <a:gd name="connsiteX4" fmla="*/ 2424023 w 2424024"/>
+              <a:gd name="connsiteY4" fmla="*/ 267420 h 2449903"/>
+              <a:gd name="connsiteX5" fmla="*/ 2044461 w 2424024"/>
+              <a:gd name="connsiteY5" fmla="*/ 172528 h 2449903"/>
+              <a:gd name="connsiteX6" fmla="*/ 1759786 w 2424024"/>
+              <a:gd name="connsiteY6" fmla="*/ 0 h 2449903"/>
+              <a:gd name="connsiteX0" fmla="*/ 1759786 w 2424024"/>
+              <a:gd name="connsiteY0" fmla="*/ 0 h 2449903"/>
+              <a:gd name="connsiteX1" fmla="*/ 0 w 2424024"/>
+              <a:gd name="connsiteY1" fmla="*/ 1173195 h 2449903"/>
+              <a:gd name="connsiteX2" fmla="*/ 1104901 w 2424024"/>
+              <a:gd name="connsiteY2" fmla="*/ 2104796 h 2449903"/>
+              <a:gd name="connsiteX3" fmla="*/ 2424024 w 2424024"/>
+              <a:gd name="connsiteY3" fmla="*/ 2449903 h 2449903"/>
+              <a:gd name="connsiteX4" fmla="*/ 2424023 w 2424024"/>
+              <a:gd name="connsiteY4" fmla="*/ 267420 h 2449903"/>
+              <a:gd name="connsiteX5" fmla="*/ 2044461 w 2424024"/>
+              <a:gd name="connsiteY5" fmla="*/ 172528 h 2449903"/>
+              <a:gd name="connsiteX6" fmla="*/ 1759786 w 2424024"/>
+              <a:gd name="connsiteY6" fmla="*/ 0 h 2449903"/>
+              <a:gd name="connsiteX0" fmla="*/ 1769803 w 2434041"/>
+              <a:gd name="connsiteY0" fmla="*/ 0 h 2555138"/>
+              <a:gd name="connsiteX1" fmla="*/ 10017 w 2434041"/>
+              <a:gd name="connsiteY1" fmla="*/ 1173195 h 2555138"/>
+              <a:gd name="connsiteX2" fmla="*/ 1114918 w 2434041"/>
+              <a:gd name="connsiteY2" fmla="*/ 2104796 h 2555138"/>
+              <a:gd name="connsiteX3" fmla="*/ 2434041 w 2434041"/>
+              <a:gd name="connsiteY3" fmla="*/ 2449903 h 2555138"/>
+              <a:gd name="connsiteX4" fmla="*/ 2434040 w 2434041"/>
+              <a:gd name="connsiteY4" fmla="*/ 267420 h 2555138"/>
+              <a:gd name="connsiteX5" fmla="*/ 2054478 w 2434041"/>
+              <a:gd name="connsiteY5" fmla="*/ 172528 h 2555138"/>
+              <a:gd name="connsiteX6" fmla="*/ 1769803 w 2434041"/>
+              <a:gd name="connsiteY6" fmla="*/ 0 h 2555138"/>
+              <a:gd name="connsiteX0" fmla="*/ 1759786 w 2424024"/>
+              <a:gd name="connsiteY0" fmla="*/ 0 h 2555138"/>
+              <a:gd name="connsiteX1" fmla="*/ 0 w 2424024"/>
+              <a:gd name="connsiteY1" fmla="*/ 1173195 h 2555138"/>
+              <a:gd name="connsiteX2" fmla="*/ 1104901 w 2424024"/>
+              <a:gd name="connsiteY2" fmla="*/ 2104796 h 2555138"/>
+              <a:gd name="connsiteX3" fmla="*/ 2424024 w 2424024"/>
+              <a:gd name="connsiteY3" fmla="*/ 2449903 h 2555138"/>
+              <a:gd name="connsiteX4" fmla="*/ 2424023 w 2424024"/>
+              <a:gd name="connsiteY4" fmla="*/ 267420 h 2555138"/>
+              <a:gd name="connsiteX5" fmla="*/ 2044461 w 2424024"/>
+              <a:gd name="connsiteY5" fmla="*/ 172528 h 2555138"/>
+              <a:gd name="connsiteX6" fmla="*/ 1759786 w 2424024"/>
+              <a:gd name="connsiteY6" fmla="*/ 0 h 2555138"/>
+              <a:gd name="connsiteX0" fmla="*/ 1759786 w 2424024"/>
+              <a:gd name="connsiteY0" fmla="*/ 0 h 2451917"/>
+              <a:gd name="connsiteX1" fmla="*/ 0 w 2424024"/>
+              <a:gd name="connsiteY1" fmla="*/ 1173195 h 2451917"/>
+              <a:gd name="connsiteX2" fmla="*/ 1104901 w 2424024"/>
+              <a:gd name="connsiteY2" fmla="*/ 2104796 h 2451917"/>
+              <a:gd name="connsiteX3" fmla="*/ 2424024 w 2424024"/>
+              <a:gd name="connsiteY3" fmla="*/ 2449903 h 2451917"/>
+              <a:gd name="connsiteX4" fmla="*/ 2424023 w 2424024"/>
+              <a:gd name="connsiteY4" fmla="*/ 267420 h 2451917"/>
+              <a:gd name="connsiteX5" fmla="*/ 2044461 w 2424024"/>
+              <a:gd name="connsiteY5" fmla="*/ 172528 h 2451917"/>
+              <a:gd name="connsiteX6" fmla="*/ 1759786 w 2424024"/>
+              <a:gd name="connsiteY6" fmla="*/ 0 h 2451917"/>
             </a:gdLst>
             <a:ahLst/>
             <a:cxnLst>
@@ -10198,45 +7846,45 @@
             </a:cxnLst>
             <a:rect l="l" t="t" r="r" b="b"/>
             <a:pathLst>
-              <a:path w="929539" h="2018582">
+              <a:path w="2424024" h="2451917">
                 <a:moveTo>
-                  <a:pt x="0" y="1069677"/>
+                  <a:pt x="1759786" y="0"/>
                 </a:moveTo>
+                <a:lnTo>
+                  <a:pt x="0" y="1173195"/>
+                </a:lnTo>
                 <a:cubicBezTo>
-                  <a:pt x="197745" y="1449239"/>
-                  <a:pt x="314120" y="1656273"/>
-                  <a:pt x="498304" y="2018582"/>
+                  <a:pt x="279041" y="1532621"/>
+                  <a:pt x="700897" y="1892011"/>
+                  <a:pt x="1104901" y="2104796"/>
                 </a:cubicBezTo>
                 <a:cubicBezTo>
-                  <a:pt x="773387" y="1449239"/>
-                  <a:pt x="807393" y="1352911"/>
-                  <a:pt x="876112" y="1017919"/>
+                  <a:pt x="1508905" y="2317581"/>
+                  <a:pt x="2109280" y="2471461"/>
+                  <a:pt x="2424024" y="2449903"/>
                 </a:cubicBezTo>
                 <a:cubicBezTo>
-                  <a:pt x="944831" y="682927"/>
-                  <a:pt x="936498" y="232916"/>
-                  <a:pt x="910619" y="8628"/>
-                </a:cubicBezTo>
-                <a:lnTo>
-                  <a:pt x="107163" y="0"/>
-                </a:lnTo>
-                <a:cubicBezTo>
-                  <a:pt x="112699" y="385313"/>
-                  <a:pt x="158929" y="425573"/>
-                  <a:pt x="127507" y="646984"/>
+                  <a:pt x="2424024" y="1722409"/>
+                  <a:pt x="2424023" y="994914"/>
+                  <a:pt x="2424023" y="267420"/>
                 </a:cubicBezTo>
                 <a:cubicBezTo>
-                  <a:pt x="96085" y="868395"/>
-                  <a:pt x="184846" y="586598"/>
-                  <a:pt x="0" y="1069677"/>
+                  <a:pt x="2212677" y="254480"/>
+                  <a:pt x="2155167" y="217098"/>
+                  <a:pt x="2044461" y="172528"/>
+                </a:cubicBezTo>
+                <a:cubicBezTo>
+                  <a:pt x="1933755" y="127958"/>
+                  <a:pt x="2057397" y="185468"/>
+                  <a:pt x="1759786" y="0"/>
                 </a:cubicBezTo>
                 <a:close/>
               </a:path>
             </a:pathLst>
           </a:custGeom>
           <a:solidFill>
-            <a:srgbClr val="FF0000">
-              <a:alpha val="49804"/>
+            <a:srgbClr val="FFC000">
+              <a:alpha val="50196"/>
             </a:srgbClr>
           </a:solidFill>
           <a:ln w="28575">
@@ -10266,7 +7914,680 @@
           <a:lstStyle/>
           <a:p>
             <a:pPr algn="ctr"/>
-            <a:endParaRPr lang="en-US"/>
+            <a:endParaRPr lang="en-US" dirty="0"/>
+          </a:p>
+        </p:txBody>
+      </p:sp>
+      <p:sp>
+        <p:nvSpPr>
+          <p:cNvPr id="23" name="Freeform: Shape 22">
+            <a:extLst>
+              <a:ext uri="{FF2B5EF4-FFF2-40B4-BE49-F238E27FC236}">
+                <a16:creationId xmlns:a16="http://schemas.microsoft.com/office/drawing/2014/main" id="{B80EC1CB-7386-4F29-BD37-3C1160BFB5DC}"/>
+              </a:ext>
+            </a:extLst>
+          </p:cNvPr>
+          <p:cNvSpPr/>
+          <p:nvPr/>
+        </p:nvSpPr>
+        <p:spPr>
+          <a:xfrm flipH="1">
+            <a:off x="6079812" y="2001425"/>
+            <a:ext cx="2424024" cy="2451917"/>
+          </a:xfrm>
+          <a:custGeom>
+            <a:avLst/>
+            <a:gdLst>
+              <a:gd name="connsiteX0" fmla="*/ 1302588 w 5227607"/>
+              <a:gd name="connsiteY0" fmla="*/ 0 h 2570672"/>
+              <a:gd name="connsiteX1" fmla="*/ 0 w 5227607"/>
+              <a:gd name="connsiteY1" fmla="*/ 2570672 h 2570672"/>
+              <a:gd name="connsiteX2" fmla="*/ 5227607 w 5227607"/>
+              <a:gd name="connsiteY2" fmla="*/ 2570672 h 2570672"/>
+              <a:gd name="connsiteX3" fmla="*/ 4442604 w 5227607"/>
+              <a:gd name="connsiteY3" fmla="*/ 17253 h 2570672"/>
+              <a:gd name="connsiteX4" fmla="*/ 2872596 w 5227607"/>
+              <a:gd name="connsiteY4" fmla="*/ 474453 h 2570672"/>
+              <a:gd name="connsiteX5" fmla="*/ 1302588 w 5227607"/>
+              <a:gd name="connsiteY5" fmla="*/ 0 h 2570672"/>
+              <a:gd name="connsiteX0" fmla="*/ 1302588 w 5227607"/>
+              <a:gd name="connsiteY0" fmla="*/ 86553 h 2657225"/>
+              <a:gd name="connsiteX1" fmla="*/ 0 w 5227607"/>
+              <a:gd name="connsiteY1" fmla="*/ 2657225 h 2657225"/>
+              <a:gd name="connsiteX2" fmla="*/ 5227607 w 5227607"/>
+              <a:gd name="connsiteY2" fmla="*/ 2657225 h 2657225"/>
+              <a:gd name="connsiteX3" fmla="*/ 4442604 w 5227607"/>
+              <a:gd name="connsiteY3" fmla="*/ 103806 h 2657225"/>
+              <a:gd name="connsiteX4" fmla="*/ 2872596 w 5227607"/>
+              <a:gd name="connsiteY4" fmla="*/ 561006 h 2657225"/>
+              <a:gd name="connsiteX5" fmla="*/ 1302588 w 5227607"/>
+              <a:gd name="connsiteY5" fmla="*/ 86553 h 2657225"/>
+              <a:gd name="connsiteX0" fmla="*/ 1302588 w 5227607"/>
+              <a:gd name="connsiteY0" fmla="*/ 86553 h 2657225"/>
+              <a:gd name="connsiteX1" fmla="*/ 0 w 5227607"/>
+              <a:gd name="connsiteY1" fmla="*/ 2657225 h 2657225"/>
+              <a:gd name="connsiteX2" fmla="*/ 5227607 w 5227607"/>
+              <a:gd name="connsiteY2" fmla="*/ 2657225 h 2657225"/>
+              <a:gd name="connsiteX3" fmla="*/ 4442604 w 5227607"/>
+              <a:gd name="connsiteY3" fmla="*/ 103806 h 2657225"/>
+              <a:gd name="connsiteX4" fmla="*/ 2872596 w 5227607"/>
+              <a:gd name="connsiteY4" fmla="*/ 561006 h 2657225"/>
+              <a:gd name="connsiteX5" fmla="*/ 1302588 w 5227607"/>
+              <a:gd name="connsiteY5" fmla="*/ 86553 h 2657225"/>
+              <a:gd name="connsiteX0" fmla="*/ 1302588 w 5227607"/>
+              <a:gd name="connsiteY0" fmla="*/ 0 h 2570672"/>
+              <a:gd name="connsiteX1" fmla="*/ 0 w 5227607"/>
+              <a:gd name="connsiteY1" fmla="*/ 2570672 h 2570672"/>
+              <a:gd name="connsiteX2" fmla="*/ 5227607 w 5227607"/>
+              <a:gd name="connsiteY2" fmla="*/ 2570672 h 2570672"/>
+              <a:gd name="connsiteX3" fmla="*/ 4442604 w 5227607"/>
+              <a:gd name="connsiteY3" fmla="*/ 17253 h 2570672"/>
+              <a:gd name="connsiteX4" fmla="*/ 2872596 w 5227607"/>
+              <a:gd name="connsiteY4" fmla="*/ 474453 h 2570672"/>
+              <a:gd name="connsiteX5" fmla="*/ 1302588 w 5227607"/>
+              <a:gd name="connsiteY5" fmla="*/ 0 h 2570672"/>
+              <a:gd name="connsiteX0" fmla="*/ 1302588 w 5339751"/>
+              <a:gd name="connsiteY0" fmla="*/ 0 h 2570672"/>
+              <a:gd name="connsiteX1" fmla="*/ 0 w 5339751"/>
+              <a:gd name="connsiteY1" fmla="*/ 2570672 h 2570672"/>
+              <a:gd name="connsiteX2" fmla="*/ 5339751 w 5339751"/>
+              <a:gd name="connsiteY2" fmla="*/ 2553419 h 2570672"/>
+              <a:gd name="connsiteX3" fmla="*/ 4442604 w 5339751"/>
+              <a:gd name="connsiteY3" fmla="*/ 17253 h 2570672"/>
+              <a:gd name="connsiteX4" fmla="*/ 2872596 w 5339751"/>
+              <a:gd name="connsiteY4" fmla="*/ 474453 h 2570672"/>
+              <a:gd name="connsiteX5" fmla="*/ 1302588 w 5339751"/>
+              <a:gd name="connsiteY5" fmla="*/ 0 h 2570672"/>
+              <a:gd name="connsiteX0" fmla="*/ 1302588 w 5564038"/>
+              <a:gd name="connsiteY0" fmla="*/ 0 h 2570672"/>
+              <a:gd name="connsiteX1" fmla="*/ 0 w 5564038"/>
+              <a:gd name="connsiteY1" fmla="*/ 2570672 h 2570672"/>
+              <a:gd name="connsiteX2" fmla="*/ 5564038 w 5564038"/>
+              <a:gd name="connsiteY2" fmla="*/ 2553419 h 2570672"/>
+              <a:gd name="connsiteX3" fmla="*/ 4442604 w 5564038"/>
+              <a:gd name="connsiteY3" fmla="*/ 17253 h 2570672"/>
+              <a:gd name="connsiteX4" fmla="*/ 2872596 w 5564038"/>
+              <a:gd name="connsiteY4" fmla="*/ 474453 h 2570672"/>
+              <a:gd name="connsiteX5" fmla="*/ 1302588 w 5564038"/>
+              <a:gd name="connsiteY5" fmla="*/ 0 h 2570672"/>
+              <a:gd name="connsiteX0" fmla="*/ 1664897 w 5564038"/>
+              <a:gd name="connsiteY0" fmla="*/ 172528 h 2553419"/>
+              <a:gd name="connsiteX1" fmla="*/ 0 w 5564038"/>
+              <a:gd name="connsiteY1" fmla="*/ 2553419 h 2553419"/>
+              <a:gd name="connsiteX2" fmla="*/ 5564038 w 5564038"/>
+              <a:gd name="connsiteY2" fmla="*/ 2536166 h 2553419"/>
+              <a:gd name="connsiteX3" fmla="*/ 4442604 w 5564038"/>
+              <a:gd name="connsiteY3" fmla="*/ 0 h 2553419"/>
+              <a:gd name="connsiteX4" fmla="*/ 2872596 w 5564038"/>
+              <a:gd name="connsiteY4" fmla="*/ 457200 h 2553419"/>
+              <a:gd name="connsiteX5" fmla="*/ 1664897 w 5564038"/>
+              <a:gd name="connsiteY5" fmla="*/ 172528 h 2553419"/>
+              <a:gd name="connsiteX0" fmla="*/ 1664897 w 5564038"/>
+              <a:gd name="connsiteY0" fmla="*/ 172528 h 2553419"/>
+              <a:gd name="connsiteX1" fmla="*/ 0 w 5564038"/>
+              <a:gd name="connsiteY1" fmla="*/ 2553419 h 2553419"/>
+              <a:gd name="connsiteX2" fmla="*/ 5564038 w 5564038"/>
+              <a:gd name="connsiteY2" fmla="*/ 2536166 h 2553419"/>
+              <a:gd name="connsiteX3" fmla="*/ 4442604 w 5564038"/>
+              <a:gd name="connsiteY3" fmla="*/ 0 h 2553419"/>
+              <a:gd name="connsiteX4" fmla="*/ 2872596 w 5564038"/>
+              <a:gd name="connsiteY4" fmla="*/ 457200 h 2553419"/>
+              <a:gd name="connsiteX5" fmla="*/ 1664897 w 5564038"/>
+              <a:gd name="connsiteY5" fmla="*/ 172528 h 2553419"/>
+              <a:gd name="connsiteX0" fmla="*/ 1664897 w 5564038"/>
+              <a:gd name="connsiteY0" fmla="*/ 17253 h 2398144"/>
+              <a:gd name="connsiteX1" fmla="*/ 0 w 5564038"/>
+              <a:gd name="connsiteY1" fmla="*/ 2398144 h 2398144"/>
+              <a:gd name="connsiteX2" fmla="*/ 5564038 w 5564038"/>
+              <a:gd name="connsiteY2" fmla="*/ 2380891 h 2398144"/>
+              <a:gd name="connsiteX3" fmla="*/ 4106174 w 5564038"/>
+              <a:gd name="connsiteY3" fmla="*/ 0 h 2398144"/>
+              <a:gd name="connsiteX4" fmla="*/ 2872596 w 5564038"/>
+              <a:gd name="connsiteY4" fmla="*/ 301925 h 2398144"/>
+              <a:gd name="connsiteX5" fmla="*/ 1664897 w 5564038"/>
+              <a:gd name="connsiteY5" fmla="*/ 17253 h 2398144"/>
+              <a:gd name="connsiteX0" fmla="*/ 1664897 w 5564038"/>
+              <a:gd name="connsiteY0" fmla="*/ 17253 h 2398144"/>
+              <a:gd name="connsiteX1" fmla="*/ 0 w 5564038"/>
+              <a:gd name="connsiteY1" fmla="*/ 2398144 h 2398144"/>
+              <a:gd name="connsiteX2" fmla="*/ 5564038 w 5564038"/>
+              <a:gd name="connsiteY2" fmla="*/ 2380891 h 2398144"/>
+              <a:gd name="connsiteX3" fmla="*/ 4106174 w 5564038"/>
+              <a:gd name="connsiteY3" fmla="*/ 0 h 2398144"/>
+              <a:gd name="connsiteX4" fmla="*/ 2872596 w 5564038"/>
+              <a:gd name="connsiteY4" fmla="*/ 301925 h 2398144"/>
+              <a:gd name="connsiteX5" fmla="*/ 1664897 w 5564038"/>
+              <a:gd name="connsiteY5" fmla="*/ 17253 h 2398144"/>
+              <a:gd name="connsiteX0" fmla="*/ 1621765 w 5564038"/>
+              <a:gd name="connsiteY0" fmla="*/ 0 h 2406770"/>
+              <a:gd name="connsiteX1" fmla="*/ 0 w 5564038"/>
+              <a:gd name="connsiteY1" fmla="*/ 2406770 h 2406770"/>
+              <a:gd name="connsiteX2" fmla="*/ 5564038 w 5564038"/>
+              <a:gd name="connsiteY2" fmla="*/ 2389517 h 2406770"/>
+              <a:gd name="connsiteX3" fmla="*/ 4106174 w 5564038"/>
+              <a:gd name="connsiteY3" fmla="*/ 8626 h 2406770"/>
+              <a:gd name="connsiteX4" fmla="*/ 2872596 w 5564038"/>
+              <a:gd name="connsiteY4" fmla="*/ 310551 h 2406770"/>
+              <a:gd name="connsiteX5" fmla="*/ 1621765 w 5564038"/>
+              <a:gd name="connsiteY5" fmla="*/ 0 h 2406770"/>
+              <a:gd name="connsiteX0" fmla="*/ 1475116 w 5417389"/>
+              <a:gd name="connsiteY0" fmla="*/ 0 h 2415397"/>
+              <a:gd name="connsiteX1" fmla="*/ 0 w 5417389"/>
+              <a:gd name="connsiteY1" fmla="*/ 2415397 h 2415397"/>
+              <a:gd name="connsiteX2" fmla="*/ 5417389 w 5417389"/>
+              <a:gd name="connsiteY2" fmla="*/ 2389517 h 2415397"/>
+              <a:gd name="connsiteX3" fmla="*/ 3959525 w 5417389"/>
+              <a:gd name="connsiteY3" fmla="*/ 8626 h 2415397"/>
+              <a:gd name="connsiteX4" fmla="*/ 2725947 w 5417389"/>
+              <a:gd name="connsiteY4" fmla="*/ 310551 h 2415397"/>
+              <a:gd name="connsiteX5" fmla="*/ 1475116 w 5417389"/>
+              <a:gd name="connsiteY5" fmla="*/ 0 h 2415397"/>
+              <a:gd name="connsiteX0" fmla="*/ 1475116 w 5417389"/>
+              <a:gd name="connsiteY0" fmla="*/ 8627 h 2424024"/>
+              <a:gd name="connsiteX1" fmla="*/ 0 w 5417389"/>
+              <a:gd name="connsiteY1" fmla="*/ 2424024 h 2424024"/>
+              <a:gd name="connsiteX2" fmla="*/ 5417389 w 5417389"/>
+              <a:gd name="connsiteY2" fmla="*/ 2398144 h 2424024"/>
+              <a:gd name="connsiteX3" fmla="*/ 4002657 w 5417389"/>
+              <a:gd name="connsiteY3" fmla="*/ 0 h 2424024"/>
+              <a:gd name="connsiteX4" fmla="*/ 2725947 w 5417389"/>
+              <a:gd name="connsiteY4" fmla="*/ 319178 h 2424024"/>
+              <a:gd name="connsiteX5" fmla="*/ 1475116 w 5417389"/>
+              <a:gd name="connsiteY5" fmla="*/ 8627 h 2424024"/>
+              <a:gd name="connsiteX0" fmla="*/ 1475116 w 5417389"/>
+              <a:gd name="connsiteY0" fmla="*/ 0 h 2415397"/>
+              <a:gd name="connsiteX1" fmla="*/ 0 w 5417389"/>
+              <a:gd name="connsiteY1" fmla="*/ 2415397 h 2415397"/>
+              <a:gd name="connsiteX2" fmla="*/ 5417389 w 5417389"/>
+              <a:gd name="connsiteY2" fmla="*/ 2389517 h 2415397"/>
+              <a:gd name="connsiteX3" fmla="*/ 3950898 w 5417389"/>
+              <a:gd name="connsiteY3" fmla="*/ 0 h 2415397"/>
+              <a:gd name="connsiteX4" fmla="*/ 2725947 w 5417389"/>
+              <a:gd name="connsiteY4" fmla="*/ 310551 h 2415397"/>
+              <a:gd name="connsiteX5" fmla="*/ 1475116 w 5417389"/>
+              <a:gd name="connsiteY5" fmla="*/ 0 h 2415397"/>
+              <a:gd name="connsiteX0" fmla="*/ 1475116 w 5434642"/>
+              <a:gd name="connsiteY0" fmla="*/ 0 h 2415397"/>
+              <a:gd name="connsiteX1" fmla="*/ 0 w 5434642"/>
+              <a:gd name="connsiteY1" fmla="*/ 2415397 h 2415397"/>
+              <a:gd name="connsiteX2" fmla="*/ 5434642 w 5434642"/>
+              <a:gd name="connsiteY2" fmla="*/ 2406770 h 2415397"/>
+              <a:gd name="connsiteX3" fmla="*/ 3950898 w 5434642"/>
+              <a:gd name="connsiteY3" fmla="*/ 0 h 2415397"/>
+              <a:gd name="connsiteX4" fmla="*/ 2725947 w 5434642"/>
+              <a:gd name="connsiteY4" fmla="*/ 310551 h 2415397"/>
+              <a:gd name="connsiteX5" fmla="*/ 1475116 w 5434642"/>
+              <a:gd name="connsiteY5" fmla="*/ 0 h 2415397"/>
+              <a:gd name="connsiteX0" fmla="*/ 1457863 w 5434642"/>
+              <a:gd name="connsiteY0" fmla="*/ 0 h 2432650"/>
+              <a:gd name="connsiteX1" fmla="*/ 0 w 5434642"/>
+              <a:gd name="connsiteY1" fmla="*/ 2432650 h 2432650"/>
+              <a:gd name="connsiteX2" fmla="*/ 5434642 w 5434642"/>
+              <a:gd name="connsiteY2" fmla="*/ 2424023 h 2432650"/>
+              <a:gd name="connsiteX3" fmla="*/ 3950898 w 5434642"/>
+              <a:gd name="connsiteY3" fmla="*/ 17253 h 2432650"/>
+              <a:gd name="connsiteX4" fmla="*/ 2725947 w 5434642"/>
+              <a:gd name="connsiteY4" fmla="*/ 327804 h 2432650"/>
+              <a:gd name="connsiteX5" fmla="*/ 1457863 w 5434642"/>
+              <a:gd name="connsiteY5" fmla="*/ 0 h 2432650"/>
+              <a:gd name="connsiteX0" fmla="*/ 1500995 w 5477774"/>
+              <a:gd name="connsiteY0" fmla="*/ 0 h 2424023"/>
+              <a:gd name="connsiteX1" fmla="*/ 0 w 5477774"/>
+              <a:gd name="connsiteY1" fmla="*/ 2415397 h 2424023"/>
+              <a:gd name="connsiteX2" fmla="*/ 5477774 w 5477774"/>
+              <a:gd name="connsiteY2" fmla="*/ 2424023 h 2424023"/>
+              <a:gd name="connsiteX3" fmla="*/ 3994030 w 5477774"/>
+              <a:gd name="connsiteY3" fmla="*/ 17253 h 2424023"/>
+              <a:gd name="connsiteX4" fmla="*/ 2769079 w 5477774"/>
+              <a:gd name="connsiteY4" fmla="*/ 327804 h 2424023"/>
+              <a:gd name="connsiteX5" fmla="*/ 1500995 w 5477774"/>
+              <a:gd name="connsiteY5" fmla="*/ 0 h 2424023"/>
+              <a:gd name="connsiteX0" fmla="*/ 1475115 w 5477774"/>
+              <a:gd name="connsiteY0" fmla="*/ 25879 h 2406770"/>
+              <a:gd name="connsiteX1" fmla="*/ 0 w 5477774"/>
+              <a:gd name="connsiteY1" fmla="*/ 2398144 h 2406770"/>
+              <a:gd name="connsiteX2" fmla="*/ 5477774 w 5477774"/>
+              <a:gd name="connsiteY2" fmla="*/ 2406770 h 2406770"/>
+              <a:gd name="connsiteX3" fmla="*/ 3994030 w 5477774"/>
+              <a:gd name="connsiteY3" fmla="*/ 0 h 2406770"/>
+              <a:gd name="connsiteX4" fmla="*/ 2769079 w 5477774"/>
+              <a:gd name="connsiteY4" fmla="*/ 310551 h 2406770"/>
+              <a:gd name="connsiteX5" fmla="*/ 1475115 w 5477774"/>
+              <a:gd name="connsiteY5" fmla="*/ 25879 h 2406770"/>
+              <a:gd name="connsiteX0" fmla="*/ 1475115 w 5477774"/>
+              <a:gd name="connsiteY0" fmla="*/ 25879 h 2406770"/>
+              <a:gd name="connsiteX1" fmla="*/ 0 w 5477774"/>
+              <a:gd name="connsiteY1" fmla="*/ 2398144 h 2406770"/>
+              <a:gd name="connsiteX2" fmla="*/ 5477774 w 5477774"/>
+              <a:gd name="connsiteY2" fmla="*/ 2406770 h 2406770"/>
+              <a:gd name="connsiteX3" fmla="*/ 3994030 w 5477774"/>
+              <a:gd name="connsiteY3" fmla="*/ 0 h 2406770"/>
+              <a:gd name="connsiteX4" fmla="*/ 2769079 w 5477774"/>
+              <a:gd name="connsiteY4" fmla="*/ 310551 h 2406770"/>
+              <a:gd name="connsiteX5" fmla="*/ 1475115 w 5477774"/>
+              <a:gd name="connsiteY5" fmla="*/ 25879 h 2406770"/>
+              <a:gd name="connsiteX0" fmla="*/ 1431983 w 5477774"/>
+              <a:gd name="connsiteY0" fmla="*/ 0 h 2406770"/>
+              <a:gd name="connsiteX1" fmla="*/ 0 w 5477774"/>
+              <a:gd name="connsiteY1" fmla="*/ 2398144 h 2406770"/>
+              <a:gd name="connsiteX2" fmla="*/ 5477774 w 5477774"/>
+              <a:gd name="connsiteY2" fmla="*/ 2406770 h 2406770"/>
+              <a:gd name="connsiteX3" fmla="*/ 3994030 w 5477774"/>
+              <a:gd name="connsiteY3" fmla="*/ 0 h 2406770"/>
+              <a:gd name="connsiteX4" fmla="*/ 2769079 w 5477774"/>
+              <a:gd name="connsiteY4" fmla="*/ 310551 h 2406770"/>
+              <a:gd name="connsiteX5" fmla="*/ 1431983 w 5477774"/>
+              <a:gd name="connsiteY5" fmla="*/ 0 h 2406770"/>
+              <a:gd name="connsiteX0" fmla="*/ 1483741 w 5477774"/>
+              <a:gd name="connsiteY0" fmla="*/ 0 h 2406770"/>
+              <a:gd name="connsiteX1" fmla="*/ 0 w 5477774"/>
+              <a:gd name="connsiteY1" fmla="*/ 2398144 h 2406770"/>
+              <a:gd name="connsiteX2" fmla="*/ 5477774 w 5477774"/>
+              <a:gd name="connsiteY2" fmla="*/ 2406770 h 2406770"/>
+              <a:gd name="connsiteX3" fmla="*/ 3994030 w 5477774"/>
+              <a:gd name="connsiteY3" fmla="*/ 0 h 2406770"/>
+              <a:gd name="connsiteX4" fmla="*/ 2769079 w 5477774"/>
+              <a:gd name="connsiteY4" fmla="*/ 310551 h 2406770"/>
+              <a:gd name="connsiteX5" fmla="*/ 1483741 w 5477774"/>
+              <a:gd name="connsiteY5" fmla="*/ 0 h 2406770"/>
+              <a:gd name="connsiteX0" fmla="*/ 1457862 w 5451895"/>
+              <a:gd name="connsiteY0" fmla="*/ 0 h 2415397"/>
+              <a:gd name="connsiteX1" fmla="*/ 0 w 5451895"/>
+              <a:gd name="connsiteY1" fmla="*/ 2415397 h 2415397"/>
+              <a:gd name="connsiteX2" fmla="*/ 5451895 w 5451895"/>
+              <a:gd name="connsiteY2" fmla="*/ 2406770 h 2415397"/>
+              <a:gd name="connsiteX3" fmla="*/ 3968151 w 5451895"/>
+              <a:gd name="connsiteY3" fmla="*/ 0 h 2415397"/>
+              <a:gd name="connsiteX4" fmla="*/ 2743200 w 5451895"/>
+              <a:gd name="connsiteY4" fmla="*/ 310551 h 2415397"/>
+              <a:gd name="connsiteX5" fmla="*/ 1457862 w 5451895"/>
+              <a:gd name="connsiteY5" fmla="*/ 0 h 2415397"/>
+              <a:gd name="connsiteX0" fmla="*/ 1475115 w 5469148"/>
+              <a:gd name="connsiteY0" fmla="*/ 0 h 2406770"/>
+              <a:gd name="connsiteX1" fmla="*/ 0 w 5469148"/>
+              <a:gd name="connsiteY1" fmla="*/ 2389518 h 2406770"/>
+              <a:gd name="connsiteX2" fmla="*/ 5469148 w 5469148"/>
+              <a:gd name="connsiteY2" fmla="*/ 2406770 h 2406770"/>
+              <a:gd name="connsiteX3" fmla="*/ 3985404 w 5469148"/>
+              <a:gd name="connsiteY3" fmla="*/ 0 h 2406770"/>
+              <a:gd name="connsiteX4" fmla="*/ 2760453 w 5469148"/>
+              <a:gd name="connsiteY4" fmla="*/ 310551 h 2406770"/>
+              <a:gd name="connsiteX5" fmla="*/ 1475115 w 5469148"/>
+              <a:gd name="connsiteY5" fmla="*/ 0 h 2406770"/>
+              <a:gd name="connsiteX0" fmla="*/ 1475115 w 5469148"/>
+              <a:gd name="connsiteY0" fmla="*/ 0 h 2415396"/>
+              <a:gd name="connsiteX1" fmla="*/ 0 w 5469148"/>
+              <a:gd name="connsiteY1" fmla="*/ 2398144 h 2415396"/>
+              <a:gd name="connsiteX2" fmla="*/ 5469148 w 5469148"/>
+              <a:gd name="connsiteY2" fmla="*/ 2415396 h 2415396"/>
+              <a:gd name="connsiteX3" fmla="*/ 3985404 w 5469148"/>
+              <a:gd name="connsiteY3" fmla="*/ 8626 h 2415396"/>
+              <a:gd name="connsiteX4" fmla="*/ 2760453 w 5469148"/>
+              <a:gd name="connsiteY4" fmla="*/ 319177 h 2415396"/>
+              <a:gd name="connsiteX5" fmla="*/ 1475115 w 5469148"/>
+              <a:gd name="connsiteY5" fmla="*/ 0 h 2415396"/>
+              <a:gd name="connsiteX0" fmla="*/ 1475115 w 5469148"/>
+              <a:gd name="connsiteY0" fmla="*/ 17253 h 2406770"/>
+              <a:gd name="connsiteX1" fmla="*/ 0 w 5469148"/>
+              <a:gd name="connsiteY1" fmla="*/ 2389518 h 2406770"/>
+              <a:gd name="connsiteX2" fmla="*/ 5469148 w 5469148"/>
+              <a:gd name="connsiteY2" fmla="*/ 2406770 h 2406770"/>
+              <a:gd name="connsiteX3" fmla="*/ 3985404 w 5469148"/>
+              <a:gd name="connsiteY3" fmla="*/ 0 h 2406770"/>
+              <a:gd name="connsiteX4" fmla="*/ 2760453 w 5469148"/>
+              <a:gd name="connsiteY4" fmla="*/ 310551 h 2406770"/>
+              <a:gd name="connsiteX5" fmla="*/ 1475115 w 5469148"/>
+              <a:gd name="connsiteY5" fmla="*/ 17253 h 2406770"/>
+              <a:gd name="connsiteX0" fmla="*/ 1475115 w 5469148"/>
+              <a:gd name="connsiteY0" fmla="*/ 17253 h 2406770"/>
+              <a:gd name="connsiteX1" fmla="*/ 0 w 5469148"/>
+              <a:gd name="connsiteY1" fmla="*/ 2389518 h 2406770"/>
+              <a:gd name="connsiteX2" fmla="*/ 5469148 w 5469148"/>
+              <a:gd name="connsiteY2" fmla="*/ 2406770 h 2406770"/>
+              <a:gd name="connsiteX3" fmla="*/ 3985404 w 5469148"/>
+              <a:gd name="connsiteY3" fmla="*/ 0 h 2406770"/>
+              <a:gd name="connsiteX4" fmla="*/ 2760453 w 5469148"/>
+              <a:gd name="connsiteY4" fmla="*/ 310551 h 2406770"/>
+              <a:gd name="connsiteX5" fmla="*/ 1475115 w 5469148"/>
+              <a:gd name="connsiteY5" fmla="*/ 17253 h 2406770"/>
+              <a:gd name="connsiteX0" fmla="*/ 1475115 w 5469148"/>
+              <a:gd name="connsiteY0" fmla="*/ 17253 h 2406770"/>
+              <a:gd name="connsiteX1" fmla="*/ 0 w 5469148"/>
+              <a:gd name="connsiteY1" fmla="*/ 2398145 h 2406770"/>
+              <a:gd name="connsiteX2" fmla="*/ 5469148 w 5469148"/>
+              <a:gd name="connsiteY2" fmla="*/ 2406770 h 2406770"/>
+              <a:gd name="connsiteX3" fmla="*/ 3985404 w 5469148"/>
+              <a:gd name="connsiteY3" fmla="*/ 0 h 2406770"/>
+              <a:gd name="connsiteX4" fmla="*/ 2760453 w 5469148"/>
+              <a:gd name="connsiteY4" fmla="*/ 310551 h 2406770"/>
+              <a:gd name="connsiteX5" fmla="*/ 1475115 w 5469148"/>
+              <a:gd name="connsiteY5" fmla="*/ 17253 h 2406770"/>
+              <a:gd name="connsiteX0" fmla="*/ 1768413 w 5762446"/>
+              <a:gd name="connsiteY0" fmla="*/ 17253 h 2406770"/>
+              <a:gd name="connsiteX1" fmla="*/ 0 w 5762446"/>
+              <a:gd name="connsiteY1" fmla="*/ 1164568 h 2406770"/>
+              <a:gd name="connsiteX2" fmla="*/ 5762446 w 5762446"/>
+              <a:gd name="connsiteY2" fmla="*/ 2406770 h 2406770"/>
+              <a:gd name="connsiteX3" fmla="*/ 4278702 w 5762446"/>
+              <a:gd name="connsiteY3" fmla="*/ 0 h 2406770"/>
+              <a:gd name="connsiteX4" fmla="*/ 3053751 w 5762446"/>
+              <a:gd name="connsiteY4" fmla="*/ 310551 h 2406770"/>
+              <a:gd name="connsiteX5" fmla="*/ 1768413 w 5762446"/>
+              <a:gd name="connsiteY5" fmla="*/ 17253 h 2406770"/>
+              <a:gd name="connsiteX0" fmla="*/ 1768413 w 4278702"/>
+              <a:gd name="connsiteY0" fmla="*/ 17253 h 2441276"/>
+              <a:gd name="connsiteX1" fmla="*/ 0 w 4278702"/>
+              <a:gd name="connsiteY1" fmla="*/ 1164568 h 2441276"/>
+              <a:gd name="connsiteX2" fmla="*/ 2424024 w 4278702"/>
+              <a:gd name="connsiteY2" fmla="*/ 2441276 h 2441276"/>
+              <a:gd name="connsiteX3" fmla="*/ 4278702 w 4278702"/>
+              <a:gd name="connsiteY3" fmla="*/ 0 h 2441276"/>
+              <a:gd name="connsiteX4" fmla="*/ 3053751 w 4278702"/>
+              <a:gd name="connsiteY4" fmla="*/ 310551 h 2441276"/>
+              <a:gd name="connsiteX5" fmla="*/ 1768413 w 4278702"/>
+              <a:gd name="connsiteY5" fmla="*/ 17253 h 2441276"/>
+              <a:gd name="connsiteX0" fmla="*/ 1768413 w 4278702"/>
+              <a:gd name="connsiteY0" fmla="*/ 17253 h 2441276"/>
+              <a:gd name="connsiteX1" fmla="*/ 0 w 4278702"/>
+              <a:gd name="connsiteY1" fmla="*/ 1164568 h 2441276"/>
+              <a:gd name="connsiteX2" fmla="*/ 2424024 w 4278702"/>
+              <a:gd name="connsiteY2" fmla="*/ 2441276 h 2441276"/>
+              <a:gd name="connsiteX3" fmla="*/ 4278702 w 4278702"/>
+              <a:gd name="connsiteY3" fmla="*/ 0 h 2441276"/>
+              <a:gd name="connsiteX4" fmla="*/ 2113472 w 4278702"/>
+              <a:gd name="connsiteY4" fmla="*/ 138023 h 2441276"/>
+              <a:gd name="connsiteX5" fmla="*/ 1768413 w 4278702"/>
+              <a:gd name="connsiteY5" fmla="*/ 17253 h 2441276"/>
+              <a:gd name="connsiteX0" fmla="*/ 1768413 w 2424024"/>
+              <a:gd name="connsiteY0" fmla="*/ 0 h 2424023"/>
+              <a:gd name="connsiteX1" fmla="*/ 0 w 2424024"/>
+              <a:gd name="connsiteY1" fmla="*/ 1147315 h 2424023"/>
+              <a:gd name="connsiteX2" fmla="*/ 2424024 w 2424024"/>
+              <a:gd name="connsiteY2" fmla="*/ 2424023 h 2424023"/>
+              <a:gd name="connsiteX3" fmla="*/ 2424023 w 2424024"/>
+              <a:gd name="connsiteY3" fmla="*/ 241540 h 2424023"/>
+              <a:gd name="connsiteX4" fmla="*/ 2113472 w 2424024"/>
+              <a:gd name="connsiteY4" fmla="*/ 120770 h 2424023"/>
+              <a:gd name="connsiteX5" fmla="*/ 1768413 w 2424024"/>
+              <a:gd name="connsiteY5" fmla="*/ 0 h 2424023"/>
+              <a:gd name="connsiteX0" fmla="*/ 1768413 w 2424024"/>
+              <a:gd name="connsiteY0" fmla="*/ 0 h 2424023"/>
+              <a:gd name="connsiteX1" fmla="*/ 0 w 2424024"/>
+              <a:gd name="connsiteY1" fmla="*/ 1147315 h 2424023"/>
+              <a:gd name="connsiteX2" fmla="*/ 2424024 w 2424024"/>
+              <a:gd name="connsiteY2" fmla="*/ 2424023 h 2424023"/>
+              <a:gd name="connsiteX3" fmla="*/ 2424023 w 2424024"/>
+              <a:gd name="connsiteY3" fmla="*/ 241540 h 2424023"/>
+              <a:gd name="connsiteX4" fmla="*/ 2044461 w 2424024"/>
+              <a:gd name="connsiteY4" fmla="*/ 163902 h 2424023"/>
+              <a:gd name="connsiteX5" fmla="*/ 1768413 w 2424024"/>
+              <a:gd name="connsiteY5" fmla="*/ 0 h 2424023"/>
+              <a:gd name="connsiteX0" fmla="*/ 1768413 w 2424024"/>
+              <a:gd name="connsiteY0" fmla="*/ 0 h 2424023"/>
+              <a:gd name="connsiteX1" fmla="*/ 0 w 2424024"/>
+              <a:gd name="connsiteY1" fmla="*/ 1147315 h 2424023"/>
+              <a:gd name="connsiteX2" fmla="*/ 2424024 w 2424024"/>
+              <a:gd name="connsiteY2" fmla="*/ 2424023 h 2424023"/>
+              <a:gd name="connsiteX3" fmla="*/ 2424023 w 2424024"/>
+              <a:gd name="connsiteY3" fmla="*/ 241540 h 2424023"/>
+              <a:gd name="connsiteX4" fmla="*/ 2044461 w 2424024"/>
+              <a:gd name="connsiteY4" fmla="*/ 163902 h 2424023"/>
+              <a:gd name="connsiteX5" fmla="*/ 1768413 w 2424024"/>
+              <a:gd name="connsiteY5" fmla="*/ 0 h 2424023"/>
+              <a:gd name="connsiteX0" fmla="*/ 1768413 w 2424024"/>
+              <a:gd name="connsiteY0" fmla="*/ 0 h 2424023"/>
+              <a:gd name="connsiteX1" fmla="*/ 0 w 2424024"/>
+              <a:gd name="connsiteY1" fmla="*/ 1147315 h 2424023"/>
+              <a:gd name="connsiteX2" fmla="*/ 2424024 w 2424024"/>
+              <a:gd name="connsiteY2" fmla="*/ 2424023 h 2424023"/>
+              <a:gd name="connsiteX3" fmla="*/ 2424023 w 2424024"/>
+              <a:gd name="connsiteY3" fmla="*/ 241540 h 2424023"/>
+              <a:gd name="connsiteX4" fmla="*/ 2044461 w 2424024"/>
+              <a:gd name="connsiteY4" fmla="*/ 163902 h 2424023"/>
+              <a:gd name="connsiteX5" fmla="*/ 1768413 w 2424024"/>
+              <a:gd name="connsiteY5" fmla="*/ 0 h 2424023"/>
+              <a:gd name="connsiteX0" fmla="*/ 1768413 w 2424024"/>
+              <a:gd name="connsiteY0" fmla="*/ 0 h 2424023"/>
+              <a:gd name="connsiteX1" fmla="*/ 0 w 2424024"/>
+              <a:gd name="connsiteY1" fmla="*/ 1147315 h 2424023"/>
+              <a:gd name="connsiteX2" fmla="*/ 2424024 w 2424024"/>
+              <a:gd name="connsiteY2" fmla="*/ 2424023 h 2424023"/>
+              <a:gd name="connsiteX3" fmla="*/ 2424023 w 2424024"/>
+              <a:gd name="connsiteY3" fmla="*/ 241540 h 2424023"/>
+              <a:gd name="connsiteX4" fmla="*/ 2044461 w 2424024"/>
+              <a:gd name="connsiteY4" fmla="*/ 172528 h 2424023"/>
+              <a:gd name="connsiteX5" fmla="*/ 1768413 w 2424024"/>
+              <a:gd name="connsiteY5" fmla="*/ 0 h 2424023"/>
+              <a:gd name="connsiteX0" fmla="*/ 1768413 w 2424024"/>
+              <a:gd name="connsiteY0" fmla="*/ 0 h 2424023"/>
+              <a:gd name="connsiteX1" fmla="*/ 0 w 2424024"/>
+              <a:gd name="connsiteY1" fmla="*/ 1147315 h 2424023"/>
+              <a:gd name="connsiteX2" fmla="*/ 2424024 w 2424024"/>
+              <a:gd name="connsiteY2" fmla="*/ 2424023 h 2424023"/>
+              <a:gd name="connsiteX3" fmla="*/ 2424023 w 2424024"/>
+              <a:gd name="connsiteY3" fmla="*/ 241540 h 2424023"/>
+              <a:gd name="connsiteX4" fmla="*/ 2044461 w 2424024"/>
+              <a:gd name="connsiteY4" fmla="*/ 172528 h 2424023"/>
+              <a:gd name="connsiteX5" fmla="*/ 1768413 w 2424024"/>
+              <a:gd name="connsiteY5" fmla="*/ 0 h 2424023"/>
+              <a:gd name="connsiteX0" fmla="*/ 1768413 w 2424024"/>
+              <a:gd name="connsiteY0" fmla="*/ 0 h 2424023"/>
+              <a:gd name="connsiteX1" fmla="*/ 0 w 2424024"/>
+              <a:gd name="connsiteY1" fmla="*/ 1147315 h 2424023"/>
+              <a:gd name="connsiteX2" fmla="*/ 2424024 w 2424024"/>
+              <a:gd name="connsiteY2" fmla="*/ 2424023 h 2424023"/>
+              <a:gd name="connsiteX3" fmla="*/ 2424023 w 2424024"/>
+              <a:gd name="connsiteY3" fmla="*/ 241540 h 2424023"/>
+              <a:gd name="connsiteX4" fmla="*/ 2044461 w 2424024"/>
+              <a:gd name="connsiteY4" fmla="*/ 146648 h 2424023"/>
+              <a:gd name="connsiteX5" fmla="*/ 1768413 w 2424024"/>
+              <a:gd name="connsiteY5" fmla="*/ 0 h 2424023"/>
+              <a:gd name="connsiteX0" fmla="*/ 1759786 w 2424024"/>
+              <a:gd name="connsiteY0" fmla="*/ 0 h 2449903"/>
+              <a:gd name="connsiteX1" fmla="*/ 0 w 2424024"/>
+              <a:gd name="connsiteY1" fmla="*/ 1173195 h 2449903"/>
+              <a:gd name="connsiteX2" fmla="*/ 2424024 w 2424024"/>
+              <a:gd name="connsiteY2" fmla="*/ 2449903 h 2449903"/>
+              <a:gd name="connsiteX3" fmla="*/ 2424023 w 2424024"/>
+              <a:gd name="connsiteY3" fmla="*/ 267420 h 2449903"/>
+              <a:gd name="connsiteX4" fmla="*/ 2044461 w 2424024"/>
+              <a:gd name="connsiteY4" fmla="*/ 172528 h 2449903"/>
+              <a:gd name="connsiteX5" fmla="*/ 1759786 w 2424024"/>
+              <a:gd name="connsiteY5" fmla="*/ 0 h 2449903"/>
+              <a:gd name="connsiteX0" fmla="*/ 1759786 w 2424024"/>
+              <a:gd name="connsiteY0" fmla="*/ 0 h 2449903"/>
+              <a:gd name="connsiteX1" fmla="*/ 0 w 2424024"/>
+              <a:gd name="connsiteY1" fmla="*/ 1173195 h 2449903"/>
+              <a:gd name="connsiteX2" fmla="*/ 1208418 w 2424024"/>
+              <a:gd name="connsiteY2" fmla="*/ 1802872 h 2449903"/>
+              <a:gd name="connsiteX3" fmla="*/ 2424024 w 2424024"/>
+              <a:gd name="connsiteY3" fmla="*/ 2449903 h 2449903"/>
+              <a:gd name="connsiteX4" fmla="*/ 2424023 w 2424024"/>
+              <a:gd name="connsiteY4" fmla="*/ 267420 h 2449903"/>
+              <a:gd name="connsiteX5" fmla="*/ 2044461 w 2424024"/>
+              <a:gd name="connsiteY5" fmla="*/ 172528 h 2449903"/>
+              <a:gd name="connsiteX6" fmla="*/ 1759786 w 2424024"/>
+              <a:gd name="connsiteY6" fmla="*/ 0 h 2449903"/>
+              <a:gd name="connsiteX0" fmla="*/ 1759786 w 2424024"/>
+              <a:gd name="connsiteY0" fmla="*/ 0 h 2449903"/>
+              <a:gd name="connsiteX1" fmla="*/ 0 w 2424024"/>
+              <a:gd name="connsiteY1" fmla="*/ 1173195 h 2449903"/>
+              <a:gd name="connsiteX2" fmla="*/ 1104901 w 2424024"/>
+              <a:gd name="connsiteY2" fmla="*/ 2104796 h 2449903"/>
+              <a:gd name="connsiteX3" fmla="*/ 2424024 w 2424024"/>
+              <a:gd name="connsiteY3" fmla="*/ 2449903 h 2449903"/>
+              <a:gd name="connsiteX4" fmla="*/ 2424023 w 2424024"/>
+              <a:gd name="connsiteY4" fmla="*/ 267420 h 2449903"/>
+              <a:gd name="connsiteX5" fmla="*/ 2044461 w 2424024"/>
+              <a:gd name="connsiteY5" fmla="*/ 172528 h 2449903"/>
+              <a:gd name="connsiteX6" fmla="*/ 1759786 w 2424024"/>
+              <a:gd name="connsiteY6" fmla="*/ 0 h 2449903"/>
+              <a:gd name="connsiteX0" fmla="*/ 1759786 w 2424024"/>
+              <a:gd name="connsiteY0" fmla="*/ 0 h 2449903"/>
+              <a:gd name="connsiteX1" fmla="*/ 0 w 2424024"/>
+              <a:gd name="connsiteY1" fmla="*/ 1173195 h 2449903"/>
+              <a:gd name="connsiteX2" fmla="*/ 1104901 w 2424024"/>
+              <a:gd name="connsiteY2" fmla="*/ 2104796 h 2449903"/>
+              <a:gd name="connsiteX3" fmla="*/ 2424024 w 2424024"/>
+              <a:gd name="connsiteY3" fmla="*/ 2449903 h 2449903"/>
+              <a:gd name="connsiteX4" fmla="*/ 2424023 w 2424024"/>
+              <a:gd name="connsiteY4" fmla="*/ 267420 h 2449903"/>
+              <a:gd name="connsiteX5" fmla="*/ 2044461 w 2424024"/>
+              <a:gd name="connsiteY5" fmla="*/ 172528 h 2449903"/>
+              <a:gd name="connsiteX6" fmla="*/ 1759786 w 2424024"/>
+              <a:gd name="connsiteY6" fmla="*/ 0 h 2449903"/>
+              <a:gd name="connsiteX0" fmla="*/ 1759786 w 2424024"/>
+              <a:gd name="connsiteY0" fmla="*/ 0 h 2449903"/>
+              <a:gd name="connsiteX1" fmla="*/ 0 w 2424024"/>
+              <a:gd name="connsiteY1" fmla="*/ 1173195 h 2449903"/>
+              <a:gd name="connsiteX2" fmla="*/ 1104901 w 2424024"/>
+              <a:gd name="connsiteY2" fmla="*/ 2104796 h 2449903"/>
+              <a:gd name="connsiteX3" fmla="*/ 2424024 w 2424024"/>
+              <a:gd name="connsiteY3" fmla="*/ 2449903 h 2449903"/>
+              <a:gd name="connsiteX4" fmla="*/ 2424023 w 2424024"/>
+              <a:gd name="connsiteY4" fmla="*/ 267420 h 2449903"/>
+              <a:gd name="connsiteX5" fmla="*/ 2044461 w 2424024"/>
+              <a:gd name="connsiteY5" fmla="*/ 172528 h 2449903"/>
+              <a:gd name="connsiteX6" fmla="*/ 1759786 w 2424024"/>
+              <a:gd name="connsiteY6" fmla="*/ 0 h 2449903"/>
+              <a:gd name="connsiteX0" fmla="*/ 1769803 w 2434041"/>
+              <a:gd name="connsiteY0" fmla="*/ 0 h 2555138"/>
+              <a:gd name="connsiteX1" fmla="*/ 10017 w 2434041"/>
+              <a:gd name="connsiteY1" fmla="*/ 1173195 h 2555138"/>
+              <a:gd name="connsiteX2" fmla="*/ 1114918 w 2434041"/>
+              <a:gd name="connsiteY2" fmla="*/ 2104796 h 2555138"/>
+              <a:gd name="connsiteX3" fmla="*/ 2434041 w 2434041"/>
+              <a:gd name="connsiteY3" fmla="*/ 2449903 h 2555138"/>
+              <a:gd name="connsiteX4" fmla="*/ 2434040 w 2434041"/>
+              <a:gd name="connsiteY4" fmla="*/ 267420 h 2555138"/>
+              <a:gd name="connsiteX5" fmla="*/ 2054478 w 2434041"/>
+              <a:gd name="connsiteY5" fmla="*/ 172528 h 2555138"/>
+              <a:gd name="connsiteX6" fmla="*/ 1769803 w 2434041"/>
+              <a:gd name="connsiteY6" fmla="*/ 0 h 2555138"/>
+              <a:gd name="connsiteX0" fmla="*/ 1759786 w 2424024"/>
+              <a:gd name="connsiteY0" fmla="*/ 0 h 2555138"/>
+              <a:gd name="connsiteX1" fmla="*/ 0 w 2424024"/>
+              <a:gd name="connsiteY1" fmla="*/ 1173195 h 2555138"/>
+              <a:gd name="connsiteX2" fmla="*/ 1104901 w 2424024"/>
+              <a:gd name="connsiteY2" fmla="*/ 2104796 h 2555138"/>
+              <a:gd name="connsiteX3" fmla="*/ 2424024 w 2424024"/>
+              <a:gd name="connsiteY3" fmla="*/ 2449903 h 2555138"/>
+              <a:gd name="connsiteX4" fmla="*/ 2424023 w 2424024"/>
+              <a:gd name="connsiteY4" fmla="*/ 267420 h 2555138"/>
+              <a:gd name="connsiteX5" fmla="*/ 2044461 w 2424024"/>
+              <a:gd name="connsiteY5" fmla="*/ 172528 h 2555138"/>
+              <a:gd name="connsiteX6" fmla="*/ 1759786 w 2424024"/>
+              <a:gd name="connsiteY6" fmla="*/ 0 h 2555138"/>
+              <a:gd name="connsiteX0" fmla="*/ 1759786 w 2424024"/>
+              <a:gd name="connsiteY0" fmla="*/ 0 h 2451917"/>
+              <a:gd name="connsiteX1" fmla="*/ 0 w 2424024"/>
+              <a:gd name="connsiteY1" fmla="*/ 1173195 h 2451917"/>
+              <a:gd name="connsiteX2" fmla="*/ 1104901 w 2424024"/>
+              <a:gd name="connsiteY2" fmla="*/ 2104796 h 2451917"/>
+              <a:gd name="connsiteX3" fmla="*/ 2424024 w 2424024"/>
+              <a:gd name="connsiteY3" fmla="*/ 2449903 h 2451917"/>
+              <a:gd name="connsiteX4" fmla="*/ 2424023 w 2424024"/>
+              <a:gd name="connsiteY4" fmla="*/ 267420 h 2451917"/>
+              <a:gd name="connsiteX5" fmla="*/ 2044461 w 2424024"/>
+              <a:gd name="connsiteY5" fmla="*/ 172528 h 2451917"/>
+              <a:gd name="connsiteX6" fmla="*/ 1759786 w 2424024"/>
+              <a:gd name="connsiteY6" fmla="*/ 0 h 2451917"/>
+            </a:gdLst>
+            <a:ahLst/>
+            <a:cxnLst>
+              <a:cxn ang="0">
+                <a:pos x="connsiteX0" y="connsiteY0"/>
+              </a:cxn>
+              <a:cxn ang="0">
+                <a:pos x="connsiteX1" y="connsiteY1"/>
+              </a:cxn>
+              <a:cxn ang="0">
+                <a:pos x="connsiteX2" y="connsiteY2"/>
+              </a:cxn>
+              <a:cxn ang="0">
+                <a:pos x="connsiteX3" y="connsiteY3"/>
+              </a:cxn>
+              <a:cxn ang="0">
+                <a:pos x="connsiteX4" y="connsiteY4"/>
+              </a:cxn>
+              <a:cxn ang="0">
+                <a:pos x="connsiteX5" y="connsiteY5"/>
+              </a:cxn>
+              <a:cxn ang="0">
+                <a:pos x="connsiteX6" y="connsiteY6"/>
+              </a:cxn>
+            </a:cxnLst>
+            <a:rect l="l" t="t" r="r" b="b"/>
+            <a:pathLst>
+              <a:path w="2424024" h="2451917">
+                <a:moveTo>
+                  <a:pt x="1759786" y="0"/>
+                </a:moveTo>
+                <a:lnTo>
+                  <a:pt x="0" y="1173195"/>
+                </a:lnTo>
+                <a:cubicBezTo>
+                  <a:pt x="279041" y="1532621"/>
+                  <a:pt x="700897" y="1892011"/>
+                  <a:pt x="1104901" y="2104796"/>
+                </a:cubicBezTo>
+                <a:cubicBezTo>
+                  <a:pt x="1508905" y="2317581"/>
+                  <a:pt x="2109280" y="2471461"/>
+                  <a:pt x="2424024" y="2449903"/>
+                </a:cubicBezTo>
+                <a:cubicBezTo>
+                  <a:pt x="2424024" y="1722409"/>
+                  <a:pt x="2424023" y="994914"/>
+                  <a:pt x="2424023" y="267420"/>
+                </a:cubicBezTo>
+                <a:cubicBezTo>
+                  <a:pt x="2212677" y="254480"/>
+                  <a:pt x="2155167" y="217098"/>
+                  <a:pt x="2044461" y="172528"/>
+                </a:cubicBezTo>
+                <a:cubicBezTo>
+                  <a:pt x="1933755" y="127958"/>
+                  <a:pt x="2057397" y="185468"/>
+                  <a:pt x="1759786" y="0"/>
+                </a:cubicBezTo>
+                <a:close/>
+              </a:path>
+            </a:pathLst>
+          </a:custGeom>
+          <a:solidFill>
+            <a:srgbClr val="FFC000">
+              <a:alpha val="50196"/>
+            </a:srgbClr>
+          </a:solidFill>
+          <a:ln w="28575">
+            <a:solidFill>
+              <a:srgbClr val="FF0000"/>
+            </a:solidFill>
+          </a:ln>
+        </p:spPr>
+        <p:style>
+          <a:lnRef idx="2">
+            <a:schemeClr val="accent1">
+              <a:shade val="50000"/>
+            </a:schemeClr>
+          </a:lnRef>
+          <a:fillRef idx="1">
+            <a:schemeClr val="accent1"/>
+          </a:fillRef>
+          <a:effectRef idx="0">
+            <a:schemeClr val="accent1"/>
+          </a:effectRef>
+          <a:fontRef idx="minor">
+            <a:schemeClr val="lt1"/>
+          </a:fontRef>
+        </p:style>
+        <p:txBody>
+          <a:bodyPr rtlCol="0" anchor="ctr"/>
+          <a:lstStyle/>
+          <a:p>
+            <a:pPr algn="ctr"/>
+            <a:endParaRPr lang="en-US" dirty="0"/>
           </a:p>
         </p:txBody>
       </p:sp>
